--- a/FTALive/Networking/images/figure.pptx
+++ b/FTALive/Networking/images/figure.pptx
@@ -8,6 +8,8 @@
     <p:sldId id="257" r:id="rId2"/>
     <p:sldId id="258" r:id="rId3"/>
     <p:sldId id="259" r:id="rId4"/>
+    <p:sldId id="260" r:id="rId5"/>
+    <p:sldId id="261" r:id="rId6"/>
   </p:sldIdLst>
   <p:sldSz cx="12192000" cy="6858000"/>
   <p:notesSz cx="6858000" cy="9144000"/>
@@ -26612,6 +26614,6674 @@
 </p:sld>
 </file>
 
+<file path=ppt/slides/slide4.xml><?xml version="1.0" encoding="utf-8"?>
+<p:sld xmlns:a="http://schemas.openxmlformats.org/drawingml/2006/main" xmlns:r="http://schemas.openxmlformats.org/officeDocument/2006/relationships" xmlns:p="http://schemas.openxmlformats.org/presentationml/2006/main">
+  <p:cSld>
+    <p:spTree>
+      <p:nvGrpSpPr>
+        <p:cNvPr id="1" name=""/>
+        <p:cNvGrpSpPr/>
+        <p:nvPr/>
+      </p:nvGrpSpPr>
+      <p:grpSpPr>
+        <a:xfrm>
+          <a:off x="0" y="0"/>
+          <a:ext cx="0" cy="0"/>
+          <a:chOff x="0" y="0"/>
+          <a:chExt cx="0" cy="0"/>
+        </a:xfrm>
+      </p:grpSpPr>
+      <p:sp>
+        <p:nvSpPr>
+          <p:cNvPr id="99" name="楕円 98">
+            <a:extLst>
+              <a:ext uri="{FF2B5EF4-FFF2-40B4-BE49-F238E27FC236}">
+                <a16:creationId xmlns:a16="http://schemas.microsoft.com/office/drawing/2014/main" id="{B5BCA9A8-0368-6C32-E146-AC69A05939FC}"/>
+              </a:ext>
+            </a:extLst>
+          </p:cNvPr>
+          <p:cNvSpPr/>
+          <p:nvPr/>
+        </p:nvSpPr>
+        <p:spPr>
+          <a:xfrm>
+            <a:off x="8067823" y="5173094"/>
+            <a:ext cx="2258961" cy="905972"/>
+          </a:xfrm>
+          <a:prstGeom prst="ellipse">
+            <a:avLst/>
+          </a:prstGeom>
+          <a:solidFill>
+            <a:schemeClr val="accent5">
+              <a:lumMod val="20000"/>
+              <a:lumOff val="80000"/>
+            </a:schemeClr>
+          </a:solidFill>
+          <a:ln>
+            <a:noFill/>
+          </a:ln>
+        </p:spPr>
+        <p:style>
+          <a:lnRef idx="2">
+            <a:schemeClr val="accent1">
+              <a:shade val="50000"/>
+            </a:schemeClr>
+          </a:lnRef>
+          <a:fillRef idx="1">
+            <a:schemeClr val="accent1"/>
+          </a:fillRef>
+          <a:effectRef idx="0">
+            <a:schemeClr val="accent1"/>
+          </a:effectRef>
+          <a:fontRef idx="minor">
+            <a:schemeClr val="lt1"/>
+          </a:fontRef>
+        </p:style>
+        <p:txBody>
+          <a:bodyPr rtlCol="0" anchor="ctr"/>
+          <a:lstStyle/>
+          <a:p>
+            <a:pPr algn="ctr"/>
+            <a:endParaRPr kumimoji="1" lang="ja-JP" altLang="en-US"/>
+          </a:p>
+        </p:txBody>
+      </p:sp>
+      <p:sp>
+        <p:nvSpPr>
+          <p:cNvPr id="93" name="楕円 92">
+            <a:extLst>
+              <a:ext uri="{FF2B5EF4-FFF2-40B4-BE49-F238E27FC236}">
+                <a16:creationId xmlns:a16="http://schemas.microsoft.com/office/drawing/2014/main" id="{BC6F73B4-D6B8-8EDC-06D5-CFFEE85A43C3}"/>
+              </a:ext>
+            </a:extLst>
+          </p:cNvPr>
+          <p:cNvSpPr/>
+          <p:nvPr/>
+        </p:nvSpPr>
+        <p:spPr>
+          <a:xfrm>
+            <a:off x="8067824" y="2665112"/>
+            <a:ext cx="2258961" cy="2429774"/>
+          </a:xfrm>
+          <a:prstGeom prst="ellipse">
+            <a:avLst/>
+          </a:prstGeom>
+          <a:solidFill>
+            <a:schemeClr val="accent5">
+              <a:lumMod val="20000"/>
+              <a:lumOff val="80000"/>
+            </a:schemeClr>
+          </a:solidFill>
+          <a:ln>
+            <a:noFill/>
+          </a:ln>
+        </p:spPr>
+        <p:style>
+          <a:lnRef idx="2">
+            <a:schemeClr val="accent1">
+              <a:shade val="50000"/>
+            </a:schemeClr>
+          </a:lnRef>
+          <a:fillRef idx="1">
+            <a:schemeClr val="accent1"/>
+          </a:fillRef>
+          <a:effectRef idx="0">
+            <a:schemeClr val="accent1"/>
+          </a:effectRef>
+          <a:fontRef idx="minor">
+            <a:schemeClr val="lt1"/>
+          </a:fontRef>
+        </p:style>
+        <p:txBody>
+          <a:bodyPr rtlCol="0" anchor="ctr"/>
+          <a:lstStyle/>
+          <a:p>
+            <a:pPr algn="ctr"/>
+            <a:endParaRPr kumimoji="1" lang="ja-JP" altLang="en-US"/>
+          </a:p>
+        </p:txBody>
+      </p:sp>
+      <p:sp>
+        <p:nvSpPr>
+          <p:cNvPr id="18" name="正方形/長方形 17">
+            <a:extLst>
+              <a:ext uri="{FF2B5EF4-FFF2-40B4-BE49-F238E27FC236}">
+                <a16:creationId xmlns:a16="http://schemas.microsoft.com/office/drawing/2014/main" id="{AED9E03C-4D42-77D1-B198-58546AECE8BE}"/>
+              </a:ext>
+            </a:extLst>
+          </p:cNvPr>
+          <p:cNvSpPr/>
+          <p:nvPr/>
+        </p:nvSpPr>
+        <p:spPr>
+          <a:xfrm>
+            <a:off x="1750588" y="379940"/>
+            <a:ext cx="3945581" cy="1072979"/>
+          </a:xfrm>
+          <a:prstGeom prst="rect">
+            <a:avLst/>
+          </a:prstGeom>
+          <a:noFill/>
+          <a:ln>
+            <a:solidFill>
+              <a:schemeClr val="accent6"/>
+            </a:solidFill>
+          </a:ln>
+        </p:spPr>
+        <p:style>
+          <a:lnRef idx="2">
+            <a:schemeClr val="accent1">
+              <a:shade val="50000"/>
+            </a:schemeClr>
+          </a:lnRef>
+          <a:fillRef idx="1">
+            <a:schemeClr val="accent1"/>
+          </a:fillRef>
+          <a:effectRef idx="0">
+            <a:schemeClr val="accent1"/>
+          </a:effectRef>
+          <a:fontRef idx="minor">
+            <a:schemeClr val="lt1"/>
+          </a:fontRef>
+        </p:style>
+        <p:txBody>
+          <a:bodyPr rtlCol="0" anchor="ctr"/>
+          <a:lstStyle/>
+          <a:p>
+            <a:pPr algn="ctr"/>
+            <a:endParaRPr kumimoji="1" lang="ja-JP" altLang="en-US">
+              <a:latin typeface="Yu Gothic UI" panose="020B0500000000000000" pitchFamily="50" charset="-128"/>
+              <a:ea typeface="Yu Gothic UI" panose="020B0500000000000000" pitchFamily="50" charset="-128"/>
+            </a:endParaRPr>
+          </a:p>
+        </p:txBody>
+      </p:sp>
+      <p:grpSp>
+        <p:nvGrpSpPr>
+          <p:cNvPr id="19" name="グループ化 18">
+            <a:extLst>
+              <a:ext uri="{FF2B5EF4-FFF2-40B4-BE49-F238E27FC236}">
+                <a16:creationId xmlns:a16="http://schemas.microsoft.com/office/drawing/2014/main" id="{33672BDE-E4E3-5F9C-843B-9CF5D51553DF}"/>
+              </a:ext>
+            </a:extLst>
+          </p:cNvPr>
+          <p:cNvGrpSpPr/>
+          <p:nvPr/>
+        </p:nvGrpSpPr>
+        <p:grpSpPr>
+          <a:xfrm>
+            <a:off x="1698999" y="194941"/>
+            <a:ext cx="281657" cy="161721"/>
+            <a:chOff x="7545388" y="5762626"/>
+            <a:chExt cx="577850" cy="331788"/>
+          </a:xfrm>
+        </p:grpSpPr>
+        <p:sp>
+          <p:nvSpPr>
+            <p:cNvPr id="20" name="Freeform 2167">
+              <a:extLst>
+                <a:ext uri="{FF2B5EF4-FFF2-40B4-BE49-F238E27FC236}">
+                  <a16:creationId xmlns:a16="http://schemas.microsoft.com/office/drawing/2014/main" id="{42C30A33-4798-62F6-B313-31BBDFD9C4B3}"/>
+                </a:ext>
+              </a:extLst>
+            </p:cNvPr>
+            <p:cNvSpPr>
+              <a:spLocks/>
+            </p:cNvSpPr>
+            <p:nvPr/>
+          </p:nvSpPr>
+          <p:spPr bwMode="auto">
+            <a:xfrm>
+              <a:off x="7940675" y="5762626"/>
+              <a:ext cx="182563" cy="331788"/>
+            </a:xfrm>
+            <a:custGeom>
+              <a:avLst/>
+              <a:gdLst>
+                <a:gd name="T0" fmla="*/ 62 w 64"/>
+                <a:gd name="T1" fmla="*/ 60 h 116"/>
+                <a:gd name="T2" fmla="*/ 62 w 64"/>
+                <a:gd name="T3" fmla="*/ 53 h 116"/>
+                <a:gd name="T4" fmla="*/ 52 w 64"/>
+                <a:gd name="T5" fmla="*/ 44 h 116"/>
+                <a:gd name="T6" fmla="*/ 9 w 64"/>
+                <a:gd name="T7" fmla="*/ 2 h 116"/>
+                <a:gd name="T8" fmla="*/ 2 w 64"/>
+                <a:gd name="T9" fmla="*/ 2 h 116"/>
+                <a:gd name="T10" fmla="*/ 2 w 64"/>
+                <a:gd name="T11" fmla="*/ 9 h 116"/>
+                <a:gd name="T12" fmla="*/ 48 w 64"/>
+                <a:gd name="T13" fmla="*/ 53 h 116"/>
+                <a:gd name="T14" fmla="*/ 48 w 64"/>
+                <a:gd name="T15" fmla="*/ 60 h 116"/>
+                <a:gd name="T16" fmla="*/ 2 w 64"/>
+                <a:gd name="T17" fmla="*/ 106 h 116"/>
+                <a:gd name="T18" fmla="*/ 2 w 64"/>
+                <a:gd name="T19" fmla="*/ 114 h 116"/>
+                <a:gd name="T20" fmla="*/ 8 w 64"/>
+                <a:gd name="T21" fmla="*/ 114 h 116"/>
+                <a:gd name="T22" fmla="*/ 51 w 64"/>
+                <a:gd name="T23" fmla="*/ 71 h 116"/>
+                <a:gd name="T24" fmla="*/ 52 w 64"/>
+                <a:gd name="T25" fmla="*/ 71 h 116"/>
+                <a:gd name="T26" fmla="*/ 62 w 64"/>
+                <a:gd name="T27" fmla="*/ 60 h 116"/>
+              </a:gdLst>
+              <a:ahLst/>
+              <a:cxnLst>
+                <a:cxn ang="0">
+                  <a:pos x="T0" y="T1"/>
+                </a:cxn>
+                <a:cxn ang="0">
+                  <a:pos x="T2" y="T3"/>
+                </a:cxn>
+                <a:cxn ang="0">
+                  <a:pos x="T4" y="T5"/>
+                </a:cxn>
+                <a:cxn ang="0">
+                  <a:pos x="T6" y="T7"/>
+                </a:cxn>
+                <a:cxn ang="0">
+                  <a:pos x="T8" y="T9"/>
+                </a:cxn>
+                <a:cxn ang="0">
+                  <a:pos x="T10" y="T11"/>
+                </a:cxn>
+                <a:cxn ang="0">
+                  <a:pos x="T12" y="T13"/>
+                </a:cxn>
+                <a:cxn ang="0">
+                  <a:pos x="T14" y="T15"/>
+                </a:cxn>
+                <a:cxn ang="0">
+                  <a:pos x="T16" y="T17"/>
+                </a:cxn>
+                <a:cxn ang="0">
+                  <a:pos x="T18" y="T19"/>
+                </a:cxn>
+                <a:cxn ang="0">
+                  <a:pos x="T20" y="T21"/>
+                </a:cxn>
+                <a:cxn ang="0">
+                  <a:pos x="T22" y="T23"/>
+                </a:cxn>
+                <a:cxn ang="0">
+                  <a:pos x="T24" y="T25"/>
+                </a:cxn>
+                <a:cxn ang="0">
+                  <a:pos x="T26" y="T27"/>
+                </a:cxn>
+              </a:cxnLst>
+              <a:rect l="0" t="0" r="r" b="b"/>
+              <a:pathLst>
+                <a:path w="64" h="116">
+                  <a:moveTo>
+                    <a:pt x="62" y="60"/>
+                  </a:moveTo>
+                  <a:cubicBezTo>
+                    <a:pt x="64" y="58"/>
+                    <a:pt x="64" y="55"/>
+                    <a:pt x="62" y="53"/>
+                  </a:cubicBezTo>
+                  <a:cubicBezTo>
+                    <a:pt x="52" y="44"/>
+                    <a:pt x="52" y="44"/>
+                    <a:pt x="52" y="44"/>
+                  </a:cubicBezTo>
+                  <a:cubicBezTo>
+                    <a:pt x="9" y="2"/>
+                    <a:pt x="9" y="2"/>
+                    <a:pt x="9" y="2"/>
+                  </a:cubicBezTo>
+                  <a:cubicBezTo>
+                    <a:pt x="7" y="0"/>
+                    <a:pt x="4" y="0"/>
+                    <a:pt x="2" y="2"/>
+                  </a:cubicBezTo>
+                  <a:cubicBezTo>
+                    <a:pt x="0" y="4"/>
+                    <a:pt x="0" y="7"/>
+                    <a:pt x="2" y="9"/>
+                  </a:cubicBezTo>
+                  <a:cubicBezTo>
+                    <a:pt x="48" y="53"/>
+                    <a:pt x="48" y="53"/>
+                    <a:pt x="48" y="53"/>
+                  </a:cubicBezTo>
+                  <a:cubicBezTo>
+                    <a:pt x="50" y="55"/>
+                    <a:pt x="50" y="58"/>
+                    <a:pt x="48" y="60"/>
+                  </a:cubicBezTo>
+                  <a:cubicBezTo>
+                    <a:pt x="2" y="106"/>
+                    <a:pt x="2" y="106"/>
+                    <a:pt x="2" y="106"/>
+                  </a:cubicBezTo>
+                  <a:cubicBezTo>
+                    <a:pt x="0" y="108"/>
+                    <a:pt x="0" y="112"/>
+                    <a:pt x="2" y="114"/>
+                  </a:cubicBezTo>
+                  <a:cubicBezTo>
+                    <a:pt x="4" y="116"/>
+                    <a:pt x="7" y="115"/>
+                    <a:pt x="8" y="114"/>
+                  </a:cubicBezTo>
+                  <a:cubicBezTo>
+                    <a:pt x="51" y="71"/>
+                    <a:pt x="51" y="71"/>
+                    <a:pt x="51" y="71"/>
+                  </a:cubicBezTo>
+                  <a:cubicBezTo>
+                    <a:pt x="51" y="71"/>
+                    <a:pt x="51" y="71"/>
+                    <a:pt x="52" y="71"/>
+                  </a:cubicBezTo>
+                  <a:lnTo>
+                    <a:pt x="62" y="60"/>
+                  </a:lnTo>
+                  <a:close/>
+                </a:path>
+              </a:pathLst>
+            </a:custGeom>
+            <a:solidFill>
+              <a:srgbClr val="3999C6"/>
+            </a:solidFill>
+            <a:ln>
+              <a:noFill/>
+            </a:ln>
+            <a:extLst>
+              <a:ext uri="{91240B29-F687-4F45-9708-019B960494DF}">
+                <a14:hiddenLine xmlns:a14="http://schemas.microsoft.com/office/drawing/2010/main" w="9525">
+                  <a:solidFill>
+                    <a:srgbClr val="000000"/>
+                  </a:solidFill>
+                  <a:round/>
+                  <a:headEnd/>
+                  <a:tailEnd/>
+                </a14:hiddenLine>
+              </a:ext>
+            </a:extLst>
+          </p:spPr>
+          <p:txBody>
+            <a:bodyPr vert="horz" wrap="square" lIns="91440" tIns="45720" rIns="91440" bIns="45720" numCol="1" anchor="t" anchorCtr="0" compatLnSpc="1">
+              <a:prstTxWarp prst="textNoShape">
+                <a:avLst/>
+              </a:prstTxWarp>
+            </a:bodyPr>
+            <a:lstStyle/>
+            <a:p>
+              <a:endParaRPr lang="ja-JP" altLang="en-US" sz="2400">
+                <a:latin typeface="Yu Gothic UI" panose="020B0500000000000000" pitchFamily="50" charset="-128"/>
+                <a:ea typeface="Yu Gothic UI" panose="020B0500000000000000" pitchFamily="50" charset="-128"/>
+              </a:endParaRPr>
+            </a:p>
+          </p:txBody>
+        </p:sp>
+        <p:sp>
+          <p:nvSpPr>
+            <p:cNvPr id="21" name="Freeform 2168">
+              <a:extLst>
+                <a:ext uri="{FF2B5EF4-FFF2-40B4-BE49-F238E27FC236}">
+                  <a16:creationId xmlns:a16="http://schemas.microsoft.com/office/drawing/2014/main" id="{E8A69233-2BDE-DF33-049C-6D08E62D39C4}"/>
+                </a:ext>
+              </a:extLst>
+            </p:cNvPr>
+            <p:cNvSpPr>
+              <a:spLocks/>
+            </p:cNvSpPr>
+            <p:nvPr/>
+          </p:nvSpPr>
+          <p:spPr bwMode="auto">
+            <a:xfrm>
+              <a:off x="7545388" y="5762626"/>
+              <a:ext cx="185738" cy="331788"/>
+            </a:xfrm>
+            <a:custGeom>
+              <a:avLst/>
+              <a:gdLst>
+                <a:gd name="T0" fmla="*/ 2 w 65"/>
+                <a:gd name="T1" fmla="*/ 60 h 116"/>
+                <a:gd name="T2" fmla="*/ 2 w 65"/>
+                <a:gd name="T3" fmla="*/ 53 h 116"/>
+                <a:gd name="T4" fmla="*/ 12 w 65"/>
+                <a:gd name="T5" fmla="*/ 44 h 116"/>
+                <a:gd name="T6" fmla="*/ 55 w 65"/>
+                <a:gd name="T7" fmla="*/ 2 h 116"/>
+                <a:gd name="T8" fmla="*/ 62 w 65"/>
+                <a:gd name="T9" fmla="*/ 2 h 116"/>
+                <a:gd name="T10" fmla="*/ 62 w 65"/>
+                <a:gd name="T11" fmla="*/ 9 h 116"/>
+                <a:gd name="T12" fmla="*/ 18 w 65"/>
+                <a:gd name="T13" fmla="*/ 53 h 116"/>
+                <a:gd name="T14" fmla="*/ 18 w 65"/>
+                <a:gd name="T15" fmla="*/ 60 h 116"/>
+                <a:gd name="T16" fmla="*/ 63 w 65"/>
+                <a:gd name="T17" fmla="*/ 106 h 116"/>
+                <a:gd name="T18" fmla="*/ 63 w 65"/>
+                <a:gd name="T19" fmla="*/ 114 h 116"/>
+                <a:gd name="T20" fmla="*/ 56 w 65"/>
+                <a:gd name="T21" fmla="*/ 114 h 116"/>
+                <a:gd name="T22" fmla="*/ 12 w 65"/>
+                <a:gd name="T23" fmla="*/ 72 h 116"/>
+                <a:gd name="T24" fmla="*/ 12 w 65"/>
+                <a:gd name="T25" fmla="*/ 71 h 116"/>
+                <a:gd name="T26" fmla="*/ 2 w 65"/>
+                <a:gd name="T27" fmla="*/ 60 h 116"/>
+              </a:gdLst>
+              <a:ahLst/>
+              <a:cxnLst>
+                <a:cxn ang="0">
+                  <a:pos x="T0" y="T1"/>
+                </a:cxn>
+                <a:cxn ang="0">
+                  <a:pos x="T2" y="T3"/>
+                </a:cxn>
+                <a:cxn ang="0">
+                  <a:pos x="T4" y="T5"/>
+                </a:cxn>
+                <a:cxn ang="0">
+                  <a:pos x="T6" y="T7"/>
+                </a:cxn>
+                <a:cxn ang="0">
+                  <a:pos x="T8" y="T9"/>
+                </a:cxn>
+                <a:cxn ang="0">
+                  <a:pos x="T10" y="T11"/>
+                </a:cxn>
+                <a:cxn ang="0">
+                  <a:pos x="T12" y="T13"/>
+                </a:cxn>
+                <a:cxn ang="0">
+                  <a:pos x="T14" y="T15"/>
+                </a:cxn>
+                <a:cxn ang="0">
+                  <a:pos x="T16" y="T17"/>
+                </a:cxn>
+                <a:cxn ang="0">
+                  <a:pos x="T18" y="T19"/>
+                </a:cxn>
+                <a:cxn ang="0">
+                  <a:pos x="T20" y="T21"/>
+                </a:cxn>
+                <a:cxn ang="0">
+                  <a:pos x="T22" y="T23"/>
+                </a:cxn>
+                <a:cxn ang="0">
+                  <a:pos x="T24" y="T25"/>
+                </a:cxn>
+                <a:cxn ang="0">
+                  <a:pos x="T26" y="T27"/>
+                </a:cxn>
+              </a:cxnLst>
+              <a:rect l="0" t="0" r="r" b="b"/>
+              <a:pathLst>
+                <a:path w="65" h="116">
+                  <a:moveTo>
+                    <a:pt x="2" y="60"/>
+                  </a:moveTo>
+                  <a:cubicBezTo>
+                    <a:pt x="0" y="58"/>
+                    <a:pt x="1" y="55"/>
+                    <a:pt x="2" y="53"/>
+                  </a:cubicBezTo>
+                  <a:cubicBezTo>
+                    <a:pt x="12" y="44"/>
+                    <a:pt x="12" y="44"/>
+                    <a:pt x="12" y="44"/>
+                  </a:cubicBezTo>
+                  <a:cubicBezTo>
+                    <a:pt x="55" y="2"/>
+                    <a:pt x="55" y="2"/>
+                    <a:pt x="55" y="2"/>
+                  </a:cubicBezTo>
+                  <a:cubicBezTo>
+                    <a:pt x="57" y="0"/>
+                    <a:pt x="60" y="0"/>
+                    <a:pt x="62" y="2"/>
+                  </a:cubicBezTo>
+                  <a:cubicBezTo>
+                    <a:pt x="64" y="4"/>
+                    <a:pt x="64" y="7"/>
+                    <a:pt x="62" y="9"/>
+                  </a:cubicBezTo>
+                  <a:cubicBezTo>
+                    <a:pt x="18" y="53"/>
+                    <a:pt x="18" y="53"/>
+                    <a:pt x="18" y="53"/>
+                  </a:cubicBezTo>
+                  <a:cubicBezTo>
+                    <a:pt x="16" y="55"/>
+                    <a:pt x="16" y="58"/>
+                    <a:pt x="18" y="60"/>
+                  </a:cubicBezTo>
+                  <a:cubicBezTo>
+                    <a:pt x="63" y="106"/>
+                    <a:pt x="63" y="106"/>
+                    <a:pt x="63" y="106"/>
+                  </a:cubicBezTo>
+                  <a:cubicBezTo>
+                    <a:pt x="65" y="108"/>
+                    <a:pt x="65" y="112"/>
+                    <a:pt x="63" y="114"/>
+                  </a:cubicBezTo>
+                  <a:cubicBezTo>
+                    <a:pt x="61" y="116"/>
+                    <a:pt x="58" y="115"/>
+                    <a:pt x="56" y="114"/>
+                  </a:cubicBezTo>
+                  <a:cubicBezTo>
+                    <a:pt x="12" y="72"/>
+                    <a:pt x="12" y="72"/>
+                    <a:pt x="12" y="72"/>
+                  </a:cubicBezTo>
+                  <a:cubicBezTo>
+                    <a:pt x="12" y="72"/>
+                    <a:pt x="12" y="72"/>
+                    <a:pt x="12" y="71"/>
+                  </a:cubicBezTo>
+                  <a:lnTo>
+                    <a:pt x="2" y="60"/>
+                  </a:lnTo>
+                  <a:close/>
+                </a:path>
+              </a:pathLst>
+            </a:custGeom>
+            <a:solidFill>
+              <a:srgbClr val="3999C6"/>
+            </a:solidFill>
+            <a:ln>
+              <a:noFill/>
+            </a:ln>
+            <a:extLst>
+              <a:ext uri="{91240B29-F687-4F45-9708-019B960494DF}">
+                <a14:hiddenLine xmlns:a14="http://schemas.microsoft.com/office/drawing/2010/main" w="9525">
+                  <a:solidFill>
+                    <a:srgbClr val="000000"/>
+                  </a:solidFill>
+                  <a:round/>
+                  <a:headEnd/>
+                  <a:tailEnd/>
+                </a14:hiddenLine>
+              </a:ext>
+            </a:extLst>
+          </p:spPr>
+          <p:txBody>
+            <a:bodyPr vert="horz" wrap="square" lIns="91440" tIns="45720" rIns="91440" bIns="45720" numCol="1" anchor="t" anchorCtr="0" compatLnSpc="1">
+              <a:prstTxWarp prst="textNoShape">
+                <a:avLst/>
+              </a:prstTxWarp>
+            </a:bodyPr>
+            <a:lstStyle/>
+            <a:p>
+              <a:endParaRPr lang="ja-JP" altLang="en-US" sz="2400">
+                <a:latin typeface="Yu Gothic UI" panose="020B0500000000000000" pitchFamily="50" charset="-128"/>
+                <a:ea typeface="Yu Gothic UI" panose="020B0500000000000000" pitchFamily="50" charset="-128"/>
+              </a:endParaRPr>
+            </a:p>
+          </p:txBody>
+        </p:sp>
+        <p:sp>
+          <p:nvSpPr>
+            <p:cNvPr id="22" name="Freeform 2169">
+              <a:extLst>
+                <a:ext uri="{FF2B5EF4-FFF2-40B4-BE49-F238E27FC236}">
+                  <a16:creationId xmlns:a16="http://schemas.microsoft.com/office/drawing/2014/main" id="{5B01B7DD-1A3F-FBF5-556D-9F44AD18C208}"/>
+                </a:ext>
+              </a:extLst>
+            </p:cNvPr>
+            <p:cNvSpPr>
+              <a:spLocks/>
+            </p:cNvSpPr>
+            <p:nvPr/>
+          </p:nvSpPr>
+          <p:spPr bwMode="auto">
+            <a:xfrm>
+              <a:off x="7680325" y="5889626"/>
+              <a:ext cx="76200" cy="74613"/>
+            </a:xfrm>
+            <a:custGeom>
+              <a:avLst/>
+              <a:gdLst>
+                <a:gd name="T0" fmla="*/ 27 w 27"/>
+                <a:gd name="T1" fmla="*/ 13 h 26"/>
+                <a:gd name="T2" fmla="*/ 14 w 27"/>
+                <a:gd name="T3" fmla="*/ 26 h 26"/>
+                <a:gd name="T4" fmla="*/ 0 w 27"/>
+                <a:gd name="T5" fmla="*/ 13 h 26"/>
+                <a:gd name="T6" fmla="*/ 14 w 27"/>
+                <a:gd name="T7" fmla="*/ 0 h 26"/>
+                <a:gd name="T8" fmla="*/ 27 w 27"/>
+                <a:gd name="T9" fmla="*/ 13 h 26"/>
+              </a:gdLst>
+              <a:ahLst/>
+              <a:cxnLst>
+                <a:cxn ang="0">
+                  <a:pos x="T0" y="T1"/>
+                </a:cxn>
+                <a:cxn ang="0">
+                  <a:pos x="T2" y="T3"/>
+                </a:cxn>
+                <a:cxn ang="0">
+                  <a:pos x="T4" y="T5"/>
+                </a:cxn>
+                <a:cxn ang="0">
+                  <a:pos x="T6" y="T7"/>
+                </a:cxn>
+                <a:cxn ang="0">
+                  <a:pos x="T8" y="T9"/>
+                </a:cxn>
+              </a:cxnLst>
+              <a:rect l="0" t="0" r="r" b="b"/>
+              <a:pathLst>
+                <a:path w="27" h="26">
+                  <a:moveTo>
+                    <a:pt x="27" y="13"/>
+                  </a:moveTo>
+                  <a:cubicBezTo>
+                    <a:pt x="27" y="20"/>
+                    <a:pt x="21" y="26"/>
+                    <a:pt x="14" y="26"/>
+                  </a:cubicBezTo>
+                  <a:cubicBezTo>
+                    <a:pt x="7" y="26"/>
+                    <a:pt x="0" y="20"/>
+                    <a:pt x="0" y="13"/>
+                  </a:cubicBezTo>
+                  <a:cubicBezTo>
+                    <a:pt x="0" y="6"/>
+                    <a:pt x="5" y="0"/>
+                    <a:pt x="14" y="0"/>
+                  </a:cubicBezTo>
+                  <a:cubicBezTo>
+                    <a:pt x="22" y="0"/>
+                    <a:pt x="27" y="6"/>
+                    <a:pt x="27" y="13"/>
+                  </a:cubicBezTo>
+                  <a:close/>
+                </a:path>
+              </a:pathLst>
+            </a:custGeom>
+            <a:solidFill>
+              <a:srgbClr val="7FBA00"/>
+            </a:solidFill>
+            <a:ln>
+              <a:noFill/>
+            </a:ln>
+            <a:extLst>
+              <a:ext uri="{91240B29-F687-4F45-9708-019B960494DF}">
+                <a14:hiddenLine xmlns:a14="http://schemas.microsoft.com/office/drawing/2010/main" w="9525">
+                  <a:solidFill>
+                    <a:srgbClr val="000000"/>
+                  </a:solidFill>
+                  <a:round/>
+                  <a:headEnd/>
+                  <a:tailEnd/>
+                </a14:hiddenLine>
+              </a:ext>
+            </a:extLst>
+          </p:spPr>
+          <p:txBody>
+            <a:bodyPr vert="horz" wrap="square" lIns="91440" tIns="45720" rIns="91440" bIns="45720" numCol="1" anchor="t" anchorCtr="0" compatLnSpc="1">
+              <a:prstTxWarp prst="textNoShape">
+                <a:avLst/>
+              </a:prstTxWarp>
+            </a:bodyPr>
+            <a:lstStyle/>
+            <a:p>
+              <a:endParaRPr lang="ja-JP" altLang="en-US" sz="2400">
+                <a:latin typeface="Yu Gothic UI" panose="020B0500000000000000" pitchFamily="50" charset="-128"/>
+                <a:ea typeface="Yu Gothic UI" panose="020B0500000000000000" pitchFamily="50" charset="-128"/>
+              </a:endParaRPr>
+            </a:p>
+          </p:txBody>
+        </p:sp>
+        <p:sp>
+          <p:nvSpPr>
+            <p:cNvPr id="23" name="Freeform 2170">
+              <a:extLst>
+                <a:ext uri="{FF2B5EF4-FFF2-40B4-BE49-F238E27FC236}">
+                  <a16:creationId xmlns:a16="http://schemas.microsoft.com/office/drawing/2014/main" id="{1E13982D-C12B-D6C4-B39C-47707EA8A8F7}"/>
+                </a:ext>
+              </a:extLst>
+            </p:cNvPr>
+            <p:cNvSpPr>
+              <a:spLocks/>
+            </p:cNvSpPr>
+            <p:nvPr/>
+          </p:nvSpPr>
+          <p:spPr bwMode="auto">
+            <a:xfrm>
+              <a:off x="7794625" y="5889626"/>
+              <a:ext cx="76200" cy="74613"/>
+            </a:xfrm>
+            <a:custGeom>
+              <a:avLst/>
+              <a:gdLst>
+                <a:gd name="T0" fmla="*/ 27 w 27"/>
+                <a:gd name="T1" fmla="*/ 13 h 26"/>
+                <a:gd name="T2" fmla="*/ 14 w 27"/>
+                <a:gd name="T3" fmla="*/ 26 h 26"/>
+                <a:gd name="T4" fmla="*/ 0 w 27"/>
+                <a:gd name="T5" fmla="*/ 13 h 26"/>
+                <a:gd name="T6" fmla="*/ 14 w 27"/>
+                <a:gd name="T7" fmla="*/ 0 h 26"/>
+                <a:gd name="T8" fmla="*/ 27 w 27"/>
+                <a:gd name="T9" fmla="*/ 13 h 26"/>
+              </a:gdLst>
+              <a:ahLst/>
+              <a:cxnLst>
+                <a:cxn ang="0">
+                  <a:pos x="T0" y="T1"/>
+                </a:cxn>
+                <a:cxn ang="0">
+                  <a:pos x="T2" y="T3"/>
+                </a:cxn>
+                <a:cxn ang="0">
+                  <a:pos x="T4" y="T5"/>
+                </a:cxn>
+                <a:cxn ang="0">
+                  <a:pos x="T6" y="T7"/>
+                </a:cxn>
+                <a:cxn ang="0">
+                  <a:pos x="T8" y="T9"/>
+                </a:cxn>
+              </a:cxnLst>
+              <a:rect l="0" t="0" r="r" b="b"/>
+              <a:pathLst>
+                <a:path w="27" h="26">
+                  <a:moveTo>
+                    <a:pt x="27" y="13"/>
+                  </a:moveTo>
+                  <a:cubicBezTo>
+                    <a:pt x="27" y="20"/>
+                    <a:pt x="21" y="26"/>
+                    <a:pt x="14" y="26"/>
+                  </a:cubicBezTo>
+                  <a:cubicBezTo>
+                    <a:pt x="7" y="26"/>
+                    <a:pt x="0" y="20"/>
+                    <a:pt x="0" y="13"/>
+                  </a:cubicBezTo>
+                  <a:cubicBezTo>
+                    <a:pt x="0" y="6"/>
+                    <a:pt x="7" y="0"/>
+                    <a:pt x="14" y="0"/>
+                  </a:cubicBezTo>
+                  <a:cubicBezTo>
+                    <a:pt x="22" y="0"/>
+                    <a:pt x="27" y="6"/>
+                    <a:pt x="27" y="13"/>
+                  </a:cubicBezTo>
+                  <a:close/>
+                </a:path>
+              </a:pathLst>
+            </a:custGeom>
+            <a:solidFill>
+              <a:srgbClr val="7FBA00"/>
+            </a:solidFill>
+            <a:ln>
+              <a:noFill/>
+            </a:ln>
+            <a:extLst>
+              <a:ext uri="{91240B29-F687-4F45-9708-019B960494DF}">
+                <a14:hiddenLine xmlns:a14="http://schemas.microsoft.com/office/drawing/2010/main" w="9525">
+                  <a:solidFill>
+                    <a:srgbClr val="000000"/>
+                  </a:solidFill>
+                  <a:round/>
+                  <a:headEnd/>
+                  <a:tailEnd/>
+                </a14:hiddenLine>
+              </a:ext>
+            </a:extLst>
+          </p:spPr>
+          <p:txBody>
+            <a:bodyPr vert="horz" wrap="square" lIns="91440" tIns="45720" rIns="91440" bIns="45720" numCol="1" anchor="t" anchorCtr="0" compatLnSpc="1">
+              <a:prstTxWarp prst="textNoShape">
+                <a:avLst/>
+              </a:prstTxWarp>
+            </a:bodyPr>
+            <a:lstStyle/>
+            <a:p>
+              <a:endParaRPr lang="ja-JP" altLang="en-US" sz="2400">
+                <a:latin typeface="Yu Gothic UI" panose="020B0500000000000000" pitchFamily="50" charset="-128"/>
+                <a:ea typeface="Yu Gothic UI" panose="020B0500000000000000" pitchFamily="50" charset="-128"/>
+              </a:endParaRPr>
+            </a:p>
+          </p:txBody>
+        </p:sp>
+        <p:sp>
+          <p:nvSpPr>
+            <p:cNvPr id="24" name="Oval 2171">
+              <a:extLst>
+                <a:ext uri="{FF2B5EF4-FFF2-40B4-BE49-F238E27FC236}">
+                  <a16:creationId xmlns:a16="http://schemas.microsoft.com/office/drawing/2014/main" id="{6D01371D-DCF4-7508-BD99-9988D208C959}"/>
+                </a:ext>
+              </a:extLst>
+            </p:cNvPr>
+            <p:cNvSpPr>
+              <a:spLocks noChangeArrowheads="1"/>
+            </p:cNvSpPr>
+            <p:nvPr/>
+          </p:nvSpPr>
+          <p:spPr bwMode="auto">
+            <a:xfrm>
+              <a:off x="7913688" y="5889626"/>
+              <a:ext cx="74613" cy="74613"/>
+            </a:xfrm>
+            <a:prstGeom prst="ellipse">
+              <a:avLst/>
+            </a:prstGeom>
+            <a:solidFill>
+              <a:srgbClr val="7FBA00"/>
+            </a:solidFill>
+            <a:ln>
+              <a:noFill/>
+            </a:ln>
+            <a:extLst>
+              <a:ext uri="{91240B29-F687-4F45-9708-019B960494DF}">
+                <a14:hiddenLine xmlns:a14="http://schemas.microsoft.com/office/drawing/2010/main" w="9525">
+                  <a:solidFill>
+                    <a:srgbClr val="000000"/>
+                  </a:solidFill>
+                  <a:round/>
+                  <a:headEnd/>
+                  <a:tailEnd/>
+                </a14:hiddenLine>
+              </a:ext>
+            </a:extLst>
+          </p:spPr>
+          <p:txBody>
+            <a:bodyPr vert="horz" wrap="square" lIns="91440" tIns="45720" rIns="91440" bIns="45720" numCol="1" anchor="t" anchorCtr="0" compatLnSpc="1">
+              <a:prstTxWarp prst="textNoShape">
+                <a:avLst/>
+              </a:prstTxWarp>
+            </a:bodyPr>
+            <a:lstStyle/>
+            <a:p>
+              <a:endParaRPr lang="ja-JP" altLang="en-US" sz="2400">
+                <a:latin typeface="Yu Gothic UI" panose="020B0500000000000000" pitchFamily="50" charset="-128"/>
+                <a:ea typeface="Yu Gothic UI" panose="020B0500000000000000" pitchFamily="50" charset="-128"/>
+              </a:endParaRPr>
+            </a:p>
+          </p:txBody>
+        </p:sp>
+      </p:grpSp>
+      <p:sp>
+        <p:nvSpPr>
+          <p:cNvPr id="25" name="テキスト ボックス 24">
+            <a:extLst>
+              <a:ext uri="{FF2B5EF4-FFF2-40B4-BE49-F238E27FC236}">
+                <a16:creationId xmlns:a16="http://schemas.microsoft.com/office/drawing/2014/main" id="{90EEB48F-351B-6F5A-F3AC-00AA0B8E92CF}"/>
+              </a:ext>
+            </a:extLst>
+          </p:cNvPr>
+          <p:cNvSpPr txBox="1"/>
+          <p:nvPr/>
+        </p:nvSpPr>
+        <p:spPr>
+          <a:xfrm>
+            <a:off x="2021485" y="219239"/>
+            <a:ext cx="3076744" cy="153888"/>
+          </a:xfrm>
+          <a:prstGeom prst="rect">
+            <a:avLst/>
+          </a:prstGeom>
+          <a:noFill/>
+        </p:spPr>
+        <p:txBody>
+          <a:bodyPr wrap="square" lIns="0" tIns="0" rIns="0" bIns="0" rtlCol="0">
+            <a:spAutoFit/>
+          </a:bodyPr>
+          <a:lstStyle/>
+          <a:p>
+            <a:r>
+              <a:rPr kumimoji="1" lang="ja-JP" altLang="en-US" sz="1000" dirty="0">
+                <a:latin typeface="Yu Gothic UI" panose="020B0500000000000000" pitchFamily="50" charset="-128"/>
+                <a:ea typeface="Yu Gothic UI" panose="020B0500000000000000" pitchFamily="50" charset="-128"/>
+              </a:rPr>
+              <a:t>仮想ネットワーク</a:t>
+            </a:r>
+            <a:r>
+              <a:rPr kumimoji="1" lang="en-US" altLang="ja-JP" sz="1000" dirty="0">
+                <a:latin typeface="Yu Gothic UI" panose="020B0500000000000000" pitchFamily="50" charset="-128"/>
+                <a:ea typeface="Yu Gothic UI" panose="020B0500000000000000" pitchFamily="50" charset="-128"/>
+              </a:rPr>
+              <a:t>(192.168.0.0/16, 10.0.0.0/8)</a:t>
+            </a:r>
+            <a:endParaRPr kumimoji="1" lang="en-US" sz="1000" dirty="0">
+              <a:latin typeface="Yu Gothic UI" panose="020B0500000000000000" pitchFamily="50" charset="-128"/>
+              <a:ea typeface="Yu Gothic UI" panose="020B0500000000000000" pitchFamily="50" charset="-128"/>
+            </a:endParaRPr>
+          </a:p>
+        </p:txBody>
+      </p:sp>
+      <p:sp>
+        <p:nvSpPr>
+          <p:cNvPr id="26" name="正方形/長方形 25">
+            <a:extLst>
+              <a:ext uri="{FF2B5EF4-FFF2-40B4-BE49-F238E27FC236}">
+                <a16:creationId xmlns:a16="http://schemas.microsoft.com/office/drawing/2014/main" id="{E8CB3B6B-AEE0-4588-C592-28834A214F87}"/>
+              </a:ext>
+            </a:extLst>
+          </p:cNvPr>
+          <p:cNvSpPr/>
+          <p:nvPr/>
+        </p:nvSpPr>
+        <p:spPr>
+          <a:xfrm>
+            <a:off x="1857625" y="647814"/>
+            <a:ext cx="1832131" cy="758281"/>
+          </a:xfrm>
+          <a:prstGeom prst="rect">
+            <a:avLst/>
+          </a:prstGeom>
+          <a:solidFill>
+            <a:schemeClr val="accent6">
+              <a:lumMod val="20000"/>
+              <a:lumOff val="80000"/>
+            </a:schemeClr>
+          </a:solidFill>
+          <a:ln>
+            <a:noFill/>
+          </a:ln>
+        </p:spPr>
+        <p:style>
+          <a:lnRef idx="2">
+            <a:schemeClr val="accent1">
+              <a:shade val="50000"/>
+            </a:schemeClr>
+          </a:lnRef>
+          <a:fillRef idx="1">
+            <a:schemeClr val="accent1"/>
+          </a:fillRef>
+          <a:effectRef idx="0">
+            <a:schemeClr val="accent1"/>
+          </a:effectRef>
+          <a:fontRef idx="minor">
+            <a:schemeClr val="lt1"/>
+          </a:fontRef>
+        </p:style>
+        <p:txBody>
+          <a:bodyPr rtlCol="0" anchor="ctr"/>
+          <a:lstStyle/>
+          <a:p>
+            <a:pPr algn="ctr"/>
+            <a:endParaRPr kumimoji="1" lang="en-US" sz="2400" dirty="0">
+              <a:latin typeface="Yu Gothic UI" panose="020B0500000000000000" pitchFamily="50" charset="-128"/>
+              <a:ea typeface="Yu Gothic UI" panose="020B0500000000000000" pitchFamily="50" charset="-128"/>
+            </a:endParaRPr>
+          </a:p>
+        </p:txBody>
+      </p:sp>
+      <p:pic>
+        <p:nvPicPr>
+          <p:cNvPr id="27" name="グラフィックス 26">
+            <a:extLst>
+              <a:ext uri="{FF2B5EF4-FFF2-40B4-BE49-F238E27FC236}">
+                <a16:creationId xmlns:a16="http://schemas.microsoft.com/office/drawing/2014/main" id="{6BC08351-CC63-2879-4C86-BBC7990C301C}"/>
+              </a:ext>
+            </a:extLst>
+          </p:cNvPr>
+          <p:cNvPicPr>
+            <a:picLocks noChangeAspect="1"/>
+          </p:cNvPicPr>
+          <p:nvPr/>
+        </p:nvPicPr>
+        <p:blipFill>
+          <a:blip r:embed="rId2">
+            <a:extLst>
+              <a:ext uri="{28A0092B-C50C-407E-A947-70E740481C1C}">
+                <a14:useLocalDpi xmlns:a14="http://schemas.microsoft.com/office/drawing/2010/main" val="0"/>
+              </a:ext>
+              <a:ext uri="{96DAC541-7B7A-43D3-8B79-37D633B846F1}">
+                <asvg:svgBlip xmlns:asvg="http://schemas.microsoft.com/office/drawing/2016/SVG/main" r:embed="rId3"/>
+              </a:ext>
+            </a:extLst>
+          </a:blip>
+          <a:stretch>
+            <a:fillRect/>
+          </a:stretch>
+        </p:blipFill>
+        <p:spPr>
+          <a:xfrm>
+            <a:off x="1857625" y="482139"/>
+            <a:ext cx="171450" cy="171450"/>
+          </a:xfrm>
+          <a:prstGeom prst="rect">
+            <a:avLst/>
+          </a:prstGeom>
+        </p:spPr>
+      </p:pic>
+      <p:sp>
+        <p:nvSpPr>
+          <p:cNvPr id="28" name="テキスト ボックス 27">
+            <a:extLst>
+              <a:ext uri="{FF2B5EF4-FFF2-40B4-BE49-F238E27FC236}">
+                <a16:creationId xmlns:a16="http://schemas.microsoft.com/office/drawing/2014/main" id="{77E2CEEE-FBA4-D664-4E3E-E04957A31852}"/>
+              </a:ext>
+            </a:extLst>
+          </p:cNvPr>
+          <p:cNvSpPr txBox="1"/>
+          <p:nvPr/>
+        </p:nvSpPr>
+        <p:spPr>
+          <a:xfrm>
+            <a:off x="1980656" y="678844"/>
+            <a:ext cx="1501347" cy="153888"/>
+          </a:xfrm>
+          <a:prstGeom prst="rect">
+            <a:avLst/>
+          </a:prstGeom>
+          <a:noFill/>
+        </p:spPr>
+        <p:txBody>
+          <a:bodyPr wrap="square" lIns="0" tIns="0" rIns="0" bIns="0" rtlCol="0">
+            <a:spAutoFit/>
+          </a:bodyPr>
+          <a:lstStyle/>
+          <a:p>
+            <a:r>
+              <a:rPr kumimoji="1" lang="ja-JP" altLang="en-US" sz="1000" dirty="0">
+                <a:latin typeface="Yu Gothic UI" panose="020B0500000000000000" pitchFamily="50" charset="-128"/>
+                <a:ea typeface="Yu Gothic UI" panose="020B0500000000000000" pitchFamily="50" charset="-128"/>
+              </a:rPr>
+              <a:t>サブネット</a:t>
+            </a:r>
+            <a:r>
+              <a:rPr kumimoji="1" lang="en-US" altLang="ja-JP" sz="1000" dirty="0">
+                <a:latin typeface="Yu Gothic UI" panose="020B0500000000000000" pitchFamily="50" charset="-128"/>
+                <a:ea typeface="Yu Gothic UI" panose="020B0500000000000000" pitchFamily="50" charset="-128"/>
+              </a:rPr>
+              <a:t>A(192.168.0.0/24)</a:t>
+            </a:r>
+            <a:endParaRPr kumimoji="1" lang="en-US" sz="1000" dirty="0">
+              <a:latin typeface="Yu Gothic UI" panose="020B0500000000000000" pitchFamily="50" charset="-128"/>
+              <a:ea typeface="Yu Gothic UI" panose="020B0500000000000000" pitchFamily="50" charset="-128"/>
+            </a:endParaRPr>
+          </a:p>
+        </p:txBody>
+      </p:sp>
+      <p:sp>
+        <p:nvSpPr>
+          <p:cNvPr id="32" name="正方形/長方形 31">
+            <a:extLst>
+              <a:ext uri="{FF2B5EF4-FFF2-40B4-BE49-F238E27FC236}">
+                <a16:creationId xmlns:a16="http://schemas.microsoft.com/office/drawing/2014/main" id="{07986BE4-3C88-C439-C9E0-6B0E0AD68E1B}"/>
+              </a:ext>
+            </a:extLst>
+          </p:cNvPr>
+          <p:cNvSpPr/>
+          <p:nvPr/>
+        </p:nvSpPr>
+        <p:spPr>
+          <a:xfrm>
+            <a:off x="3776897" y="647814"/>
+            <a:ext cx="1832131" cy="758281"/>
+          </a:xfrm>
+          <a:prstGeom prst="rect">
+            <a:avLst/>
+          </a:prstGeom>
+          <a:solidFill>
+            <a:schemeClr val="accent6">
+              <a:lumMod val="20000"/>
+              <a:lumOff val="80000"/>
+            </a:schemeClr>
+          </a:solidFill>
+          <a:ln>
+            <a:noFill/>
+          </a:ln>
+        </p:spPr>
+        <p:style>
+          <a:lnRef idx="2">
+            <a:schemeClr val="accent1">
+              <a:shade val="50000"/>
+            </a:schemeClr>
+          </a:lnRef>
+          <a:fillRef idx="1">
+            <a:schemeClr val="accent1"/>
+          </a:fillRef>
+          <a:effectRef idx="0">
+            <a:schemeClr val="accent1"/>
+          </a:effectRef>
+          <a:fontRef idx="minor">
+            <a:schemeClr val="lt1"/>
+          </a:fontRef>
+        </p:style>
+        <p:txBody>
+          <a:bodyPr rtlCol="0" anchor="ctr"/>
+          <a:lstStyle/>
+          <a:p>
+            <a:pPr algn="ctr"/>
+            <a:endParaRPr kumimoji="1" lang="en-US" sz="2400" dirty="0">
+              <a:latin typeface="Yu Gothic UI" panose="020B0500000000000000" pitchFamily="50" charset="-128"/>
+              <a:ea typeface="Yu Gothic UI" panose="020B0500000000000000" pitchFamily="50" charset="-128"/>
+            </a:endParaRPr>
+          </a:p>
+        </p:txBody>
+      </p:sp>
+      <p:pic>
+        <p:nvPicPr>
+          <p:cNvPr id="33" name="グラフィックス 32">
+            <a:extLst>
+              <a:ext uri="{FF2B5EF4-FFF2-40B4-BE49-F238E27FC236}">
+                <a16:creationId xmlns:a16="http://schemas.microsoft.com/office/drawing/2014/main" id="{3405CFF7-EDE3-38B4-C17B-EF2965A40723}"/>
+              </a:ext>
+            </a:extLst>
+          </p:cNvPr>
+          <p:cNvPicPr>
+            <a:picLocks noChangeAspect="1"/>
+          </p:cNvPicPr>
+          <p:nvPr/>
+        </p:nvPicPr>
+        <p:blipFill>
+          <a:blip r:embed="rId2">
+            <a:extLst>
+              <a:ext uri="{28A0092B-C50C-407E-A947-70E740481C1C}">
+                <a14:useLocalDpi xmlns:a14="http://schemas.microsoft.com/office/drawing/2010/main" val="0"/>
+              </a:ext>
+              <a:ext uri="{96DAC541-7B7A-43D3-8B79-37D633B846F1}">
+                <asvg:svgBlip xmlns:asvg="http://schemas.microsoft.com/office/drawing/2016/SVG/main" r:embed="rId3"/>
+              </a:ext>
+            </a:extLst>
+          </a:blip>
+          <a:stretch>
+            <a:fillRect/>
+          </a:stretch>
+        </p:blipFill>
+        <p:spPr>
+          <a:xfrm>
+            <a:off x="3776897" y="482139"/>
+            <a:ext cx="171450" cy="171450"/>
+          </a:xfrm>
+          <a:prstGeom prst="rect">
+            <a:avLst/>
+          </a:prstGeom>
+        </p:spPr>
+      </p:pic>
+      <p:sp>
+        <p:nvSpPr>
+          <p:cNvPr id="34" name="テキスト ボックス 33">
+            <a:extLst>
+              <a:ext uri="{FF2B5EF4-FFF2-40B4-BE49-F238E27FC236}">
+                <a16:creationId xmlns:a16="http://schemas.microsoft.com/office/drawing/2014/main" id="{0873841B-415A-176C-8792-1E4C0B025FB7}"/>
+              </a:ext>
+            </a:extLst>
+          </p:cNvPr>
+          <p:cNvSpPr txBox="1"/>
+          <p:nvPr/>
+        </p:nvSpPr>
+        <p:spPr>
+          <a:xfrm>
+            <a:off x="3899928" y="678844"/>
+            <a:ext cx="1501347" cy="153888"/>
+          </a:xfrm>
+          <a:prstGeom prst="rect">
+            <a:avLst/>
+          </a:prstGeom>
+          <a:noFill/>
+        </p:spPr>
+        <p:txBody>
+          <a:bodyPr wrap="square" lIns="0" tIns="0" rIns="0" bIns="0" rtlCol="0">
+            <a:spAutoFit/>
+          </a:bodyPr>
+          <a:lstStyle/>
+          <a:p>
+            <a:r>
+              <a:rPr kumimoji="1" lang="ja-JP" altLang="en-US" sz="1000" dirty="0">
+                <a:latin typeface="Yu Gothic UI" panose="020B0500000000000000" pitchFamily="50" charset="-128"/>
+                <a:ea typeface="Yu Gothic UI" panose="020B0500000000000000" pitchFamily="50" charset="-128"/>
+              </a:rPr>
+              <a:t>サブネット</a:t>
+            </a:r>
+            <a:r>
+              <a:rPr kumimoji="1" lang="en-US" altLang="ja-JP" sz="1000" dirty="0">
+                <a:latin typeface="Yu Gothic UI" panose="020B0500000000000000" pitchFamily="50" charset="-128"/>
+                <a:ea typeface="Yu Gothic UI" panose="020B0500000000000000" pitchFamily="50" charset="-128"/>
+              </a:rPr>
+              <a:t>B(10.0.0.0/16)</a:t>
+            </a:r>
+            <a:endParaRPr kumimoji="1" lang="en-US" sz="1000" dirty="0">
+              <a:latin typeface="Yu Gothic UI" panose="020B0500000000000000" pitchFamily="50" charset="-128"/>
+              <a:ea typeface="Yu Gothic UI" panose="020B0500000000000000" pitchFamily="50" charset="-128"/>
+            </a:endParaRPr>
+          </a:p>
+        </p:txBody>
+      </p:sp>
+      <p:pic>
+        <p:nvPicPr>
+          <p:cNvPr id="36" name="グラフィックス 35">
+            <a:extLst>
+              <a:ext uri="{FF2B5EF4-FFF2-40B4-BE49-F238E27FC236}">
+                <a16:creationId xmlns:a16="http://schemas.microsoft.com/office/drawing/2014/main" id="{102CC1F4-7A6B-AA01-A731-B902B9A995CC}"/>
+              </a:ext>
+            </a:extLst>
+          </p:cNvPr>
+          <p:cNvPicPr>
+            <a:picLocks noChangeAspect="1"/>
+          </p:cNvPicPr>
+          <p:nvPr/>
+        </p:nvPicPr>
+        <p:blipFill>
+          <a:blip r:embed="rId4">
+            <a:extLst>
+              <a:ext uri="{28A0092B-C50C-407E-A947-70E740481C1C}">
+                <a14:useLocalDpi xmlns:a14="http://schemas.microsoft.com/office/drawing/2010/main" val="0"/>
+              </a:ext>
+              <a:ext uri="{96DAC541-7B7A-43D3-8B79-37D633B846F1}">
+                <asvg:svgBlip xmlns:asvg="http://schemas.microsoft.com/office/drawing/2016/SVG/main" r:embed="rId5"/>
+              </a:ext>
+            </a:extLst>
+          </a:blip>
+          <a:stretch>
+            <a:fillRect/>
+          </a:stretch>
+        </p:blipFill>
+        <p:spPr>
+          <a:xfrm>
+            <a:off x="2596307" y="1027650"/>
+            <a:ext cx="270044" cy="270044"/>
+          </a:xfrm>
+          <a:prstGeom prst="rect">
+            <a:avLst/>
+          </a:prstGeom>
+        </p:spPr>
+      </p:pic>
+      <p:pic>
+        <p:nvPicPr>
+          <p:cNvPr id="37" name="グラフィックス 36">
+            <a:extLst>
+              <a:ext uri="{FF2B5EF4-FFF2-40B4-BE49-F238E27FC236}">
+                <a16:creationId xmlns:a16="http://schemas.microsoft.com/office/drawing/2014/main" id="{C5F0480C-362D-23C4-19D6-423F7BD68C10}"/>
+              </a:ext>
+            </a:extLst>
+          </p:cNvPr>
+          <p:cNvPicPr>
+            <a:picLocks noChangeAspect="1"/>
+          </p:cNvPicPr>
+          <p:nvPr/>
+        </p:nvPicPr>
+        <p:blipFill>
+          <a:blip r:embed="rId4">
+            <a:extLst>
+              <a:ext uri="{28A0092B-C50C-407E-A947-70E740481C1C}">
+                <a14:useLocalDpi xmlns:a14="http://schemas.microsoft.com/office/drawing/2010/main" val="0"/>
+              </a:ext>
+              <a:ext uri="{96DAC541-7B7A-43D3-8B79-37D633B846F1}">
+                <asvg:svgBlip xmlns:asvg="http://schemas.microsoft.com/office/drawing/2016/SVG/main" r:embed="rId5"/>
+              </a:ext>
+            </a:extLst>
+          </a:blip>
+          <a:stretch>
+            <a:fillRect/>
+          </a:stretch>
+        </p:blipFill>
+        <p:spPr>
+          <a:xfrm>
+            <a:off x="4515579" y="1027650"/>
+            <a:ext cx="270044" cy="270044"/>
+          </a:xfrm>
+          <a:prstGeom prst="rect">
+            <a:avLst/>
+          </a:prstGeom>
+        </p:spPr>
+      </p:pic>
+      <p:sp>
+        <p:nvSpPr>
+          <p:cNvPr id="38" name="正方形/長方形 37">
+            <a:extLst>
+              <a:ext uri="{FF2B5EF4-FFF2-40B4-BE49-F238E27FC236}">
+                <a16:creationId xmlns:a16="http://schemas.microsoft.com/office/drawing/2014/main" id="{C470B7E1-644E-4C25-F50A-4EFAA2AE2FF6}"/>
+              </a:ext>
+            </a:extLst>
+          </p:cNvPr>
+          <p:cNvSpPr/>
+          <p:nvPr/>
+        </p:nvSpPr>
+        <p:spPr>
+          <a:xfrm>
+            <a:off x="1758178" y="1833098"/>
+            <a:ext cx="2026309" cy="1072979"/>
+          </a:xfrm>
+          <a:prstGeom prst="rect">
+            <a:avLst/>
+          </a:prstGeom>
+          <a:noFill/>
+          <a:ln>
+            <a:solidFill>
+              <a:schemeClr val="accent6"/>
+            </a:solidFill>
+          </a:ln>
+        </p:spPr>
+        <p:style>
+          <a:lnRef idx="2">
+            <a:schemeClr val="accent1">
+              <a:shade val="50000"/>
+            </a:schemeClr>
+          </a:lnRef>
+          <a:fillRef idx="1">
+            <a:schemeClr val="accent1"/>
+          </a:fillRef>
+          <a:effectRef idx="0">
+            <a:schemeClr val="accent1"/>
+          </a:effectRef>
+          <a:fontRef idx="minor">
+            <a:schemeClr val="lt1"/>
+          </a:fontRef>
+        </p:style>
+        <p:txBody>
+          <a:bodyPr rtlCol="0" anchor="ctr"/>
+          <a:lstStyle/>
+          <a:p>
+            <a:pPr algn="ctr"/>
+            <a:endParaRPr kumimoji="1" lang="ja-JP" altLang="en-US">
+              <a:latin typeface="Yu Gothic UI" panose="020B0500000000000000" pitchFamily="50" charset="-128"/>
+              <a:ea typeface="Yu Gothic UI" panose="020B0500000000000000" pitchFamily="50" charset="-128"/>
+            </a:endParaRPr>
+          </a:p>
+        </p:txBody>
+      </p:sp>
+      <p:grpSp>
+        <p:nvGrpSpPr>
+          <p:cNvPr id="39" name="グループ化 38">
+            <a:extLst>
+              <a:ext uri="{FF2B5EF4-FFF2-40B4-BE49-F238E27FC236}">
+                <a16:creationId xmlns:a16="http://schemas.microsoft.com/office/drawing/2014/main" id="{ABA80517-CC87-31D8-CF7A-90B2C4E1990E}"/>
+              </a:ext>
+            </a:extLst>
+          </p:cNvPr>
+          <p:cNvGrpSpPr/>
+          <p:nvPr/>
+        </p:nvGrpSpPr>
+        <p:grpSpPr>
+          <a:xfrm>
+            <a:off x="1706589" y="1648099"/>
+            <a:ext cx="281657" cy="161721"/>
+            <a:chOff x="7545388" y="5762626"/>
+            <a:chExt cx="577850" cy="331788"/>
+          </a:xfrm>
+        </p:grpSpPr>
+        <p:sp>
+          <p:nvSpPr>
+            <p:cNvPr id="40" name="Freeform 2167">
+              <a:extLst>
+                <a:ext uri="{FF2B5EF4-FFF2-40B4-BE49-F238E27FC236}">
+                  <a16:creationId xmlns:a16="http://schemas.microsoft.com/office/drawing/2014/main" id="{ED53C63B-4B49-FF0B-63D6-18C9164C0129}"/>
+                </a:ext>
+              </a:extLst>
+            </p:cNvPr>
+            <p:cNvSpPr>
+              <a:spLocks/>
+            </p:cNvSpPr>
+            <p:nvPr/>
+          </p:nvSpPr>
+          <p:spPr bwMode="auto">
+            <a:xfrm>
+              <a:off x="7940675" y="5762626"/>
+              <a:ext cx="182563" cy="331788"/>
+            </a:xfrm>
+            <a:custGeom>
+              <a:avLst/>
+              <a:gdLst>
+                <a:gd name="T0" fmla="*/ 62 w 64"/>
+                <a:gd name="T1" fmla="*/ 60 h 116"/>
+                <a:gd name="T2" fmla="*/ 62 w 64"/>
+                <a:gd name="T3" fmla="*/ 53 h 116"/>
+                <a:gd name="T4" fmla="*/ 52 w 64"/>
+                <a:gd name="T5" fmla="*/ 44 h 116"/>
+                <a:gd name="T6" fmla="*/ 9 w 64"/>
+                <a:gd name="T7" fmla="*/ 2 h 116"/>
+                <a:gd name="T8" fmla="*/ 2 w 64"/>
+                <a:gd name="T9" fmla="*/ 2 h 116"/>
+                <a:gd name="T10" fmla="*/ 2 w 64"/>
+                <a:gd name="T11" fmla="*/ 9 h 116"/>
+                <a:gd name="T12" fmla="*/ 48 w 64"/>
+                <a:gd name="T13" fmla="*/ 53 h 116"/>
+                <a:gd name="T14" fmla="*/ 48 w 64"/>
+                <a:gd name="T15" fmla="*/ 60 h 116"/>
+                <a:gd name="T16" fmla="*/ 2 w 64"/>
+                <a:gd name="T17" fmla="*/ 106 h 116"/>
+                <a:gd name="T18" fmla="*/ 2 w 64"/>
+                <a:gd name="T19" fmla="*/ 114 h 116"/>
+                <a:gd name="T20" fmla="*/ 8 w 64"/>
+                <a:gd name="T21" fmla="*/ 114 h 116"/>
+                <a:gd name="T22" fmla="*/ 51 w 64"/>
+                <a:gd name="T23" fmla="*/ 71 h 116"/>
+                <a:gd name="T24" fmla="*/ 52 w 64"/>
+                <a:gd name="T25" fmla="*/ 71 h 116"/>
+                <a:gd name="T26" fmla="*/ 62 w 64"/>
+                <a:gd name="T27" fmla="*/ 60 h 116"/>
+              </a:gdLst>
+              <a:ahLst/>
+              <a:cxnLst>
+                <a:cxn ang="0">
+                  <a:pos x="T0" y="T1"/>
+                </a:cxn>
+                <a:cxn ang="0">
+                  <a:pos x="T2" y="T3"/>
+                </a:cxn>
+                <a:cxn ang="0">
+                  <a:pos x="T4" y="T5"/>
+                </a:cxn>
+                <a:cxn ang="0">
+                  <a:pos x="T6" y="T7"/>
+                </a:cxn>
+                <a:cxn ang="0">
+                  <a:pos x="T8" y="T9"/>
+                </a:cxn>
+                <a:cxn ang="0">
+                  <a:pos x="T10" y="T11"/>
+                </a:cxn>
+                <a:cxn ang="0">
+                  <a:pos x="T12" y="T13"/>
+                </a:cxn>
+                <a:cxn ang="0">
+                  <a:pos x="T14" y="T15"/>
+                </a:cxn>
+                <a:cxn ang="0">
+                  <a:pos x="T16" y="T17"/>
+                </a:cxn>
+                <a:cxn ang="0">
+                  <a:pos x="T18" y="T19"/>
+                </a:cxn>
+                <a:cxn ang="0">
+                  <a:pos x="T20" y="T21"/>
+                </a:cxn>
+                <a:cxn ang="0">
+                  <a:pos x="T22" y="T23"/>
+                </a:cxn>
+                <a:cxn ang="0">
+                  <a:pos x="T24" y="T25"/>
+                </a:cxn>
+                <a:cxn ang="0">
+                  <a:pos x="T26" y="T27"/>
+                </a:cxn>
+              </a:cxnLst>
+              <a:rect l="0" t="0" r="r" b="b"/>
+              <a:pathLst>
+                <a:path w="64" h="116">
+                  <a:moveTo>
+                    <a:pt x="62" y="60"/>
+                  </a:moveTo>
+                  <a:cubicBezTo>
+                    <a:pt x="64" y="58"/>
+                    <a:pt x="64" y="55"/>
+                    <a:pt x="62" y="53"/>
+                  </a:cubicBezTo>
+                  <a:cubicBezTo>
+                    <a:pt x="52" y="44"/>
+                    <a:pt x="52" y="44"/>
+                    <a:pt x="52" y="44"/>
+                  </a:cubicBezTo>
+                  <a:cubicBezTo>
+                    <a:pt x="9" y="2"/>
+                    <a:pt x="9" y="2"/>
+                    <a:pt x="9" y="2"/>
+                  </a:cubicBezTo>
+                  <a:cubicBezTo>
+                    <a:pt x="7" y="0"/>
+                    <a:pt x="4" y="0"/>
+                    <a:pt x="2" y="2"/>
+                  </a:cubicBezTo>
+                  <a:cubicBezTo>
+                    <a:pt x="0" y="4"/>
+                    <a:pt x="0" y="7"/>
+                    <a:pt x="2" y="9"/>
+                  </a:cubicBezTo>
+                  <a:cubicBezTo>
+                    <a:pt x="48" y="53"/>
+                    <a:pt x="48" y="53"/>
+                    <a:pt x="48" y="53"/>
+                  </a:cubicBezTo>
+                  <a:cubicBezTo>
+                    <a:pt x="50" y="55"/>
+                    <a:pt x="50" y="58"/>
+                    <a:pt x="48" y="60"/>
+                  </a:cubicBezTo>
+                  <a:cubicBezTo>
+                    <a:pt x="2" y="106"/>
+                    <a:pt x="2" y="106"/>
+                    <a:pt x="2" y="106"/>
+                  </a:cubicBezTo>
+                  <a:cubicBezTo>
+                    <a:pt x="0" y="108"/>
+                    <a:pt x="0" y="112"/>
+                    <a:pt x="2" y="114"/>
+                  </a:cubicBezTo>
+                  <a:cubicBezTo>
+                    <a:pt x="4" y="116"/>
+                    <a:pt x="7" y="115"/>
+                    <a:pt x="8" y="114"/>
+                  </a:cubicBezTo>
+                  <a:cubicBezTo>
+                    <a:pt x="51" y="71"/>
+                    <a:pt x="51" y="71"/>
+                    <a:pt x="51" y="71"/>
+                  </a:cubicBezTo>
+                  <a:cubicBezTo>
+                    <a:pt x="51" y="71"/>
+                    <a:pt x="51" y="71"/>
+                    <a:pt x="52" y="71"/>
+                  </a:cubicBezTo>
+                  <a:lnTo>
+                    <a:pt x="62" y="60"/>
+                  </a:lnTo>
+                  <a:close/>
+                </a:path>
+              </a:pathLst>
+            </a:custGeom>
+            <a:solidFill>
+              <a:srgbClr val="3999C6"/>
+            </a:solidFill>
+            <a:ln>
+              <a:noFill/>
+            </a:ln>
+            <a:extLst>
+              <a:ext uri="{91240B29-F687-4F45-9708-019B960494DF}">
+                <a14:hiddenLine xmlns:a14="http://schemas.microsoft.com/office/drawing/2010/main" w="9525">
+                  <a:solidFill>
+                    <a:srgbClr val="000000"/>
+                  </a:solidFill>
+                  <a:round/>
+                  <a:headEnd/>
+                  <a:tailEnd/>
+                </a14:hiddenLine>
+              </a:ext>
+            </a:extLst>
+          </p:spPr>
+          <p:txBody>
+            <a:bodyPr vert="horz" wrap="square" lIns="91440" tIns="45720" rIns="91440" bIns="45720" numCol="1" anchor="t" anchorCtr="0" compatLnSpc="1">
+              <a:prstTxWarp prst="textNoShape">
+                <a:avLst/>
+              </a:prstTxWarp>
+            </a:bodyPr>
+            <a:lstStyle/>
+            <a:p>
+              <a:endParaRPr lang="ja-JP" altLang="en-US" sz="2400">
+                <a:latin typeface="Yu Gothic UI" panose="020B0500000000000000" pitchFamily="50" charset="-128"/>
+                <a:ea typeface="Yu Gothic UI" panose="020B0500000000000000" pitchFamily="50" charset="-128"/>
+              </a:endParaRPr>
+            </a:p>
+          </p:txBody>
+        </p:sp>
+        <p:sp>
+          <p:nvSpPr>
+            <p:cNvPr id="41" name="Freeform 2168">
+              <a:extLst>
+                <a:ext uri="{FF2B5EF4-FFF2-40B4-BE49-F238E27FC236}">
+                  <a16:creationId xmlns:a16="http://schemas.microsoft.com/office/drawing/2014/main" id="{9F82B09A-1342-32E5-1CD4-248F2BF4EE91}"/>
+                </a:ext>
+              </a:extLst>
+            </p:cNvPr>
+            <p:cNvSpPr>
+              <a:spLocks/>
+            </p:cNvSpPr>
+            <p:nvPr/>
+          </p:nvSpPr>
+          <p:spPr bwMode="auto">
+            <a:xfrm>
+              <a:off x="7545388" y="5762626"/>
+              <a:ext cx="185738" cy="331788"/>
+            </a:xfrm>
+            <a:custGeom>
+              <a:avLst/>
+              <a:gdLst>
+                <a:gd name="T0" fmla="*/ 2 w 65"/>
+                <a:gd name="T1" fmla="*/ 60 h 116"/>
+                <a:gd name="T2" fmla="*/ 2 w 65"/>
+                <a:gd name="T3" fmla="*/ 53 h 116"/>
+                <a:gd name="T4" fmla="*/ 12 w 65"/>
+                <a:gd name="T5" fmla="*/ 44 h 116"/>
+                <a:gd name="T6" fmla="*/ 55 w 65"/>
+                <a:gd name="T7" fmla="*/ 2 h 116"/>
+                <a:gd name="T8" fmla="*/ 62 w 65"/>
+                <a:gd name="T9" fmla="*/ 2 h 116"/>
+                <a:gd name="T10" fmla="*/ 62 w 65"/>
+                <a:gd name="T11" fmla="*/ 9 h 116"/>
+                <a:gd name="T12" fmla="*/ 18 w 65"/>
+                <a:gd name="T13" fmla="*/ 53 h 116"/>
+                <a:gd name="T14" fmla="*/ 18 w 65"/>
+                <a:gd name="T15" fmla="*/ 60 h 116"/>
+                <a:gd name="T16" fmla="*/ 63 w 65"/>
+                <a:gd name="T17" fmla="*/ 106 h 116"/>
+                <a:gd name="T18" fmla="*/ 63 w 65"/>
+                <a:gd name="T19" fmla="*/ 114 h 116"/>
+                <a:gd name="T20" fmla="*/ 56 w 65"/>
+                <a:gd name="T21" fmla="*/ 114 h 116"/>
+                <a:gd name="T22" fmla="*/ 12 w 65"/>
+                <a:gd name="T23" fmla="*/ 72 h 116"/>
+                <a:gd name="T24" fmla="*/ 12 w 65"/>
+                <a:gd name="T25" fmla="*/ 71 h 116"/>
+                <a:gd name="T26" fmla="*/ 2 w 65"/>
+                <a:gd name="T27" fmla="*/ 60 h 116"/>
+              </a:gdLst>
+              <a:ahLst/>
+              <a:cxnLst>
+                <a:cxn ang="0">
+                  <a:pos x="T0" y="T1"/>
+                </a:cxn>
+                <a:cxn ang="0">
+                  <a:pos x="T2" y="T3"/>
+                </a:cxn>
+                <a:cxn ang="0">
+                  <a:pos x="T4" y="T5"/>
+                </a:cxn>
+                <a:cxn ang="0">
+                  <a:pos x="T6" y="T7"/>
+                </a:cxn>
+                <a:cxn ang="0">
+                  <a:pos x="T8" y="T9"/>
+                </a:cxn>
+                <a:cxn ang="0">
+                  <a:pos x="T10" y="T11"/>
+                </a:cxn>
+                <a:cxn ang="0">
+                  <a:pos x="T12" y="T13"/>
+                </a:cxn>
+                <a:cxn ang="0">
+                  <a:pos x="T14" y="T15"/>
+                </a:cxn>
+                <a:cxn ang="0">
+                  <a:pos x="T16" y="T17"/>
+                </a:cxn>
+                <a:cxn ang="0">
+                  <a:pos x="T18" y="T19"/>
+                </a:cxn>
+                <a:cxn ang="0">
+                  <a:pos x="T20" y="T21"/>
+                </a:cxn>
+                <a:cxn ang="0">
+                  <a:pos x="T22" y="T23"/>
+                </a:cxn>
+                <a:cxn ang="0">
+                  <a:pos x="T24" y="T25"/>
+                </a:cxn>
+                <a:cxn ang="0">
+                  <a:pos x="T26" y="T27"/>
+                </a:cxn>
+              </a:cxnLst>
+              <a:rect l="0" t="0" r="r" b="b"/>
+              <a:pathLst>
+                <a:path w="65" h="116">
+                  <a:moveTo>
+                    <a:pt x="2" y="60"/>
+                  </a:moveTo>
+                  <a:cubicBezTo>
+                    <a:pt x="0" y="58"/>
+                    <a:pt x="1" y="55"/>
+                    <a:pt x="2" y="53"/>
+                  </a:cubicBezTo>
+                  <a:cubicBezTo>
+                    <a:pt x="12" y="44"/>
+                    <a:pt x="12" y="44"/>
+                    <a:pt x="12" y="44"/>
+                  </a:cubicBezTo>
+                  <a:cubicBezTo>
+                    <a:pt x="55" y="2"/>
+                    <a:pt x="55" y="2"/>
+                    <a:pt x="55" y="2"/>
+                  </a:cubicBezTo>
+                  <a:cubicBezTo>
+                    <a:pt x="57" y="0"/>
+                    <a:pt x="60" y="0"/>
+                    <a:pt x="62" y="2"/>
+                  </a:cubicBezTo>
+                  <a:cubicBezTo>
+                    <a:pt x="64" y="4"/>
+                    <a:pt x="64" y="7"/>
+                    <a:pt x="62" y="9"/>
+                  </a:cubicBezTo>
+                  <a:cubicBezTo>
+                    <a:pt x="18" y="53"/>
+                    <a:pt x="18" y="53"/>
+                    <a:pt x="18" y="53"/>
+                  </a:cubicBezTo>
+                  <a:cubicBezTo>
+                    <a:pt x="16" y="55"/>
+                    <a:pt x="16" y="58"/>
+                    <a:pt x="18" y="60"/>
+                  </a:cubicBezTo>
+                  <a:cubicBezTo>
+                    <a:pt x="63" y="106"/>
+                    <a:pt x="63" y="106"/>
+                    <a:pt x="63" y="106"/>
+                  </a:cubicBezTo>
+                  <a:cubicBezTo>
+                    <a:pt x="65" y="108"/>
+                    <a:pt x="65" y="112"/>
+                    <a:pt x="63" y="114"/>
+                  </a:cubicBezTo>
+                  <a:cubicBezTo>
+                    <a:pt x="61" y="116"/>
+                    <a:pt x="58" y="115"/>
+                    <a:pt x="56" y="114"/>
+                  </a:cubicBezTo>
+                  <a:cubicBezTo>
+                    <a:pt x="12" y="72"/>
+                    <a:pt x="12" y="72"/>
+                    <a:pt x="12" y="72"/>
+                  </a:cubicBezTo>
+                  <a:cubicBezTo>
+                    <a:pt x="12" y="72"/>
+                    <a:pt x="12" y="72"/>
+                    <a:pt x="12" y="71"/>
+                  </a:cubicBezTo>
+                  <a:lnTo>
+                    <a:pt x="2" y="60"/>
+                  </a:lnTo>
+                  <a:close/>
+                </a:path>
+              </a:pathLst>
+            </a:custGeom>
+            <a:solidFill>
+              <a:srgbClr val="3999C6"/>
+            </a:solidFill>
+            <a:ln>
+              <a:noFill/>
+            </a:ln>
+            <a:extLst>
+              <a:ext uri="{91240B29-F687-4F45-9708-019B960494DF}">
+                <a14:hiddenLine xmlns:a14="http://schemas.microsoft.com/office/drawing/2010/main" w="9525">
+                  <a:solidFill>
+                    <a:srgbClr val="000000"/>
+                  </a:solidFill>
+                  <a:round/>
+                  <a:headEnd/>
+                  <a:tailEnd/>
+                </a14:hiddenLine>
+              </a:ext>
+            </a:extLst>
+          </p:spPr>
+          <p:txBody>
+            <a:bodyPr vert="horz" wrap="square" lIns="91440" tIns="45720" rIns="91440" bIns="45720" numCol="1" anchor="t" anchorCtr="0" compatLnSpc="1">
+              <a:prstTxWarp prst="textNoShape">
+                <a:avLst/>
+              </a:prstTxWarp>
+            </a:bodyPr>
+            <a:lstStyle/>
+            <a:p>
+              <a:endParaRPr lang="ja-JP" altLang="en-US" sz="2400">
+                <a:latin typeface="Yu Gothic UI" panose="020B0500000000000000" pitchFamily="50" charset="-128"/>
+                <a:ea typeface="Yu Gothic UI" panose="020B0500000000000000" pitchFamily="50" charset="-128"/>
+              </a:endParaRPr>
+            </a:p>
+          </p:txBody>
+        </p:sp>
+        <p:sp>
+          <p:nvSpPr>
+            <p:cNvPr id="42" name="Freeform 2169">
+              <a:extLst>
+                <a:ext uri="{FF2B5EF4-FFF2-40B4-BE49-F238E27FC236}">
+                  <a16:creationId xmlns:a16="http://schemas.microsoft.com/office/drawing/2014/main" id="{745CF22D-E472-1700-3438-FA1C21A2D0EF}"/>
+                </a:ext>
+              </a:extLst>
+            </p:cNvPr>
+            <p:cNvSpPr>
+              <a:spLocks/>
+            </p:cNvSpPr>
+            <p:nvPr/>
+          </p:nvSpPr>
+          <p:spPr bwMode="auto">
+            <a:xfrm>
+              <a:off x="7680325" y="5889626"/>
+              <a:ext cx="76200" cy="74613"/>
+            </a:xfrm>
+            <a:custGeom>
+              <a:avLst/>
+              <a:gdLst>
+                <a:gd name="T0" fmla="*/ 27 w 27"/>
+                <a:gd name="T1" fmla="*/ 13 h 26"/>
+                <a:gd name="T2" fmla="*/ 14 w 27"/>
+                <a:gd name="T3" fmla="*/ 26 h 26"/>
+                <a:gd name="T4" fmla="*/ 0 w 27"/>
+                <a:gd name="T5" fmla="*/ 13 h 26"/>
+                <a:gd name="T6" fmla="*/ 14 w 27"/>
+                <a:gd name="T7" fmla="*/ 0 h 26"/>
+                <a:gd name="T8" fmla="*/ 27 w 27"/>
+                <a:gd name="T9" fmla="*/ 13 h 26"/>
+              </a:gdLst>
+              <a:ahLst/>
+              <a:cxnLst>
+                <a:cxn ang="0">
+                  <a:pos x="T0" y="T1"/>
+                </a:cxn>
+                <a:cxn ang="0">
+                  <a:pos x="T2" y="T3"/>
+                </a:cxn>
+                <a:cxn ang="0">
+                  <a:pos x="T4" y="T5"/>
+                </a:cxn>
+                <a:cxn ang="0">
+                  <a:pos x="T6" y="T7"/>
+                </a:cxn>
+                <a:cxn ang="0">
+                  <a:pos x="T8" y="T9"/>
+                </a:cxn>
+              </a:cxnLst>
+              <a:rect l="0" t="0" r="r" b="b"/>
+              <a:pathLst>
+                <a:path w="27" h="26">
+                  <a:moveTo>
+                    <a:pt x="27" y="13"/>
+                  </a:moveTo>
+                  <a:cubicBezTo>
+                    <a:pt x="27" y="20"/>
+                    <a:pt x="21" y="26"/>
+                    <a:pt x="14" y="26"/>
+                  </a:cubicBezTo>
+                  <a:cubicBezTo>
+                    <a:pt x="7" y="26"/>
+                    <a:pt x="0" y="20"/>
+                    <a:pt x="0" y="13"/>
+                  </a:cubicBezTo>
+                  <a:cubicBezTo>
+                    <a:pt x="0" y="6"/>
+                    <a:pt x="5" y="0"/>
+                    <a:pt x="14" y="0"/>
+                  </a:cubicBezTo>
+                  <a:cubicBezTo>
+                    <a:pt x="22" y="0"/>
+                    <a:pt x="27" y="6"/>
+                    <a:pt x="27" y="13"/>
+                  </a:cubicBezTo>
+                  <a:close/>
+                </a:path>
+              </a:pathLst>
+            </a:custGeom>
+            <a:solidFill>
+              <a:srgbClr val="7FBA00"/>
+            </a:solidFill>
+            <a:ln>
+              <a:noFill/>
+            </a:ln>
+            <a:extLst>
+              <a:ext uri="{91240B29-F687-4F45-9708-019B960494DF}">
+                <a14:hiddenLine xmlns:a14="http://schemas.microsoft.com/office/drawing/2010/main" w="9525">
+                  <a:solidFill>
+                    <a:srgbClr val="000000"/>
+                  </a:solidFill>
+                  <a:round/>
+                  <a:headEnd/>
+                  <a:tailEnd/>
+                </a14:hiddenLine>
+              </a:ext>
+            </a:extLst>
+          </p:spPr>
+          <p:txBody>
+            <a:bodyPr vert="horz" wrap="square" lIns="91440" tIns="45720" rIns="91440" bIns="45720" numCol="1" anchor="t" anchorCtr="0" compatLnSpc="1">
+              <a:prstTxWarp prst="textNoShape">
+                <a:avLst/>
+              </a:prstTxWarp>
+            </a:bodyPr>
+            <a:lstStyle/>
+            <a:p>
+              <a:endParaRPr lang="ja-JP" altLang="en-US" sz="2400">
+                <a:latin typeface="Yu Gothic UI" panose="020B0500000000000000" pitchFamily="50" charset="-128"/>
+                <a:ea typeface="Yu Gothic UI" panose="020B0500000000000000" pitchFamily="50" charset="-128"/>
+              </a:endParaRPr>
+            </a:p>
+          </p:txBody>
+        </p:sp>
+        <p:sp>
+          <p:nvSpPr>
+            <p:cNvPr id="43" name="Freeform 2170">
+              <a:extLst>
+                <a:ext uri="{FF2B5EF4-FFF2-40B4-BE49-F238E27FC236}">
+                  <a16:creationId xmlns:a16="http://schemas.microsoft.com/office/drawing/2014/main" id="{95DE6724-29B0-0D9E-77D2-FEEBEBD009A2}"/>
+                </a:ext>
+              </a:extLst>
+            </p:cNvPr>
+            <p:cNvSpPr>
+              <a:spLocks/>
+            </p:cNvSpPr>
+            <p:nvPr/>
+          </p:nvSpPr>
+          <p:spPr bwMode="auto">
+            <a:xfrm>
+              <a:off x="7794625" y="5889626"/>
+              <a:ext cx="76200" cy="74613"/>
+            </a:xfrm>
+            <a:custGeom>
+              <a:avLst/>
+              <a:gdLst>
+                <a:gd name="T0" fmla="*/ 27 w 27"/>
+                <a:gd name="T1" fmla="*/ 13 h 26"/>
+                <a:gd name="T2" fmla="*/ 14 w 27"/>
+                <a:gd name="T3" fmla="*/ 26 h 26"/>
+                <a:gd name="T4" fmla="*/ 0 w 27"/>
+                <a:gd name="T5" fmla="*/ 13 h 26"/>
+                <a:gd name="T6" fmla="*/ 14 w 27"/>
+                <a:gd name="T7" fmla="*/ 0 h 26"/>
+                <a:gd name="T8" fmla="*/ 27 w 27"/>
+                <a:gd name="T9" fmla="*/ 13 h 26"/>
+              </a:gdLst>
+              <a:ahLst/>
+              <a:cxnLst>
+                <a:cxn ang="0">
+                  <a:pos x="T0" y="T1"/>
+                </a:cxn>
+                <a:cxn ang="0">
+                  <a:pos x="T2" y="T3"/>
+                </a:cxn>
+                <a:cxn ang="0">
+                  <a:pos x="T4" y="T5"/>
+                </a:cxn>
+                <a:cxn ang="0">
+                  <a:pos x="T6" y="T7"/>
+                </a:cxn>
+                <a:cxn ang="0">
+                  <a:pos x="T8" y="T9"/>
+                </a:cxn>
+              </a:cxnLst>
+              <a:rect l="0" t="0" r="r" b="b"/>
+              <a:pathLst>
+                <a:path w="27" h="26">
+                  <a:moveTo>
+                    <a:pt x="27" y="13"/>
+                  </a:moveTo>
+                  <a:cubicBezTo>
+                    <a:pt x="27" y="20"/>
+                    <a:pt x="21" y="26"/>
+                    <a:pt x="14" y="26"/>
+                  </a:cubicBezTo>
+                  <a:cubicBezTo>
+                    <a:pt x="7" y="26"/>
+                    <a:pt x="0" y="20"/>
+                    <a:pt x="0" y="13"/>
+                  </a:cubicBezTo>
+                  <a:cubicBezTo>
+                    <a:pt x="0" y="6"/>
+                    <a:pt x="7" y="0"/>
+                    <a:pt x="14" y="0"/>
+                  </a:cubicBezTo>
+                  <a:cubicBezTo>
+                    <a:pt x="22" y="0"/>
+                    <a:pt x="27" y="6"/>
+                    <a:pt x="27" y="13"/>
+                  </a:cubicBezTo>
+                  <a:close/>
+                </a:path>
+              </a:pathLst>
+            </a:custGeom>
+            <a:solidFill>
+              <a:srgbClr val="7FBA00"/>
+            </a:solidFill>
+            <a:ln>
+              <a:noFill/>
+            </a:ln>
+            <a:extLst>
+              <a:ext uri="{91240B29-F687-4F45-9708-019B960494DF}">
+                <a14:hiddenLine xmlns:a14="http://schemas.microsoft.com/office/drawing/2010/main" w="9525">
+                  <a:solidFill>
+                    <a:srgbClr val="000000"/>
+                  </a:solidFill>
+                  <a:round/>
+                  <a:headEnd/>
+                  <a:tailEnd/>
+                </a14:hiddenLine>
+              </a:ext>
+            </a:extLst>
+          </p:spPr>
+          <p:txBody>
+            <a:bodyPr vert="horz" wrap="square" lIns="91440" tIns="45720" rIns="91440" bIns="45720" numCol="1" anchor="t" anchorCtr="0" compatLnSpc="1">
+              <a:prstTxWarp prst="textNoShape">
+                <a:avLst/>
+              </a:prstTxWarp>
+            </a:bodyPr>
+            <a:lstStyle/>
+            <a:p>
+              <a:endParaRPr lang="ja-JP" altLang="en-US" sz="2400">
+                <a:latin typeface="Yu Gothic UI" panose="020B0500000000000000" pitchFamily="50" charset="-128"/>
+                <a:ea typeface="Yu Gothic UI" panose="020B0500000000000000" pitchFamily="50" charset="-128"/>
+              </a:endParaRPr>
+            </a:p>
+          </p:txBody>
+        </p:sp>
+        <p:sp>
+          <p:nvSpPr>
+            <p:cNvPr id="44" name="Oval 2171">
+              <a:extLst>
+                <a:ext uri="{FF2B5EF4-FFF2-40B4-BE49-F238E27FC236}">
+                  <a16:creationId xmlns:a16="http://schemas.microsoft.com/office/drawing/2014/main" id="{613F1CBD-7A37-F799-6945-78F237A7F7E0}"/>
+                </a:ext>
+              </a:extLst>
+            </p:cNvPr>
+            <p:cNvSpPr>
+              <a:spLocks noChangeArrowheads="1"/>
+            </p:cNvSpPr>
+            <p:nvPr/>
+          </p:nvSpPr>
+          <p:spPr bwMode="auto">
+            <a:xfrm>
+              <a:off x="7913688" y="5889626"/>
+              <a:ext cx="74613" cy="74613"/>
+            </a:xfrm>
+            <a:prstGeom prst="ellipse">
+              <a:avLst/>
+            </a:prstGeom>
+            <a:solidFill>
+              <a:srgbClr val="7FBA00"/>
+            </a:solidFill>
+            <a:ln>
+              <a:noFill/>
+            </a:ln>
+            <a:extLst>
+              <a:ext uri="{91240B29-F687-4F45-9708-019B960494DF}">
+                <a14:hiddenLine xmlns:a14="http://schemas.microsoft.com/office/drawing/2010/main" w="9525">
+                  <a:solidFill>
+                    <a:srgbClr val="000000"/>
+                  </a:solidFill>
+                  <a:round/>
+                  <a:headEnd/>
+                  <a:tailEnd/>
+                </a14:hiddenLine>
+              </a:ext>
+            </a:extLst>
+          </p:spPr>
+          <p:txBody>
+            <a:bodyPr vert="horz" wrap="square" lIns="91440" tIns="45720" rIns="91440" bIns="45720" numCol="1" anchor="t" anchorCtr="0" compatLnSpc="1">
+              <a:prstTxWarp prst="textNoShape">
+                <a:avLst/>
+              </a:prstTxWarp>
+            </a:bodyPr>
+            <a:lstStyle/>
+            <a:p>
+              <a:endParaRPr lang="ja-JP" altLang="en-US" sz="2400">
+                <a:latin typeface="Yu Gothic UI" panose="020B0500000000000000" pitchFamily="50" charset="-128"/>
+                <a:ea typeface="Yu Gothic UI" panose="020B0500000000000000" pitchFamily="50" charset="-128"/>
+              </a:endParaRPr>
+            </a:p>
+          </p:txBody>
+        </p:sp>
+      </p:grpSp>
+      <p:sp>
+        <p:nvSpPr>
+          <p:cNvPr id="45" name="テキスト ボックス 44">
+            <a:extLst>
+              <a:ext uri="{FF2B5EF4-FFF2-40B4-BE49-F238E27FC236}">
+                <a16:creationId xmlns:a16="http://schemas.microsoft.com/office/drawing/2014/main" id="{CCDEBC4B-AE2F-7C1D-1FB1-1E1067BA4363}"/>
+              </a:ext>
+            </a:extLst>
+          </p:cNvPr>
+          <p:cNvSpPr txBox="1"/>
+          <p:nvPr/>
+        </p:nvSpPr>
+        <p:spPr>
+          <a:xfrm>
+            <a:off x="2029075" y="1672397"/>
+            <a:ext cx="1696780" cy="153888"/>
+          </a:xfrm>
+          <a:prstGeom prst="rect">
+            <a:avLst/>
+          </a:prstGeom>
+          <a:noFill/>
+        </p:spPr>
+        <p:txBody>
+          <a:bodyPr wrap="square" lIns="0" tIns="0" rIns="0" bIns="0" rtlCol="0">
+            <a:spAutoFit/>
+          </a:bodyPr>
+          <a:lstStyle/>
+          <a:p>
+            <a:r>
+              <a:rPr kumimoji="1" lang="ja-JP" altLang="en-US" sz="1000" dirty="0">
+                <a:latin typeface="Yu Gothic UI" panose="020B0500000000000000" pitchFamily="50" charset="-128"/>
+                <a:ea typeface="Yu Gothic UI" panose="020B0500000000000000" pitchFamily="50" charset="-128"/>
+              </a:rPr>
+              <a:t>仮想ネットワーク</a:t>
+            </a:r>
+            <a:r>
+              <a:rPr kumimoji="1" lang="en-US" altLang="ja-JP" sz="1000" dirty="0">
+                <a:latin typeface="Yu Gothic UI" panose="020B0500000000000000" pitchFamily="50" charset="-128"/>
+                <a:ea typeface="Yu Gothic UI" panose="020B0500000000000000" pitchFamily="50" charset="-128"/>
+              </a:rPr>
+              <a:t>(172.17.0.0/16)</a:t>
+            </a:r>
+            <a:endParaRPr kumimoji="1" lang="en-US" sz="1000" dirty="0">
+              <a:latin typeface="Yu Gothic UI" panose="020B0500000000000000" pitchFamily="50" charset="-128"/>
+              <a:ea typeface="Yu Gothic UI" panose="020B0500000000000000" pitchFamily="50" charset="-128"/>
+            </a:endParaRPr>
+          </a:p>
+        </p:txBody>
+      </p:sp>
+      <p:sp>
+        <p:nvSpPr>
+          <p:cNvPr id="46" name="正方形/長方形 45">
+            <a:extLst>
+              <a:ext uri="{FF2B5EF4-FFF2-40B4-BE49-F238E27FC236}">
+                <a16:creationId xmlns:a16="http://schemas.microsoft.com/office/drawing/2014/main" id="{F9FACA57-DCF7-39FE-D811-D21DB334A52E}"/>
+              </a:ext>
+            </a:extLst>
+          </p:cNvPr>
+          <p:cNvSpPr/>
+          <p:nvPr/>
+        </p:nvSpPr>
+        <p:spPr>
+          <a:xfrm>
+            <a:off x="1865215" y="2100972"/>
+            <a:ext cx="1832131" cy="758281"/>
+          </a:xfrm>
+          <a:prstGeom prst="rect">
+            <a:avLst/>
+          </a:prstGeom>
+          <a:solidFill>
+            <a:schemeClr val="accent6">
+              <a:lumMod val="20000"/>
+              <a:lumOff val="80000"/>
+            </a:schemeClr>
+          </a:solidFill>
+          <a:ln>
+            <a:noFill/>
+          </a:ln>
+        </p:spPr>
+        <p:style>
+          <a:lnRef idx="2">
+            <a:schemeClr val="accent1">
+              <a:shade val="50000"/>
+            </a:schemeClr>
+          </a:lnRef>
+          <a:fillRef idx="1">
+            <a:schemeClr val="accent1"/>
+          </a:fillRef>
+          <a:effectRef idx="0">
+            <a:schemeClr val="accent1"/>
+          </a:effectRef>
+          <a:fontRef idx="minor">
+            <a:schemeClr val="lt1"/>
+          </a:fontRef>
+        </p:style>
+        <p:txBody>
+          <a:bodyPr rtlCol="0" anchor="ctr"/>
+          <a:lstStyle/>
+          <a:p>
+            <a:pPr algn="ctr"/>
+            <a:endParaRPr kumimoji="1" lang="en-US" sz="2400" dirty="0">
+              <a:latin typeface="Yu Gothic UI" panose="020B0500000000000000" pitchFamily="50" charset="-128"/>
+              <a:ea typeface="Yu Gothic UI" panose="020B0500000000000000" pitchFamily="50" charset="-128"/>
+            </a:endParaRPr>
+          </a:p>
+        </p:txBody>
+      </p:sp>
+      <p:pic>
+        <p:nvPicPr>
+          <p:cNvPr id="47" name="グラフィックス 46">
+            <a:extLst>
+              <a:ext uri="{FF2B5EF4-FFF2-40B4-BE49-F238E27FC236}">
+                <a16:creationId xmlns:a16="http://schemas.microsoft.com/office/drawing/2014/main" id="{72471AD4-1C45-7BDC-C0F8-827462701CB9}"/>
+              </a:ext>
+            </a:extLst>
+          </p:cNvPr>
+          <p:cNvPicPr>
+            <a:picLocks noChangeAspect="1"/>
+          </p:cNvPicPr>
+          <p:nvPr/>
+        </p:nvPicPr>
+        <p:blipFill>
+          <a:blip r:embed="rId2">
+            <a:extLst>
+              <a:ext uri="{28A0092B-C50C-407E-A947-70E740481C1C}">
+                <a14:useLocalDpi xmlns:a14="http://schemas.microsoft.com/office/drawing/2010/main" val="0"/>
+              </a:ext>
+              <a:ext uri="{96DAC541-7B7A-43D3-8B79-37D633B846F1}">
+                <asvg:svgBlip xmlns:asvg="http://schemas.microsoft.com/office/drawing/2016/SVG/main" r:embed="rId3"/>
+              </a:ext>
+            </a:extLst>
+          </a:blip>
+          <a:stretch>
+            <a:fillRect/>
+          </a:stretch>
+        </p:blipFill>
+        <p:spPr>
+          <a:xfrm>
+            <a:off x="1865215" y="1935297"/>
+            <a:ext cx="171450" cy="171450"/>
+          </a:xfrm>
+          <a:prstGeom prst="rect">
+            <a:avLst/>
+          </a:prstGeom>
+        </p:spPr>
+      </p:pic>
+      <p:sp>
+        <p:nvSpPr>
+          <p:cNvPr id="48" name="テキスト ボックス 47">
+            <a:extLst>
+              <a:ext uri="{FF2B5EF4-FFF2-40B4-BE49-F238E27FC236}">
+                <a16:creationId xmlns:a16="http://schemas.microsoft.com/office/drawing/2014/main" id="{DFEB4A9A-7F7A-F99F-59B1-9BDEF6A261CB}"/>
+              </a:ext>
+            </a:extLst>
+          </p:cNvPr>
+          <p:cNvSpPr txBox="1"/>
+          <p:nvPr/>
+        </p:nvSpPr>
+        <p:spPr>
+          <a:xfrm>
+            <a:off x="1988246" y="2132002"/>
+            <a:ext cx="1501347" cy="153888"/>
+          </a:xfrm>
+          <a:prstGeom prst="rect">
+            <a:avLst/>
+          </a:prstGeom>
+          <a:noFill/>
+        </p:spPr>
+        <p:txBody>
+          <a:bodyPr wrap="square" lIns="0" tIns="0" rIns="0" bIns="0" rtlCol="0">
+            <a:spAutoFit/>
+          </a:bodyPr>
+          <a:lstStyle/>
+          <a:p>
+            <a:r>
+              <a:rPr kumimoji="1" lang="ja-JP" altLang="en-US" sz="1000" dirty="0">
+                <a:latin typeface="Yu Gothic UI" panose="020B0500000000000000" pitchFamily="50" charset="-128"/>
+                <a:ea typeface="Yu Gothic UI" panose="020B0500000000000000" pitchFamily="50" charset="-128"/>
+              </a:rPr>
+              <a:t>サブネット</a:t>
+            </a:r>
+            <a:r>
+              <a:rPr kumimoji="1" lang="en-US" altLang="ja-JP" sz="1000" dirty="0">
+                <a:latin typeface="Yu Gothic UI" panose="020B0500000000000000" pitchFamily="50" charset="-128"/>
+                <a:ea typeface="Yu Gothic UI" panose="020B0500000000000000" pitchFamily="50" charset="-128"/>
+              </a:rPr>
+              <a:t>A(172.17.1.0/24)</a:t>
+            </a:r>
+            <a:endParaRPr kumimoji="1" lang="en-US" sz="1000" dirty="0">
+              <a:latin typeface="Yu Gothic UI" panose="020B0500000000000000" pitchFamily="50" charset="-128"/>
+              <a:ea typeface="Yu Gothic UI" panose="020B0500000000000000" pitchFamily="50" charset="-128"/>
+            </a:endParaRPr>
+          </a:p>
+        </p:txBody>
+      </p:sp>
+      <p:pic>
+        <p:nvPicPr>
+          <p:cNvPr id="52" name="グラフィックス 51">
+            <a:extLst>
+              <a:ext uri="{FF2B5EF4-FFF2-40B4-BE49-F238E27FC236}">
+                <a16:creationId xmlns:a16="http://schemas.microsoft.com/office/drawing/2014/main" id="{945B6EC2-40C6-6742-680C-BEA4E8CC98A4}"/>
+              </a:ext>
+            </a:extLst>
+          </p:cNvPr>
+          <p:cNvPicPr>
+            <a:picLocks noChangeAspect="1"/>
+          </p:cNvPicPr>
+          <p:nvPr/>
+        </p:nvPicPr>
+        <p:blipFill>
+          <a:blip r:embed="rId4">
+            <a:extLst>
+              <a:ext uri="{28A0092B-C50C-407E-A947-70E740481C1C}">
+                <a14:useLocalDpi xmlns:a14="http://schemas.microsoft.com/office/drawing/2010/main" val="0"/>
+              </a:ext>
+              <a:ext uri="{96DAC541-7B7A-43D3-8B79-37D633B846F1}">
+                <asvg:svgBlip xmlns:asvg="http://schemas.microsoft.com/office/drawing/2016/SVG/main" r:embed="rId5"/>
+              </a:ext>
+            </a:extLst>
+          </a:blip>
+          <a:stretch>
+            <a:fillRect/>
+          </a:stretch>
+        </p:blipFill>
+        <p:spPr>
+          <a:xfrm>
+            <a:off x="2603897" y="2480808"/>
+            <a:ext cx="270044" cy="270044"/>
+          </a:xfrm>
+          <a:prstGeom prst="rect">
+            <a:avLst/>
+          </a:prstGeom>
+        </p:spPr>
+      </p:pic>
+      <p:grpSp>
+        <p:nvGrpSpPr>
+          <p:cNvPr id="60" name="グループ化 59">
+            <a:extLst>
+              <a:ext uri="{FF2B5EF4-FFF2-40B4-BE49-F238E27FC236}">
+                <a16:creationId xmlns:a16="http://schemas.microsoft.com/office/drawing/2014/main" id="{74003DBC-8D36-DF58-A3A1-56C644AB9921}"/>
+              </a:ext>
+            </a:extLst>
+          </p:cNvPr>
+          <p:cNvGrpSpPr/>
+          <p:nvPr/>
+        </p:nvGrpSpPr>
+        <p:grpSpPr>
+          <a:xfrm>
+            <a:off x="270602" y="1187845"/>
+            <a:ext cx="914400" cy="969104"/>
+            <a:chOff x="4948854" y="175467"/>
+            <a:chExt cx="914400" cy="969104"/>
+          </a:xfrm>
+        </p:grpSpPr>
+        <p:pic>
+          <p:nvPicPr>
+            <p:cNvPr id="57" name="グラフィックス 56" descr="雲 枠線">
+              <a:extLst>
+                <a:ext uri="{FF2B5EF4-FFF2-40B4-BE49-F238E27FC236}">
+                  <a16:creationId xmlns:a16="http://schemas.microsoft.com/office/drawing/2014/main" id="{270C9246-316D-7E90-C7F9-913A560EA6CF}"/>
+                </a:ext>
+              </a:extLst>
+            </p:cNvPr>
+            <p:cNvPicPr>
+              <a:picLocks noChangeAspect="1"/>
+            </p:cNvPicPr>
+            <p:nvPr/>
+          </p:nvPicPr>
+          <p:blipFill>
+            <a:blip r:embed="rId6">
+              <a:extLst>
+                <a:ext uri="{28A0092B-C50C-407E-A947-70E740481C1C}">
+                  <a14:useLocalDpi xmlns:a14="http://schemas.microsoft.com/office/drawing/2010/main" val="0"/>
+                </a:ext>
+                <a:ext uri="{96DAC541-7B7A-43D3-8B79-37D633B846F1}">
+                  <asvg:svgBlip xmlns:asvg="http://schemas.microsoft.com/office/drawing/2016/SVG/main" r:embed="rId7"/>
+                </a:ext>
+              </a:extLst>
+            </a:blip>
+            <a:stretch>
+              <a:fillRect/>
+            </a:stretch>
+          </p:blipFill>
+          <p:spPr>
+            <a:xfrm>
+              <a:off x="4948854" y="175467"/>
+              <a:ext cx="914400" cy="914400"/>
+            </a:xfrm>
+            <a:prstGeom prst="rect">
+              <a:avLst/>
+            </a:prstGeom>
+          </p:spPr>
+        </p:pic>
+        <p:sp>
+          <p:nvSpPr>
+            <p:cNvPr id="59" name="テキスト ボックス 58">
+              <a:extLst>
+                <a:ext uri="{FF2B5EF4-FFF2-40B4-BE49-F238E27FC236}">
+                  <a16:creationId xmlns:a16="http://schemas.microsoft.com/office/drawing/2014/main" id="{79B5B02F-BE89-69AB-3870-0A77B799774E}"/>
+                </a:ext>
+              </a:extLst>
+            </p:cNvPr>
+            <p:cNvSpPr txBox="1"/>
+            <p:nvPr/>
+          </p:nvSpPr>
+          <p:spPr>
+            <a:xfrm>
+              <a:off x="4957854" y="882961"/>
+              <a:ext cx="896399" cy="261610"/>
+            </a:xfrm>
+            <a:prstGeom prst="rect">
+              <a:avLst/>
+            </a:prstGeom>
+            <a:noFill/>
+          </p:spPr>
+          <p:txBody>
+            <a:bodyPr wrap="none" rtlCol="0">
+              <a:spAutoFit/>
+            </a:bodyPr>
+            <a:lstStyle/>
+            <a:p>
+              <a:r>
+                <a:rPr kumimoji="1" lang="ja-JP" altLang="en-US" sz="1100" dirty="0">
+                  <a:latin typeface="Yu Gothic UI" panose="020B0500000000000000" pitchFamily="50" charset="-128"/>
+                  <a:ea typeface="Yu Gothic UI" panose="020B0500000000000000" pitchFamily="50" charset="-128"/>
+                </a:rPr>
+                <a:t>インターネット</a:t>
+              </a:r>
+            </a:p>
+          </p:txBody>
+        </p:sp>
+      </p:grpSp>
+      <p:cxnSp>
+        <p:nvCxnSpPr>
+          <p:cNvPr id="62" name="直線コネクタ 61">
+            <a:extLst>
+              <a:ext uri="{FF2B5EF4-FFF2-40B4-BE49-F238E27FC236}">
+                <a16:creationId xmlns:a16="http://schemas.microsoft.com/office/drawing/2014/main" id="{C2BA5A59-A798-2964-4F44-93E3A7B6028B}"/>
+              </a:ext>
+            </a:extLst>
+          </p:cNvPr>
+          <p:cNvCxnSpPr>
+            <a:cxnSpLocks/>
+          </p:cNvCxnSpPr>
+          <p:nvPr/>
+        </p:nvCxnSpPr>
+        <p:spPr>
+          <a:xfrm flipH="1">
+            <a:off x="3374529" y="1079210"/>
+            <a:ext cx="658574" cy="0"/>
+          </a:xfrm>
+          <a:prstGeom prst="line">
+            <a:avLst/>
+          </a:prstGeom>
+          <a:ln w="12700">
+            <a:solidFill>
+              <a:schemeClr val="accent5"/>
+            </a:solidFill>
+            <a:headEnd type="arrow" w="med" len="med"/>
+            <a:tailEnd type="arrow" w="med" len="med"/>
+          </a:ln>
+        </p:spPr>
+        <p:style>
+          <a:lnRef idx="1">
+            <a:schemeClr val="accent1"/>
+          </a:lnRef>
+          <a:fillRef idx="0">
+            <a:schemeClr val="accent1"/>
+          </a:fillRef>
+          <a:effectRef idx="0">
+            <a:schemeClr val="accent1"/>
+          </a:effectRef>
+          <a:fontRef idx="minor">
+            <a:schemeClr val="tx1"/>
+          </a:fontRef>
+        </p:style>
+      </p:cxnSp>
+      <p:cxnSp>
+        <p:nvCxnSpPr>
+          <p:cNvPr id="64" name="直線コネクタ 63">
+            <a:extLst>
+              <a:ext uri="{FF2B5EF4-FFF2-40B4-BE49-F238E27FC236}">
+                <a16:creationId xmlns:a16="http://schemas.microsoft.com/office/drawing/2014/main" id="{4728677B-596C-54FB-43F8-44C14A1CD042}"/>
+              </a:ext>
+            </a:extLst>
+          </p:cNvPr>
+          <p:cNvCxnSpPr>
+            <a:cxnSpLocks/>
+            <a:stCxn id="26" idx="1"/>
+            <a:endCxn id="57" idx="3"/>
+          </p:cNvCxnSpPr>
+          <p:nvPr/>
+        </p:nvCxnSpPr>
+        <p:spPr>
+          <a:xfrm flipH="1">
+            <a:off x="1185002" y="1026955"/>
+            <a:ext cx="672623" cy="618090"/>
+          </a:xfrm>
+          <a:prstGeom prst="line">
+            <a:avLst/>
+          </a:prstGeom>
+          <a:ln w="12700">
+            <a:solidFill>
+              <a:schemeClr val="accent5"/>
+            </a:solidFill>
+            <a:headEnd type="arrow" w="med" len="med"/>
+            <a:tailEnd type="arrow" w="med" len="med"/>
+          </a:ln>
+        </p:spPr>
+        <p:style>
+          <a:lnRef idx="1">
+            <a:schemeClr val="accent1"/>
+          </a:lnRef>
+          <a:fillRef idx="0">
+            <a:schemeClr val="accent1"/>
+          </a:fillRef>
+          <a:effectRef idx="0">
+            <a:schemeClr val="accent1"/>
+          </a:effectRef>
+          <a:fontRef idx="minor">
+            <a:schemeClr val="tx1"/>
+          </a:fontRef>
+        </p:style>
+      </p:cxnSp>
+      <p:cxnSp>
+        <p:nvCxnSpPr>
+          <p:cNvPr id="66" name="直線コネクタ 65">
+            <a:extLst>
+              <a:ext uri="{FF2B5EF4-FFF2-40B4-BE49-F238E27FC236}">
+                <a16:creationId xmlns:a16="http://schemas.microsoft.com/office/drawing/2014/main" id="{3177EB30-6793-59C5-7392-631A32754B05}"/>
+              </a:ext>
+            </a:extLst>
+          </p:cNvPr>
+          <p:cNvCxnSpPr>
+            <a:cxnSpLocks/>
+            <a:stCxn id="46" idx="1"/>
+            <a:endCxn id="57" idx="3"/>
+          </p:cNvCxnSpPr>
+          <p:nvPr/>
+        </p:nvCxnSpPr>
+        <p:spPr>
+          <a:xfrm flipH="1" flipV="1">
+            <a:off x="1185002" y="1645045"/>
+            <a:ext cx="680213" cy="835068"/>
+          </a:xfrm>
+          <a:prstGeom prst="line">
+            <a:avLst/>
+          </a:prstGeom>
+          <a:ln w="12700">
+            <a:solidFill>
+              <a:schemeClr val="accent5"/>
+            </a:solidFill>
+            <a:headEnd type="arrow" w="med" len="med"/>
+            <a:tailEnd type="arrow" w="med" len="med"/>
+          </a:ln>
+        </p:spPr>
+        <p:style>
+          <a:lnRef idx="1">
+            <a:schemeClr val="accent1"/>
+          </a:lnRef>
+          <a:fillRef idx="0">
+            <a:schemeClr val="accent1"/>
+          </a:fillRef>
+          <a:effectRef idx="0">
+            <a:schemeClr val="accent1"/>
+          </a:effectRef>
+          <a:fontRef idx="minor">
+            <a:schemeClr val="tx1"/>
+          </a:fontRef>
+        </p:style>
+      </p:cxnSp>
+      <p:sp>
+        <p:nvSpPr>
+          <p:cNvPr id="71" name="フリーフォーム: 図形 70">
+            <a:extLst>
+              <a:ext uri="{FF2B5EF4-FFF2-40B4-BE49-F238E27FC236}">
+                <a16:creationId xmlns:a16="http://schemas.microsoft.com/office/drawing/2014/main" id="{99A7CE4D-EF6E-C83A-8461-C82227F28070}"/>
+              </a:ext>
+            </a:extLst>
+          </p:cNvPr>
+          <p:cNvSpPr/>
+          <p:nvPr/>
+        </p:nvSpPr>
+        <p:spPr>
+          <a:xfrm>
+            <a:off x="3792442" y="1462197"/>
+            <a:ext cx="544244" cy="981821"/>
+          </a:xfrm>
+          <a:custGeom>
+            <a:avLst/>
+            <a:gdLst>
+              <a:gd name="connsiteX0" fmla="*/ 0 w 544244"/>
+              <a:gd name="connsiteY0" fmla="*/ 981821 h 981821"/>
+              <a:gd name="connsiteX1" fmla="*/ 543584 w 544244"/>
+              <a:gd name="connsiteY1" fmla="*/ 653143 h 981821"/>
+              <a:gd name="connsiteX2" fmla="*/ 88491 w 544244"/>
+              <a:gd name="connsiteY2" fmla="*/ 0 h 981821"/>
+            </a:gdLst>
+            <a:ahLst/>
+            <a:cxnLst>
+              <a:cxn ang="0">
+                <a:pos x="connsiteX0" y="connsiteY0"/>
+              </a:cxn>
+              <a:cxn ang="0">
+                <a:pos x="connsiteX1" y="connsiteY1"/>
+              </a:cxn>
+              <a:cxn ang="0">
+                <a:pos x="connsiteX2" y="connsiteY2"/>
+              </a:cxn>
+            </a:cxnLst>
+            <a:rect l="l" t="t" r="r" b="b"/>
+            <a:pathLst>
+              <a:path w="544244" h="981821">
+                <a:moveTo>
+                  <a:pt x="0" y="981821"/>
+                </a:moveTo>
+                <a:cubicBezTo>
+                  <a:pt x="264418" y="899300"/>
+                  <a:pt x="528836" y="816780"/>
+                  <a:pt x="543584" y="653143"/>
+                </a:cubicBezTo>
+                <a:cubicBezTo>
+                  <a:pt x="558333" y="489506"/>
+                  <a:pt x="323412" y="244753"/>
+                  <a:pt x="88491" y="0"/>
+                </a:cubicBezTo>
+              </a:path>
+            </a:pathLst>
+          </a:custGeom>
+          <a:ln w="12700">
+            <a:solidFill>
+              <a:srgbClr val="FF0000"/>
+            </a:solidFill>
+            <a:prstDash val="sysDash"/>
+            <a:headEnd type="arrow" w="med" len="med"/>
+            <a:tailEnd type="arrow" w="med" len="med"/>
+          </a:ln>
+        </p:spPr>
+        <p:style>
+          <a:lnRef idx="1">
+            <a:schemeClr val="accent1"/>
+          </a:lnRef>
+          <a:fillRef idx="0">
+            <a:schemeClr val="accent1"/>
+          </a:fillRef>
+          <a:effectRef idx="0">
+            <a:schemeClr val="accent1"/>
+          </a:effectRef>
+          <a:fontRef idx="minor">
+            <a:schemeClr val="tx1"/>
+          </a:fontRef>
+        </p:style>
+        <p:txBody>
+          <a:bodyPr rtlCol="0" anchor="ctr"/>
+          <a:lstStyle/>
+          <a:p>
+            <a:pPr algn="ctr"/>
+            <a:endParaRPr kumimoji="1" lang="ja-JP" altLang="en-US"/>
+          </a:p>
+        </p:txBody>
+      </p:sp>
+      <p:sp>
+        <p:nvSpPr>
+          <p:cNvPr id="72" name="テキスト ボックス 71">
+            <a:extLst>
+              <a:ext uri="{FF2B5EF4-FFF2-40B4-BE49-F238E27FC236}">
+                <a16:creationId xmlns:a16="http://schemas.microsoft.com/office/drawing/2014/main" id="{6E9F5AD0-E006-D09F-4211-A0F492AAC5B7}"/>
+              </a:ext>
+            </a:extLst>
+          </p:cNvPr>
+          <p:cNvSpPr txBox="1"/>
+          <p:nvPr/>
+        </p:nvSpPr>
+        <p:spPr>
+          <a:xfrm>
+            <a:off x="569511" y="1019684"/>
+            <a:ext cx="1056700" cy="246221"/>
+          </a:xfrm>
+          <a:prstGeom prst="rect">
+            <a:avLst/>
+          </a:prstGeom>
+          <a:noFill/>
+        </p:spPr>
+        <p:txBody>
+          <a:bodyPr wrap="none" rtlCol="0">
+            <a:spAutoFit/>
+          </a:bodyPr>
+          <a:lstStyle/>
+          <a:p>
+            <a:r>
+              <a:rPr kumimoji="1" lang="ja-JP" altLang="en-US" sz="1000" dirty="0"/>
+              <a:t>既定で通信可能</a:t>
+            </a:r>
+          </a:p>
+        </p:txBody>
+      </p:sp>
+      <p:sp>
+        <p:nvSpPr>
+          <p:cNvPr id="73" name="テキスト ボックス 72">
+            <a:extLst>
+              <a:ext uri="{FF2B5EF4-FFF2-40B4-BE49-F238E27FC236}">
+                <a16:creationId xmlns:a16="http://schemas.microsoft.com/office/drawing/2014/main" id="{FE2A61F9-9669-B72C-C052-E3E1D8338C1E}"/>
+              </a:ext>
+            </a:extLst>
+          </p:cNvPr>
+          <p:cNvSpPr txBox="1"/>
+          <p:nvPr/>
+        </p:nvSpPr>
+        <p:spPr>
+          <a:xfrm>
+            <a:off x="4313976" y="1977861"/>
+            <a:ext cx="1056700" cy="246221"/>
+          </a:xfrm>
+          <a:prstGeom prst="rect">
+            <a:avLst/>
+          </a:prstGeom>
+          <a:noFill/>
+        </p:spPr>
+        <p:txBody>
+          <a:bodyPr wrap="none" rtlCol="0">
+            <a:spAutoFit/>
+          </a:bodyPr>
+          <a:lstStyle/>
+          <a:p>
+            <a:r>
+              <a:rPr kumimoji="1" lang="ja-JP" altLang="en-US" sz="1000" dirty="0"/>
+              <a:t>既定で通信不可</a:t>
+            </a:r>
+          </a:p>
+        </p:txBody>
+      </p:sp>
+      <p:pic>
+        <p:nvPicPr>
+          <p:cNvPr id="75" name="グラフィックス 74">
+            <a:extLst>
+              <a:ext uri="{FF2B5EF4-FFF2-40B4-BE49-F238E27FC236}">
+                <a16:creationId xmlns:a16="http://schemas.microsoft.com/office/drawing/2014/main" id="{5C84BE6D-4528-DAAD-7A16-BAC549035559}"/>
+              </a:ext>
+            </a:extLst>
+          </p:cNvPr>
+          <p:cNvPicPr>
+            <a:picLocks noChangeAspect="1"/>
+          </p:cNvPicPr>
+          <p:nvPr/>
+        </p:nvPicPr>
+        <p:blipFill>
+          <a:blip r:embed="rId4">
+            <a:extLst>
+              <a:ext uri="{28A0092B-C50C-407E-A947-70E740481C1C}">
+                <a14:useLocalDpi xmlns:a14="http://schemas.microsoft.com/office/drawing/2010/main" val="0"/>
+              </a:ext>
+              <a:ext uri="{96DAC541-7B7A-43D3-8B79-37D633B846F1}">
+                <asvg:svgBlip xmlns:asvg="http://schemas.microsoft.com/office/drawing/2016/SVG/main" r:embed="rId5"/>
+              </a:ext>
+            </a:extLst>
+          </a:blip>
+          <a:stretch>
+            <a:fillRect/>
+          </a:stretch>
+        </p:blipFill>
+        <p:spPr>
+          <a:xfrm>
+            <a:off x="6840842" y="2953115"/>
+            <a:ext cx="618200" cy="618200"/>
+          </a:xfrm>
+          <a:prstGeom prst="rect">
+            <a:avLst/>
+          </a:prstGeom>
+        </p:spPr>
+      </p:pic>
+      <p:sp>
+        <p:nvSpPr>
+          <p:cNvPr id="77" name="正方形/長方形 76">
+            <a:extLst>
+              <a:ext uri="{FF2B5EF4-FFF2-40B4-BE49-F238E27FC236}">
+                <a16:creationId xmlns:a16="http://schemas.microsoft.com/office/drawing/2014/main" id="{DD17B417-1A3B-589B-3E4E-AA05F56CE702}"/>
+              </a:ext>
+            </a:extLst>
+          </p:cNvPr>
+          <p:cNvSpPr/>
+          <p:nvPr/>
+        </p:nvSpPr>
+        <p:spPr>
+          <a:xfrm>
+            <a:off x="10456196" y="2661696"/>
+            <a:ext cx="1263079" cy="3369085"/>
+          </a:xfrm>
+          <a:prstGeom prst="rect">
+            <a:avLst/>
+          </a:prstGeom>
+          <a:noFill/>
+          <a:ln>
+            <a:solidFill>
+              <a:schemeClr val="accent6"/>
+            </a:solidFill>
+          </a:ln>
+        </p:spPr>
+        <p:style>
+          <a:lnRef idx="2">
+            <a:schemeClr val="accent1">
+              <a:shade val="50000"/>
+            </a:schemeClr>
+          </a:lnRef>
+          <a:fillRef idx="1">
+            <a:schemeClr val="accent1"/>
+          </a:fillRef>
+          <a:effectRef idx="0">
+            <a:schemeClr val="accent1"/>
+          </a:effectRef>
+          <a:fontRef idx="minor">
+            <a:schemeClr val="lt1"/>
+          </a:fontRef>
+        </p:style>
+        <p:txBody>
+          <a:bodyPr rtlCol="0" anchor="ctr"/>
+          <a:lstStyle/>
+          <a:p>
+            <a:pPr algn="ctr"/>
+            <a:endParaRPr kumimoji="1" lang="ja-JP" altLang="en-US">
+              <a:latin typeface="Yu Gothic UI" panose="020B0500000000000000" pitchFamily="50" charset="-128"/>
+              <a:ea typeface="Yu Gothic UI" panose="020B0500000000000000" pitchFamily="50" charset="-128"/>
+            </a:endParaRPr>
+          </a:p>
+        </p:txBody>
+      </p:sp>
+      <p:grpSp>
+        <p:nvGrpSpPr>
+          <p:cNvPr id="78" name="グループ化 77">
+            <a:extLst>
+              <a:ext uri="{FF2B5EF4-FFF2-40B4-BE49-F238E27FC236}">
+                <a16:creationId xmlns:a16="http://schemas.microsoft.com/office/drawing/2014/main" id="{E236FB7D-F0AA-64F4-D365-A73604ABF295}"/>
+              </a:ext>
+            </a:extLst>
+          </p:cNvPr>
+          <p:cNvGrpSpPr/>
+          <p:nvPr/>
+        </p:nvGrpSpPr>
+        <p:grpSpPr>
+          <a:xfrm>
+            <a:off x="10404607" y="2476697"/>
+            <a:ext cx="281657" cy="161721"/>
+            <a:chOff x="7545388" y="5762626"/>
+            <a:chExt cx="577850" cy="331788"/>
+          </a:xfrm>
+        </p:grpSpPr>
+        <p:sp>
+          <p:nvSpPr>
+            <p:cNvPr id="79" name="Freeform 2167">
+              <a:extLst>
+                <a:ext uri="{FF2B5EF4-FFF2-40B4-BE49-F238E27FC236}">
+                  <a16:creationId xmlns:a16="http://schemas.microsoft.com/office/drawing/2014/main" id="{93BA59F9-0AD7-C0F8-4436-36516C14F76A}"/>
+                </a:ext>
+              </a:extLst>
+            </p:cNvPr>
+            <p:cNvSpPr>
+              <a:spLocks/>
+            </p:cNvSpPr>
+            <p:nvPr/>
+          </p:nvSpPr>
+          <p:spPr bwMode="auto">
+            <a:xfrm>
+              <a:off x="7940675" y="5762626"/>
+              <a:ext cx="182563" cy="331788"/>
+            </a:xfrm>
+            <a:custGeom>
+              <a:avLst/>
+              <a:gdLst>
+                <a:gd name="T0" fmla="*/ 62 w 64"/>
+                <a:gd name="T1" fmla="*/ 60 h 116"/>
+                <a:gd name="T2" fmla="*/ 62 w 64"/>
+                <a:gd name="T3" fmla="*/ 53 h 116"/>
+                <a:gd name="T4" fmla="*/ 52 w 64"/>
+                <a:gd name="T5" fmla="*/ 44 h 116"/>
+                <a:gd name="T6" fmla="*/ 9 w 64"/>
+                <a:gd name="T7" fmla="*/ 2 h 116"/>
+                <a:gd name="T8" fmla="*/ 2 w 64"/>
+                <a:gd name="T9" fmla="*/ 2 h 116"/>
+                <a:gd name="T10" fmla="*/ 2 w 64"/>
+                <a:gd name="T11" fmla="*/ 9 h 116"/>
+                <a:gd name="T12" fmla="*/ 48 w 64"/>
+                <a:gd name="T13" fmla="*/ 53 h 116"/>
+                <a:gd name="T14" fmla="*/ 48 w 64"/>
+                <a:gd name="T15" fmla="*/ 60 h 116"/>
+                <a:gd name="T16" fmla="*/ 2 w 64"/>
+                <a:gd name="T17" fmla="*/ 106 h 116"/>
+                <a:gd name="T18" fmla="*/ 2 w 64"/>
+                <a:gd name="T19" fmla="*/ 114 h 116"/>
+                <a:gd name="T20" fmla="*/ 8 w 64"/>
+                <a:gd name="T21" fmla="*/ 114 h 116"/>
+                <a:gd name="T22" fmla="*/ 51 w 64"/>
+                <a:gd name="T23" fmla="*/ 71 h 116"/>
+                <a:gd name="T24" fmla="*/ 52 w 64"/>
+                <a:gd name="T25" fmla="*/ 71 h 116"/>
+                <a:gd name="T26" fmla="*/ 62 w 64"/>
+                <a:gd name="T27" fmla="*/ 60 h 116"/>
+              </a:gdLst>
+              <a:ahLst/>
+              <a:cxnLst>
+                <a:cxn ang="0">
+                  <a:pos x="T0" y="T1"/>
+                </a:cxn>
+                <a:cxn ang="0">
+                  <a:pos x="T2" y="T3"/>
+                </a:cxn>
+                <a:cxn ang="0">
+                  <a:pos x="T4" y="T5"/>
+                </a:cxn>
+                <a:cxn ang="0">
+                  <a:pos x="T6" y="T7"/>
+                </a:cxn>
+                <a:cxn ang="0">
+                  <a:pos x="T8" y="T9"/>
+                </a:cxn>
+                <a:cxn ang="0">
+                  <a:pos x="T10" y="T11"/>
+                </a:cxn>
+                <a:cxn ang="0">
+                  <a:pos x="T12" y="T13"/>
+                </a:cxn>
+                <a:cxn ang="0">
+                  <a:pos x="T14" y="T15"/>
+                </a:cxn>
+                <a:cxn ang="0">
+                  <a:pos x="T16" y="T17"/>
+                </a:cxn>
+                <a:cxn ang="0">
+                  <a:pos x="T18" y="T19"/>
+                </a:cxn>
+                <a:cxn ang="0">
+                  <a:pos x="T20" y="T21"/>
+                </a:cxn>
+                <a:cxn ang="0">
+                  <a:pos x="T22" y="T23"/>
+                </a:cxn>
+                <a:cxn ang="0">
+                  <a:pos x="T24" y="T25"/>
+                </a:cxn>
+                <a:cxn ang="0">
+                  <a:pos x="T26" y="T27"/>
+                </a:cxn>
+              </a:cxnLst>
+              <a:rect l="0" t="0" r="r" b="b"/>
+              <a:pathLst>
+                <a:path w="64" h="116">
+                  <a:moveTo>
+                    <a:pt x="62" y="60"/>
+                  </a:moveTo>
+                  <a:cubicBezTo>
+                    <a:pt x="64" y="58"/>
+                    <a:pt x="64" y="55"/>
+                    <a:pt x="62" y="53"/>
+                  </a:cubicBezTo>
+                  <a:cubicBezTo>
+                    <a:pt x="52" y="44"/>
+                    <a:pt x="52" y="44"/>
+                    <a:pt x="52" y="44"/>
+                  </a:cubicBezTo>
+                  <a:cubicBezTo>
+                    <a:pt x="9" y="2"/>
+                    <a:pt x="9" y="2"/>
+                    <a:pt x="9" y="2"/>
+                  </a:cubicBezTo>
+                  <a:cubicBezTo>
+                    <a:pt x="7" y="0"/>
+                    <a:pt x="4" y="0"/>
+                    <a:pt x="2" y="2"/>
+                  </a:cubicBezTo>
+                  <a:cubicBezTo>
+                    <a:pt x="0" y="4"/>
+                    <a:pt x="0" y="7"/>
+                    <a:pt x="2" y="9"/>
+                  </a:cubicBezTo>
+                  <a:cubicBezTo>
+                    <a:pt x="48" y="53"/>
+                    <a:pt x="48" y="53"/>
+                    <a:pt x="48" y="53"/>
+                  </a:cubicBezTo>
+                  <a:cubicBezTo>
+                    <a:pt x="50" y="55"/>
+                    <a:pt x="50" y="58"/>
+                    <a:pt x="48" y="60"/>
+                  </a:cubicBezTo>
+                  <a:cubicBezTo>
+                    <a:pt x="2" y="106"/>
+                    <a:pt x="2" y="106"/>
+                    <a:pt x="2" y="106"/>
+                  </a:cubicBezTo>
+                  <a:cubicBezTo>
+                    <a:pt x="0" y="108"/>
+                    <a:pt x="0" y="112"/>
+                    <a:pt x="2" y="114"/>
+                  </a:cubicBezTo>
+                  <a:cubicBezTo>
+                    <a:pt x="4" y="116"/>
+                    <a:pt x="7" y="115"/>
+                    <a:pt x="8" y="114"/>
+                  </a:cubicBezTo>
+                  <a:cubicBezTo>
+                    <a:pt x="51" y="71"/>
+                    <a:pt x="51" y="71"/>
+                    <a:pt x="51" y="71"/>
+                  </a:cubicBezTo>
+                  <a:cubicBezTo>
+                    <a:pt x="51" y="71"/>
+                    <a:pt x="51" y="71"/>
+                    <a:pt x="52" y="71"/>
+                  </a:cubicBezTo>
+                  <a:lnTo>
+                    <a:pt x="62" y="60"/>
+                  </a:lnTo>
+                  <a:close/>
+                </a:path>
+              </a:pathLst>
+            </a:custGeom>
+            <a:solidFill>
+              <a:srgbClr val="3999C6"/>
+            </a:solidFill>
+            <a:ln>
+              <a:noFill/>
+            </a:ln>
+            <a:extLst>
+              <a:ext uri="{91240B29-F687-4F45-9708-019B960494DF}">
+                <a14:hiddenLine xmlns:a14="http://schemas.microsoft.com/office/drawing/2010/main" w="9525">
+                  <a:solidFill>
+                    <a:srgbClr val="000000"/>
+                  </a:solidFill>
+                  <a:round/>
+                  <a:headEnd/>
+                  <a:tailEnd/>
+                </a14:hiddenLine>
+              </a:ext>
+            </a:extLst>
+          </p:spPr>
+          <p:txBody>
+            <a:bodyPr vert="horz" wrap="square" lIns="91440" tIns="45720" rIns="91440" bIns="45720" numCol="1" anchor="t" anchorCtr="0" compatLnSpc="1">
+              <a:prstTxWarp prst="textNoShape">
+                <a:avLst/>
+              </a:prstTxWarp>
+            </a:bodyPr>
+            <a:lstStyle/>
+            <a:p>
+              <a:endParaRPr lang="ja-JP" altLang="en-US" sz="2400">
+                <a:latin typeface="Yu Gothic UI" panose="020B0500000000000000" pitchFamily="50" charset="-128"/>
+                <a:ea typeface="Yu Gothic UI" panose="020B0500000000000000" pitchFamily="50" charset="-128"/>
+              </a:endParaRPr>
+            </a:p>
+          </p:txBody>
+        </p:sp>
+        <p:sp>
+          <p:nvSpPr>
+            <p:cNvPr id="80" name="Freeform 2168">
+              <a:extLst>
+                <a:ext uri="{FF2B5EF4-FFF2-40B4-BE49-F238E27FC236}">
+                  <a16:creationId xmlns:a16="http://schemas.microsoft.com/office/drawing/2014/main" id="{5E686451-73C0-0DD4-A1D5-DB5BAC7911F9}"/>
+                </a:ext>
+              </a:extLst>
+            </p:cNvPr>
+            <p:cNvSpPr>
+              <a:spLocks/>
+            </p:cNvSpPr>
+            <p:nvPr/>
+          </p:nvSpPr>
+          <p:spPr bwMode="auto">
+            <a:xfrm>
+              <a:off x="7545388" y="5762626"/>
+              <a:ext cx="185738" cy="331788"/>
+            </a:xfrm>
+            <a:custGeom>
+              <a:avLst/>
+              <a:gdLst>
+                <a:gd name="T0" fmla="*/ 2 w 65"/>
+                <a:gd name="T1" fmla="*/ 60 h 116"/>
+                <a:gd name="T2" fmla="*/ 2 w 65"/>
+                <a:gd name="T3" fmla="*/ 53 h 116"/>
+                <a:gd name="T4" fmla="*/ 12 w 65"/>
+                <a:gd name="T5" fmla="*/ 44 h 116"/>
+                <a:gd name="T6" fmla="*/ 55 w 65"/>
+                <a:gd name="T7" fmla="*/ 2 h 116"/>
+                <a:gd name="T8" fmla="*/ 62 w 65"/>
+                <a:gd name="T9" fmla="*/ 2 h 116"/>
+                <a:gd name="T10" fmla="*/ 62 w 65"/>
+                <a:gd name="T11" fmla="*/ 9 h 116"/>
+                <a:gd name="T12" fmla="*/ 18 w 65"/>
+                <a:gd name="T13" fmla="*/ 53 h 116"/>
+                <a:gd name="T14" fmla="*/ 18 w 65"/>
+                <a:gd name="T15" fmla="*/ 60 h 116"/>
+                <a:gd name="T16" fmla="*/ 63 w 65"/>
+                <a:gd name="T17" fmla="*/ 106 h 116"/>
+                <a:gd name="T18" fmla="*/ 63 w 65"/>
+                <a:gd name="T19" fmla="*/ 114 h 116"/>
+                <a:gd name="T20" fmla="*/ 56 w 65"/>
+                <a:gd name="T21" fmla="*/ 114 h 116"/>
+                <a:gd name="T22" fmla="*/ 12 w 65"/>
+                <a:gd name="T23" fmla="*/ 72 h 116"/>
+                <a:gd name="T24" fmla="*/ 12 w 65"/>
+                <a:gd name="T25" fmla="*/ 71 h 116"/>
+                <a:gd name="T26" fmla="*/ 2 w 65"/>
+                <a:gd name="T27" fmla="*/ 60 h 116"/>
+              </a:gdLst>
+              <a:ahLst/>
+              <a:cxnLst>
+                <a:cxn ang="0">
+                  <a:pos x="T0" y="T1"/>
+                </a:cxn>
+                <a:cxn ang="0">
+                  <a:pos x="T2" y="T3"/>
+                </a:cxn>
+                <a:cxn ang="0">
+                  <a:pos x="T4" y="T5"/>
+                </a:cxn>
+                <a:cxn ang="0">
+                  <a:pos x="T6" y="T7"/>
+                </a:cxn>
+                <a:cxn ang="0">
+                  <a:pos x="T8" y="T9"/>
+                </a:cxn>
+                <a:cxn ang="0">
+                  <a:pos x="T10" y="T11"/>
+                </a:cxn>
+                <a:cxn ang="0">
+                  <a:pos x="T12" y="T13"/>
+                </a:cxn>
+                <a:cxn ang="0">
+                  <a:pos x="T14" y="T15"/>
+                </a:cxn>
+                <a:cxn ang="0">
+                  <a:pos x="T16" y="T17"/>
+                </a:cxn>
+                <a:cxn ang="0">
+                  <a:pos x="T18" y="T19"/>
+                </a:cxn>
+                <a:cxn ang="0">
+                  <a:pos x="T20" y="T21"/>
+                </a:cxn>
+                <a:cxn ang="0">
+                  <a:pos x="T22" y="T23"/>
+                </a:cxn>
+                <a:cxn ang="0">
+                  <a:pos x="T24" y="T25"/>
+                </a:cxn>
+                <a:cxn ang="0">
+                  <a:pos x="T26" y="T27"/>
+                </a:cxn>
+              </a:cxnLst>
+              <a:rect l="0" t="0" r="r" b="b"/>
+              <a:pathLst>
+                <a:path w="65" h="116">
+                  <a:moveTo>
+                    <a:pt x="2" y="60"/>
+                  </a:moveTo>
+                  <a:cubicBezTo>
+                    <a:pt x="0" y="58"/>
+                    <a:pt x="1" y="55"/>
+                    <a:pt x="2" y="53"/>
+                  </a:cubicBezTo>
+                  <a:cubicBezTo>
+                    <a:pt x="12" y="44"/>
+                    <a:pt x="12" y="44"/>
+                    <a:pt x="12" y="44"/>
+                  </a:cubicBezTo>
+                  <a:cubicBezTo>
+                    <a:pt x="55" y="2"/>
+                    <a:pt x="55" y="2"/>
+                    <a:pt x="55" y="2"/>
+                  </a:cubicBezTo>
+                  <a:cubicBezTo>
+                    <a:pt x="57" y="0"/>
+                    <a:pt x="60" y="0"/>
+                    <a:pt x="62" y="2"/>
+                  </a:cubicBezTo>
+                  <a:cubicBezTo>
+                    <a:pt x="64" y="4"/>
+                    <a:pt x="64" y="7"/>
+                    <a:pt x="62" y="9"/>
+                  </a:cubicBezTo>
+                  <a:cubicBezTo>
+                    <a:pt x="18" y="53"/>
+                    <a:pt x="18" y="53"/>
+                    <a:pt x="18" y="53"/>
+                  </a:cubicBezTo>
+                  <a:cubicBezTo>
+                    <a:pt x="16" y="55"/>
+                    <a:pt x="16" y="58"/>
+                    <a:pt x="18" y="60"/>
+                  </a:cubicBezTo>
+                  <a:cubicBezTo>
+                    <a:pt x="63" y="106"/>
+                    <a:pt x="63" y="106"/>
+                    <a:pt x="63" y="106"/>
+                  </a:cubicBezTo>
+                  <a:cubicBezTo>
+                    <a:pt x="65" y="108"/>
+                    <a:pt x="65" y="112"/>
+                    <a:pt x="63" y="114"/>
+                  </a:cubicBezTo>
+                  <a:cubicBezTo>
+                    <a:pt x="61" y="116"/>
+                    <a:pt x="58" y="115"/>
+                    <a:pt x="56" y="114"/>
+                  </a:cubicBezTo>
+                  <a:cubicBezTo>
+                    <a:pt x="12" y="72"/>
+                    <a:pt x="12" y="72"/>
+                    <a:pt x="12" y="72"/>
+                  </a:cubicBezTo>
+                  <a:cubicBezTo>
+                    <a:pt x="12" y="72"/>
+                    <a:pt x="12" y="72"/>
+                    <a:pt x="12" y="71"/>
+                  </a:cubicBezTo>
+                  <a:lnTo>
+                    <a:pt x="2" y="60"/>
+                  </a:lnTo>
+                  <a:close/>
+                </a:path>
+              </a:pathLst>
+            </a:custGeom>
+            <a:solidFill>
+              <a:srgbClr val="3999C6"/>
+            </a:solidFill>
+            <a:ln>
+              <a:noFill/>
+            </a:ln>
+            <a:extLst>
+              <a:ext uri="{91240B29-F687-4F45-9708-019B960494DF}">
+                <a14:hiddenLine xmlns:a14="http://schemas.microsoft.com/office/drawing/2010/main" w="9525">
+                  <a:solidFill>
+                    <a:srgbClr val="000000"/>
+                  </a:solidFill>
+                  <a:round/>
+                  <a:headEnd/>
+                  <a:tailEnd/>
+                </a14:hiddenLine>
+              </a:ext>
+            </a:extLst>
+          </p:spPr>
+          <p:txBody>
+            <a:bodyPr vert="horz" wrap="square" lIns="91440" tIns="45720" rIns="91440" bIns="45720" numCol="1" anchor="t" anchorCtr="0" compatLnSpc="1">
+              <a:prstTxWarp prst="textNoShape">
+                <a:avLst/>
+              </a:prstTxWarp>
+            </a:bodyPr>
+            <a:lstStyle/>
+            <a:p>
+              <a:endParaRPr lang="ja-JP" altLang="en-US" sz="2400">
+                <a:latin typeface="Yu Gothic UI" panose="020B0500000000000000" pitchFamily="50" charset="-128"/>
+                <a:ea typeface="Yu Gothic UI" panose="020B0500000000000000" pitchFamily="50" charset="-128"/>
+              </a:endParaRPr>
+            </a:p>
+          </p:txBody>
+        </p:sp>
+        <p:sp>
+          <p:nvSpPr>
+            <p:cNvPr id="81" name="Freeform 2169">
+              <a:extLst>
+                <a:ext uri="{FF2B5EF4-FFF2-40B4-BE49-F238E27FC236}">
+                  <a16:creationId xmlns:a16="http://schemas.microsoft.com/office/drawing/2014/main" id="{FC302F0B-22C1-6576-F529-25636DCA0352}"/>
+                </a:ext>
+              </a:extLst>
+            </p:cNvPr>
+            <p:cNvSpPr>
+              <a:spLocks/>
+            </p:cNvSpPr>
+            <p:nvPr/>
+          </p:nvSpPr>
+          <p:spPr bwMode="auto">
+            <a:xfrm>
+              <a:off x="7680325" y="5889626"/>
+              <a:ext cx="76200" cy="74613"/>
+            </a:xfrm>
+            <a:custGeom>
+              <a:avLst/>
+              <a:gdLst>
+                <a:gd name="T0" fmla="*/ 27 w 27"/>
+                <a:gd name="T1" fmla="*/ 13 h 26"/>
+                <a:gd name="T2" fmla="*/ 14 w 27"/>
+                <a:gd name="T3" fmla="*/ 26 h 26"/>
+                <a:gd name="T4" fmla="*/ 0 w 27"/>
+                <a:gd name="T5" fmla="*/ 13 h 26"/>
+                <a:gd name="T6" fmla="*/ 14 w 27"/>
+                <a:gd name="T7" fmla="*/ 0 h 26"/>
+                <a:gd name="T8" fmla="*/ 27 w 27"/>
+                <a:gd name="T9" fmla="*/ 13 h 26"/>
+              </a:gdLst>
+              <a:ahLst/>
+              <a:cxnLst>
+                <a:cxn ang="0">
+                  <a:pos x="T0" y="T1"/>
+                </a:cxn>
+                <a:cxn ang="0">
+                  <a:pos x="T2" y="T3"/>
+                </a:cxn>
+                <a:cxn ang="0">
+                  <a:pos x="T4" y="T5"/>
+                </a:cxn>
+                <a:cxn ang="0">
+                  <a:pos x="T6" y="T7"/>
+                </a:cxn>
+                <a:cxn ang="0">
+                  <a:pos x="T8" y="T9"/>
+                </a:cxn>
+              </a:cxnLst>
+              <a:rect l="0" t="0" r="r" b="b"/>
+              <a:pathLst>
+                <a:path w="27" h="26">
+                  <a:moveTo>
+                    <a:pt x="27" y="13"/>
+                  </a:moveTo>
+                  <a:cubicBezTo>
+                    <a:pt x="27" y="20"/>
+                    <a:pt x="21" y="26"/>
+                    <a:pt x="14" y="26"/>
+                  </a:cubicBezTo>
+                  <a:cubicBezTo>
+                    <a:pt x="7" y="26"/>
+                    <a:pt x="0" y="20"/>
+                    <a:pt x="0" y="13"/>
+                  </a:cubicBezTo>
+                  <a:cubicBezTo>
+                    <a:pt x="0" y="6"/>
+                    <a:pt x="5" y="0"/>
+                    <a:pt x="14" y="0"/>
+                  </a:cubicBezTo>
+                  <a:cubicBezTo>
+                    <a:pt x="22" y="0"/>
+                    <a:pt x="27" y="6"/>
+                    <a:pt x="27" y="13"/>
+                  </a:cubicBezTo>
+                  <a:close/>
+                </a:path>
+              </a:pathLst>
+            </a:custGeom>
+            <a:solidFill>
+              <a:srgbClr val="7FBA00"/>
+            </a:solidFill>
+            <a:ln>
+              <a:noFill/>
+            </a:ln>
+            <a:extLst>
+              <a:ext uri="{91240B29-F687-4F45-9708-019B960494DF}">
+                <a14:hiddenLine xmlns:a14="http://schemas.microsoft.com/office/drawing/2010/main" w="9525">
+                  <a:solidFill>
+                    <a:srgbClr val="000000"/>
+                  </a:solidFill>
+                  <a:round/>
+                  <a:headEnd/>
+                  <a:tailEnd/>
+                </a14:hiddenLine>
+              </a:ext>
+            </a:extLst>
+          </p:spPr>
+          <p:txBody>
+            <a:bodyPr vert="horz" wrap="square" lIns="91440" tIns="45720" rIns="91440" bIns="45720" numCol="1" anchor="t" anchorCtr="0" compatLnSpc="1">
+              <a:prstTxWarp prst="textNoShape">
+                <a:avLst/>
+              </a:prstTxWarp>
+            </a:bodyPr>
+            <a:lstStyle/>
+            <a:p>
+              <a:endParaRPr lang="ja-JP" altLang="en-US" sz="2400">
+                <a:latin typeface="Yu Gothic UI" panose="020B0500000000000000" pitchFamily="50" charset="-128"/>
+                <a:ea typeface="Yu Gothic UI" panose="020B0500000000000000" pitchFamily="50" charset="-128"/>
+              </a:endParaRPr>
+            </a:p>
+          </p:txBody>
+        </p:sp>
+        <p:sp>
+          <p:nvSpPr>
+            <p:cNvPr id="82" name="Freeform 2170">
+              <a:extLst>
+                <a:ext uri="{FF2B5EF4-FFF2-40B4-BE49-F238E27FC236}">
+                  <a16:creationId xmlns:a16="http://schemas.microsoft.com/office/drawing/2014/main" id="{EC6743B9-E585-9DCD-468B-13352C1A051A}"/>
+                </a:ext>
+              </a:extLst>
+            </p:cNvPr>
+            <p:cNvSpPr>
+              <a:spLocks/>
+            </p:cNvSpPr>
+            <p:nvPr/>
+          </p:nvSpPr>
+          <p:spPr bwMode="auto">
+            <a:xfrm>
+              <a:off x="7794625" y="5889626"/>
+              <a:ext cx="76200" cy="74613"/>
+            </a:xfrm>
+            <a:custGeom>
+              <a:avLst/>
+              <a:gdLst>
+                <a:gd name="T0" fmla="*/ 27 w 27"/>
+                <a:gd name="T1" fmla="*/ 13 h 26"/>
+                <a:gd name="T2" fmla="*/ 14 w 27"/>
+                <a:gd name="T3" fmla="*/ 26 h 26"/>
+                <a:gd name="T4" fmla="*/ 0 w 27"/>
+                <a:gd name="T5" fmla="*/ 13 h 26"/>
+                <a:gd name="T6" fmla="*/ 14 w 27"/>
+                <a:gd name="T7" fmla="*/ 0 h 26"/>
+                <a:gd name="T8" fmla="*/ 27 w 27"/>
+                <a:gd name="T9" fmla="*/ 13 h 26"/>
+              </a:gdLst>
+              <a:ahLst/>
+              <a:cxnLst>
+                <a:cxn ang="0">
+                  <a:pos x="T0" y="T1"/>
+                </a:cxn>
+                <a:cxn ang="0">
+                  <a:pos x="T2" y="T3"/>
+                </a:cxn>
+                <a:cxn ang="0">
+                  <a:pos x="T4" y="T5"/>
+                </a:cxn>
+                <a:cxn ang="0">
+                  <a:pos x="T6" y="T7"/>
+                </a:cxn>
+                <a:cxn ang="0">
+                  <a:pos x="T8" y="T9"/>
+                </a:cxn>
+              </a:cxnLst>
+              <a:rect l="0" t="0" r="r" b="b"/>
+              <a:pathLst>
+                <a:path w="27" h="26">
+                  <a:moveTo>
+                    <a:pt x="27" y="13"/>
+                  </a:moveTo>
+                  <a:cubicBezTo>
+                    <a:pt x="27" y="20"/>
+                    <a:pt x="21" y="26"/>
+                    <a:pt x="14" y="26"/>
+                  </a:cubicBezTo>
+                  <a:cubicBezTo>
+                    <a:pt x="7" y="26"/>
+                    <a:pt x="0" y="20"/>
+                    <a:pt x="0" y="13"/>
+                  </a:cubicBezTo>
+                  <a:cubicBezTo>
+                    <a:pt x="0" y="6"/>
+                    <a:pt x="7" y="0"/>
+                    <a:pt x="14" y="0"/>
+                  </a:cubicBezTo>
+                  <a:cubicBezTo>
+                    <a:pt x="22" y="0"/>
+                    <a:pt x="27" y="6"/>
+                    <a:pt x="27" y="13"/>
+                  </a:cubicBezTo>
+                  <a:close/>
+                </a:path>
+              </a:pathLst>
+            </a:custGeom>
+            <a:solidFill>
+              <a:srgbClr val="7FBA00"/>
+            </a:solidFill>
+            <a:ln>
+              <a:noFill/>
+            </a:ln>
+            <a:extLst>
+              <a:ext uri="{91240B29-F687-4F45-9708-019B960494DF}">
+                <a14:hiddenLine xmlns:a14="http://schemas.microsoft.com/office/drawing/2010/main" w="9525">
+                  <a:solidFill>
+                    <a:srgbClr val="000000"/>
+                  </a:solidFill>
+                  <a:round/>
+                  <a:headEnd/>
+                  <a:tailEnd/>
+                </a14:hiddenLine>
+              </a:ext>
+            </a:extLst>
+          </p:spPr>
+          <p:txBody>
+            <a:bodyPr vert="horz" wrap="square" lIns="91440" tIns="45720" rIns="91440" bIns="45720" numCol="1" anchor="t" anchorCtr="0" compatLnSpc="1">
+              <a:prstTxWarp prst="textNoShape">
+                <a:avLst/>
+              </a:prstTxWarp>
+            </a:bodyPr>
+            <a:lstStyle/>
+            <a:p>
+              <a:endParaRPr lang="ja-JP" altLang="en-US" sz="2400">
+                <a:latin typeface="Yu Gothic UI" panose="020B0500000000000000" pitchFamily="50" charset="-128"/>
+                <a:ea typeface="Yu Gothic UI" panose="020B0500000000000000" pitchFamily="50" charset="-128"/>
+              </a:endParaRPr>
+            </a:p>
+          </p:txBody>
+        </p:sp>
+        <p:sp>
+          <p:nvSpPr>
+            <p:cNvPr id="83" name="Oval 2171">
+              <a:extLst>
+                <a:ext uri="{FF2B5EF4-FFF2-40B4-BE49-F238E27FC236}">
+                  <a16:creationId xmlns:a16="http://schemas.microsoft.com/office/drawing/2014/main" id="{16D8A6B9-7055-B199-EB6D-D1DF46519E26}"/>
+                </a:ext>
+              </a:extLst>
+            </p:cNvPr>
+            <p:cNvSpPr>
+              <a:spLocks noChangeArrowheads="1"/>
+            </p:cNvSpPr>
+            <p:nvPr/>
+          </p:nvSpPr>
+          <p:spPr bwMode="auto">
+            <a:xfrm>
+              <a:off x="7913688" y="5889626"/>
+              <a:ext cx="74613" cy="74613"/>
+            </a:xfrm>
+            <a:prstGeom prst="ellipse">
+              <a:avLst/>
+            </a:prstGeom>
+            <a:solidFill>
+              <a:srgbClr val="7FBA00"/>
+            </a:solidFill>
+            <a:ln>
+              <a:noFill/>
+            </a:ln>
+            <a:extLst>
+              <a:ext uri="{91240B29-F687-4F45-9708-019B960494DF}">
+                <a14:hiddenLine xmlns:a14="http://schemas.microsoft.com/office/drawing/2010/main" w="9525">
+                  <a:solidFill>
+                    <a:srgbClr val="000000"/>
+                  </a:solidFill>
+                  <a:round/>
+                  <a:headEnd/>
+                  <a:tailEnd/>
+                </a14:hiddenLine>
+              </a:ext>
+            </a:extLst>
+          </p:spPr>
+          <p:txBody>
+            <a:bodyPr vert="horz" wrap="square" lIns="91440" tIns="45720" rIns="91440" bIns="45720" numCol="1" anchor="t" anchorCtr="0" compatLnSpc="1">
+              <a:prstTxWarp prst="textNoShape">
+                <a:avLst/>
+              </a:prstTxWarp>
+            </a:bodyPr>
+            <a:lstStyle/>
+            <a:p>
+              <a:endParaRPr lang="ja-JP" altLang="en-US" sz="2400">
+                <a:latin typeface="Yu Gothic UI" panose="020B0500000000000000" pitchFamily="50" charset="-128"/>
+                <a:ea typeface="Yu Gothic UI" panose="020B0500000000000000" pitchFamily="50" charset="-128"/>
+              </a:endParaRPr>
+            </a:p>
+          </p:txBody>
+        </p:sp>
+      </p:grpSp>
+      <p:sp>
+        <p:nvSpPr>
+          <p:cNvPr id="84" name="テキスト ボックス 83">
+            <a:extLst>
+              <a:ext uri="{FF2B5EF4-FFF2-40B4-BE49-F238E27FC236}">
+                <a16:creationId xmlns:a16="http://schemas.microsoft.com/office/drawing/2014/main" id="{459C5D29-0016-F1CE-F21A-32BD10CBB987}"/>
+              </a:ext>
+            </a:extLst>
+          </p:cNvPr>
+          <p:cNvSpPr txBox="1"/>
+          <p:nvPr/>
+        </p:nvSpPr>
+        <p:spPr>
+          <a:xfrm>
+            <a:off x="10727093" y="2500995"/>
+            <a:ext cx="852344" cy="153888"/>
+          </a:xfrm>
+          <a:prstGeom prst="rect">
+            <a:avLst/>
+          </a:prstGeom>
+          <a:noFill/>
+        </p:spPr>
+        <p:txBody>
+          <a:bodyPr wrap="square" lIns="0" tIns="0" rIns="0" bIns="0" rtlCol="0">
+            <a:spAutoFit/>
+          </a:bodyPr>
+          <a:lstStyle/>
+          <a:p>
+            <a:r>
+              <a:rPr kumimoji="1" lang="ja-JP" altLang="en-US" sz="1000" dirty="0">
+                <a:latin typeface="Yu Gothic UI" panose="020B0500000000000000" pitchFamily="50" charset="-128"/>
+                <a:ea typeface="Yu Gothic UI" panose="020B0500000000000000" pitchFamily="50" charset="-128"/>
+              </a:rPr>
+              <a:t>仮想ネットワーク</a:t>
+            </a:r>
+            <a:endParaRPr kumimoji="1" lang="en-US" sz="1000" dirty="0">
+              <a:latin typeface="Yu Gothic UI" panose="020B0500000000000000" pitchFamily="50" charset="-128"/>
+              <a:ea typeface="Yu Gothic UI" panose="020B0500000000000000" pitchFamily="50" charset="-128"/>
+            </a:endParaRPr>
+          </a:p>
+        </p:txBody>
+      </p:sp>
+      <p:sp>
+        <p:nvSpPr>
+          <p:cNvPr id="86" name="正方形/長方形 85">
+            <a:extLst>
+              <a:ext uri="{FF2B5EF4-FFF2-40B4-BE49-F238E27FC236}">
+                <a16:creationId xmlns:a16="http://schemas.microsoft.com/office/drawing/2014/main" id="{D6C3BD2F-7D3E-62BF-795E-EB6D00FAC1B4}"/>
+              </a:ext>
+            </a:extLst>
+          </p:cNvPr>
+          <p:cNvSpPr/>
+          <p:nvPr/>
+        </p:nvSpPr>
+        <p:spPr>
+          <a:xfrm>
+            <a:off x="6480339" y="3961367"/>
+            <a:ext cx="1375857" cy="2069414"/>
+          </a:xfrm>
+          <a:prstGeom prst="rect">
+            <a:avLst/>
+          </a:prstGeom>
+          <a:solidFill>
+            <a:schemeClr val="bg2"/>
+          </a:solidFill>
+          <a:ln>
+            <a:noFill/>
+          </a:ln>
+        </p:spPr>
+        <p:style>
+          <a:lnRef idx="2">
+            <a:schemeClr val="accent1">
+              <a:shade val="50000"/>
+            </a:schemeClr>
+          </a:lnRef>
+          <a:fillRef idx="1">
+            <a:schemeClr val="accent1"/>
+          </a:fillRef>
+          <a:effectRef idx="0">
+            <a:schemeClr val="accent1"/>
+          </a:effectRef>
+          <a:fontRef idx="minor">
+            <a:schemeClr val="lt1"/>
+          </a:fontRef>
+        </p:style>
+        <p:txBody>
+          <a:bodyPr rtlCol="0" anchor="ctr"/>
+          <a:lstStyle/>
+          <a:p>
+            <a:pPr algn="ctr"/>
+            <a:endParaRPr kumimoji="1" lang="en-US">
+              <a:latin typeface="Yu Gothic UI" panose="020B0500000000000000" pitchFamily="50" charset="-128"/>
+              <a:ea typeface="Yu Gothic UI" panose="020B0500000000000000" pitchFamily="50" charset="-128"/>
+            </a:endParaRPr>
+          </a:p>
+        </p:txBody>
+      </p:sp>
+      <p:pic>
+        <p:nvPicPr>
+          <p:cNvPr id="87" name="グラフィックス 86">
+            <a:extLst>
+              <a:ext uri="{FF2B5EF4-FFF2-40B4-BE49-F238E27FC236}">
+                <a16:creationId xmlns:a16="http://schemas.microsoft.com/office/drawing/2014/main" id="{2BF29125-FE79-D780-030C-FF4C6A115B6D}"/>
+              </a:ext>
+            </a:extLst>
+          </p:cNvPr>
+          <p:cNvPicPr>
+            <a:picLocks noChangeAspect="1"/>
+          </p:cNvPicPr>
+          <p:nvPr/>
+        </p:nvPicPr>
+        <p:blipFill>
+          <a:blip r:embed="rId8">
+            <a:extLst>
+              <a:ext uri="{28A0092B-C50C-407E-A947-70E740481C1C}">
+                <a14:useLocalDpi xmlns:a14="http://schemas.microsoft.com/office/drawing/2010/main" val="0"/>
+              </a:ext>
+              <a:ext uri="{96DAC541-7B7A-43D3-8B79-37D633B846F1}">
+                <asvg:svgBlip xmlns:asvg="http://schemas.microsoft.com/office/drawing/2016/SVG/main" r:embed="rId9"/>
+              </a:ext>
+            </a:extLst>
+          </a:blip>
+          <a:stretch>
+            <a:fillRect/>
+          </a:stretch>
+        </p:blipFill>
+        <p:spPr>
+          <a:xfrm>
+            <a:off x="6944525" y="4744204"/>
+            <a:ext cx="514517" cy="514517"/>
+          </a:xfrm>
+          <a:prstGeom prst="rect">
+            <a:avLst/>
+          </a:prstGeom>
+        </p:spPr>
+      </p:pic>
+      <p:grpSp>
+        <p:nvGrpSpPr>
+          <p:cNvPr id="90" name="グループ化 89">
+            <a:extLst>
+              <a:ext uri="{FF2B5EF4-FFF2-40B4-BE49-F238E27FC236}">
+                <a16:creationId xmlns:a16="http://schemas.microsoft.com/office/drawing/2014/main" id="{3BE28427-5D83-3975-F4E3-6731DA313A57}"/>
+              </a:ext>
+            </a:extLst>
+          </p:cNvPr>
+          <p:cNvGrpSpPr/>
+          <p:nvPr/>
+        </p:nvGrpSpPr>
+        <p:grpSpPr>
+          <a:xfrm>
+            <a:off x="8779016" y="3162347"/>
+            <a:ext cx="914400" cy="957293"/>
+            <a:chOff x="4948854" y="175467"/>
+            <a:chExt cx="914400" cy="957293"/>
+          </a:xfrm>
+        </p:grpSpPr>
+        <p:pic>
+          <p:nvPicPr>
+            <p:cNvPr id="91" name="グラフィックス 90" descr="雲 枠線">
+              <a:extLst>
+                <a:ext uri="{FF2B5EF4-FFF2-40B4-BE49-F238E27FC236}">
+                  <a16:creationId xmlns:a16="http://schemas.microsoft.com/office/drawing/2014/main" id="{CB217BE1-F73D-BC24-E379-90D67E376799}"/>
+                </a:ext>
+              </a:extLst>
+            </p:cNvPr>
+            <p:cNvPicPr>
+              <a:picLocks noChangeAspect="1"/>
+            </p:cNvPicPr>
+            <p:nvPr/>
+          </p:nvPicPr>
+          <p:blipFill>
+            <a:blip r:embed="rId10">
+              <a:extLst>
+                <a:ext uri="{28A0092B-C50C-407E-A947-70E740481C1C}">
+                  <a14:useLocalDpi xmlns:a14="http://schemas.microsoft.com/office/drawing/2010/main" val="0"/>
+                </a:ext>
+                <a:ext uri="{96DAC541-7B7A-43D3-8B79-37D633B846F1}">
+                  <asvg:svgBlip xmlns:asvg="http://schemas.microsoft.com/office/drawing/2016/SVG/main" r:embed="rId11"/>
+                </a:ext>
+              </a:extLst>
+            </a:blip>
+            <a:stretch>
+              <a:fillRect/>
+            </a:stretch>
+          </p:blipFill>
+          <p:spPr>
+            <a:xfrm>
+              <a:off x="4948854" y="175467"/>
+              <a:ext cx="914400" cy="914400"/>
+            </a:xfrm>
+            <a:prstGeom prst="rect">
+              <a:avLst/>
+            </a:prstGeom>
+          </p:spPr>
+        </p:pic>
+        <p:sp>
+          <p:nvSpPr>
+            <p:cNvPr id="92" name="テキスト ボックス 91">
+              <a:extLst>
+                <a:ext uri="{FF2B5EF4-FFF2-40B4-BE49-F238E27FC236}">
+                  <a16:creationId xmlns:a16="http://schemas.microsoft.com/office/drawing/2014/main" id="{343CB5D0-B8B6-D239-FD6E-B0FE1A5E5897}"/>
+                </a:ext>
+              </a:extLst>
+            </p:cNvPr>
+            <p:cNvSpPr txBox="1"/>
+            <p:nvPr/>
+          </p:nvSpPr>
+          <p:spPr>
+            <a:xfrm>
+              <a:off x="5068461" y="871150"/>
+              <a:ext cx="675185" cy="261610"/>
+            </a:xfrm>
+            <a:prstGeom prst="rect">
+              <a:avLst/>
+            </a:prstGeom>
+            <a:noFill/>
+          </p:spPr>
+          <p:txBody>
+            <a:bodyPr wrap="none" rtlCol="0">
+              <a:spAutoFit/>
+            </a:bodyPr>
+            <a:lstStyle/>
+            <a:p>
+              <a:r>
+                <a:rPr kumimoji="1" lang="en-US" altLang="ja-JP" sz="1100" dirty="0">
+                  <a:solidFill>
+                    <a:schemeClr val="accent2"/>
+                  </a:solidFill>
+                  <a:latin typeface="Yu Gothic UI" panose="020B0500000000000000" pitchFamily="50" charset="-128"/>
+                  <a:ea typeface="Yu Gothic UI" panose="020B0500000000000000" pitchFamily="50" charset="-128"/>
+                </a:rPr>
+                <a:t>Internet</a:t>
+              </a:r>
+              <a:endParaRPr kumimoji="1" lang="ja-JP" altLang="en-US" sz="1100" dirty="0">
+                <a:solidFill>
+                  <a:schemeClr val="accent2"/>
+                </a:solidFill>
+                <a:latin typeface="Yu Gothic UI" panose="020B0500000000000000" pitchFamily="50" charset="-128"/>
+                <a:ea typeface="Yu Gothic UI" panose="020B0500000000000000" pitchFamily="50" charset="-128"/>
+              </a:endParaRPr>
+            </a:p>
+          </p:txBody>
+        </p:sp>
+      </p:grpSp>
+      <p:cxnSp>
+        <p:nvCxnSpPr>
+          <p:cNvPr id="94" name="直線コネクタ 93">
+            <a:extLst>
+              <a:ext uri="{FF2B5EF4-FFF2-40B4-BE49-F238E27FC236}">
+                <a16:creationId xmlns:a16="http://schemas.microsoft.com/office/drawing/2014/main" id="{E07228E5-C78B-DAB2-D682-8CF9669AF5FD}"/>
+              </a:ext>
+            </a:extLst>
+          </p:cNvPr>
+          <p:cNvCxnSpPr>
+            <a:cxnSpLocks/>
+          </p:cNvCxnSpPr>
+          <p:nvPr/>
+        </p:nvCxnSpPr>
+        <p:spPr>
+          <a:xfrm flipH="1">
+            <a:off x="7584885" y="3224046"/>
+            <a:ext cx="3101379" cy="0"/>
+          </a:xfrm>
+          <a:prstGeom prst="line">
+            <a:avLst/>
+          </a:prstGeom>
+          <a:ln w="12700">
+            <a:solidFill>
+              <a:schemeClr val="accent5"/>
+            </a:solidFill>
+            <a:headEnd type="arrow" w="med" len="med"/>
+            <a:tailEnd type="arrow" w="med" len="med"/>
+          </a:ln>
+        </p:spPr>
+        <p:style>
+          <a:lnRef idx="1">
+            <a:schemeClr val="accent1"/>
+          </a:lnRef>
+          <a:fillRef idx="0">
+            <a:schemeClr val="accent1"/>
+          </a:fillRef>
+          <a:effectRef idx="0">
+            <a:schemeClr val="accent1"/>
+          </a:effectRef>
+          <a:fontRef idx="minor">
+            <a:schemeClr val="tx1"/>
+          </a:fontRef>
+        </p:style>
+      </p:cxnSp>
+      <p:cxnSp>
+        <p:nvCxnSpPr>
+          <p:cNvPr id="97" name="直線コネクタ 96">
+            <a:extLst>
+              <a:ext uri="{FF2B5EF4-FFF2-40B4-BE49-F238E27FC236}">
+                <a16:creationId xmlns:a16="http://schemas.microsoft.com/office/drawing/2014/main" id="{E4484D9C-DDB9-1009-8CA6-CF41FADDBFEA}"/>
+              </a:ext>
+            </a:extLst>
+          </p:cNvPr>
+          <p:cNvCxnSpPr>
+            <a:cxnSpLocks/>
+          </p:cNvCxnSpPr>
+          <p:nvPr/>
+        </p:nvCxnSpPr>
+        <p:spPr>
+          <a:xfrm flipH="1">
+            <a:off x="7584885" y="4471338"/>
+            <a:ext cx="3101379" cy="0"/>
+          </a:xfrm>
+          <a:prstGeom prst="line">
+            <a:avLst/>
+          </a:prstGeom>
+          <a:ln w="12700">
+            <a:solidFill>
+              <a:schemeClr val="accent5"/>
+            </a:solidFill>
+            <a:headEnd type="arrow" w="med" len="med"/>
+            <a:tailEnd type="arrow" w="med" len="med"/>
+          </a:ln>
+        </p:spPr>
+        <p:style>
+          <a:lnRef idx="1">
+            <a:schemeClr val="accent1"/>
+          </a:lnRef>
+          <a:fillRef idx="0">
+            <a:schemeClr val="accent1"/>
+          </a:fillRef>
+          <a:effectRef idx="0">
+            <a:schemeClr val="accent1"/>
+          </a:effectRef>
+          <a:fontRef idx="minor">
+            <a:schemeClr val="tx1"/>
+          </a:fontRef>
+        </p:style>
+      </p:cxnSp>
+      <p:cxnSp>
+        <p:nvCxnSpPr>
+          <p:cNvPr id="98" name="直線コネクタ 97">
+            <a:extLst>
+              <a:ext uri="{FF2B5EF4-FFF2-40B4-BE49-F238E27FC236}">
+                <a16:creationId xmlns:a16="http://schemas.microsoft.com/office/drawing/2014/main" id="{28EC11C2-F8D2-9A4D-4B44-3A4D774C9773}"/>
+              </a:ext>
+            </a:extLst>
+          </p:cNvPr>
+          <p:cNvCxnSpPr>
+            <a:cxnSpLocks/>
+          </p:cNvCxnSpPr>
+          <p:nvPr/>
+        </p:nvCxnSpPr>
+        <p:spPr>
+          <a:xfrm flipH="1">
+            <a:off x="7584885" y="5533222"/>
+            <a:ext cx="3101379" cy="0"/>
+          </a:xfrm>
+          <a:prstGeom prst="line">
+            <a:avLst/>
+          </a:prstGeom>
+          <a:ln w="12700">
+            <a:solidFill>
+              <a:schemeClr val="accent5"/>
+            </a:solidFill>
+            <a:headEnd type="arrow" w="med" len="med"/>
+            <a:tailEnd type="arrow" w="med" len="med"/>
+          </a:ln>
+        </p:spPr>
+        <p:style>
+          <a:lnRef idx="1">
+            <a:schemeClr val="accent1"/>
+          </a:lnRef>
+          <a:fillRef idx="0">
+            <a:schemeClr val="accent1"/>
+          </a:fillRef>
+          <a:effectRef idx="0">
+            <a:schemeClr val="accent1"/>
+          </a:effectRef>
+          <a:fontRef idx="minor">
+            <a:schemeClr val="tx1"/>
+          </a:fontRef>
+        </p:style>
+      </p:cxnSp>
+      <p:sp>
+        <p:nvSpPr>
+          <p:cNvPr id="101" name="テキスト ボックス 100">
+            <a:extLst>
+              <a:ext uri="{FF2B5EF4-FFF2-40B4-BE49-F238E27FC236}">
+                <a16:creationId xmlns:a16="http://schemas.microsoft.com/office/drawing/2014/main" id="{35C52AC1-AD76-84C8-2071-28E59A4BBCE7}"/>
+              </a:ext>
+            </a:extLst>
+          </p:cNvPr>
+          <p:cNvSpPr txBox="1"/>
+          <p:nvPr/>
+        </p:nvSpPr>
+        <p:spPr>
+          <a:xfrm>
+            <a:off x="8571610" y="2976876"/>
+            <a:ext cx="1329210" cy="261610"/>
+          </a:xfrm>
+          <a:prstGeom prst="rect">
+            <a:avLst/>
+          </a:prstGeom>
+          <a:noFill/>
+        </p:spPr>
+        <p:txBody>
+          <a:bodyPr wrap="none" rtlCol="0">
+            <a:spAutoFit/>
+          </a:bodyPr>
+          <a:lstStyle/>
+          <a:p>
+            <a:r>
+              <a:rPr kumimoji="1" lang="en-US" altLang="ja-JP" sz="1100" b="1" dirty="0">
+                <a:latin typeface="Yu Gothic UI" panose="020B0500000000000000" pitchFamily="50" charset="-128"/>
+                <a:ea typeface="Yu Gothic UI" panose="020B0500000000000000" pitchFamily="50" charset="-128"/>
+              </a:rPr>
+              <a:t>Point-to-Site VPN</a:t>
+            </a:r>
+            <a:endParaRPr kumimoji="1" lang="ja-JP" altLang="en-US" sz="1100" b="1" dirty="0">
+              <a:latin typeface="Yu Gothic UI" panose="020B0500000000000000" pitchFamily="50" charset="-128"/>
+              <a:ea typeface="Yu Gothic UI" panose="020B0500000000000000" pitchFamily="50" charset="-128"/>
+            </a:endParaRPr>
+          </a:p>
+        </p:txBody>
+      </p:sp>
+      <p:sp>
+        <p:nvSpPr>
+          <p:cNvPr id="102" name="テキスト ボックス 101">
+            <a:extLst>
+              <a:ext uri="{FF2B5EF4-FFF2-40B4-BE49-F238E27FC236}">
+                <a16:creationId xmlns:a16="http://schemas.microsoft.com/office/drawing/2014/main" id="{CCD41929-41A4-836D-6E8B-D3B53AC3715E}"/>
+              </a:ext>
+            </a:extLst>
+          </p:cNvPr>
+          <p:cNvSpPr txBox="1"/>
+          <p:nvPr/>
+        </p:nvSpPr>
+        <p:spPr>
+          <a:xfrm>
+            <a:off x="8655340" y="4194767"/>
+            <a:ext cx="1233030" cy="261610"/>
+          </a:xfrm>
+          <a:prstGeom prst="rect">
+            <a:avLst/>
+          </a:prstGeom>
+          <a:noFill/>
+        </p:spPr>
+        <p:txBody>
+          <a:bodyPr wrap="none" rtlCol="0">
+            <a:spAutoFit/>
+          </a:bodyPr>
+          <a:lstStyle/>
+          <a:p>
+            <a:r>
+              <a:rPr kumimoji="1" lang="en-US" altLang="ja-JP" sz="1100" b="1" dirty="0">
+                <a:latin typeface="Yu Gothic UI" panose="020B0500000000000000" pitchFamily="50" charset="-128"/>
+                <a:ea typeface="Yu Gothic UI" panose="020B0500000000000000" pitchFamily="50" charset="-128"/>
+              </a:rPr>
+              <a:t>Site-to-Site VPN</a:t>
+            </a:r>
+            <a:endParaRPr kumimoji="1" lang="ja-JP" altLang="en-US" sz="1100" b="1" dirty="0">
+              <a:latin typeface="Yu Gothic UI" panose="020B0500000000000000" pitchFamily="50" charset="-128"/>
+              <a:ea typeface="Yu Gothic UI" panose="020B0500000000000000" pitchFamily="50" charset="-128"/>
+            </a:endParaRPr>
+          </a:p>
+        </p:txBody>
+      </p:sp>
+      <p:sp>
+        <p:nvSpPr>
+          <p:cNvPr id="103" name="テキスト ボックス 102">
+            <a:extLst>
+              <a:ext uri="{FF2B5EF4-FFF2-40B4-BE49-F238E27FC236}">
+                <a16:creationId xmlns:a16="http://schemas.microsoft.com/office/drawing/2014/main" id="{AF947526-AC6F-3618-8123-908FB98AE4A4}"/>
+              </a:ext>
+            </a:extLst>
+          </p:cNvPr>
+          <p:cNvSpPr txBox="1"/>
+          <p:nvPr/>
+        </p:nvSpPr>
+        <p:spPr>
+          <a:xfrm>
+            <a:off x="8486223" y="5547967"/>
+            <a:ext cx="1479892" cy="430887"/>
+          </a:xfrm>
+          <a:prstGeom prst="rect">
+            <a:avLst/>
+          </a:prstGeom>
+          <a:noFill/>
+        </p:spPr>
+        <p:txBody>
+          <a:bodyPr wrap="none" rtlCol="0">
+            <a:spAutoFit/>
+          </a:bodyPr>
+          <a:lstStyle/>
+          <a:p>
+            <a:pPr algn="ctr"/>
+            <a:r>
+              <a:rPr kumimoji="1" lang="en-US" altLang="ja-JP" sz="1100" b="1" dirty="0">
+                <a:latin typeface="Yu Gothic UI" panose="020B0500000000000000" pitchFamily="50" charset="-128"/>
+                <a:ea typeface="Yu Gothic UI" panose="020B0500000000000000" pitchFamily="50" charset="-128"/>
+              </a:rPr>
+              <a:t>ExpressRoute</a:t>
+            </a:r>
+          </a:p>
+          <a:p>
+            <a:pPr algn="ctr"/>
+            <a:r>
+              <a:rPr lang="en-US" altLang="ja-JP" sz="1100" b="1" dirty="0">
+                <a:latin typeface="Yu Gothic UI" panose="020B0500000000000000" pitchFamily="50" charset="-128"/>
+                <a:ea typeface="Yu Gothic UI" panose="020B0500000000000000" pitchFamily="50" charset="-128"/>
+              </a:rPr>
+              <a:t>(</a:t>
+            </a:r>
+            <a:r>
+              <a:rPr lang="ja-JP" altLang="en-US" sz="1100" b="1" dirty="0">
+                <a:latin typeface="Yu Gothic UI" panose="020B0500000000000000" pitchFamily="50" charset="-128"/>
+                <a:ea typeface="Yu Gothic UI" panose="020B0500000000000000" pitchFamily="50" charset="-128"/>
+              </a:rPr>
+              <a:t>プライベート ピアリング</a:t>
+            </a:r>
+            <a:r>
+              <a:rPr lang="en-US" altLang="ja-JP" sz="1100" b="1" dirty="0">
+                <a:latin typeface="Yu Gothic UI" panose="020B0500000000000000" pitchFamily="50" charset="-128"/>
+                <a:ea typeface="Yu Gothic UI" panose="020B0500000000000000" pitchFamily="50" charset="-128"/>
+              </a:rPr>
+              <a:t>)</a:t>
+            </a:r>
+            <a:endParaRPr kumimoji="1" lang="ja-JP" altLang="en-US" sz="1100" b="1" dirty="0">
+              <a:latin typeface="Yu Gothic UI" panose="020B0500000000000000" pitchFamily="50" charset="-128"/>
+              <a:ea typeface="Yu Gothic UI" panose="020B0500000000000000" pitchFamily="50" charset="-128"/>
+            </a:endParaRPr>
+          </a:p>
+        </p:txBody>
+      </p:sp>
+      <p:sp>
+        <p:nvSpPr>
+          <p:cNvPr id="106" name="テキスト ボックス 105">
+            <a:extLst>
+              <a:ext uri="{FF2B5EF4-FFF2-40B4-BE49-F238E27FC236}">
+                <a16:creationId xmlns:a16="http://schemas.microsoft.com/office/drawing/2014/main" id="{05D20208-69CF-F009-6563-03792370C2F4}"/>
+              </a:ext>
+            </a:extLst>
+          </p:cNvPr>
+          <p:cNvSpPr txBox="1"/>
+          <p:nvPr/>
+        </p:nvSpPr>
+        <p:spPr>
+          <a:xfrm>
+            <a:off x="8270619" y="5306809"/>
+            <a:ext cx="1970411" cy="261610"/>
+          </a:xfrm>
+          <a:prstGeom prst="rect">
+            <a:avLst/>
+          </a:prstGeom>
+          <a:noFill/>
+        </p:spPr>
+        <p:txBody>
+          <a:bodyPr wrap="none" rtlCol="0">
+            <a:spAutoFit/>
+          </a:bodyPr>
+          <a:lstStyle/>
+          <a:p>
+            <a:r>
+              <a:rPr kumimoji="1" lang="ja-JP" altLang="en-US" sz="1100" dirty="0">
+                <a:solidFill>
+                  <a:schemeClr val="accent2"/>
+                </a:solidFill>
+                <a:latin typeface="Yu Gothic UI" panose="020B0500000000000000" pitchFamily="50" charset="-128"/>
+                <a:ea typeface="Yu Gothic UI" panose="020B0500000000000000" pitchFamily="50" charset="-128"/>
+              </a:rPr>
+              <a:t>サービスプロバイダーによる閉域網</a:t>
+            </a:r>
+          </a:p>
+        </p:txBody>
+      </p:sp>
+      <p:sp>
+        <p:nvSpPr>
+          <p:cNvPr id="107" name="テキスト ボックス 106">
+            <a:extLst>
+              <a:ext uri="{FF2B5EF4-FFF2-40B4-BE49-F238E27FC236}">
+                <a16:creationId xmlns:a16="http://schemas.microsoft.com/office/drawing/2014/main" id="{68C971C5-93A6-E5F7-B9CE-05509CA291EC}"/>
+              </a:ext>
+            </a:extLst>
+          </p:cNvPr>
+          <p:cNvSpPr txBox="1"/>
+          <p:nvPr/>
+        </p:nvSpPr>
+        <p:spPr>
+          <a:xfrm>
+            <a:off x="6842945" y="3577734"/>
+            <a:ext cx="615874" cy="261610"/>
+          </a:xfrm>
+          <a:prstGeom prst="rect">
+            <a:avLst/>
+          </a:prstGeom>
+          <a:noFill/>
+        </p:spPr>
+        <p:txBody>
+          <a:bodyPr wrap="none" rtlCol="0">
+            <a:spAutoFit/>
+          </a:bodyPr>
+          <a:lstStyle/>
+          <a:p>
+            <a:r>
+              <a:rPr kumimoji="1" lang="ja-JP" altLang="en-US" sz="1100" dirty="0"/>
+              <a:t>デバイス</a:t>
+            </a:r>
+          </a:p>
+        </p:txBody>
+      </p:sp>
+      <p:sp>
+        <p:nvSpPr>
+          <p:cNvPr id="108" name="テキスト ボックス 107">
+            <a:extLst>
+              <a:ext uri="{FF2B5EF4-FFF2-40B4-BE49-F238E27FC236}">
+                <a16:creationId xmlns:a16="http://schemas.microsoft.com/office/drawing/2014/main" id="{9A1114F7-3146-C838-99BF-B649579E152E}"/>
+              </a:ext>
+            </a:extLst>
+          </p:cNvPr>
+          <p:cNvSpPr txBox="1"/>
+          <p:nvPr/>
+        </p:nvSpPr>
+        <p:spPr>
+          <a:xfrm>
+            <a:off x="6800537" y="5437614"/>
+            <a:ext cx="795411" cy="261610"/>
+          </a:xfrm>
+          <a:prstGeom prst="rect">
+            <a:avLst/>
+          </a:prstGeom>
+          <a:noFill/>
+        </p:spPr>
+        <p:txBody>
+          <a:bodyPr wrap="none" rtlCol="0">
+            <a:spAutoFit/>
+          </a:bodyPr>
+          <a:lstStyle/>
+          <a:p>
+            <a:r>
+              <a:rPr kumimoji="1" lang="ja-JP" altLang="en-US" sz="1100" dirty="0"/>
+              <a:t>ネットワーク</a:t>
+            </a:r>
+          </a:p>
+        </p:txBody>
+      </p:sp>
+      <p:sp>
+        <p:nvSpPr>
+          <p:cNvPr id="109" name="正方形/長方形 108">
+            <a:extLst>
+              <a:ext uri="{FF2B5EF4-FFF2-40B4-BE49-F238E27FC236}">
+                <a16:creationId xmlns:a16="http://schemas.microsoft.com/office/drawing/2014/main" id="{143A1F2B-EBE9-B22C-DB04-D4093D2AD874}"/>
+              </a:ext>
+            </a:extLst>
+          </p:cNvPr>
+          <p:cNvSpPr/>
+          <p:nvPr/>
+        </p:nvSpPr>
+        <p:spPr>
+          <a:xfrm>
+            <a:off x="244458" y="4101330"/>
+            <a:ext cx="1411575" cy="1072979"/>
+          </a:xfrm>
+          <a:prstGeom prst="rect">
+            <a:avLst/>
+          </a:prstGeom>
+          <a:noFill/>
+          <a:ln>
+            <a:solidFill>
+              <a:schemeClr val="accent6"/>
+            </a:solidFill>
+          </a:ln>
+        </p:spPr>
+        <p:style>
+          <a:lnRef idx="2">
+            <a:schemeClr val="accent1">
+              <a:shade val="50000"/>
+            </a:schemeClr>
+          </a:lnRef>
+          <a:fillRef idx="1">
+            <a:schemeClr val="accent1"/>
+          </a:fillRef>
+          <a:effectRef idx="0">
+            <a:schemeClr val="accent1"/>
+          </a:effectRef>
+          <a:fontRef idx="minor">
+            <a:schemeClr val="lt1"/>
+          </a:fontRef>
+        </p:style>
+        <p:txBody>
+          <a:bodyPr rtlCol="0" anchor="ctr"/>
+          <a:lstStyle/>
+          <a:p>
+            <a:pPr algn="ctr"/>
+            <a:endParaRPr kumimoji="1" lang="ja-JP" altLang="en-US">
+              <a:latin typeface="Yu Gothic UI" panose="020B0500000000000000" pitchFamily="50" charset="-128"/>
+              <a:ea typeface="Yu Gothic UI" panose="020B0500000000000000" pitchFamily="50" charset="-128"/>
+            </a:endParaRPr>
+          </a:p>
+        </p:txBody>
+      </p:sp>
+      <p:grpSp>
+        <p:nvGrpSpPr>
+          <p:cNvPr id="110" name="グループ化 109">
+            <a:extLst>
+              <a:ext uri="{FF2B5EF4-FFF2-40B4-BE49-F238E27FC236}">
+                <a16:creationId xmlns:a16="http://schemas.microsoft.com/office/drawing/2014/main" id="{6F390866-14DD-9DDA-5678-07784C0A4DA8}"/>
+              </a:ext>
+            </a:extLst>
+          </p:cNvPr>
+          <p:cNvGrpSpPr/>
+          <p:nvPr/>
+        </p:nvGrpSpPr>
+        <p:grpSpPr>
+          <a:xfrm>
+            <a:off x="192868" y="3916331"/>
+            <a:ext cx="281657" cy="161721"/>
+            <a:chOff x="7545388" y="5762626"/>
+            <a:chExt cx="577850" cy="331788"/>
+          </a:xfrm>
+        </p:grpSpPr>
+        <p:sp>
+          <p:nvSpPr>
+            <p:cNvPr id="111" name="Freeform 2167">
+              <a:extLst>
+                <a:ext uri="{FF2B5EF4-FFF2-40B4-BE49-F238E27FC236}">
+                  <a16:creationId xmlns:a16="http://schemas.microsoft.com/office/drawing/2014/main" id="{6B3D0AF0-DE19-836B-C3C4-FA62167ACE55}"/>
+                </a:ext>
+              </a:extLst>
+            </p:cNvPr>
+            <p:cNvSpPr>
+              <a:spLocks/>
+            </p:cNvSpPr>
+            <p:nvPr/>
+          </p:nvSpPr>
+          <p:spPr bwMode="auto">
+            <a:xfrm>
+              <a:off x="7940675" y="5762626"/>
+              <a:ext cx="182563" cy="331788"/>
+            </a:xfrm>
+            <a:custGeom>
+              <a:avLst/>
+              <a:gdLst>
+                <a:gd name="T0" fmla="*/ 62 w 64"/>
+                <a:gd name="T1" fmla="*/ 60 h 116"/>
+                <a:gd name="T2" fmla="*/ 62 w 64"/>
+                <a:gd name="T3" fmla="*/ 53 h 116"/>
+                <a:gd name="T4" fmla="*/ 52 w 64"/>
+                <a:gd name="T5" fmla="*/ 44 h 116"/>
+                <a:gd name="T6" fmla="*/ 9 w 64"/>
+                <a:gd name="T7" fmla="*/ 2 h 116"/>
+                <a:gd name="T8" fmla="*/ 2 w 64"/>
+                <a:gd name="T9" fmla="*/ 2 h 116"/>
+                <a:gd name="T10" fmla="*/ 2 w 64"/>
+                <a:gd name="T11" fmla="*/ 9 h 116"/>
+                <a:gd name="T12" fmla="*/ 48 w 64"/>
+                <a:gd name="T13" fmla="*/ 53 h 116"/>
+                <a:gd name="T14" fmla="*/ 48 w 64"/>
+                <a:gd name="T15" fmla="*/ 60 h 116"/>
+                <a:gd name="T16" fmla="*/ 2 w 64"/>
+                <a:gd name="T17" fmla="*/ 106 h 116"/>
+                <a:gd name="T18" fmla="*/ 2 w 64"/>
+                <a:gd name="T19" fmla="*/ 114 h 116"/>
+                <a:gd name="T20" fmla="*/ 8 w 64"/>
+                <a:gd name="T21" fmla="*/ 114 h 116"/>
+                <a:gd name="T22" fmla="*/ 51 w 64"/>
+                <a:gd name="T23" fmla="*/ 71 h 116"/>
+                <a:gd name="T24" fmla="*/ 52 w 64"/>
+                <a:gd name="T25" fmla="*/ 71 h 116"/>
+                <a:gd name="T26" fmla="*/ 62 w 64"/>
+                <a:gd name="T27" fmla="*/ 60 h 116"/>
+              </a:gdLst>
+              <a:ahLst/>
+              <a:cxnLst>
+                <a:cxn ang="0">
+                  <a:pos x="T0" y="T1"/>
+                </a:cxn>
+                <a:cxn ang="0">
+                  <a:pos x="T2" y="T3"/>
+                </a:cxn>
+                <a:cxn ang="0">
+                  <a:pos x="T4" y="T5"/>
+                </a:cxn>
+                <a:cxn ang="0">
+                  <a:pos x="T6" y="T7"/>
+                </a:cxn>
+                <a:cxn ang="0">
+                  <a:pos x="T8" y="T9"/>
+                </a:cxn>
+                <a:cxn ang="0">
+                  <a:pos x="T10" y="T11"/>
+                </a:cxn>
+                <a:cxn ang="0">
+                  <a:pos x="T12" y="T13"/>
+                </a:cxn>
+                <a:cxn ang="0">
+                  <a:pos x="T14" y="T15"/>
+                </a:cxn>
+                <a:cxn ang="0">
+                  <a:pos x="T16" y="T17"/>
+                </a:cxn>
+                <a:cxn ang="0">
+                  <a:pos x="T18" y="T19"/>
+                </a:cxn>
+                <a:cxn ang="0">
+                  <a:pos x="T20" y="T21"/>
+                </a:cxn>
+                <a:cxn ang="0">
+                  <a:pos x="T22" y="T23"/>
+                </a:cxn>
+                <a:cxn ang="0">
+                  <a:pos x="T24" y="T25"/>
+                </a:cxn>
+                <a:cxn ang="0">
+                  <a:pos x="T26" y="T27"/>
+                </a:cxn>
+              </a:cxnLst>
+              <a:rect l="0" t="0" r="r" b="b"/>
+              <a:pathLst>
+                <a:path w="64" h="116">
+                  <a:moveTo>
+                    <a:pt x="62" y="60"/>
+                  </a:moveTo>
+                  <a:cubicBezTo>
+                    <a:pt x="64" y="58"/>
+                    <a:pt x="64" y="55"/>
+                    <a:pt x="62" y="53"/>
+                  </a:cubicBezTo>
+                  <a:cubicBezTo>
+                    <a:pt x="52" y="44"/>
+                    <a:pt x="52" y="44"/>
+                    <a:pt x="52" y="44"/>
+                  </a:cubicBezTo>
+                  <a:cubicBezTo>
+                    <a:pt x="9" y="2"/>
+                    <a:pt x="9" y="2"/>
+                    <a:pt x="9" y="2"/>
+                  </a:cubicBezTo>
+                  <a:cubicBezTo>
+                    <a:pt x="7" y="0"/>
+                    <a:pt x="4" y="0"/>
+                    <a:pt x="2" y="2"/>
+                  </a:cubicBezTo>
+                  <a:cubicBezTo>
+                    <a:pt x="0" y="4"/>
+                    <a:pt x="0" y="7"/>
+                    <a:pt x="2" y="9"/>
+                  </a:cubicBezTo>
+                  <a:cubicBezTo>
+                    <a:pt x="48" y="53"/>
+                    <a:pt x="48" y="53"/>
+                    <a:pt x="48" y="53"/>
+                  </a:cubicBezTo>
+                  <a:cubicBezTo>
+                    <a:pt x="50" y="55"/>
+                    <a:pt x="50" y="58"/>
+                    <a:pt x="48" y="60"/>
+                  </a:cubicBezTo>
+                  <a:cubicBezTo>
+                    <a:pt x="2" y="106"/>
+                    <a:pt x="2" y="106"/>
+                    <a:pt x="2" y="106"/>
+                  </a:cubicBezTo>
+                  <a:cubicBezTo>
+                    <a:pt x="0" y="108"/>
+                    <a:pt x="0" y="112"/>
+                    <a:pt x="2" y="114"/>
+                  </a:cubicBezTo>
+                  <a:cubicBezTo>
+                    <a:pt x="4" y="116"/>
+                    <a:pt x="7" y="115"/>
+                    <a:pt x="8" y="114"/>
+                  </a:cubicBezTo>
+                  <a:cubicBezTo>
+                    <a:pt x="51" y="71"/>
+                    <a:pt x="51" y="71"/>
+                    <a:pt x="51" y="71"/>
+                  </a:cubicBezTo>
+                  <a:cubicBezTo>
+                    <a:pt x="51" y="71"/>
+                    <a:pt x="51" y="71"/>
+                    <a:pt x="52" y="71"/>
+                  </a:cubicBezTo>
+                  <a:lnTo>
+                    <a:pt x="62" y="60"/>
+                  </a:lnTo>
+                  <a:close/>
+                </a:path>
+              </a:pathLst>
+            </a:custGeom>
+            <a:solidFill>
+              <a:srgbClr val="3999C6"/>
+            </a:solidFill>
+            <a:ln>
+              <a:noFill/>
+            </a:ln>
+            <a:extLst>
+              <a:ext uri="{91240B29-F687-4F45-9708-019B960494DF}">
+                <a14:hiddenLine xmlns:a14="http://schemas.microsoft.com/office/drawing/2010/main" w="9525">
+                  <a:solidFill>
+                    <a:srgbClr val="000000"/>
+                  </a:solidFill>
+                  <a:round/>
+                  <a:headEnd/>
+                  <a:tailEnd/>
+                </a14:hiddenLine>
+              </a:ext>
+            </a:extLst>
+          </p:spPr>
+          <p:txBody>
+            <a:bodyPr vert="horz" wrap="square" lIns="91440" tIns="45720" rIns="91440" bIns="45720" numCol="1" anchor="t" anchorCtr="0" compatLnSpc="1">
+              <a:prstTxWarp prst="textNoShape">
+                <a:avLst/>
+              </a:prstTxWarp>
+            </a:bodyPr>
+            <a:lstStyle/>
+            <a:p>
+              <a:endParaRPr lang="ja-JP" altLang="en-US" sz="2400">
+                <a:latin typeface="Yu Gothic UI" panose="020B0500000000000000" pitchFamily="50" charset="-128"/>
+                <a:ea typeface="Yu Gothic UI" panose="020B0500000000000000" pitchFamily="50" charset="-128"/>
+              </a:endParaRPr>
+            </a:p>
+          </p:txBody>
+        </p:sp>
+        <p:sp>
+          <p:nvSpPr>
+            <p:cNvPr id="112" name="Freeform 2168">
+              <a:extLst>
+                <a:ext uri="{FF2B5EF4-FFF2-40B4-BE49-F238E27FC236}">
+                  <a16:creationId xmlns:a16="http://schemas.microsoft.com/office/drawing/2014/main" id="{9273BD83-CFA6-330A-3609-AA1E67F4A1F8}"/>
+                </a:ext>
+              </a:extLst>
+            </p:cNvPr>
+            <p:cNvSpPr>
+              <a:spLocks/>
+            </p:cNvSpPr>
+            <p:nvPr/>
+          </p:nvSpPr>
+          <p:spPr bwMode="auto">
+            <a:xfrm>
+              <a:off x="7545388" y="5762626"/>
+              <a:ext cx="185738" cy="331788"/>
+            </a:xfrm>
+            <a:custGeom>
+              <a:avLst/>
+              <a:gdLst>
+                <a:gd name="T0" fmla="*/ 2 w 65"/>
+                <a:gd name="T1" fmla="*/ 60 h 116"/>
+                <a:gd name="T2" fmla="*/ 2 w 65"/>
+                <a:gd name="T3" fmla="*/ 53 h 116"/>
+                <a:gd name="T4" fmla="*/ 12 w 65"/>
+                <a:gd name="T5" fmla="*/ 44 h 116"/>
+                <a:gd name="T6" fmla="*/ 55 w 65"/>
+                <a:gd name="T7" fmla="*/ 2 h 116"/>
+                <a:gd name="T8" fmla="*/ 62 w 65"/>
+                <a:gd name="T9" fmla="*/ 2 h 116"/>
+                <a:gd name="T10" fmla="*/ 62 w 65"/>
+                <a:gd name="T11" fmla="*/ 9 h 116"/>
+                <a:gd name="T12" fmla="*/ 18 w 65"/>
+                <a:gd name="T13" fmla="*/ 53 h 116"/>
+                <a:gd name="T14" fmla="*/ 18 w 65"/>
+                <a:gd name="T15" fmla="*/ 60 h 116"/>
+                <a:gd name="T16" fmla="*/ 63 w 65"/>
+                <a:gd name="T17" fmla="*/ 106 h 116"/>
+                <a:gd name="T18" fmla="*/ 63 w 65"/>
+                <a:gd name="T19" fmla="*/ 114 h 116"/>
+                <a:gd name="T20" fmla="*/ 56 w 65"/>
+                <a:gd name="T21" fmla="*/ 114 h 116"/>
+                <a:gd name="T22" fmla="*/ 12 w 65"/>
+                <a:gd name="T23" fmla="*/ 72 h 116"/>
+                <a:gd name="T24" fmla="*/ 12 w 65"/>
+                <a:gd name="T25" fmla="*/ 71 h 116"/>
+                <a:gd name="T26" fmla="*/ 2 w 65"/>
+                <a:gd name="T27" fmla="*/ 60 h 116"/>
+              </a:gdLst>
+              <a:ahLst/>
+              <a:cxnLst>
+                <a:cxn ang="0">
+                  <a:pos x="T0" y="T1"/>
+                </a:cxn>
+                <a:cxn ang="0">
+                  <a:pos x="T2" y="T3"/>
+                </a:cxn>
+                <a:cxn ang="0">
+                  <a:pos x="T4" y="T5"/>
+                </a:cxn>
+                <a:cxn ang="0">
+                  <a:pos x="T6" y="T7"/>
+                </a:cxn>
+                <a:cxn ang="0">
+                  <a:pos x="T8" y="T9"/>
+                </a:cxn>
+                <a:cxn ang="0">
+                  <a:pos x="T10" y="T11"/>
+                </a:cxn>
+                <a:cxn ang="0">
+                  <a:pos x="T12" y="T13"/>
+                </a:cxn>
+                <a:cxn ang="0">
+                  <a:pos x="T14" y="T15"/>
+                </a:cxn>
+                <a:cxn ang="0">
+                  <a:pos x="T16" y="T17"/>
+                </a:cxn>
+                <a:cxn ang="0">
+                  <a:pos x="T18" y="T19"/>
+                </a:cxn>
+                <a:cxn ang="0">
+                  <a:pos x="T20" y="T21"/>
+                </a:cxn>
+                <a:cxn ang="0">
+                  <a:pos x="T22" y="T23"/>
+                </a:cxn>
+                <a:cxn ang="0">
+                  <a:pos x="T24" y="T25"/>
+                </a:cxn>
+                <a:cxn ang="0">
+                  <a:pos x="T26" y="T27"/>
+                </a:cxn>
+              </a:cxnLst>
+              <a:rect l="0" t="0" r="r" b="b"/>
+              <a:pathLst>
+                <a:path w="65" h="116">
+                  <a:moveTo>
+                    <a:pt x="2" y="60"/>
+                  </a:moveTo>
+                  <a:cubicBezTo>
+                    <a:pt x="0" y="58"/>
+                    <a:pt x="1" y="55"/>
+                    <a:pt x="2" y="53"/>
+                  </a:cubicBezTo>
+                  <a:cubicBezTo>
+                    <a:pt x="12" y="44"/>
+                    <a:pt x="12" y="44"/>
+                    <a:pt x="12" y="44"/>
+                  </a:cubicBezTo>
+                  <a:cubicBezTo>
+                    <a:pt x="55" y="2"/>
+                    <a:pt x="55" y="2"/>
+                    <a:pt x="55" y="2"/>
+                  </a:cubicBezTo>
+                  <a:cubicBezTo>
+                    <a:pt x="57" y="0"/>
+                    <a:pt x="60" y="0"/>
+                    <a:pt x="62" y="2"/>
+                  </a:cubicBezTo>
+                  <a:cubicBezTo>
+                    <a:pt x="64" y="4"/>
+                    <a:pt x="64" y="7"/>
+                    <a:pt x="62" y="9"/>
+                  </a:cubicBezTo>
+                  <a:cubicBezTo>
+                    <a:pt x="18" y="53"/>
+                    <a:pt x="18" y="53"/>
+                    <a:pt x="18" y="53"/>
+                  </a:cubicBezTo>
+                  <a:cubicBezTo>
+                    <a:pt x="16" y="55"/>
+                    <a:pt x="16" y="58"/>
+                    <a:pt x="18" y="60"/>
+                  </a:cubicBezTo>
+                  <a:cubicBezTo>
+                    <a:pt x="63" y="106"/>
+                    <a:pt x="63" y="106"/>
+                    <a:pt x="63" y="106"/>
+                  </a:cubicBezTo>
+                  <a:cubicBezTo>
+                    <a:pt x="65" y="108"/>
+                    <a:pt x="65" y="112"/>
+                    <a:pt x="63" y="114"/>
+                  </a:cubicBezTo>
+                  <a:cubicBezTo>
+                    <a:pt x="61" y="116"/>
+                    <a:pt x="58" y="115"/>
+                    <a:pt x="56" y="114"/>
+                  </a:cubicBezTo>
+                  <a:cubicBezTo>
+                    <a:pt x="12" y="72"/>
+                    <a:pt x="12" y="72"/>
+                    <a:pt x="12" y="72"/>
+                  </a:cubicBezTo>
+                  <a:cubicBezTo>
+                    <a:pt x="12" y="72"/>
+                    <a:pt x="12" y="72"/>
+                    <a:pt x="12" y="71"/>
+                  </a:cubicBezTo>
+                  <a:lnTo>
+                    <a:pt x="2" y="60"/>
+                  </a:lnTo>
+                  <a:close/>
+                </a:path>
+              </a:pathLst>
+            </a:custGeom>
+            <a:solidFill>
+              <a:srgbClr val="3999C6"/>
+            </a:solidFill>
+            <a:ln>
+              <a:noFill/>
+            </a:ln>
+            <a:extLst>
+              <a:ext uri="{91240B29-F687-4F45-9708-019B960494DF}">
+                <a14:hiddenLine xmlns:a14="http://schemas.microsoft.com/office/drawing/2010/main" w="9525">
+                  <a:solidFill>
+                    <a:srgbClr val="000000"/>
+                  </a:solidFill>
+                  <a:round/>
+                  <a:headEnd/>
+                  <a:tailEnd/>
+                </a14:hiddenLine>
+              </a:ext>
+            </a:extLst>
+          </p:spPr>
+          <p:txBody>
+            <a:bodyPr vert="horz" wrap="square" lIns="91440" tIns="45720" rIns="91440" bIns="45720" numCol="1" anchor="t" anchorCtr="0" compatLnSpc="1">
+              <a:prstTxWarp prst="textNoShape">
+                <a:avLst/>
+              </a:prstTxWarp>
+            </a:bodyPr>
+            <a:lstStyle/>
+            <a:p>
+              <a:endParaRPr lang="ja-JP" altLang="en-US" sz="2400">
+                <a:latin typeface="Yu Gothic UI" panose="020B0500000000000000" pitchFamily="50" charset="-128"/>
+                <a:ea typeface="Yu Gothic UI" panose="020B0500000000000000" pitchFamily="50" charset="-128"/>
+              </a:endParaRPr>
+            </a:p>
+          </p:txBody>
+        </p:sp>
+        <p:sp>
+          <p:nvSpPr>
+            <p:cNvPr id="113" name="Freeform 2169">
+              <a:extLst>
+                <a:ext uri="{FF2B5EF4-FFF2-40B4-BE49-F238E27FC236}">
+                  <a16:creationId xmlns:a16="http://schemas.microsoft.com/office/drawing/2014/main" id="{A5726ABC-4D0C-6744-F16B-8FD99074649C}"/>
+                </a:ext>
+              </a:extLst>
+            </p:cNvPr>
+            <p:cNvSpPr>
+              <a:spLocks/>
+            </p:cNvSpPr>
+            <p:nvPr/>
+          </p:nvSpPr>
+          <p:spPr bwMode="auto">
+            <a:xfrm>
+              <a:off x="7680325" y="5889626"/>
+              <a:ext cx="76200" cy="74613"/>
+            </a:xfrm>
+            <a:custGeom>
+              <a:avLst/>
+              <a:gdLst>
+                <a:gd name="T0" fmla="*/ 27 w 27"/>
+                <a:gd name="T1" fmla="*/ 13 h 26"/>
+                <a:gd name="T2" fmla="*/ 14 w 27"/>
+                <a:gd name="T3" fmla="*/ 26 h 26"/>
+                <a:gd name="T4" fmla="*/ 0 w 27"/>
+                <a:gd name="T5" fmla="*/ 13 h 26"/>
+                <a:gd name="T6" fmla="*/ 14 w 27"/>
+                <a:gd name="T7" fmla="*/ 0 h 26"/>
+                <a:gd name="T8" fmla="*/ 27 w 27"/>
+                <a:gd name="T9" fmla="*/ 13 h 26"/>
+              </a:gdLst>
+              <a:ahLst/>
+              <a:cxnLst>
+                <a:cxn ang="0">
+                  <a:pos x="T0" y="T1"/>
+                </a:cxn>
+                <a:cxn ang="0">
+                  <a:pos x="T2" y="T3"/>
+                </a:cxn>
+                <a:cxn ang="0">
+                  <a:pos x="T4" y="T5"/>
+                </a:cxn>
+                <a:cxn ang="0">
+                  <a:pos x="T6" y="T7"/>
+                </a:cxn>
+                <a:cxn ang="0">
+                  <a:pos x="T8" y="T9"/>
+                </a:cxn>
+              </a:cxnLst>
+              <a:rect l="0" t="0" r="r" b="b"/>
+              <a:pathLst>
+                <a:path w="27" h="26">
+                  <a:moveTo>
+                    <a:pt x="27" y="13"/>
+                  </a:moveTo>
+                  <a:cubicBezTo>
+                    <a:pt x="27" y="20"/>
+                    <a:pt x="21" y="26"/>
+                    <a:pt x="14" y="26"/>
+                  </a:cubicBezTo>
+                  <a:cubicBezTo>
+                    <a:pt x="7" y="26"/>
+                    <a:pt x="0" y="20"/>
+                    <a:pt x="0" y="13"/>
+                  </a:cubicBezTo>
+                  <a:cubicBezTo>
+                    <a:pt x="0" y="6"/>
+                    <a:pt x="5" y="0"/>
+                    <a:pt x="14" y="0"/>
+                  </a:cubicBezTo>
+                  <a:cubicBezTo>
+                    <a:pt x="22" y="0"/>
+                    <a:pt x="27" y="6"/>
+                    <a:pt x="27" y="13"/>
+                  </a:cubicBezTo>
+                  <a:close/>
+                </a:path>
+              </a:pathLst>
+            </a:custGeom>
+            <a:solidFill>
+              <a:srgbClr val="7FBA00"/>
+            </a:solidFill>
+            <a:ln>
+              <a:noFill/>
+            </a:ln>
+            <a:extLst>
+              <a:ext uri="{91240B29-F687-4F45-9708-019B960494DF}">
+                <a14:hiddenLine xmlns:a14="http://schemas.microsoft.com/office/drawing/2010/main" w="9525">
+                  <a:solidFill>
+                    <a:srgbClr val="000000"/>
+                  </a:solidFill>
+                  <a:round/>
+                  <a:headEnd/>
+                  <a:tailEnd/>
+                </a14:hiddenLine>
+              </a:ext>
+            </a:extLst>
+          </p:spPr>
+          <p:txBody>
+            <a:bodyPr vert="horz" wrap="square" lIns="91440" tIns="45720" rIns="91440" bIns="45720" numCol="1" anchor="t" anchorCtr="0" compatLnSpc="1">
+              <a:prstTxWarp prst="textNoShape">
+                <a:avLst/>
+              </a:prstTxWarp>
+            </a:bodyPr>
+            <a:lstStyle/>
+            <a:p>
+              <a:endParaRPr lang="ja-JP" altLang="en-US" sz="2400">
+                <a:latin typeface="Yu Gothic UI" panose="020B0500000000000000" pitchFamily="50" charset="-128"/>
+                <a:ea typeface="Yu Gothic UI" panose="020B0500000000000000" pitchFamily="50" charset="-128"/>
+              </a:endParaRPr>
+            </a:p>
+          </p:txBody>
+        </p:sp>
+        <p:sp>
+          <p:nvSpPr>
+            <p:cNvPr id="114" name="Freeform 2170">
+              <a:extLst>
+                <a:ext uri="{FF2B5EF4-FFF2-40B4-BE49-F238E27FC236}">
+                  <a16:creationId xmlns:a16="http://schemas.microsoft.com/office/drawing/2014/main" id="{B3812517-D3BD-870A-0A41-8BBCAE40B2A6}"/>
+                </a:ext>
+              </a:extLst>
+            </p:cNvPr>
+            <p:cNvSpPr>
+              <a:spLocks/>
+            </p:cNvSpPr>
+            <p:nvPr/>
+          </p:nvSpPr>
+          <p:spPr bwMode="auto">
+            <a:xfrm>
+              <a:off x="7794625" y="5889626"/>
+              <a:ext cx="76200" cy="74613"/>
+            </a:xfrm>
+            <a:custGeom>
+              <a:avLst/>
+              <a:gdLst>
+                <a:gd name="T0" fmla="*/ 27 w 27"/>
+                <a:gd name="T1" fmla="*/ 13 h 26"/>
+                <a:gd name="T2" fmla="*/ 14 w 27"/>
+                <a:gd name="T3" fmla="*/ 26 h 26"/>
+                <a:gd name="T4" fmla="*/ 0 w 27"/>
+                <a:gd name="T5" fmla="*/ 13 h 26"/>
+                <a:gd name="T6" fmla="*/ 14 w 27"/>
+                <a:gd name="T7" fmla="*/ 0 h 26"/>
+                <a:gd name="T8" fmla="*/ 27 w 27"/>
+                <a:gd name="T9" fmla="*/ 13 h 26"/>
+              </a:gdLst>
+              <a:ahLst/>
+              <a:cxnLst>
+                <a:cxn ang="0">
+                  <a:pos x="T0" y="T1"/>
+                </a:cxn>
+                <a:cxn ang="0">
+                  <a:pos x="T2" y="T3"/>
+                </a:cxn>
+                <a:cxn ang="0">
+                  <a:pos x="T4" y="T5"/>
+                </a:cxn>
+                <a:cxn ang="0">
+                  <a:pos x="T6" y="T7"/>
+                </a:cxn>
+                <a:cxn ang="0">
+                  <a:pos x="T8" y="T9"/>
+                </a:cxn>
+              </a:cxnLst>
+              <a:rect l="0" t="0" r="r" b="b"/>
+              <a:pathLst>
+                <a:path w="27" h="26">
+                  <a:moveTo>
+                    <a:pt x="27" y="13"/>
+                  </a:moveTo>
+                  <a:cubicBezTo>
+                    <a:pt x="27" y="20"/>
+                    <a:pt x="21" y="26"/>
+                    <a:pt x="14" y="26"/>
+                  </a:cubicBezTo>
+                  <a:cubicBezTo>
+                    <a:pt x="7" y="26"/>
+                    <a:pt x="0" y="20"/>
+                    <a:pt x="0" y="13"/>
+                  </a:cubicBezTo>
+                  <a:cubicBezTo>
+                    <a:pt x="0" y="6"/>
+                    <a:pt x="7" y="0"/>
+                    <a:pt x="14" y="0"/>
+                  </a:cubicBezTo>
+                  <a:cubicBezTo>
+                    <a:pt x="22" y="0"/>
+                    <a:pt x="27" y="6"/>
+                    <a:pt x="27" y="13"/>
+                  </a:cubicBezTo>
+                  <a:close/>
+                </a:path>
+              </a:pathLst>
+            </a:custGeom>
+            <a:solidFill>
+              <a:srgbClr val="7FBA00"/>
+            </a:solidFill>
+            <a:ln>
+              <a:noFill/>
+            </a:ln>
+            <a:extLst>
+              <a:ext uri="{91240B29-F687-4F45-9708-019B960494DF}">
+                <a14:hiddenLine xmlns:a14="http://schemas.microsoft.com/office/drawing/2010/main" w="9525">
+                  <a:solidFill>
+                    <a:srgbClr val="000000"/>
+                  </a:solidFill>
+                  <a:round/>
+                  <a:headEnd/>
+                  <a:tailEnd/>
+                </a14:hiddenLine>
+              </a:ext>
+            </a:extLst>
+          </p:spPr>
+          <p:txBody>
+            <a:bodyPr vert="horz" wrap="square" lIns="91440" tIns="45720" rIns="91440" bIns="45720" numCol="1" anchor="t" anchorCtr="0" compatLnSpc="1">
+              <a:prstTxWarp prst="textNoShape">
+                <a:avLst/>
+              </a:prstTxWarp>
+            </a:bodyPr>
+            <a:lstStyle/>
+            <a:p>
+              <a:endParaRPr lang="ja-JP" altLang="en-US" sz="2400">
+                <a:latin typeface="Yu Gothic UI" panose="020B0500000000000000" pitchFamily="50" charset="-128"/>
+                <a:ea typeface="Yu Gothic UI" panose="020B0500000000000000" pitchFamily="50" charset="-128"/>
+              </a:endParaRPr>
+            </a:p>
+          </p:txBody>
+        </p:sp>
+        <p:sp>
+          <p:nvSpPr>
+            <p:cNvPr id="115" name="Oval 2171">
+              <a:extLst>
+                <a:ext uri="{FF2B5EF4-FFF2-40B4-BE49-F238E27FC236}">
+                  <a16:creationId xmlns:a16="http://schemas.microsoft.com/office/drawing/2014/main" id="{FFC6466C-5023-625D-CCF6-07F6BF004F42}"/>
+                </a:ext>
+              </a:extLst>
+            </p:cNvPr>
+            <p:cNvSpPr>
+              <a:spLocks noChangeArrowheads="1"/>
+            </p:cNvSpPr>
+            <p:nvPr/>
+          </p:nvSpPr>
+          <p:spPr bwMode="auto">
+            <a:xfrm>
+              <a:off x="7913688" y="5889626"/>
+              <a:ext cx="74613" cy="74613"/>
+            </a:xfrm>
+            <a:prstGeom prst="ellipse">
+              <a:avLst/>
+            </a:prstGeom>
+            <a:solidFill>
+              <a:srgbClr val="7FBA00"/>
+            </a:solidFill>
+            <a:ln>
+              <a:noFill/>
+            </a:ln>
+            <a:extLst>
+              <a:ext uri="{91240B29-F687-4F45-9708-019B960494DF}">
+                <a14:hiddenLine xmlns:a14="http://schemas.microsoft.com/office/drawing/2010/main" w="9525">
+                  <a:solidFill>
+                    <a:srgbClr val="000000"/>
+                  </a:solidFill>
+                  <a:round/>
+                  <a:headEnd/>
+                  <a:tailEnd/>
+                </a14:hiddenLine>
+              </a:ext>
+            </a:extLst>
+          </p:spPr>
+          <p:txBody>
+            <a:bodyPr vert="horz" wrap="square" lIns="91440" tIns="45720" rIns="91440" bIns="45720" numCol="1" anchor="t" anchorCtr="0" compatLnSpc="1">
+              <a:prstTxWarp prst="textNoShape">
+                <a:avLst/>
+              </a:prstTxWarp>
+            </a:bodyPr>
+            <a:lstStyle/>
+            <a:p>
+              <a:endParaRPr lang="ja-JP" altLang="en-US" sz="2400">
+                <a:latin typeface="Yu Gothic UI" panose="020B0500000000000000" pitchFamily="50" charset="-128"/>
+                <a:ea typeface="Yu Gothic UI" panose="020B0500000000000000" pitchFamily="50" charset="-128"/>
+              </a:endParaRPr>
+            </a:p>
+          </p:txBody>
+        </p:sp>
+      </p:grpSp>
+      <p:sp>
+        <p:nvSpPr>
+          <p:cNvPr id="116" name="テキスト ボックス 115">
+            <a:extLst>
+              <a:ext uri="{FF2B5EF4-FFF2-40B4-BE49-F238E27FC236}">
+                <a16:creationId xmlns:a16="http://schemas.microsoft.com/office/drawing/2014/main" id="{16B92024-CBDF-103C-ED6F-913CECA37174}"/>
+              </a:ext>
+            </a:extLst>
+          </p:cNvPr>
+          <p:cNvSpPr txBox="1"/>
+          <p:nvPr/>
+        </p:nvSpPr>
+        <p:spPr>
+          <a:xfrm>
+            <a:off x="510893" y="3934855"/>
+            <a:ext cx="914400" cy="123111"/>
+          </a:xfrm>
+          <a:prstGeom prst="rect">
+            <a:avLst/>
+          </a:prstGeom>
+          <a:noFill/>
+        </p:spPr>
+        <p:txBody>
+          <a:bodyPr wrap="square" lIns="0" tIns="0" rIns="0" bIns="0" rtlCol="0">
+            <a:spAutoFit/>
+          </a:bodyPr>
+          <a:lstStyle/>
+          <a:p>
+            <a:r>
+              <a:rPr kumimoji="1" lang="ja-JP" altLang="en-US" sz="800" dirty="0">
+                <a:latin typeface="Yu Gothic UI" panose="020B0500000000000000" pitchFamily="50" charset="-128"/>
+                <a:ea typeface="Yu Gothic UI" panose="020B0500000000000000" pitchFamily="50" charset="-128"/>
+              </a:rPr>
+              <a:t>仮想ネットワーク</a:t>
+            </a:r>
+            <a:r>
+              <a:rPr kumimoji="1" lang="en-US" altLang="ja-JP" sz="800" dirty="0">
+                <a:latin typeface="Yu Gothic UI" panose="020B0500000000000000" pitchFamily="50" charset="-128"/>
+                <a:ea typeface="Yu Gothic UI" panose="020B0500000000000000" pitchFamily="50" charset="-128"/>
+              </a:rPr>
+              <a:t>(</a:t>
+            </a:r>
+            <a:r>
+              <a:rPr kumimoji="1" lang="ja-JP" altLang="en-US" sz="800" dirty="0">
+                <a:latin typeface="Yu Gothic UI" panose="020B0500000000000000" pitchFamily="50" charset="-128"/>
+                <a:ea typeface="Yu Gothic UI" panose="020B0500000000000000" pitchFamily="50" charset="-128"/>
+              </a:rPr>
+              <a:t>ハブ</a:t>
+            </a:r>
+            <a:r>
+              <a:rPr kumimoji="1" lang="en-US" altLang="ja-JP" sz="800" dirty="0">
+                <a:latin typeface="Yu Gothic UI" panose="020B0500000000000000" pitchFamily="50" charset="-128"/>
+                <a:ea typeface="Yu Gothic UI" panose="020B0500000000000000" pitchFamily="50" charset="-128"/>
+              </a:rPr>
+              <a:t>)</a:t>
+            </a:r>
+            <a:endParaRPr kumimoji="1" lang="en-US" sz="800" dirty="0">
+              <a:latin typeface="Yu Gothic UI" panose="020B0500000000000000" pitchFamily="50" charset="-128"/>
+              <a:ea typeface="Yu Gothic UI" panose="020B0500000000000000" pitchFamily="50" charset="-128"/>
+            </a:endParaRPr>
+          </a:p>
+        </p:txBody>
+      </p:sp>
+      <p:sp>
+        <p:nvSpPr>
+          <p:cNvPr id="125" name="正方形/長方形 124">
+            <a:extLst>
+              <a:ext uri="{FF2B5EF4-FFF2-40B4-BE49-F238E27FC236}">
+                <a16:creationId xmlns:a16="http://schemas.microsoft.com/office/drawing/2014/main" id="{452A0F47-40D3-73D6-CADD-67A886DB0F63}"/>
+              </a:ext>
+            </a:extLst>
+          </p:cNvPr>
+          <p:cNvSpPr/>
+          <p:nvPr/>
+        </p:nvSpPr>
+        <p:spPr>
+          <a:xfrm>
+            <a:off x="477022" y="4374979"/>
+            <a:ext cx="928608" cy="757414"/>
+          </a:xfrm>
+          <a:prstGeom prst="rect">
+            <a:avLst/>
+          </a:prstGeom>
+          <a:solidFill>
+            <a:schemeClr val="accent6">
+              <a:lumMod val="20000"/>
+              <a:lumOff val="80000"/>
+            </a:schemeClr>
+          </a:solidFill>
+          <a:ln>
+            <a:noFill/>
+          </a:ln>
+        </p:spPr>
+        <p:style>
+          <a:lnRef idx="2">
+            <a:schemeClr val="accent1">
+              <a:shade val="50000"/>
+            </a:schemeClr>
+          </a:lnRef>
+          <a:fillRef idx="1">
+            <a:schemeClr val="accent1"/>
+          </a:fillRef>
+          <a:effectRef idx="0">
+            <a:schemeClr val="accent1"/>
+          </a:effectRef>
+          <a:fontRef idx="minor">
+            <a:schemeClr val="lt1"/>
+          </a:fontRef>
+        </p:style>
+        <p:txBody>
+          <a:bodyPr rtlCol="0" anchor="ctr"/>
+          <a:lstStyle/>
+          <a:p>
+            <a:pPr algn="ctr"/>
+            <a:endParaRPr kumimoji="1" lang="en-US" sz="2400" dirty="0">
+              <a:latin typeface="Yu Gothic UI" panose="020B0500000000000000" pitchFamily="50" charset="-128"/>
+              <a:ea typeface="Yu Gothic UI" panose="020B0500000000000000" pitchFamily="50" charset="-128"/>
+            </a:endParaRPr>
+          </a:p>
+        </p:txBody>
+      </p:sp>
+      <p:pic>
+        <p:nvPicPr>
+          <p:cNvPr id="126" name="グラフィックス 125">
+            <a:extLst>
+              <a:ext uri="{FF2B5EF4-FFF2-40B4-BE49-F238E27FC236}">
+                <a16:creationId xmlns:a16="http://schemas.microsoft.com/office/drawing/2014/main" id="{07D2CFE0-7FD0-1FE4-5216-B542FEB648A0}"/>
+              </a:ext>
+            </a:extLst>
+          </p:cNvPr>
+          <p:cNvPicPr>
+            <a:picLocks noChangeAspect="1"/>
+          </p:cNvPicPr>
+          <p:nvPr/>
+        </p:nvPicPr>
+        <p:blipFill>
+          <a:blip r:embed="rId2">
+            <a:extLst>
+              <a:ext uri="{28A0092B-C50C-407E-A947-70E740481C1C}">
+                <a14:useLocalDpi xmlns:a14="http://schemas.microsoft.com/office/drawing/2010/main" val="0"/>
+              </a:ext>
+              <a:ext uri="{96DAC541-7B7A-43D3-8B79-37D633B846F1}">
+                <asvg:svgBlip xmlns:asvg="http://schemas.microsoft.com/office/drawing/2016/SVG/main" r:embed="rId3"/>
+              </a:ext>
+            </a:extLst>
+          </a:blip>
+          <a:stretch>
+            <a:fillRect/>
+          </a:stretch>
+        </p:blipFill>
+        <p:spPr>
+          <a:xfrm>
+            <a:off x="330759" y="4203529"/>
+            <a:ext cx="171450" cy="171450"/>
+          </a:xfrm>
+          <a:prstGeom prst="rect">
+            <a:avLst/>
+          </a:prstGeom>
+        </p:spPr>
+      </p:pic>
+      <p:sp>
+        <p:nvSpPr>
+          <p:cNvPr id="127" name="テキスト ボックス 126">
+            <a:extLst>
+              <a:ext uri="{FF2B5EF4-FFF2-40B4-BE49-F238E27FC236}">
+                <a16:creationId xmlns:a16="http://schemas.microsoft.com/office/drawing/2014/main" id="{D66E9E7C-9A33-9F1C-7DB9-27B4379CC9C5}"/>
+              </a:ext>
+            </a:extLst>
+          </p:cNvPr>
+          <p:cNvSpPr txBox="1"/>
+          <p:nvPr/>
+        </p:nvSpPr>
+        <p:spPr>
+          <a:xfrm>
+            <a:off x="520221" y="4224600"/>
+            <a:ext cx="1067614" cy="123111"/>
+          </a:xfrm>
+          <a:prstGeom prst="rect">
+            <a:avLst/>
+          </a:prstGeom>
+          <a:noFill/>
+        </p:spPr>
+        <p:txBody>
+          <a:bodyPr wrap="square" lIns="0" tIns="0" rIns="0" bIns="0" rtlCol="0">
+            <a:spAutoFit/>
+          </a:bodyPr>
+          <a:lstStyle/>
+          <a:p>
+            <a:r>
+              <a:rPr kumimoji="1" lang="en-US" altLang="ja-JP" sz="800" dirty="0">
+                <a:latin typeface="Yu Gothic UI" panose="020B0500000000000000" pitchFamily="50" charset="-128"/>
+                <a:ea typeface="Yu Gothic UI" panose="020B0500000000000000" pitchFamily="50" charset="-128"/>
+              </a:rPr>
+              <a:t>Azure Firewall </a:t>
+            </a:r>
+            <a:r>
+              <a:rPr kumimoji="1" lang="ja-JP" altLang="en-US" sz="800" dirty="0">
+                <a:latin typeface="Yu Gothic UI" panose="020B0500000000000000" pitchFamily="50" charset="-128"/>
+                <a:ea typeface="Yu Gothic UI" panose="020B0500000000000000" pitchFamily="50" charset="-128"/>
+              </a:rPr>
+              <a:t>サブネット</a:t>
+            </a:r>
+            <a:endParaRPr kumimoji="1" lang="en-US" sz="800" dirty="0">
+              <a:latin typeface="Yu Gothic UI" panose="020B0500000000000000" pitchFamily="50" charset="-128"/>
+              <a:ea typeface="Yu Gothic UI" panose="020B0500000000000000" pitchFamily="50" charset="-128"/>
+            </a:endParaRPr>
+          </a:p>
+        </p:txBody>
+      </p:sp>
+      <p:pic>
+        <p:nvPicPr>
+          <p:cNvPr id="128" name="グラフィックス 127">
+            <a:extLst>
+              <a:ext uri="{FF2B5EF4-FFF2-40B4-BE49-F238E27FC236}">
+                <a16:creationId xmlns:a16="http://schemas.microsoft.com/office/drawing/2014/main" id="{8A73EEC3-E6D9-3722-A4A5-2822B6E93696}"/>
+              </a:ext>
+            </a:extLst>
+          </p:cNvPr>
+          <p:cNvPicPr>
+            <a:picLocks noChangeAspect="1"/>
+          </p:cNvPicPr>
+          <p:nvPr/>
+        </p:nvPicPr>
+        <p:blipFill>
+          <a:blip r:embed="rId12">
+            <a:extLst>
+              <a:ext uri="{28A0092B-C50C-407E-A947-70E740481C1C}">
+                <a14:useLocalDpi xmlns:a14="http://schemas.microsoft.com/office/drawing/2010/main" val="0"/>
+              </a:ext>
+              <a:ext uri="{96DAC541-7B7A-43D3-8B79-37D633B846F1}">
+                <asvg:svgBlip xmlns:asvg="http://schemas.microsoft.com/office/drawing/2016/SVG/main" r:embed="rId13"/>
+              </a:ext>
+            </a:extLst>
+          </a:blip>
+          <a:stretch>
+            <a:fillRect/>
+          </a:stretch>
+        </p:blipFill>
+        <p:spPr>
+          <a:xfrm>
+            <a:off x="848893" y="4447260"/>
+            <a:ext cx="261390" cy="261390"/>
+          </a:xfrm>
+          <a:prstGeom prst="rect">
+            <a:avLst/>
+          </a:prstGeom>
+        </p:spPr>
+      </p:pic>
+      <p:sp>
+        <p:nvSpPr>
+          <p:cNvPr id="130" name="テキスト ボックス 129">
+            <a:extLst>
+              <a:ext uri="{FF2B5EF4-FFF2-40B4-BE49-F238E27FC236}">
+                <a16:creationId xmlns:a16="http://schemas.microsoft.com/office/drawing/2014/main" id="{E526DF56-2521-5D3F-322A-7E31419D7B91}"/>
+              </a:ext>
+            </a:extLst>
+          </p:cNvPr>
+          <p:cNvSpPr txBox="1"/>
+          <p:nvPr/>
+        </p:nvSpPr>
+        <p:spPr>
+          <a:xfrm>
+            <a:off x="469107" y="4802768"/>
+            <a:ext cx="932215" cy="123111"/>
+          </a:xfrm>
+          <a:prstGeom prst="rect">
+            <a:avLst/>
+          </a:prstGeom>
+          <a:noFill/>
+        </p:spPr>
+        <p:txBody>
+          <a:bodyPr wrap="square" lIns="0" tIns="0" rIns="0" bIns="0" rtlCol="0">
+            <a:spAutoFit/>
+          </a:bodyPr>
+          <a:lstStyle/>
+          <a:p>
+            <a:pPr algn="ctr"/>
+            <a:r>
+              <a:rPr kumimoji="1" lang="ja-JP" altLang="en-US" sz="800" dirty="0">
+                <a:latin typeface="Yu Gothic UI" panose="020B0500000000000000" pitchFamily="50" charset="-128"/>
+                <a:ea typeface="Yu Gothic UI" panose="020B0500000000000000" pitchFamily="50" charset="-128"/>
+              </a:rPr>
+              <a:t>ファイアウォール</a:t>
+            </a:r>
+            <a:endParaRPr kumimoji="1" lang="en-US" sz="800" dirty="0">
+              <a:latin typeface="Yu Gothic UI" panose="020B0500000000000000" pitchFamily="50" charset="-128"/>
+              <a:ea typeface="Yu Gothic UI" panose="020B0500000000000000" pitchFamily="50" charset="-128"/>
+            </a:endParaRPr>
+          </a:p>
+        </p:txBody>
+      </p:sp>
+      <p:sp>
+        <p:nvSpPr>
+          <p:cNvPr id="132" name="正方形/長方形 131">
+            <a:extLst>
+              <a:ext uri="{FF2B5EF4-FFF2-40B4-BE49-F238E27FC236}">
+                <a16:creationId xmlns:a16="http://schemas.microsoft.com/office/drawing/2014/main" id="{8DE640AB-6227-493E-BA14-B4B0941A9586}"/>
+              </a:ext>
+            </a:extLst>
+          </p:cNvPr>
+          <p:cNvSpPr/>
+          <p:nvPr/>
+        </p:nvSpPr>
+        <p:spPr>
+          <a:xfrm>
+            <a:off x="3030758" y="4101330"/>
+            <a:ext cx="1967715" cy="1084273"/>
+          </a:xfrm>
+          <a:prstGeom prst="rect">
+            <a:avLst/>
+          </a:prstGeom>
+          <a:noFill/>
+          <a:ln>
+            <a:solidFill>
+              <a:schemeClr val="accent6"/>
+            </a:solidFill>
+          </a:ln>
+        </p:spPr>
+        <p:style>
+          <a:lnRef idx="2">
+            <a:schemeClr val="accent1">
+              <a:shade val="50000"/>
+            </a:schemeClr>
+          </a:lnRef>
+          <a:fillRef idx="1">
+            <a:schemeClr val="accent1"/>
+          </a:fillRef>
+          <a:effectRef idx="0">
+            <a:schemeClr val="accent1"/>
+          </a:effectRef>
+          <a:fontRef idx="minor">
+            <a:schemeClr val="lt1"/>
+          </a:fontRef>
+        </p:style>
+        <p:txBody>
+          <a:bodyPr rtlCol="0" anchor="ctr"/>
+          <a:lstStyle/>
+          <a:p>
+            <a:pPr algn="ctr"/>
+            <a:endParaRPr kumimoji="1" lang="ja-JP" altLang="en-US">
+              <a:latin typeface="Yu Gothic UI" panose="020B0500000000000000" pitchFamily="50" charset="-128"/>
+              <a:ea typeface="Yu Gothic UI" panose="020B0500000000000000" pitchFamily="50" charset="-128"/>
+            </a:endParaRPr>
+          </a:p>
+        </p:txBody>
+      </p:sp>
+      <p:grpSp>
+        <p:nvGrpSpPr>
+          <p:cNvPr id="133" name="グループ化 132">
+            <a:extLst>
+              <a:ext uri="{FF2B5EF4-FFF2-40B4-BE49-F238E27FC236}">
+                <a16:creationId xmlns:a16="http://schemas.microsoft.com/office/drawing/2014/main" id="{4203077A-767B-37DA-E72E-BB3FDD64C80F}"/>
+              </a:ext>
+            </a:extLst>
+          </p:cNvPr>
+          <p:cNvGrpSpPr/>
+          <p:nvPr/>
+        </p:nvGrpSpPr>
+        <p:grpSpPr>
+          <a:xfrm>
+            <a:off x="2979168" y="3916331"/>
+            <a:ext cx="281657" cy="161721"/>
+            <a:chOff x="7545388" y="5762626"/>
+            <a:chExt cx="577850" cy="331788"/>
+          </a:xfrm>
+        </p:grpSpPr>
+        <p:sp>
+          <p:nvSpPr>
+            <p:cNvPr id="134" name="Freeform 2167">
+              <a:extLst>
+                <a:ext uri="{FF2B5EF4-FFF2-40B4-BE49-F238E27FC236}">
+                  <a16:creationId xmlns:a16="http://schemas.microsoft.com/office/drawing/2014/main" id="{391B9824-DA43-4FBD-458F-DD0CCB2DC4BC}"/>
+                </a:ext>
+              </a:extLst>
+            </p:cNvPr>
+            <p:cNvSpPr>
+              <a:spLocks/>
+            </p:cNvSpPr>
+            <p:nvPr/>
+          </p:nvSpPr>
+          <p:spPr bwMode="auto">
+            <a:xfrm>
+              <a:off x="7940675" y="5762626"/>
+              <a:ext cx="182563" cy="331788"/>
+            </a:xfrm>
+            <a:custGeom>
+              <a:avLst/>
+              <a:gdLst>
+                <a:gd name="T0" fmla="*/ 62 w 64"/>
+                <a:gd name="T1" fmla="*/ 60 h 116"/>
+                <a:gd name="T2" fmla="*/ 62 w 64"/>
+                <a:gd name="T3" fmla="*/ 53 h 116"/>
+                <a:gd name="T4" fmla="*/ 52 w 64"/>
+                <a:gd name="T5" fmla="*/ 44 h 116"/>
+                <a:gd name="T6" fmla="*/ 9 w 64"/>
+                <a:gd name="T7" fmla="*/ 2 h 116"/>
+                <a:gd name="T8" fmla="*/ 2 w 64"/>
+                <a:gd name="T9" fmla="*/ 2 h 116"/>
+                <a:gd name="T10" fmla="*/ 2 w 64"/>
+                <a:gd name="T11" fmla="*/ 9 h 116"/>
+                <a:gd name="T12" fmla="*/ 48 w 64"/>
+                <a:gd name="T13" fmla="*/ 53 h 116"/>
+                <a:gd name="T14" fmla="*/ 48 w 64"/>
+                <a:gd name="T15" fmla="*/ 60 h 116"/>
+                <a:gd name="T16" fmla="*/ 2 w 64"/>
+                <a:gd name="T17" fmla="*/ 106 h 116"/>
+                <a:gd name="T18" fmla="*/ 2 w 64"/>
+                <a:gd name="T19" fmla="*/ 114 h 116"/>
+                <a:gd name="T20" fmla="*/ 8 w 64"/>
+                <a:gd name="T21" fmla="*/ 114 h 116"/>
+                <a:gd name="T22" fmla="*/ 51 w 64"/>
+                <a:gd name="T23" fmla="*/ 71 h 116"/>
+                <a:gd name="T24" fmla="*/ 52 w 64"/>
+                <a:gd name="T25" fmla="*/ 71 h 116"/>
+                <a:gd name="T26" fmla="*/ 62 w 64"/>
+                <a:gd name="T27" fmla="*/ 60 h 116"/>
+              </a:gdLst>
+              <a:ahLst/>
+              <a:cxnLst>
+                <a:cxn ang="0">
+                  <a:pos x="T0" y="T1"/>
+                </a:cxn>
+                <a:cxn ang="0">
+                  <a:pos x="T2" y="T3"/>
+                </a:cxn>
+                <a:cxn ang="0">
+                  <a:pos x="T4" y="T5"/>
+                </a:cxn>
+                <a:cxn ang="0">
+                  <a:pos x="T6" y="T7"/>
+                </a:cxn>
+                <a:cxn ang="0">
+                  <a:pos x="T8" y="T9"/>
+                </a:cxn>
+                <a:cxn ang="0">
+                  <a:pos x="T10" y="T11"/>
+                </a:cxn>
+                <a:cxn ang="0">
+                  <a:pos x="T12" y="T13"/>
+                </a:cxn>
+                <a:cxn ang="0">
+                  <a:pos x="T14" y="T15"/>
+                </a:cxn>
+                <a:cxn ang="0">
+                  <a:pos x="T16" y="T17"/>
+                </a:cxn>
+                <a:cxn ang="0">
+                  <a:pos x="T18" y="T19"/>
+                </a:cxn>
+                <a:cxn ang="0">
+                  <a:pos x="T20" y="T21"/>
+                </a:cxn>
+                <a:cxn ang="0">
+                  <a:pos x="T22" y="T23"/>
+                </a:cxn>
+                <a:cxn ang="0">
+                  <a:pos x="T24" y="T25"/>
+                </a:cxn>
+                <a:cxn ang="0">
+                  <a:pos x="T26" y="T27"/>
+                </a:cxn>
+              </a:cxnLst>
+              <a:rect l="0" t="0" r="r" b="b"/>
+              <a:pathLst>
+                <a:path w="64" h="116">
+                  <a:moveTo>
+                    <a:pt x="62" y="60"/>
+                  </a:moveTo>
+                  <a:cubicBezTo>
+                    <a:pt x="64" y="58"/>
+                    <a:pt x="64" y="55"/>
+                    <a:pt x="62" y="53"/>
+                  </a:cubicBezTo>
+                  <a:cubicBezTo>
+                    <a:pt x="52" y="44"/>
+                    <a:pt x="52" y="44"/>
+                    <a:pt x="52" y="44"/>
+                  </a:cubicBezTo>
+                  <a:cubicBezTo>
+                    <a:pt x="9" y="2"/>
+                    <a:pt x="9" y="2"/>
+                    <a:pt x="9" y="2"/>
+                  </a:cubicBezTo>
+                  <a:cubicBezTo>
+                    <a:pt x="7" y="0"/>
+                    <a:pt x="4" y="0"/>
+                    <a:pt x="2" y="2"/>
+                  </a:cubicBezTo>
+                  <a:cubicBezTo>
+                    <a:pt x="0" y="4"/>
+                    <a:pt x="0" y="7"/>
+                    <a:pt x="2" y="9"/>
+                  </a:cubicBezTo>
+                  <a:cubicBezTo>
+                    <a:pt x="48" y="53"/>
+                    <a:pt x="48" y="53"/>
+                    <a:pt x="48" y="53"/>
+                  </a:cubicBezTo>
+                  <a:cubicBezTo>
+                    <a:pt x="50" y="55"/>
+                    <a:pt x="50" y="58"/>
+                    <a:pt x="48" y="60"/>
+                  </a:cubicBezTo>
+                  <a:cubicBezTo>
+                    <a:pt x="2" y="106"/>
+                    <a:pt x="2" y="106"/>
+                    <a:pt x="2" y="106"/>
+                  </a:cubicBezTo>
+                  <a:cubicBezTo>
+                    <a:pt x="0" y="108"/>
+                    <a:pt x="0" y="112"/>
+                    <a:pt x="2" y="114"/>
+                  </a:cubicBezTo>
+                  <a:cubicBezTo>
+                    <a:pt x="4" y="116"/>
+                    <a:pt x="7" y="115"/>
+                    <a:pt x="8" y="114"/>
+                  </a:cubicBezTo>
+                  <a:cubicBezTo>
+                    <a:pt x="51" y="71"/>
+                    <a:pt x="51" y="71"/>
+                    <a:pt x="51" y="71"/>
+                  </a:cubicBezTo>
+                  <a:cubicBezTo>
+                    <a:pt x="51" y="71"/>
+                    <a:pt x="51" y="71"/>
+                    <a:pt x="52" y="71"/>
+                  </a:cubicBezTo>
+                  <a:lnTo>
+                    <a:pt x="62" y="60"/>
+                  </a:lnTo>
+                  <a:close/>
+                </a:path>
+              </a:pathLst>
+            </a:custGeom>
+            <a:solidFill>
+              <a:srgbClr val="3999C6"/>
+            </a:solidFill>
+            <a:ln>
+              <a:noFill/>
+            </a:ln>
+            <a:extLst>
+              <a:ext uri="{91240B29-F687-4F45-9708-019B960494DF}">
+                <a14:hiddenLine xmlns:a14="http://schemas.microsoft.com/office/drawing/2010/main" w="9525">
+                  <a:solidFill>
+                    <a:srgbClr val="000000"/>
+                  </a:solidFill>
+                  <a:round/>
+                  <a:headEnd/>
+                  <a:tailEnd/>
+                </a14:hiddenLine>
+              </a:ext>
+            </a:extLst>
+          </p:spPr>
+          <p:txBody>
+            <a:bodyPr vert="horz" wrap="square" lIns="91440" tIns="45720" rIns="91440" bIns="45720" numCol="1" anchor="t" anchorCtr="0" compatLnSpc="1">
+              <a:prstTxWarp prst="textNoShape">
+                <a:avLst/>
+              </a:prstTxWarp>
+            </a:bodyPr>
+            <a:lstStyle/>
+            <a:p>
+              <a:endParaRPr lang="ja-JP" altLang="en-US" sz="2400">
+                <a:latin typeface="Yu Gothic UI" panose="020B0500000000000000" pitchFamily="50" charset="-128"/>
+                <a:ea typeface="Yu Gothic UI" panose="020B0500000000000000" pitchFamily="50" charset="-128"/>
+              </a:endParaRPr>
+            </a:p>
+          </p:txBody>
+        </p:sp>
+        <p:sp>
+          <p:nvSpPr>
+            <p:cNvPr id="135" name="Freeform 2168">
+              <a:extLst>
+                <a:ext uri="{FF2B5EF4-FFF2-40B4-BE49-F238E27FC236}">
+                  <a16:creationId xmlns:a16="http://schemas.microsoft.com/office/drawing/2014/main" id="{4CC9D14C-1FDB-F4CF-67C5-8EE69DD6BC76}"/>
+                </a:ext>
+              </a:extLst>
+            </p:cNvPr>
+            <p:cNvSpPr>
+              <a:spLocks/>
+            </p:cNvSpPr>
+            <p:nvPr/>
+          </p:nvSpPr>
+          <p:spPr bwMode="auto">
+            <a:xfrm>
+              <a:off x="7545388" y="5762626"/>
+              <a:ext cx="185738" cy="331788"/>
+            </a:xfrm>
+            <a:custGeom>
+              <a:avLst/>
+              <a:gdLst>
+                <a:gd name="T0" fmla="*/ 2 w 65"/>
+                <a:gd name="T1" fmla="*/ 60 h 116"/>
+                <a:gd name="T2" fmla="*/ 2 w 65"/>
+                <a:gd name="T3" fmla="*/ 53 h 116"/>
+                <a:gd name="T4" fmla="*/ 12 w 65"/>
+                <a:gd name="T5" fmla="*/ 44 h 116"/>
+                <a:gd name="T6" fmla="*/ 55 w 65"/>
+                <a:gd name="T7" fmla="*/ 2 h 116"/>
+                <a:gd name="T8" fmla="*/ 62 w 65"/>
+                <a:gd name="T9" fmla="*/ 2 h 116"/>
+                <a:gd name="T10" fmla="*/ 62 w 65"/>
+                <a:gd name="T11" fmla="*/ 9 h 116"/>
+                <a:gd name="T12" fmla="*/ 18 w 65"/>
+                <a:gd name="T13" fmla="*/ 53 h 116"/>
+                <a:gd name="T14" fmla="*/ 18 w 65"/>
+                <a:gd name="T15" fmla="*/ 60 h 116"/>
+                <a:gd name="T16" fmla="*/ 63 w 65"/>
+                <a:gd name="T17" fmla="*/ 106 h 116"/>
+                <a:gd name="T18" fmla="*/ 63 w 65"/>
+                <a:gd name="T19" fmla="*/ 114 h 116"/>
+                <a:gd name="T20" fmla="*/ 56 w 65"/>
+                <a:gd name="T21" fmla="*/ 114 h 116"/>
+                <a:gd name="T22" fmla="*/ 12 w 65"/>
+                <a:gd name="T23" fmla="*/ 72 h 116"/>
+                <a:gd name="T24" fmla="*/ 12 w 65"/>
+                <a:gd name="T25" fmla="*/ 71 h 116"/>
+                <a:gd name="T26" fmla="*/ 2 w 65"/>
+                <a:gd name="T27" fmla="*/ 60 h 116"/>
+              </a:gdLst>
+              <a:ahLst/>
+              <a:cxnLst>
+                <a:cxn ang="0">
+                  <a:pos x="T0" y="T1"/>
+                </a:cxn>
+                <a:cxn ang="0">
+                  <a:pos x="T2" y="T3"/>
+                </a:cxn>
+                <a:cxn ang="0">
+                  <a:pos x="T4" y="T5"/>
+                </a:cxn>
+                <a:cxn ang="0">
+                  <a:pos x="T6" y="T7"/>
+                </a:cxn>
+                <a:cxn ang="0">
+                  <a:pos x="T8" y="T9"/>
+                </a:cxn>
+                <a:cxn ang="0">
+                  <a:pos x="T10" y="T11"/>
+                </a:cxn>
+                <a:cxn ang="0">
+                  <a:pos x="T12" y="T13"/>
+                </a:cxn>
+                <a:cxn ang="0">
+                  <a:pos x="T14" y="T15"/>
+                </a:cxn>
+                <a:cxn ang="0">
+                  <a:pos x="T16" y="T17"/>
+                </a:cxn>
+                <a:cxn ang="0">
+                  <a:pos x="T18" y="T19"/>
+                </a:cxn>
+                <a:cxn ang="0">
+                  <a:pos x="T20" y="T21"/>
+                </a:cxn>
+                <a:cxn ang="0">
+                  <a:pos x="T22" y="T23"/>
+                </a:cxn>
+                <a:cxn ang="0">
+                  <a:pos x="T24" y="T25"/>
+                </a:cxn>
+                <a:cxn ang="0">
+                  <a:pos x="T26" y="T27"/>
+                </a:cxn>
+              </a:cxnLst>
+              <a:rect l="0" t="0" r="r" b="b"/>
+              <a:pathLst>
+                <a:path w="65" h="116">
+                  <a:moveTo>
+                    <a:pt x="2" y="60"/>
+                  </a:moveTo>
+                  <a:cubicBezTo>
+                    <a:pt x="0" y="58"/>
+                    <a:pt x="1" y="55"/>
+                    <a:pt x="2" y="53"/>
+                  </a:cubicBezTo>
+                  <a:cubicBezTo>
+                    <a:pt x="12" y="44"/>
+                    <a:pt x="12" y="44"/>
+                    <a:pt x="12" y="44"/>
+                  </a:cubicBezTo>
+                  <a:cubicBezTo>
+                    <a:pt x="55" y="2"/>
+                    <a:pt x="55" y="2"/>
+                    <a:pt x="55" y="2"/>
+                  </a:cubicBezTo>
+                  <a:cubicBezTo>
+                    <a:pt x="57" y="0"/>
+                    <a:pt x="60" y="0"/>
+                    <a:pt x="62" y="2"/>
+                  </a:cubicBezTo>
+                  <a:cubicBezTo>
+                    <a:pt x="64" y="4"/>
+                    <a:pt x="64" y="7"/>
+                    <a:pt x="62" y="9"/>
+                  </a:cubicBezTo>
+                  <a:cubicBezTo>
+                    <a:pt x="18" y="53"/>
+                    <a:pt x="18" y="53"/>
+                    <a:pt x="18" y="53"/>
+                  </a:cubicBezTo>
+                  <a:cubicBezTo>
+                    <a:pt x="16" y="55"/>
+                    <a:pt x="16" y="58"/>
+                    <a:pt x="18" y="60"/>
+                  </a:cubicBezTo>
+                  <a:cubicBezTo>
+                    <a:pt x="63" y="106"/>
+                    <a:pt x="63" y="106"/>
+                    <a:pt x="63" y="106"/>
+                  </a:cubicBezTo>
+                  <a:cubicBezTo>
+                    <a:pt x="65" y="108"/>
+                    <a:pt x="65" y="112"/>
+                    <a:pt x="63" y="114"/>
+                  </a:cubicBezTo>
+                  <a:cubicBezTo>
+                    <a:pt x="61" y="116"/>
+                    <a:pt x="58" y="115"/>
+                    <a:pt x="56" y="114"/>
+                  </a:cubicBezTo>
+                  <a:cubicBezTo>
+                    <a:pt x="12" y="72"/>
+                    <a:pt x="12" y="72"/>
+                    <a:pt x="12" y="72"/>
+                  </a:cubicBezTo>
+                  <a:cubicBezTo>
+                    <a:pt x="12" y="72"/>
+                    <a:pt x="12" y="72"/>
+                    <a:pt x="12" y="71"/>
+                  </a:cubicBezTo>
+                  <a:lnTo>
+                    <a:pt x="2" y="60"/>
+                  </a:lnTo>
+                  <a:close/>
+                </a:path>
+              </a:pathLst>
+            </a:custGeom>
+            <a:solidFill>
+              <a:srgbClr val="3999C6"/>
+            </a:solidFill>
+            <a:ln>
+              <a:noFill/>
+            </a:ln>
+            <a:extLst>
+              <a:ext uri="{91240B29-F687-4F45-9708-019B960494DF}">
+                <a14:hiddenLine xmlns:a14="http://schemas.microsoft.com/office/drawing/2010/main" w="9525">
+                  <a:solidFill>
+                    <a:srgbClr val="000000"/>
+                  </a:solidFill>
+                  <a:round/>
+                  <a:headEnd/>
+                  <a:tailEnd/>
+                </a14:hiddenLine>
+              </a:ext>
+            </a:extLst>
+          </p:spPr>
+          <p:txBody>
+            <a:bodyPr vert="horz" wrap="square" lIns="91440" tIns="45720" rIns="91440" bIns="45720" numCol="1" anchor="t" anchorCtr="0" compatLnSpc="1">
+              <a:prstTxWarp prst="textNoShape">
+                <a:avLst/>
+              </a:prstTxWarp>
+            </a:bodyPr>
+            <a:lstStyle/>
+            <a:p>
+              <a:endParaRPr lang="ja-JP" altLang="en-US" sz="2400">
+                <a:latin typeface="Yu Gothic UI" panose="020B0500000000000000" pitchFamily="50" charset="-128"/>
+                <a:ea typeface="Yu Gothic UI" panose="020B0500000000000000" pitchFamily="50" charset="-128"/>
+              </a:endParaRPr>
+            </a:p>
+          </p:txBody>
+        </p:sp>
+        <p:sp>
+          <p:nvSpPr>
+            <p:cNvPr id="136" name="Freeform 2169">
+              <a:extLst>
+                <a:ext uri="{FF2B5EF4-FFF2-40B4-BE49-F238E27FC236}">
+                  <a16:creationId xmlns:a16="http://schemas.microsoft.com/office/drawing/2014/main" id="{91BEB15F-89B7-F91C-6209-1054B536FEF5}"/>
+                </a:ext>
+              </a:extLst>
+            </p:cNvPr>
+            <p:cNvSpPr>
+              <a:spLocks/>
+            </p:cNvSpPr>
+            <p:nvPr/>
+          </p:nvSpPr>
+          <p:spPr bwMode="auto">
+            <a:xfrm>
+              <a:off x="7680325" y="5889626"/>
+              <a:ext cx="76200" cy="74613"/>
+            </a:xfrm>
+            <a:custGeom>
+              <a:avLst/>
+              <a:gdLst>
+                <a:gd name="T0" fmla="*/ 27 w 27"/>
+                <a:gd name="T1" fmla="*/ 13 h 26"/>
+                <a:gd name="T2" fmla="*/ 14 w 27"/>
+                <a:gd name="T3" fmla="*/ 26 h 26"/>
+                <a:gd name="T4" fmla="*/ 0 w 27"/>
+                <a:gd name="T5" fmla="*/ 13 h 26"/>
+                <a:gd name="T6" fmla="*/ 14 w 27"/>
+                <a:gd name="T7" fmla="*/ 0 h 26"/>
+                <a:gd name="T8" fmla="*/ 27 w 27"/>
+                <a:gd name="T9" fmla="*/ 13 h 26"/>
+              </a:gdLst>
+              <a:ahLst/>
+              <a:cxnLst>
+                <a:cxn ang="0">
+                  <a:pos x="T0" y="T1"/>
+                </a:cxn>
+                <a:cxn ang="0">
+                  <a:pos x="T2" y="T3"/>
+                </a:cxn>
+                <a:cxn ang="0">
+                  <a:pos x="T4" y="T5"/>
+                </a:cxn>
+                <a:cxn ang="0">
+                  <a:pos x="T6" y="T7"/>
+                </a:cxn>
+                <a:cxn ang="0">
+                  <a:pos x="T8" y="T9"/>
+                </a:cxn>
+              </a:cxnLst>
+              <a:rect l="0" t="0" r="r" b="b"/>
+              <a:pathLst>
+                <a:path w="27" h="26">
+                  <a:moveTo>
+                    <a:pt x="27" y="13"/>
+                  </a:moveTo>
+                  <a:cubicBezTo>
+                    <a:pt x="27" y="20"/>
+                    <a:pt x="21" y="26"/>
+                    <a:pt x="14" y="26"/>
+                  </a:cubicBezTo>
+                  <a:cubicBezTo>
+                    <a:pt x="7" y="26"/>
+                    <a:pt x="0" y="20"/>
+                    <a:pt x="0" y="13"/>
+                  </a:cubicBezTo>
+                  <a:cubicBezTo>
+                    <a:pt x="0" y="6"/>
+                    <a:pt x="5" y="0"/>
+                    <a:pt x="14" y="0"/>
+                  </a:cubicBezTo>
+                  <a:cubicBezTo>
+                    <a:pt x="22" y="0"/>
+                    <a:pt x="27" y="6"/>
+                    <a:pt x="27" y="13"/>
+                  </a:cubicBezTo>
+                  <a:close/>
+                </a:path>
+              </a:pathLst>
+            </a:custGeom>
+            <a:solidFill>
+              <a:srgbClr val="7FBA00"/>
+            </a:solidFill>
+            <a:ln>
+              <a:noFill/>
+            </a:ln>
+            <a:extLst>
+              <a:ext uri="{91240B29-F687-4F45-9708-019B960494DF}">
+                <a14:hiddenLine xmlns:a14="http://schemas.microsoft.com/office/drawing/2010/main" w="9525">
+                  <a:solidFill>
+                    <a:srgbClr val="000000"/>
+                  </a:solidFill>
+                  <a:round/>
+                  <a:headEnd/>
+                  <a:tailEnd/>
+                </a14:hiddenLine>
+              </a:ext>
+            </a:extLst>
+          </p:spPr>
+          <p:txBody>
+            <a:bodyPr vert="horz" wrap="square" lIns="91440" tIns="45720" rIns="91440" bIns="45720" numCol="1" anchor="t" anchorCtr="0" compatLnSpc="1">
+              <a:prstTxWarp prst="textNoShape">
+                <a:avLst/>
+              </a:prstTxWarp>
+            </a:bodyPr>
+            <a:lstStyle/>
+            <a:p>
+              <a:endParaRPr lang="ja-JP" altLang="en-US" sz="2400">
+                <a:latin typeface="Yu Gothic UI" panose="020B0500000000000000" pitchFamily="50" charset="-128"/>
+                <a:ea typeface="Yu Gothic UI" panose="020B0500000000000000" pitchFamily="50" charset="-128"/>
+              </a:endParaRPr>
+            </a:p>
+          </p:txBody>
+        </p:sp>
+        <p:sp>
+          <p:nvSpPr>
+            <p:cNvPr id="137" name="Freeform 2170">
+              <a:extLst>
+                <a:ext uri="{FF2B5EF4-FFF2-40B4-BE49-F238E27FC236}">
+                  <a16:creationId xmlns:a16="http://schemas.microsoft.com/office/drawing/2014/main" id="{92BD72DB-EA21-0B08-145A-1FD8E987D3D7}"/>
+                </a:ext>
+              </a:extLst>
+            </p:cNvPr>
+            <p:cNvSpPr>
+              <a:spLocks/>
+            </p:cNvSpPr>
+            <p:nvPr/>
+          </p:nvSpPr>
+          <p:spPr bwMode="auto">
+            <a:xfrm>
+              <a:off x="7794625" y="5889626"/>
+              <a:ext cx="76200" cy="74613"/>
+            </a:xfrm>
+            <a:custGeom>
+              <a:avLst/>
+              <a:gdLst>
+                <a:gd name="T0" fmla="*/ 27 w 27"/>
+                <a:gd name="T1" fmla="*/ 13 h 26"/>
+                <a:gd name="T2" fmla="*/ 14 w 27"/>
+                <a:gd name="T3" fmla="*/ 26 h 26"/>
+                <a:gd name="T4" fmla="*/ 0 w 27"/>
+                <a:gd name="T5" fmla="*/ 13 h 26"/>
+                <a:gd name="T6" fmla="*/ 14 w 27"/>
+                <a:gd name="T7" fmla="*/ 0 h 26"/>
+                <a:gd name="T8" fmla="*/ 27 w 27"/>
+                <a:gd name="T9" fmla="*/ 13 h 26"/>
+              </a:gdLst>
+              <a:ahLst/>
+              <a:cxnLst>
+                <a:cxn ang="0">
+                  <a:pos x="T0" y="T1"/>
+                </a:cxn>
+                <a:cxn ang="0">
+                  <a:pos x="T2" y="T3"/>
+                </a:cxn>
+                <a:cxn ang="0">
+                  <a:pos x="T4" y="T5"/>
+                </a:cxn>
+                <a:cxn ang="0">
+                  <a:pos x="T6" y="T7"/>
+                </a:cxn>
+                <a:cxn ang="0">
+                  <a:pos x="T8" y="T9"/>
+                </a:cxn>
+              </a:cxnLst>
+              <a:rect l="0" t="0" r="r" b="b"/>
+              <a:pathLst>
+                <a:path w="27" h="26">
+                  <a:moveTo>
+                    <a:pt x="27" y="13"/>
+                  </a:moveTo>
+                  <a:cubicBezTo>
+                    <a:pt x="27" y="20"/>
+                    <a:pt x="21" y="26"/>
+                    <a:pt x="14" y="26"/>
+                  </a:cubicBezTo>
+                  <a:cubicBezTo>
+                    <a:pt x="7" y="26"/>
+                    <a:pt x="0" y="20"/>
+                    <a:pt x="0" y="13"/>
+                  </a:cubicBezTo>
+                  <a:cubicBezTo>
+                    <a:pt x="0" y="6"/>
+                    <a:pt x="7" y="0"/>
+                    <a:pt x="14" y="0"/>
+                  </a:cubicBezTo>
+                  <a:cubicBezTo>
+                    <a:pt x="22" y="0"/>
+                    <a:pt x="27" y="6"/>
+                    <a:pt x="27" y="13"/>
+                  </a:cubicBezTo>
+                  <a:close/>
+                </a:path>
+              </a:pathLst>
+            </a:custGeom>
+            <a:solidFill>
+              <a:srgbClr val="7FBA00"/>
+            </a:solidFill>
+            <a:ln>
+              <a:noFill/>
+            </a:ln>
+            <a:extLst>
+              <a:ext uri="{91240B29-F687-4F45-9708-019B960494DF}">
+                <a14:hiddenLine xmlns:a14="http://schemas.microsoft.com/office/drawing/2010/main" w="9525">
+                  <a:solidFill>
+                    <a:srgbClr val="000000"/>
+                  </a:solidFill>
+                  <a:round/>
+                  <a:headEnd/>
+                  <a:tailEnd/>
+                </a14:hiddenLine>
+              </a:ext>
+            </a:extLst>
+          </p:spPr>
+          <p:txBody>
+            <a:bodyPr vert="horz" wrap="square" lIns="91440" tIns="45720" rIns="91440" bIns="45720" numCol="1" anchor="t" anchorCtr="0" compatLnSpc="1">
+              <a:prstTxWarp prst="textNoShape">
+                <a:avLst/>
+              </a:prstTxWarp>
+            </a:bodyPr>
+            <a:lstStyle/>
+            <a:p>
+              <a:endParaRPr lang="ja-JP" altLang="en-US" sz="2400">
+                <a:latin typeface="Yu Gothic UI" panose="020B0500000000000000" pitchFamily="50" charset="-128"/>
+                <a:ea typeface="Yu Gothic UI" panose="020B0500000000000000" pitchFamily="50" charset="-128"/>
+              </a:endParaRPr>
+            </a:p>
+          </p:txBody>
+        </p:sp>
+        <p:sp>
+          <p:nvSpPr>
+            <p:cNvPr id="138" name="Oval 2171">
+              <a:extLst>
+                <a:ext uri="{FF2B5EF4-FFF2-40B4-BE49-F238E27FC236}">
+                  <a16:creationId xmlns:a16="http://schemas.microsoft.com/office/drawing/2014/main" id="{2C757DE2-14E8-F6E9-7B21-2EA90E40DC36}"/>
+                </a:ext>
+              </a:extLst>
+            </p:cNvPr>
+            <p:cNvSpPr>
+              <a:spLocks noChangeArrowheads="1"/>
+            </p:cNvSpPr>
+            <p:nvPr/>
+          </p:nvSpPr>
+          <p:spPr bwMode="auto">
+            <a:xfrm>
+              <a:off x="7913688" y="5889626"/>
+              <a:ext cx="74613" cy="74613"/>
+            </a:xfrm>
+            <a:prstGeom prst="ellipse">
+              <a:avLst/>
+            </a:prstGeom>
+            <a:solidFill>
+              <a:srgbClr val="7FBA00"/>
+            </a:solidFill>
+            <a:ln>
+              <a:noFill/>
+            </a:ln>
+            <a:extLst>
+              <a:ext uri="{91240B29-F687-4F45-9708-019B960494DF}">
+                <a14:hiddenLine xmlns:a14="http://schemas.microsoft.com/office/drawing/2010/main" w="9525">
+                  <a:solidFill>
+                    <a:srgbClr val="000000"/>
+                  </a:solidFill>
+                  <a:round/>
+                  <a:headEnd/>
+                  <a:tailEnd/>
+                </a14:hiddenLine>
+              </a:ext>
+            </a:extLst>
+          </p:spPr>
+          <p:txBody>
+            <a:bodyPr vert="horz" wrap="square" lIns="91440" tIns="45720" rIns="91440" bIns="45720" numCol="1" anchor="t" anchorCtr="0" compatLnSpc="1">
+              <a:prstTxWarp prst="textNoShape">
+                <a:avLst/>
+              </a:prstTxWarp>
+            </a:bodyPr>
+            <a:lstStyle/>
+            <a:p>
+              <a:endParaRPr lang="ja-JP" altLang="en-US" sz="2400">
+                <a:latin typeface="Yu Gothic UI" panose="020B0500000000000000" pitchFamily="50" charset="-128"/>
+                <a:ea typeface="Yu Gothic UI" panose="020B0500000000000000" pitchFamily="50" charset="-128"/>
+              </a:endParaRPr>
+            </a:p>
+          </p:txBody>
+        </p:sp>
+      </p:grpSp>
+      <p:sp>
+        <p:nvSpPr>
+          <p:cNvPr id="139" name="テキスト ボックス 138">
+            <a:extLst>
+              <a:ext uri="{FF2B5EF4-FFF2-40B4-BE49-F238E27FC236}">
+                <a16:creationId xmlns:a16="http://schemas.microsoft.com/office/drawing/2014/main" id="{E092E144-383E-97A9-B8A5-EC331247D222}"/>
+              </a:ext>
+            </a:extLst>
+          </p:cNvPr>
+          <p:cNvSpPr txBox="1"/>
+          <p:nvPr/>
+        </p:nvSpPr>
+        <p:spPr>
+          <a:xfrm>
+            <a:off x="3297193" y="3930860"/>
+            <a:ext cx="1233451" cy="123111"/>
+          </a:xfrm>
+          <a:prstGeom prst="rect">
+            <a:avLst/>
+          </a:prstGeom>
+          <a:noFill/>
+        </p:spPr>
+        <p:txBody>
+          <a:bodyPr wrap="square" lIns="0" tIns="0" rIns="0" bIns="0" rtlCol="0">
+            <a:spAutoFit/>
+          </a:bodyPr>
+          <a:lstStyle/>
+          <a:p>
+            <a:r>
+              <a:rPr kumimoji="1" lang="ja-JP" altLang="en-US" sz="800" dirty="0">
+                <a:latin typeface="Yu Gothic UI" panose="020B0500000000000000" pitchFamily="50" charset="-128"/>
+                <a:ea typeface="Yu Gothic UI" panose="020B0500000000000000" pitchFamily="50" charset="-128"/>
+              </a:rPr>
+              <a:t>仮想ネットワーク</a:t>
+            </a:r>
+            <a:r>
+              <a:rPr lang="en-US" altLang="ja-JP" sz="800" dirty="0">
+                <a:latin typeface="Yu Gothic UI" panose="020B0500000000000000" pitchFamily="50" charset="-128"/>
+                <a:ea typeface="Yu Gothic UI" panose="020B0500000000000000" pitchFamily="50" charset="-128"/>
+              </a:rPr>
+              <a:t>(</a:t>
+            </a:r>
+            <a:r>
+              <a:rPr lang="ja-JP" altLang="en-US" sz="800" dirty="0">
+                <a:latin typeface="Yu Gothic UI" panose="020B0500000000000000" pitchFamily="50" charset="-128"/>
+                <a:ea typeface="Yu Gothic UI" panose="020B0500000000000000" pitchFamily="50" charset="-128"/>
+              </a:rPr>
+              <a:t>スポーク</a:t>
+            </a:r>
+            <a:r>
+              <a:rPr lang="en-US" altLang="ja-JP" sz="800" dirty="0">
+                <a:latin typeface="Yu Gothic UI" panose="020B0500000000000000" pitchFamily="50" charset="-128"/>
+                <a:ea typeface="Yu Gothic UI" panose="020B0500000000000000" pitchFamily="50" charset="-128"/>
+              </a:rPr>
+              <a:t>)</a:t>
+            </a:r>
+            <a:endParaRPr kumimoji="1" lang="en-US" sz="800" dirty="0">
+              <a:latin typeface="Yu Gothic UI" panose="020B0500000000000000" pitchFamily="50" charset="-128"/>
+              <a:ea typeface="Yu Gothic UI" panose="020B0500000000000000" pitchFamily="50" charset="-128"/>
+            </a:endParaRPr>
+          </a:p>
+        </p:txBody>
+      </p:sp>
+      <p:sp>
+        <p:nvSpPr>
+          <p:cNvPr id="140" name="正方形/長方形 139">
+            <a:extLst>
+              <a:ext uri="{FF2B5EF4-FFF2-40B4-BE49-F238E27FC236}">
+                <a16:creationId xmlns:a16="http://schemas.microsoft.com/office/drawing/2014/main" id="{8D7E967A-AB53-FFFF-9053-3D7E07792522}"/>
+              </a:ext>
+            </a:extLst>
+          </p:cNvPr>
+          <p:cNvSpPr/>
+          <p:nvPr/>
+        </p:nvSpPr>
+        <p:spPr>
+          <a:xfrm>
+            <a:off x="3091494" y="4374979"/>
+            <a:ext cx="611025" cy="757414"/>
+          </a:xfrm>
+          <a:prstGeom prst="rect">
+            <a:avLst/>
+          </a:prstGeom>
+          <a:solidFill>
+            <a:schemeClr val="accent6">
+              <a:lumMod val="20000"/>
+              <a:lumOff val="80000"/>
+            </a:schemeClr>
+          </a:solidFill>
+          <a:ln>
+            <a:noFill/>
+          </a:ln>
+        </p:spPr>
+        <p:style>
+          <a:lnRef idx="2">
+            <a:schemeClr val="accent1">
+              <a:shade val="50000"/>
+            </a:schemeClr>
+          </a:lnRef>
+          <a:fillRef idx="1">
+            <a:schemeClr val="accent1"/>
+          </a:fillRef>
+          <a:effectRef idx="0">
+            <a:schemeClr val="accent1"/>
+          </a:effectRef>
+          <a:fontRef idx="minor">
+            <a:schemeClr val="lt1"/>
+          </a:fontRef>
+        </p:style>
+        <p:txBody>
+          <a:bodyPr rtlCol="0" anchor="ctr"/>
+          <a:lstStyle/>
+          <a:p>
+            <a:pPr algn="ctr"/>
+            <a:endParaRPr kumimoji="1" lang="en-US" sz="2400" dirty="0">
+              <a:latin typeface="Yu Gothic UI" panose="020B0500000000000000" pitchFamily="50" charset="-128"/>
+              <a:ea typeface="Yu Gothic UI" panose="020B0500000000000000" pitchFamily="50" charset="-128"/>
+            </a:endParaRPr>
+          </a:p>
+        </p:txBody>
+      </p:sp>
+      <p:pic>
+        <p:nvPicPr>
+          <p:cNvPr id="141" name="グラフィックス 140">
+            <a:extLst>
+              <a:ext uri="{FF2B5EF4-FFF2-40B4-BE49-F238E27FC236}">
+                <a16:creationId xmlns:a16="http://schemas.microsoft.com/office/drawing/2014/main" id="{1F1865C4-C5B5-1AAD-265B-E57C0C18CF93}"/>
+              </a:ext>
+            </a:extLst>
+          </p:cNvPr>
+          <p:cNvPicPr>
+            <a:picLocks noChangeAspect="1"/>
+          </p:cNvPicPr>
+          <p:nvPr/>
+        </p:nvPicPr>
+        <p:blipFill>
+          <a:blip r:embed="rId2">
+            <a:extLst>
+              <a:ext uri="{28A0092B-C50C-407E-A947-70E740481C1C}">
+                <a14:useLocalDpi xmlns:a14="http://schemas.microsoft.com/office/drawing/2010/main" val="0"/>
+              </a:ext>
+              <a:ext uri="{96DAC541-7B7A-43D3-8B79-37D633B846F1}">
+                <asvg:svgBlip xmlns:asvg="http://schemas.microsoft.com/office/drawing/2016/SVG/main" r:embed="rId3"/>
+              </a:ext>
+            </a:extLst>
+          </a:blip>
+          <a:stretch>
+            <a:fillRect/>
+          </a:stretch>
+        </p:blipFill>
+        <p:spPr>
+          <a:xfrm>
+            <a:off x="3068153" y="4203529"/>
+            <a:ext cx="171450" cy="171450"/>
+          </a:xfrm>
+          <a:prstGeom prst="rect">
+            <a:avLst/>
+          </a:prstGeom>
+        </p:spPr>
+      </p:pic>
+      <p:sp>
+        <p:nvSpPr>
+          <p:cNvPr id="142" name="テキスト ボックス 141">
+            <a:extLst>
+              <a:ext uri="{FF2B5EF4-FFF2-40B4-BE49-F238E27FC236}">
+                <a16:creationId xmlns:a16="http://schemas.microsoft.com/office/drawing/2014/main" id="{1531C23A-DFA0-7C4F-B2A1-511AB84AD5F3}"/>
+              </a:ext>
+            </a:extLst>
+          </p:cNvPr>
+          <p:cNvSpPr txBox="1"/>
+          <p:nvPr/>
+        </p:nvSpPr>
+        <p:spPr>
+          <a:xfrm>
+            <a:off x="3248179" y="4202990"/>
+            <a:ext cx="691109" cy="123111"/>
+          </a:xfrm>
+          <a:prstGeom prst="rect">
+            <a:avLst/>
+          </a:prstGeom>
+          <a:noFill/>
+        </p:spPr>
+        <p:txBody>
+          <a:bodyPr wrap="square" lIns="0" tIns="0" rIns="0" bIns="0" rtlCol="0">
+            <a:spAutoFit/>
+          </a:bodyPr>
+          <a:lstStyle/>
+          <a:p>
+            <a:r>
+              <a:rPr lang="ja-JP" altLang="en-US" sz="800" dirty="0">
+                <a:latin typeface="Yu Gothic UI" panose="020B0500000000000000" pitchFamily="50" charset="-128"/>
+                <a:ea typeface="Yu Gothic UI" panose="020B0500000000000000" pitchFamily="50" charset="-128"/>
+              </a:rPr>
+              <a:t>サブネット</a:t>
+            </a:r>
+            <a:endParaRPr kumimoji="1" lang="en-US" sz="800" dirty="0">
+              <a:latin typeface="Yu Gothic UI" panose="020B0500000000000000" pitchFamily="50" charset="-128"/>
+              <a:ea typeface="Yu Gothic UI" panose="020B0500000000000000" pitchFamily="50" charset="-128"/>
+            </a:endParaRPr>
+          </a:p>
+        </p:txBody>
+      </p:sp>
+      <p:pic>
+        <p:nvPicPr>
+          <p:cNvPr id="143" name="グラフィックス 142">
+            <a:extLst>
+              <a:ext uri="{FF2B5EF4-FFF2-40B4-BE49-F238E27FC236}">
+                <a16:creationId xmlns:a16="http://schemas.microsoft.com/office/drawing/2014/main" id="{25FE66E6-1E44-A746-326B-3749CB420203}"/>
+              </a:ext>
+            </a:extLst>
+          </p:cNvPr>
+          <p:cNvPicPr>
+            <a:picLocks noChangeAspect="1"/>
+          </p:cNvPicPr>
+          <p:nvPr/>
+        </p:nvPicPr>
+        <p:blipFill>
+          <a:blip r:embed="rId4">
+            <a:extLst>
+              <a:ext uri="{28A0092B-C50C-407E-A947-70E740481C1C}">
+                <a14:useLocalDpi xmlns:a14="http://schemas.microsoft.com/office/drawing/2010/main" val="0"/>
+              </a:ext>
+              <a:ext uri="{96DAC541-7B7A-43D3-8B79-37D633B846F1}">
+                <asvg:svgBlip xmlns:asvg="http://schemas.microsoft.com/office/drawing/2016/SVG/main" r:embed="rId5"/>
+              </a:ext>
+            </a:extLst>
+          </a:blip>
+          <a:stretch>
+            <a:fillRect/>
+          </a:stretch>
+        </p:blipFill>
+        <p:spPr>
+          <a:xfrm>
+            <a:off x="3266786" y="4498462"/>
+            <a:ext cx="270044" cy="270044"/>
+          </a:xfrm>
+          <a:prstGeom prst="rect">
+            <a:avLst/>
+          </a:prstGeom>
+        </p:spPr>
+      </p:pic>
+      <p:sp>
+        <p:nvSpPr>
+          <p:cNvPr id="144" name="テキスト ボックス 143">
+            <a:extLst>
+              <a:ext uri="{FF2B5EF4-FFF2-40B4-BE49-F238E27FC236}">
+                <a16:creationId xmlns:a16="http://schemas.microsoft.com/office/drawing/2014/main" id="{76209164-96F5-42A4-58DD-6BB33BF79E04}"/>
+              </a:ext>
+            </a:extLst>
+          </p:cNvPr>
+          <p:cNvSpPr txBox="1"/>
+          <p:nvPr/>
+        </p:nvSpPr>
+        <p:spPr>
+          <a:xfrm>
+            <a:off x="3098732" y="4817250"/>
+            <a:ext cx="638713" cy="246221"/>
+          </a:xfrm>
+          <a:prstGeom prst="rect">
+            <a:avLst/>
+          </a:prstGeom>
+          <a:noFill/>
+        </p:spPr>
+        <p:txBody>
+          <a:bodyPr wrap="square" lIns="0" tIns="0" rIns="0" bIns="0" rtlCol="0">
+            <a:spAutoFit/>
+          </a:bodyPr>
+          <a:lstStyle/>
+          <a:p>
+            <a:pPr algn="ctr"/>
+            <a:r>
+              <a:rPr kumimoji="1" lang="en-US" altLang="ja-JP" sz="800" dirty="0">
+                <a:latin typeface="Yu Gothic UI" panose="020B0500000000000000" pitchFamily="50" charset="-128"/>
+                <a:ea typeface="Yu Gothic UI" panose="020B0500000000000000" pitchFamily="50" charset="-128"/>
+              </a:rPr>
+              <a:t>vmiis01</a:t>
+            </a:r>
+          </a:p>
+          <a:p>
+            <a:pPr algn="ctr"/>
+            <a:r>
+              <a:rPr kumimoji="1" lang="en-US" altLang="ja-JP" sz="800" dirty="0">
+                <a:latin typeface="Yu Gothic UI" panose="020B0500000000000000" pitchFamily="50" charset="-128"/>
+                <a:ea typeface="Yu Gothic UI" panose="020B0500000000000000" pitchFamily="50" charset="-128"/>
+              </a:rPr>
+              <a:t>(</a:t>
+            </a:r>
+            <a:r>
+              <a:rPr kumimoji="1" lang="ja-JP" altLang="en-US" sz="800" dirty="0">
+                <a:latin typeface="Yu Gothic UI" panose="020B0500000000000000" pitchFamily="50" charset="-128"/>
+                <a:ea typeface="Yu Gothic UI" panose="020B0500000000000000" pitchFamily="50" charset="-128"/>
+              </a:rPr>
+              <a:t>仮想マシン</a:t>
+            </a:r>
+            <a:r>
+              <a:rPr kumimoji="1" lang="en-US" altLang="ja-JP" sz="800" dirty="0">
+                <a:latin typeface="Yu Gothic UI" panose="020B0500000000000000" pitchFamily="50" charset="-128"/>
+                <a:ea typeface="Yu Gothic UI" panose="020B0500000000000000" pitchFamily="50" charset="-128"/>
+              </a:rPr>
+              <a:t>)</a:t>
+            </a:r>
+            <a:endParaRPr kumimoji="1" lang="en-US" sz="800" dirty="0">
+              <a:latin typeface="Yu Gothic UI" panose="020B0500000000000000" pitchFamily="50" charset="-128"/>
+              <a:ea typeface="Yu Gothic UI" panose="020B0500000000000000" pitchFamily="50" charset="-128"/>
+            </a:endParaRPr>
+          </a:p>
+        </p:txBody>
+      </p:sp>
+      <p:cxnSp>
+        <p:nvCxnSpPr>
+          <p:cNvPr id="151" name="直線コネクタ 150">
+            <a:extLst>
+              <a:ext uri="{FF2B5EF4-FFF2-40B4-BE49-F238E27FC236}">
+                <a16:creationId xmlns:a16="http://schemas.microsoft.com/office/drawing/2014/main" id="{D61C8899-5AA9-0958-0E2B-5DFA73996448}"/>
+              </a:ext>
+            </a:extLst>
+          </p:cNvPr>
+          <p:cNvCxnSpPr>
+            <a:cxnSpLocks/>
+            <a:stCxn id="109" idx="3"/>
+          </p:cNvCxnSpPr>
+          <p:nvPr/>
+        </p:nvCxnSpPr>
+        <p:spPr>
+          <a:xfrm flipV="1">
+            <a:off x="1656033" y="4630994"/>
+            <a:ext cx="1398990" cy="6826"/>
+          </a:xfrm>
+          <a:prstGeom prst="line">
+            <a:avLst/>
+          </a:prstGeom>
+          <a:ln w="12700">
+            <a:solidFill>
+              <a:schemeClr val="accent5"/>
+            </a:solidFill>
+            <a:headEnd type="arrow" w="med" len="med"/>
+            <a:tailEnd type="arrow" w="med" len="med"/>
+          </a:ln>
+        </p:spPr>
+        <p:style>
+          <a:lnRef idx="1">
+            <a:schemeClr val="accent1"/>
+          </a:lnRef>
+          <a:fillRef idx="0">
+            <a:schemeClr val="accent1"/>
+          </a:fillRef>
+          <a:effectRef idx="0">
+            <a:schemeClr val="accent1"/>
+          </a:effectRef>
+          <a:fontRef idx="minor">
+            <a:schemeClr val="tx1"/>
+          </a:fontRef>
+        </p:style>
+      </p:cxnSp>
+      <p:sp>
+        <p:nvSpPr>
+          <p:cNvPr id="152" name="テキスト ボックス 151">
+            <a:extLst>
+              <a:ext uri="{FF2B5EF4-FFF2-40B4-BE49-F238E27FC236}">
+                <a16:creationId xmlns:a16="http://schemas.microsoft.com/office/drawing/2014/main" id="{E6C222F9-432A-6671-7AE9-9DA9209494E4}"/>
+              </a:ext>
+            </a:extLst>
+          </p:cNvPr>
+          <p:cNvSpPr txBox="1"/>
+          <p:nvPr/>
+        </p:nvSpPr>
+        <p:spPr>
+          <a:xfrm>
+            <a:off x="1830068" y="4291958"/>
+            <a:ext cx="686406" cy="253916"/>
+          </a:xfrm>
+          <a:prstGeom prst="rect">
+            <a:avLst/>
+          </a:prstGeom>
+          <a:solidFill>
+            <a:schemeClr val="bg1"/>
+          </a:solidFill>
+          <a:effectLst>
+            <a:glow rad="63500">
+              <a:schemeClr val="bg1"/>
+            </a:glow>
+          </a:effectLst>
+        </p:spPr>
+        <p:txBody>
+          <a:bodyPr wrap="none" rtlCol="0">
+            <a:spAutoFit/>
+          </a:bodyPr>
+          <a:lstStyle/>
+          <a:p>
+            <a:r>
+              <a:rPr kumimoji="1" lang="ja-JP" altLang="en-US" sz="1050" dirty="0">
+                <a:latin typeface="Yu Gothic UI" panose="020B0500000000000000" pitchFamily="50" charset="-128"/>
+                <a:ea typeface="Yu Gothic UI" panose="020B0500000000000000" pitchFamily="50" charset="-128"/>
+              </a:rPr>
+              <a:t>ピアリング</a:t>
+            </a:r>
+          </a:p>
+        </p:txBody>
+      </p:sp>
+      <p:pic>
+        <p:nvPicPr>
+          <p:cNvPr id="162" name="グラフィックス 161">
+            <a:extLst>
+              <a:ext uri="{FF2B5EF4-FFF2-40B4-BE49-F238E27FC236}">
+                <a16:creationId xmlns:a16="http://schemas.microsoft.com/office/drawing/2014/main" id="{F022F5D1-C599-528A-7EDC-8ED518FB58F9}"/>
+              </a:ext>
+            </a:extLst>
+          </p:cNvPr>
+          <p:cNvPicPr>
+            <a:picLocks noChangeAspect="1"/>
+          </p:cNvPicPr>
+          <p:nvPr/>
+        </p:nvPicPr>
+        <p:blipFill>
+          <a:blip r:embed="rId14">
+            <a:extLst>
+              <a:ext uri="{28A0092B-C50C-407E-A947-70E740481C1C}">
+                <a14:useLocalDpi xmlns:a14="http://schemas.microsoft.com/office/drawing/2010/main" val="0"/>
+              </a:ext>
+              <a:ext uri="{96DAC541-7B7A-43D3-8B79-37D633B846F1}">
+                <asvg:svgBlip xmlns:asvg="http://schemas.microsoft.com/office/drawing/2016/SVG/main" r:embed="rId15"/>
+              </a:ext>
+            </a:extLst>
+          </a:blip>
+          <a:stretch>
+            <a:fillRect/>
+          </a:stretch>
+        </p:blipFill>
+        <p:spPr>
+          <a:xfrm>
+            <a:off x="3572243" y="4510198"/>
+            <a:ext cx="171450" cy="171450"/>
+          </a:xfrm>
+          <a:prstGeom prst="rect">
+            <a:avLst/>
+          </a:prstGeom>
+        </p:spPr>
+      </p:pic>
+      <p:graphicFrame>
+        <p:nvGraphicFramePr>
+          <p:cNvPr id="167" name="表 167">
+            <a:extLst>
+              <a:ext uri="{FF2B5EF4-FFF2-40B4-BE49-F238E27FC236}">
+                <a16:creationId xmlns:a16="http://schemas.microsoft.com/office/drawing/2014/main" id="{60DE6041-85E5-E38C-93C2-B4E410744AD7}"/>
+              </a:ext>
+            </a:extLst>
+          </p:cNvPr>
+          <p:cNvGraphicFramePr>
+            <a:graphicFrameLocks noGrp="1"/>
+          </p:cNvGraphicFramePr>
+          <p:nvPr/>
+        </p:nvGraphicFramePr>
+        <p:xfrm>
+          <a:off x="2032000" y="719666"/>
+          <a:ext cx="8127999" cy="1483360"/>
+        </p:xfrm>
+        <a:graphic>
+          <a:graphicData uri="http://schemas.openxmlformats.org/drawingml/2006/table">
+            <a:tbl>
+              <a:tblPr firstRow="1" bandRow="1">
+                <a:tableStyleId>{5C22544A-7EE6-4342-B048-85BDC9FD1C3A}</a:tableStyleId>
+              </a:tblPr>
+              <a:tblGrid>
+                <a:gridCol w="2709333">
+                  <a:extLst>
+                    <a:ext uri="{9D8B030D-6E8A-4147-A177-3AD203B41FA5}">
+                      <a16:colId xmlns:a16="http://schemas.microsoft.com/office/drawing/2014/main" val="2728234996"/>
+                    </a:ext>
+                  </a:extLst>
+                </a:gridCol>
+                <a:gridCol w="2709333">
+                  <a:extLst>
+                    <a:ext uri="{9D8B030D-6E8A-4147-A177-3AD203B41FA5}">
+                      <a16:colId xmlns:a16="http://schemas.microsoft.com/office/drawing/2014/main" val="1387485363"/>
+                    </a:ext>
+                  </a:extLst>
+                </a:gridCol>
+                <a:gridCol w="2709333">
+                  <a:extLst>
+                    <a:ext uri="{9D8B030D-6E8A-4147-A177-3AD203B41FA5}">
+                      <a16:colId xmlns:a16="http://schemas.microsoft.com/office/drawing/2014/main" val="703667540"/>
+                    </a:ext>
+                  </a:extLst>
+                </a:gridCol>
+              </a:tblGrid>
+              <a:tr h="370840">
+                <a:tc>
+                  <a:txBody>
+                    <a:bodyPr/>
+                    <a:lstStyle/>
+                    <a:p>
+                      <a:endParaRPr kumimoji="1" lang="ja-JP" altLang="en-US"/>
+                    </a:p>
+                  </a:txBody>
+                  <a:tcPr/>
+                </a:tc>
+                <a:tc>
+                  <a:txBody>
+                    <a:bodyPr/>
+                    <a:lstStyle/>
+                    <a:p>
+                      <a:endParaRPr kumimoji="1" lang="ja-JP" altLang="en-US"/>
+                    </a:p>
+                  </a:txBody>
+                  <a:tcPr/>
+                </a:tc>
+                <a:tc>
+                  <a:txBody>
+                    <a:bodyPr/>
+                    <a:lstStyle/>
+                    <a:p>
+                      <a:endParaRPr kumimoji="1" lang="ja-JP" altLang="en-US"/>
+                    </a:p>
+                  </a:txBody>
+                  <a:tcPr/>
+                </a:tc>
+                <a:extLst>
+                  <a:ext uri="{0D108BD9-81ED-4DB2-BD59-A6C34878D82A}">
+                    <a16:rowId xmlns:a16="http://schemas.microsoft.com/office/drawing/2014/main" val="3407622243"/>
+                  </a:ext>
+                </a:extLst>
+              </a:tr>
+              <a:tr h="370840">
+                <a:tc>
+                  <a:txBody>
+                    <a:bodyPr/>
+                    <a:lstStyle/>
+                    <a:p>
+                      <a:endParaRPr kumimoji="1" lang="ja-JP" altLang="en-US"/>
+                    </a:p>
+                  </a:txBody>
+                  <a:tcPr/>
+                </a:tc>
+                <a:tc>
+                  <a:txBody>
+                    <a:bodyPr/>
+                    <a:lstStyle/>
+                    <a:p>
+                      <a:endParaRPr kumimoji="1" lang="ja-JP" altLang="en-US"/>
+                    </a:p>
+                  </a:txBody>
+                  <a:tcPr/>
+                </a:tc>
+                <a:tc>
+                  <a:txBody>
+                    <a:bodyPr/>
+                    <a:lstStyle/>
+                    <a:p>
+                      <a:endParaRPr kumimoji="1" lang="ja-JP" altLang="en-US"/>
+                    </a:p>
+                  </a:txBody>
+                  <a:tcPr/>
+                </a:tc>
+                <a:extLst>
+                  <a:ext uri="{0D108BD9-81ED-4DB2-BD59-A6C34878D82A}">
+                    <a16:rowId xmlns:a16="http://schemas.microsoft.com/office/drawing/2014/main" val="900501855"/>
+                  </a:ext>
+                </a:extLst>
+              </a:tr>
+              <a:tr h="370840">
+                <a:tc>
+                  <a:txBody>
+                    <a:bodyPr/>
+                    <a:lstStyle/>
+                    <a:p>
+                      <a:endParaRPr kumimoji="1" lang="ja-JP" altLang="en-US"/>
+                    </a:p>
+                  </a:txBody>
+                  <a:tcPr/>
+                </a:tc>
+                <a:tc>
+                  <a:txBody>
+                    <a:bodyPr/>
+                    <a:lstStyle/>
+                    <a:p>
+                      <a:endParaRPr kumimoji="1" lang="ja-JP" altLang="en-US"/>
+                    </a:p>
+                  </a:txBody>
+                  <a:tcPr/>
+                </a:tc>
+                <a:tc>
+                  <a:txBody>
+                    <a:bodyPr/>
+                    <a:lstStyle/>
+                    <a:p>
+                      <a:endParaRPr kumimoji="1" lang="ja-JP" altLang="en-US"/>
+                    </a:p>
+                  </a:txBody>
+                  <a:tcPr/>
+                </a:tc>
+                <a:extLst>
+                  <a:ext uri="{0D108BD9-81ED-4DB2-BD59-A6C34878D82A}">
+                    <a16:rowId xmlns:a16="http://schemas.microsoft.com/office/drawing/2014/main" val="3351327653"/>
+                  </a:ext>
+                </a:extLst>
+              </a:tr>
+              <a:tr h="370840">
+                <a:tc>
+                  <a:txBody>
+                    <a:bodyPr/>
+                    <a:lstStyle/>
+                    <a:p>
+                      <a:endParaRPr kumimoji="1" lang="ja-JP" altLang="en-US"/>
+                    </a:p>
+                  </a:txBody>
+                  <a:tcPr/>
+                </a:tc>
+                <a:tc>
+                  <a:txBody>
+                    <a:bodyPr/>
+                    <a:lstStyle/>
+                    <a:p>
+                      <a:endParaRPr kumimoji="1" lang="ja-JP" altLang="en-US"/>
+                    </a:p>
+                  </a:txBody>
+                  <a:tcPr/>
+                </a:tc>
+                <a:tc>
+                  <a:txBody>
+                    <a:bodyPr/>
+                    <a:lstStyle/>
+                    <a:p>
+                      <a:endParaRPr kumimoji="1" lang="ja-JP" altLang="en-US" dirty="0"/>
+                    </a:p>
+                  </a:txBody>
+                  <a:tcPr/>
+                </a:tc>
+                <a:extLst>
+                  <a:ext uri="{0D108BD9-81ED-4DB2-BD59-A6C34878D82A}">
+                    <a16:rowId xmlns:a16="http://schemas.microsoft.com/office/drawing/2014/main" val="205855114"/>
+                  </a:ext>
+                </a:extLst>
+              </a:tr>
+            </a:tbl>
+          </a:graphicData>
+        </a:graphic>
+      </p:graphicFrame>
+    </p:spTree>
+    <p:extLst>
+      <p:ext uri="{BB962C8B-B14F-4D97-AF65-F5344CB8AC3E}">
+        <p14:creationId xmlns:p14="http://schemas.microsoft.com/office/powerpoint/2010/main" val="804475131"/>
+      </p:ext>
+    </p:extLst>
+  </p:cSld>
+  <p:clrMapOvr>
+    <a:masterClrMapping/>
+  </p:clrMapOvr>
+</p:sld>
+</file>
+
+<file path=ppt/slides/slide5.xml><?xml version="1.0" encoding="utf-8"?>
+<p:sld xmlns:a="http://schemas.openxmlformats.org/drawingml/2006/main" xmlns:r="http://schemas.openxmlformats.org/officeDocument/2006/relationships" xmlns:p="http://schemas.openxmlformats.org/presentationml/2006/main">
+  <p:cSld>
+    <p:spTree>
+      <p:nvGrpSpPr>
+        <p:cNvPr id="1" name=""/>
+        <p:cNvGrpSpPr/>
+        <p:nvPr/>
+      </p:nvGrpSpPr>
+      <p:grpSpPr>
+        <a:xfrm>
+          <a:off x="0" y="0"/>
+          <a:ext cx="0" cy="0"/>
+          <a:chOff x="0" y="0"/>
+          <a:chExt cx="0" cy="0"/>
+        </a:xfrm>
+      </p:grpSpPr>
+    </p:spTree>
+    <p:extLst>
+      <p:ext uri="{BB962C8B-B14F-4D97-AF65-F5344CB8AC3E}">
+        <p14:creationId xmlns:p14="http://schemas.microsoft.com/office/powerpoint/2010/main" val="1616462570"/>
+      </p:ext>
+    </p:extLst>
+  </p:cSld>
+  <p:clrMapOvr>
+    <a:masterClrMapping/>
+  </p:clrMapOvr>
+</p:sld>
+</file>
+
 <file path=ppt/theme/theme1.xml><?xml version="1.0" encoding="utf-8"?>
 <a:theme xmlns:a="http://schemas.openxmlformats.org/drawingml/2006/main" name="Office テーマ">
   <a:themeElements>

--- a/FTALive/Networking/images/figure.pptx
+++ b/FTALive/Networking/images/figure.pptx
@@ -26645,7 +26645,7 @@
         </p:nvSpPr>
         <p:spPr>
           <a:xfrm>
-            <a:off x="8067823" y="5173094"/>
+            <a:off x="8067823" y="2821780"/>
             <a:ext cx="2258961" cy="905972"/>
           </a:xfrm>
           <a:prstGeom prst="ellipse">
@@ -26700,7 +26700,7 @@
         </p:nvSpPr>
         <p:spPr>
           <a:xfrm>
-            <a:off x="8067824" y="2665112"/>
+            <a:off x="8067824" y="313798"/>
             <a:ext cx="2258961" cy="2429774"/>
           </a:xfrm>
           <a:prstGeom prst="ellipse">
@@ -29358,7 +29358,7 @@
         </p:blipFill>
         <p:spPr>
           <a:xfrm>
-            <a:off x="6840842" y="2953115"/>
+            <a:off x="6840842" y="601801"/>
             <a:ext cx="618200" cy="618200"/>
           </a:xfrm>
           <a:prstGeom prst="rect">
@@ -29380,7 +29380,7 @@
         </p:nvSpPr>
         <p:spPr>
           <a:xfrm>
-            <a:off x="10456196" y="2661696"/>
+            <a:off x="10456196" y="310382"/>
             <a:ext cx="1263079" cy="3369085"/>
           </a:xfrm>
           <a:prstGeom prst="rect">
@@ -29435,7 +29435,7 @@
         </p:nvGrpSpPr>
         <p:grpSpPr>
           <a:xfrm>
-            <a:off x="10404607" y="2476697"/>
+            <a:off x="10404607" y="125383"/>
             <a:ext cx="281657" cy="161721"/>
             <a:chOff x="7545388" y="5762626"/>
             <a:chExt cx="577850" cy="331788"/>
@@ -30148,7 +30148,7 @@
         </p:nvSpPr>
         <p:spPr>
           <a:xfrm>
-            <a:off x="10727093" y="2500995"/>
+            <a:off x="10727093" y="149681"/>
             <a:ext cx="852344" cy="153888"/>
           </a:xfrm>
           <a:prstGeom prst="rect">
@@ -30190,7 +30190,7 @@
         </p:nvSpPr>
         <p:spPr>
           <a:xfrm>
-            <a:off x="6480339" y="3961367"/>
+            <a:off x="6480339" y="1610053"/>
             <a:ext cx="1375857" cy="2069414"/>
           </a:xfrm>
           <a:prstGeom prst="rect">
@@ -30262,7 +30262,7 @@
         </p:blipFill>
         <p:spPr>
           <a:xfrm>
-            <a:off x="6944525" y="4744204"/>
+            <a:off x="6944525" y="2392890"/>
             <a:ext cx="514517" cy="514517"/>
           </a:xfrm>
           <a:prstGeom prst="rect">
@@ -30284,7 +30284,7 @@
         </p:nvGrpSpPr>
         <p:grpSpPr>
           <a:xfrm>
-            <a:off x="8779016" y="3162347"/>
+            <a:off x="8779016" y="811033"/>
             <a:ext cx="914400" cy="957293"/>
             <a:chOff x="4948854" y="175467"/>
             <a:chExt cx="914400" cy="957293"/>
@@ -30394,7 +30394,7 @@
         </p:nvCxnSpPr>
         <p:spPr>
           <a:xfrm flipH="1">
-            <a:off x="7584885" y="3224046"/>
+            <a:off x="7584885" y="872732"/>
             <a:ext cx="3101379" cy="0"/>
           </a:xfrm>
           <a:prstGeom prst="line">
@@ -30439,7 +30439,7 @@
         </p:nvCxnSpPr>
         <p:spPr>
           <a:xfrm flipH="1">
-            <a:off x="7584885" y="4471338"/>
+            <a:off x="7584885" y="2120024"/>
             <a:ext cx="3101379" cy="0"/>
           </a:xfrm>
           <a:prstGeom prst="line">
@@ -30484,7 +30484,7 @@
         </p:nvCxnSpPr>
         <p:spPr>
           <a:xfrm flipH="1">
-            <a:off x="7584885" y="5533222"/>
+            <a:off x="7584885" y="3181908"/>
             <a:ext cx="3101379" cy="0"/>
           </a:xfrm>
           <a:prstGeom prst="line">
@@ -30527,7 +30527,7 @@
         </p:nvSpPr>
         <p:spPr>
           <a:xfrm>
-            <a:off x="8571610" y="2976876"/>
+            <a:off x="8571610" y="625562"/>
             <a:ext cx="1329210" cy="261610"/>
           </a:xfrm>
           <a:prstGeom prst="rect">
@@ -30569,7 +30569,7 @@
         </p:nvSpPr>
         <p:spPr>
           <a:xfrm>
-            <a:off x="8655340" y="4194767"/>
+            <a:off x="8655340" y="1843453"/>
             <a:ext cx="1233030" cy="261610"/>
           </a:xfrm>
           <a:prstGeom prst="rect">
@@ -30611,7 +30611,7 @@
         </p:nvSpPr>
         <p:spPr>
           <a:xfrm>
-            <a:off x="8486223" y="5547967"/>
+            <a:off x="8486223" y="3196653"/>
             <a:ext cx="1479892" cy="430887"/>
           </a:xfrm>
           <a:prstGeom prst="rect">
@@ -30678,7 +30678,7 @@
         </p:nvSpPr>
         <p:spPr>
           <a:xfrm>
-            <a:off x="8270619" y="5306809"/>
+            <a:off x="8270619" y="2955495"/>
             <a:ext cx="1970411" cy="261610"/>
           </a:xfrm>
           <a:prstGeom prst="rect">
@@ -30719,7 +30719,7 @@
         </p:nvSpPr>
         <p:spPr>
           <a:xfrm>
-            <a:off x="6842945" y="3577734"/>
+            <a:off x="6842945" y="1226420"/>
             <a:ext cx="615874" cy="261610"/>
           </a:xfrm>
           <a:prstGeom prst="rect">
@@ -30754,7 +30754,7 @@
         </p:nvSpPr>
         <p:spPr>
           <a:xfrm>
-            <a:off x="6800537" y="5437614"/>
+            <a:off x="6800537" y="3086300"/>
             <a:ext cx="795411" cy="261610"/>
           </a:xfrm>
           <a:prstGeom prst="rect">
@@ -30789,8 +30789,8 @@
         </p:nvSpPr>
         <p:spPr>
           <a:xfrm>
-            <a:off x="244458" y="4101330"/>
-            <a:ext cx="1411575" cy="1072979"/>
+            <a:off x="1227591" y="4335499"/>
+            <a:ext cx="1411575" cy="1416371"/>
           </a:xfrm>
           <a:prstGeom prst="rect">
             <a:avLst/>
@@ -30844,7 +30844,7 @@
         </p:nvGrpSpPr>
         <p:grpSpPr>
           <a:xfrm>
-            <a:off x="192868" y="3916331"/>
+            <a:off x="1176001" y="4150501"/>
             <a:ext cx="281657" cy="161721"/>
             <a:chOff x="7545388" y="5762626"/>
             <a:chExt cx="577850" cy="331788"/>
@@ -31557,7 +31557,7 @@
         </p:nvSpPr>
         <p:spPr>
           <a:xfrm>
-            <a:off x="510893" y="3934855"/>
+            <a:off x="1494026" y="4169025"/>
             <a:ext cx="914400" cy="123111"/>
           </a:xfrm>
           <a:prstGeom prst="rect">
@@ -31620,8 +31620,8 @@
         </p:nvSpPr>
         <p:spPr>
           <a:xfrm>
-            <a:off x="477022" y="4374979"/>
-            <a:ext cx="928608" cy="757414"/>
+            <a:off x="1460155" y="4609149"/>
+            <a:ext cx="928608" cy="1112410"/>
           </a:xfrm>
           <a:prstGeom prst="rect">
             <a:avLst/>
@@ -31695,7 +31695,7 @@
         </p:blipFill>
         <p:spPr>
           <a:xfrm>
-            <a:off x="330759" y="4203529"/>
+            <a:off x="1313892" y="4437699"/>
             <a:ext cx="171450" cy="171450"/>
           </a:xfrm>
           <a:prstGeom prst="rect">
@@ -31717,7 +31717,7 @@
         </p:nvSpPr>
         <p:spPr>
           <a:xfrm>
-            <a:off x="520221" y="4224600"/>
+            <a:off x="1503354" y="4458770"/>
             <a:ext cx="1067614" cy="123111"/>
           </a:xfrm>
           <a:prstGeom prst="rect">
@@ -31783,7 +31783,7 @@
         </p:blipFill>
         <p:spPr>
           <a:xfrm>
-            <a:off x="848893" y="4447260"/>
+            <a:off x="1773137" y="4689436"/>
             <a:ext cx="261390" cy="261390"/>
           </a:xfrm>
           <a:prstGeom prst="rect">
@@ -31805,7 +31805,7 @@
         </p:nvSpPr>
         <p:spPr>
           <a:xfrm>
-            <a:off x="469107" y="4802768"/>
+            <a:off x="1452240" y="5036938"/>
             <a:ext cx="932215" cy="123111"/>
           </a:xfrm>
           <a:prstGeom prst="rect">
@@ -31848,8 +31848,8 @@
         </p:nvSpPr>
         <p:spPr>
           <a:xfrm>
-            <a:off x="3030758" y="4101330"/>
-            <a:ext cx="1967715" cy="1084273"/>
+            <a:off x="3489593" y="3899583"/>
+            <a:ext cx="1967715" cy="1178593"/>
           </a:xfrm>
           <a:prstGeom prst="rect">
             <a:avLst/>
@@ -31903,7 +31903,7 @@
         </p:nvGrpSpPr>
         <p:grpSpPr>
           <a:xfrm>
-            <a:off x="2979168" y="3916331"/>
+            <a:off x="3438003" y="3714584"/>
             <a:ext cx="281657" cy="161721"/>
             <a:chOff x="7545388" y="5762626"/>
             <a:chExt cx="577850" cy="331788"/>
@@ -32616,7 +32616,7 @@
         </p:nvSpPr>
         <p:spPr>
           <a:xfrm>
-            <a:off x="3297193" y="3930860"/>
+            <a:off x="3756028" y="3729113"/>
             <a:ext cx="1233451" cy="123111"/>
           </a:xfrm>
           <a:prstGeom prst="rect">
@@ -32679,7 +32679,7 @@
         </p:nvSpPr>
         <p:spPr>
           <a:xfrm>
-            <a:off x="3091494" y="4374979"/>
+            <a:off x="3550329" y="4173232"/>
             <a:ext cx="611025" cy="757414"/>
           </a:xfrm>
           <a:prstGeom prst="rect">
@@ -32754,7 +32754,7 @@
         </p:blipFill>
         <p:spPr>
           <a:xfrm>
-            <a:off x="3068153" y="4203529"/>
+            <a:off x="3526988" y="4001782"/>
             <a:ext cx="171450" cy="171450"/>
           </a:xfrm>
           <a:prstGeom prst="rect">
@@ -32776,7 +32776,7 @@
         </p:nvSpPr>
         <p:spPr>
           <a:xfrm>
-            <a:off x="3248179" y="4202990"/>
+            <a:off x="3707014" y="4001243"/>
             <a:ext cx="691109" cy="123111"/>
           </a:xfrm>
           <a:prstGeom prst="rect">
@@ -32835,7 +32835,7 @@
         </p:blipFill>
         <p:spPr>
           <a:xfrm>
-            <a:off x="3266786" y="4498462"/>
+            <a:off x="3725621" y="4296715"/>
             <a:ext cx="270044" cy="270044"/>
           </a:xfrm>
           <a:prstGeom prst="rect">
@@ -32857,8 +32857,8 @@
         </p:nvSpPr>
         <p:spPr>
           <a:xfrm>
-            <a:off x="3098732" y="4817250"/>
-            <a:ext cx="638713" cy="246221"/>
+            <a:off x="3557567" y="4615503"/>
+            <a:ext cx="638713" cy="123111"/>
           </a:xfrm>
           <a:prstGeom prst="rect">
             <a:avLst/>
@@ -32873,35 +32873,11 @@
           <a:p>
             <a:pPr algn="ctr"/>
             <a:r>
-              <a:rPr kumimoji="1" lang="en-US" altLang="ja-JP" sz="800" dirty="0">
-                <a:latin typeface="Yu Gothic UI" panose="020B0500000000000000" pitchFamily="50" charset="-128"/>
-                <a:ea typeface="Yu Gothic UI" panose="020B0500000000000000" pitchFamily="50" charset="-128"/>
-              </a:rPr>
-              <a:t>vmiis01</a:t>
-            </a:r>
-          </a:p>
-          <a:p>
-            <a:pPr algn="ctr"/>
-            <a:r>
-              <a:rPr kumimoji="1" lang="en-US" altLang="ja-JP" sz="800" dirty="0">
-                <a:latin typeface="Yu Gothic UI" panose="020B0500000000000000" pitchFamily="50" charset="-128"/>
-                <a:ea typeface="Yu Gothic UI" panose="020B0500000000000000" pitchFamily="50" charset="-128"/>
-              </a:rPr>
-              <a:t>(</a:t>
-            </a:r>
-            <a:r>
               <a:rPr kumimoji="1" lang="ja-JP" altLang="en-US" sz="800" dirty="0">
                 <a:latin typeface="Yu Gothic UI" panose="020B0500000000000000" pitchFamily="50" charset="-128"/>
                 <a:ea typeface="Yu Gothic UI" panose="020B0500000000000000" pitchFamily="50" charset="-128"/>
               </a:rPr>
               <a:t>仮想マシン</a:t>
-            </a:r>
-            <a:r>
-              <a:rPr kumimoji="1" lang="en-US" altLang="ja-JP" sz="800" dirty="0">
-                <a:latin typeface="Yu Gothic UI" panose="020B0500000000000000" pitchFamily="50" charset="-128"/>
-                <a:ea typeface="Yu Gothic UI" panose="020B0500000000000000" pitchFamily="50" charset="-128"/>
-              </a:rPr>
-              <a:t>)</a:t>
             </a:r>
             <a:endParaRPr kumimoji="1" lang="en-US" sz="800" dirty="0">
               <a:latin typeface="Yu Gothic UI" panose="020B0500000000000000" pitchFamily="50" charset="-128"/>
@@ -32922,13 +32898,459 @@
           <p:cNvCxnSpPr>
             <a:cxnSpLocks/>
             <a:stCxn id="109" idx="3"/>
+            <a:endCxn id="132" idx="1"/>
           </p:cNvCxnSpPr>
           <p:nvPr/>
         </p:nvCxnSpPr>
         <p:spPr>
           <a:xfrm flipV="1">
-            <a:off x="1656033" y="4630994"/>
-            <a:ext cx="1398990" cy="6826"/>
+            <a:off x="2639166" y="4488880"/>
+            <a:ext cx="850427" cy="554805"/>
+          </a:xfrm>
+          <a:prstGeom prst="line">
+            <a:avLst/>
+          </a:prstGeom>
+          <a:ln w="12700">
+            <a:solidFill>
+              <a:schemeClr val="accent5"/>
+            </a:solidFill>
+            <a:headEnd type="arrow" w="med" len="med"/>
+            <a:tailEnd type="arrow" w="med" len="med"/>
+          </a:ln>
+        </p:spPr>
+        <p:style>
+          <a:lnRef idx="1">
+            <a:schemeClr val="accent1"/>
+          </a:lnRef>
+          <a:fillRef idx="0">
+            <a:schemeClr val="accent1"/>
+          </a:fillRef>
+          <a:effectRef idx="0">
+            <a:schemeClr val="accent1"/>
+          </a:effectRef>
+          <a:fontRef idx="minor">
+            <a:schemeClr val="tx1"/>
+          </a:fontRef>
+        </p:style>
+      </p:cxnSp>
+      <p:graphicFrame>
+        <p:nvGraphicFramePr>
+          <p:cNvPr id="167" name="表 167">
+            <a:extLst>
+              <a:ext uri="{FF2B5EF4-FFF2-40B4-BE49-F238E27FC236}">
+                <a16:creationId xmlns:a16="http://schemas.microsoft.com/office/drawing/2014/main" id="{60DE6041-85E5-E38C-93C2-B4E410744AD7}"/>
+              </a:ext>
+            </a:extLst>
+          </p:cNvPr>
+          <p:cNvGraphicFramePr>
+            <a:graphicFrameLocks noGrp="1"/>
+          </p:cNvGraphicFramePr>
+          <p:nvPr>
+            <p:extLst>
+              <p:ext uri="{D42A27DB-BD31-4B8C-83A1-F6EECF244321}">
+                <p14:modId xmlns:p14="http://schemas.microsoft.com/office/powerpoint/2010/main" val="3212482120"/>
+              </p:ext>
+            </p:extLst>
+          </p:nvPr>
+        </p:nvGraphicFramePr>
+        <p:xfrm>
+          <a:off x="4193707" y="4405322"/>
+          <a:ext cx="2408884" cy="609600"/>
+        </p:xfrm>
+        <a:graphic>
+          <a:graphicData uri="http://schemas.openxmlformats.org/drawingml/2006/table">
+            <a:tbl>
+              <a:tblPr firstRow="1" bandRow="1">
+                <a:tableStyleId>{5C22544A-7EE6-4342-B048-85BDC9FD1C3A}</a:tableStyleId>
+              </a:tblPr>
+              <a:tblGrid>
+                <a:gridCol w="756243">
+                  <a:extLst>
+                    <a:ext uri="{9D8B030D-6E8A-4147-A177-3AD203B41FA5}">
+                      <a16:colId xmlns:a16="http://schemas.microsoft.com/office/drawing/2014/main" val="2728234996"/>
+                    </a:ext>
+                  </a:extLst>
+                </a:gridCol>
+                <a:gridCol w="756243">
+                  <a:extLst>
+                    <a:ext uri="{9D8B030D-6E8A-4147-A177-3AD203B41FA5}">
+                      <a16:colId xmlns:a16="http://schemas.microsoft.com/office/drawing/2014/main" val="1387485363"/>
+                    </a:ext>
+                  </a:extLst>
+                </a:gridCol>
+                <a:gridCol w="896398">
+                  <a:extLst>
+                    <a:ext uri="{9D8B030D-6E8A-4147-A177-3AD203B41FA5}">
+                      <a16:colId xmlns:a16="http://schemas.microsoft.com/office/drawing/2014/main" val="703667540"/>
+                    </a:ext>
+                  </a:extLst>
+                </a:gridCol>
+              </a:tblGrid>
+              <a:tr h="265823">
+                <a:tc>
+                  <a:txBody>
+                    <a:bodyPr/>
+                    <a:lstStyle/>
+                    <a:p>
+                      <a:r>
+                        <a:rPr kumimoji="1" lang="ja-JP" altLang="en-US" sz="700" dirty="0"/>
+                        <a:t>アドレス</a:t>
+                      </a:r>
+                      <a:endParaRPr kumimoji="1" lang="en-US" altLang="ja-JP" sz="700" dirty="0"/>
+                    </a:p>
+                    <a:p>
+                      <a:r>
+                        <a:rPr kumimoji="1" lang="ja-JP" altLang="en-US" sz="700" dirty="0"/>
+                        <a:t>プレフィックス</a:t>
+                      </a:r>
+                    </a:p>
+                  </a:txBody>
+                  <a:tcPr/>
+                </a:tc>
+                <a:tc>
+                  <a:txBody>
+                    <a:bodyPr/>
+                    <a:lstStyle/>
+                    <a:p>
+                      <a:r>
+                        <a:rPr kumimoji="1" lang="ja-JP" altLang="en-US" sz="700" dirty="0"/>
+                        <a:t>次ホップの種類</a:t>
+                      </a:r>
+                    </a:p>
+                  </a:txBody>
+                  <a:tcPr/>
+                </a:tc>
+                <a:tc>
+                  <a:txBody>
+                    <a:bodyPr/>
+                    <a:lstStyle/>
+                    <a:p>
+                      <a:r>
+                        <a:rPr kumimoji="1" lang="ja-JP" altLang="en-US" sz="700" dirty="0"/>
+                        <a:t>次ホップ </a:t>
+                      </a:r>
+                      <a:r>
+                        <a:rPr kumimoji="1" lang="en-US" altLang="ja-JP" sz="700" dirty="0"/>
+                        <a:t>IP </a:t>
+                      </a:r>
+                      <a:r>
+                        <a:rPr kumimoji="1" lang="ja-JP" altLang="en-US" sz="700" dirty="0"/>
+                        <a:t>アドレス</a:t>
+                      </a:r>
+                    </a:p>
+                  </a:txBody>
+                  <a:tcPr/>
+                </a:tc>
+                <a:extLst>
+                  <a:ext uri="{0D108BD9-81ED-4DB2-BD59-A6C34878D82A}">
+                    <a16:rowId xmlns:a16="http://schemas.microsoft.com/office/drawing/2014/main" val="3407622243"/>
+                  </a:ext>
+                </a:extLst>
+              </a:tr>
+              <a:tr h="265823">
+                <a:tc>
+                  <a:txBody>
+                    <a:bodyPr/>
+                    <a:lstStyle/>
+                    <a:p>
+                      <a:r>
+                        <a:rPr kumimoji="1" lang="en-US" altLang="ja-JP" sz="700" dirty="0"/>
+                        <a:t>0.0.0.0/0</a:t>
+                      </a:r>
+                      <a:endParaRPr kumimoji="1" lang="ja-JP" altLang="en-US" sz="700" dirty="0"/>
+                    </a:p>
+                  </a:txBody>
+                  <a:tcPr/>
+                </a:tc>
+                <a:tc>
+                  <a:txBody>
+                    <a:bodyPr/>
+                    <a:lstStyle/>
+                    <a:p>
+                      <a:r>
+                        <a:rPr kumimoji="1" lang="ja-JP" altLang="en-US" sz="700" dirty="0"/>
+                        <a:t>仮想アプライアンス</a:t>
+                      </a:r>
+                    </a:p>
+                  </a:txBody>
+                  <a:tcPr/>
+                </a:tc>
+                <a:tc>
+                  <a:txBody>
+                    <a:bodyPr/>
+                    <a:lstStyle/>
+                    <a:p>
+                      <a:r>
+                        <a:rPr kumimoji="1" lang="en-US" altLang="ja-JP" sz="700" dirty="0"/>
+                        <a:t>Azure Firewall </a:t>
+                      </a:r>
+                      <a:r>
+                        <a:rPr kumimoji="1" lang="ja-JP" altLang="en-US" sz="700" dirty="0"/>
+                        <a:t>の </a:t>
+                      </a:r>
+                      <a:r>
+                        <a:rPr kumimoji="1" lang="en-US" altLang="ja-JP" sz="700" dirty="0"/>
+                        <a:t>IP</a:t>
+                      </a:r>
+                      <a:r>
+                        <a:rPr kumimoji="1" lang="ja-JP" altLang="en-US" sz="700" dirty="0"/>
+                        <a:t>アドレス</a:t>
+                      </a:r>
+                    </a:p>
+                  </a:txBody>
+                  <a:tcPr/>
+                </a:tc>
+                <a:extLst>
+                  <a:ext uri="{0D108BD9-81ED-4DB2-BD59-A6C34878D82A}">
+                    <a16:rowId xmlns:a16="http://schemas.microsoft.com/office/drawing/2014/main" val="900501855"/>
+                  </a:ext>
+                </a:extLst>
+              </a:tr>
+            </a:tbl>
+          </a:graphicData>
+        </a:graphic>
+      </p:graphicFrame>
+      <p:pic>
+        <p:nvPicPr>
+          <p:cNvPr id="162" name="グラフィックス 161">
+            <a:extLst>
+              <a:ext uri="{FF2B5EF4-FFF2-40B4-BE49-F238E27FC236}">
+                <a16:creationId xmlns:a16="http://schemas.microsoft.com/office/drawing/2014/main" id="{F022F5D1-C599-528A-7EDC-8ED518FB58F9}"/>
+              </a:ext>
+            </a:extLst>
+          </p:cNvPr>
+          <p:cNvPicPr>
+            <a:picLocks noChangeAspect="1"/>
+          </p:cNvPicPr>
+          <p:nvPr/>
+        </p:nvPicPr>
+        <p:blipFill>
+          <a:blip r:embed="rId14">
+            <a:extLst>
+              <a:ext uri="{28A0092B-C50C-407E-A947-70E740481C1C}">
+                <a14:useLocalDpi xmlns:a14="http://schemas.microsoft.com/office/drawing/2010/main" val="0"/>
+              </a:ext>
+              <a:ext uri="{96DAC541-7B7A-43D3-8B79-37D633B846F1}">
+                <asvg:svgBlip xmlns:asvg="http://schemas.microsoft.com/office/drawing/2016/SVG/main" r:embed="rId15"/>
+              </a:ext>
+            </a:extLst>
+          </a:blip>
+          <a:stretch>
+            <a:fillRect/>
+          </a:stretch>
+        </p:blipFill>
+        <p:spPr>
+          <a:xfrm>
+            <a:off x="4096488" y="4211082"/>
+            <a:ext cx="171450" cy="171450"/>
+          </a:xfrm>
+          <a:prstGeom prst="rect">
+            <a:avLst/>
+          </a:prstGeom>
+        </p:spPr>
+      </p:pic>
+      <p:grpSp>
+        <p:nvGrpSpPr>
+          <p:cNvPr id="95" name="グループ化 94">
+            <a:extLst>
+              <a:ext uri="{FF2B5EF4-FFF2-40B4-BE49-F238E27FC236}">
+                <a16:creationId xmlns:a16="http://schemas.microsoft.com/office/drawing/2014/main" id="{FCBAD896-0BA6-8A57-8B79-B6840FB2AC80}"/>
+              </a:ext>
+            </a:extLst>
+          </p:cNvPr>
+          <p:cNvGrpSpPr/>
+          <p:nvPr/>
+        </p:nvGrpSpPr>
+        <p:grpSpPr>
+          <a:xfrm>
+            <a:off x="125373" y="4814438"/>
+            <a:ext cx="733268" cy="623724"/>
+            <a:chOff x="4723023" y="175467"/>
+            <a:chExt cx="1140231" cy="969891"/>
+          </a:xfrm>
+        </p:grpSpPr>
+        <p:pic>
+          <p:nvPicPr>
+            <p:cNvPr id="96" name="グラフィックス 95" descr="雲 枠線">
+              <a:extLst>
+                <a:ext uri="{FF2B5EF4-FFF2-40B4-BE49-F238E27FC236}">
+                  <a16:creationId xmlns:a16="http://schemas.microsoft.com/office/drawing/2014/main" id="{F8465972-FF02-1912-C0D9-215B6C320B14}"/>
+                </a:ext>
+              </a:extLst>
+            </p:cNvPr>
+            <p:cNvPicPr>
+              <a:picLocks noChangeAspect="1"/>
+            </p:cNvPicPr>
+            <p:nvPr/>
+          </p:nvPicPr>
+          <p:blipFill>
+            <a:blip r:embed="rId6">
+              <a:extLst>
+                <a:ext uri="{28A0092B-C50C-407E-A947-70E740481C1C}">
+                  <a14:useLocalDpi xmlns:a14="http://schemas.microsoft.com/office/drawing/2010/main" val="0"/>
+                </a:ext>
+                <a:ext uri="{96DAC541-7B7A-43D3-8B79-37D633B846F1}">
+                  <asvg:svgBlip xmlns:asvg="http://schemas.microsoft.com/office/drawing/2016/SVG/main" r:embed="rId7"/>
+                </a:ext>
+              </a:extLst>
+            </a:blip>
+            <a:stretch>
+              <a:fillRect/>
+            </a:stretch>
+          </p:blipFill>
+          <p:spPr>
+            <a:xfrm>
+              <a:off x="4948854" y="175467"/>
+              <a:ext cx="914400" cy="914400"/>
+            </a:xfrm>
+            <a:prstGeom prst="rect">
+              <a:avLst/>
+            </a:prstGeom>
+          </p:spPr>
+        </p:pic>
+        <p:sp>
+          <p:nvSpPr>
+            <p:cNvPr id="100" name="テキスト ボックス 99">
+              <a:extLst>
+                <a:ext uri="{FF2B5EF4-FFF2-40B4-BE49-F238E27FC236}">
+                  <a16:creationId xmlns:a16="http://schemas.microsoft.com/office/drawing/2014/main" id="{6E8455F1-B2CC-4AB7-6D40-5FE14E6F4302}"/>
+                </a:ext>
+              </a:extLst>
+            </p:cNvPr>
+            <p:cNvSpPr txBox="1"/>
+            <p:nvPr/>
+          </p:nvSpPr>
+          <p:spPr>
+            <a:xfrm>
+              <a:off x="4723023" y="883748"/>
+              <a:ext cx="896399" cy="261610"/>
+            </a:xfrm>
+            <a:prstGeom prst="rect">
+              <a:avLst/>
+            </a:prstGeom>
+            <a:noFill/>
+          </p:spPr>
+          <p:txBody>
+            <a:bodyPr wrap="none" rtlCol="0">
+              <a:spAutoFit/>
+            </a:bodyPr>
+            <a:lstStyle/>
+            <a:p>
+              <a:r>
+                <a:rPr kumimoji="1" lang="ja-JP" altLang="en-US" sz="1100" dirty="0">
+                  <a:latin typeface="Yu Gothic UI" panose="020B0500000000000000" pitchFamily="50" charset="-128"/>
+                  <a:ea typeface="Yu Gothic UI" panose="020B0500000000000000" pitchFamily="50" charset="-128"/>
+                </a:rPr>
+                <a:t>インターネット</a:t>
+              </a:r>
+            </a:p>
+          </p:txBody>
+        </p:sp>
+      </p:grpSp>
+      <p:sp>
+        <p:nvSpPr>
+          <p:cNvPr id="3" name="正方形/長方形 2">
+            <a:extLst>
+              <a:ext uri="{FF2B5EF4-FFF2-40B4-BE49-F238E27FC236}">
+                <a16:creationId xmlns:a16="http://schemas.microsoft.com/office/drawing/2014/main" id="{D504C4E1-B89C-E286-ABC5-199990A4868A}"/>
+              </a:ext>
+            </a:extLst>
+          </p:cNvPr>
+          <p:cNvSpPr/>
+          <p:nvPr/>
+        </p:nvSpPr>
+        <p:spPr>
+          <a:xfrm>
+            <a:off x="1581896" y="5209901"/>
+            <a:ext cx="702964" cy="443443"/>
+          </a:xfrm>
+          <a:prstGeom prst="rect">
+            <a:avLst/>
+          </a:prstGeom>
+          <a:solidFill>
+            <a:schemeClr val="bg1">
+              <a:lumMod val="50000"/>
+            </a:schemeClr>
+          </a:solidFill>
+          <a:ln>
+            <a:noFill/>
+          </a:ln>
+        </p:spPr>
+        <p:style>
+          <a:lnRef idx="2">
+            <a:schemeClr val="accent1">
+              <a:shade val="50000"/>
+            </a:schemeClr>
+          </a:lnRef>
+          <a:fillRef idx="1">
+            <a:schemeClr val="accent1"/>
+          </a:fillRef>
+          <a:effectRef idx="0">
+            <a:schemeClr val="accent1"/>
+          </a:effectRef>
+          <a:fontRef idx="minor">
+            <a:schemeClr val="lt1"/>
+          </a:fontRef>
+        </p:style>
+        <p:txBody>
+          <a:bodyPr rtlCol="0" anchor="ctr"/>
+          <a:lstStyle/>
+          <a:p>
+            <a:pPr marL="88900" indent="-88900">
+              <a:buFont typeface="Arial" panose="020B0604020202020204" pitchFamily="34" charset="0"/>
+              <a:buChar char="•"/>
+            </a:pPr>
+            <a:r>
+              <a:rPr kumimoji="1" lang="en-US" altLang="ja-JP" sz="800" dirty="0"/>
+              <a:t>IDP/IDS</a:t>
+            </a:r>
+          </a:p>
+          <a:p>
+            <a:pPr marL="88900" indent="-88900">
+              <a:buFont typeface="Arial" panose="020B0604020202020204" pitchFamily="34" charset="0"/>
+              <a:buChar char="•"/>
+            </a:pPr>
+            <a:r>
+              <a:rPr lang="ja-JP" altLang="en-US" sz="800" dirty="0"/>
+              <a:t>フィルター</a:t>
+            </a:r>
+            <a:endParaRPr lang="en-US" altLang="ja-JP" sz="800" dirty="0"/>
+          </a:p>
+          <a:p>
+            <a:pPr marL="88900" indent="-88900">
+              <a:buFont typeface="Arial" panose="020B0604020202020204" pitchFamily="34" charset="0"/>
+              <a:buChar char="•"/>
+            </a:pPr>
+            <a:r>
+              <a:rPr kumimoji="1" lang="en-US" altLang="ja-JP" sz="800" dirty="0"/>
+              <a:t>TLS</a:t>
+            </a:r>
+            <a:r>
+              <a:rPr kumimoji="1" lang="ja-JP" altLang="en-US" sz="800" dirty="0"/>
+              <a:t> 検査</a:t>
+            </a:r>
+          </a:p>
+        </p:txBody>
+      </p:sp>
+      <p:cxnSp>
+        <p:nvCxnSpPr>
+          <p:cNvPr id="104" name="直線コネクタ 103">
+            <a:extLst>
+              <a:ext uri="{FF2B5EF4-FFF2-40B4-BE49-F238E27FC236}">
+                <a16:creationId xmlns:a16="http://schemas.microsoft.com/office/drawing/2014/main" id="{2334D83D-32A5-E7E4-4AD7-A03649118EF4}"/>
+              </a:ext>
+            </a:extLst>
+          </p:cNvPr>
+          <p:cNvCxnSpPr>
+            <a:cxnSpLocks/>
+            <a:endCxn id="96" idx="3"/>
+          </p:cNvCxnSpPr>
+          <p:nvPr/>
+        </p:nvCxnSpPr>
+        <p:spPr>
+          <a:xfrm flipH="1" flipV="1">
+            <a:off x="858641" y="5108457"/>
+            <a:ext cx="587943" cy="4331"/>
           </a:xfrm>
           <a:prstGeom prst="line">
             <a:avLst/>
@@ -32958,10 +33380,778 @@
       </p:cxnSp>
       <p:sp>
         <p:nvSpPr>
-          <p:cNvPr id="152" name="テキスト ボックス 151">
-            <a:extLst>
-              <a:ext uri="{FF2B5EF4-FFF2-40B4-BE49-F238E27FC236}">
-                <a16:creationId xmlns:a16="http://schemas.microsoft.com/office/drawing/2014/main" id="{E6C222F9-432A-6671-7AE9-9DA9209494E4}"/>
+          <p:cNvPr id="105" name="正方形/長方形 104">
+            <a:extLst>
+              <a:ext uri="{FF2B5EF4-FFF2-40B4-BE49-F238E27FC236}">
+                <a16:creationId xmlns:a16="http://schemas.microsoft.com/office/drawing/2014/main" id="{F6B62EE2-7D3C-074B-6259-84CEC258F4FE}"/>
+              </a:ext>
+            </a:extLst>
+          </p:cNvPr>
+          <p:cNvSpPr/>
+          <p:nvPr/>
+        </p:nvSpPr>
+        <p:spPr>
+          <a:xfrm>
+            <a:off x="3489593" y="5404804"/>
+            <a:ext cx="809951" cy="1178593"/>
+          </a:xfrm>
+          <a:prstGeom prst="rect">
+            <a:avLst/>
+          </a:prstGeom>
+          <a:noFill/>
+          <a:ln>
+            <a:solidFill>
+              <a:schemeClr val="accent6"/>
+            </a:solidFill>
+          </a:ln>
+        </p:spPr>
+        <p:style>
+          <a:lnRef idx="2">
+            <a:schemeClr val="accent1">
+              <a:shade val="50000"/>
+            </a:schemeClr>
+          </a:lnRef>
+          <a:fillRef idx="1">
+            <a:schemeClr val="accent1"/>
+          </a:fillRef>
+          <a:effectRef idx="0">
+            <a:schemeClr val="accent1"/>
+          </a:effectRef>
+          <a:fontRef idx="minor">
+            <a:schemeClr val="lt1"/>
+          </a:fontRef>
+        </p:style>
+        <p:txBody>
+          <a:bodyPr rtlCol="0" anchor="ctr"/>
+          <a:lstStyle/>
+          <a:p>
+            <a:pPr algn="ctr"/>
+            <a:endParaRPr kumimoji="1" lang="ja-JP" altLang="en-US">
+              <a:latin typeface="Yu Gothic UI" panose="020B0500000000000000" pitchFamily="50" charset="-128"/>
+              <a:ea typeface="Yu Gothic UI" panose="020B0500000000000000" pitchFamily="50" charset="-128"/>
+            </a:endParaRPr>
+          </a:p>
+        </p:txBody>
+      </p:sp>
+      <p:grpSp>
+        <p:nvGrpSpPr>
+          <p:cNvPr id="117" name="グループ化 116">
+            <a:extLst>
+              <a:ext uri="{FF2B5EF4-FFF2-40B4-BE49-F238E27FC236}">
+                <a16:creationId xmlns:a16="http://schemas.microsoft.com/office/drawing/2014/main" id="{3CEF4DB8-E13B-A713-973B-74FF86F943C4}"/>
+              </a:ext>
+            </a:extLst>
+          </p:cNvPr>
+          <p:cNvGrpSpPr/>
+          <p:nvPr/>
+        </p:nvGrpSpPr>
+        <p:grpSpPr>
+          <a:xfrm>
+            <a:off x="3438003" y="5219805"/>
+            <a:ext cx="281657" cy="161721"/>
+            <a:chOff x="7545388" y="5762626"/>
+            <a:chExt cx="577850" cy="331788"/>
+          </a:xfrm>
+        </p:grpSpPr>
+        <p:sp>
+          <p:nvSpPr>
+            <p:cNvPr id="118" name="Freeform 2167">
+              <a:extLst>
+                <a:ext uri="{FF2B5EF4-FFF2-40B4-BE49-F238E27FC236}">
+                  <a16:creationId xmlns:a16="http://schemas.microsoft.com/office/drawing/2014/main" id="{B6DFBDD1-2495-BB1F-0620-F0C941D96E2B}"/>
+                </a:ext>
+              </a:extLst>
+            </p:cNvPr>
+            <p:cNvSpPr>
+              <a:spLocks/>
+            </p:cNvSpPr>
+            <p:nvPr/>
+          </p:nvSpPr>
+          <p:spPr bwMode="auto">
+            <a:xfrm>
+              <a:off x="7940675" y="5762626"/>
+              <a:ext cx="182563" cy="331788"/>
+            </a:xfrm>
+            <a:custGeom>
+              <a:avLst/>
+              <a:gdLst>
+                <a:gd name="T0" fmla="*/ 62 w 64"/>
+                <a:gd name="T1" fmla="*/ 60 h 116"/>
+                <a:gd name="T2" fmla="*/ 62 w 64"/>
+                <a:gd name="T3" fmla="*/ 53 h 116"/>
+                <a:gd name="T4" fmla="*/ 52 w 64"/>
+                <a:gd name="T5" fmla="*/ 44 h 116"/>
+                <a:gd name="T6" fmla="*/ 9 w 64"/>
+                <a:gd name="T7" fmla="*/ 2 h 116"/>
+                <a:gd name="T8" fmla="*/ 2 w 64"/>
+                <a:gd name="T9" fmla="*/ 2 h 116"/>
+                <a:gd name="T10" fmla="*/ 2 w 64"/>
+                <a:gd name="T11" fmla="*/ 9 h 116"/>
+                <a:gd name="T12" fmla="*/ 48 w 64"/>
+                <a:gd name="T13" fmla="*/ 53 h 116"/>
+                <a:gd name="T14" fmla="*/ 48 w 64"/>
+                <a:gd name="T15" fmla="*/ 60 h 116"/>
+                <a:gd name="T16" fmla="*/ 2 w 64"/>
+                <a:gd name="T17" fmla="*/ 106 h 116"/>
+                <a:gd name="T18" fmla="*/ 2 w 64"/>
+                <a:gd name="T19" fmla="*/ 114 h 116"/>
+                <a:gd name="T20" fmla="*/ 8 w 64"/>
+                <a:gd name="T21" fmla="*/ 114 h 116"/>
+                <a:gd name="T22" fmla="*/ 51 w 64"/>
+                <a:gd name="T23" fmla="*/ 71 h 116"/>
+                <a:gd name="T24" fmla="*/ 52 w 64"/>
+                <a:gd name="T25" fmla="*/ 71 h 116"/>
+                <a:gd name="T26" fmla="*/ 62 w 64"/>
+                <a:gd name="T27" fmla="*/ 60 h 116"/>
+              </a:gdLst>
+              <a:ahLst/>
+              <a:cxnLst>
+                <a:cxn ang="0">
+                  <a:pos x="T0" y="T1"/>
+                </a:cxn>
+                <a:cxn ang="0">
+                  <a:pos x="T2" y="T3"/>
+                </a:cxn>
+                <a:cxn ang="0">
+                  <a:pos x="T4" y="T5"/>
+                </a:cxn>
+                <a:cxn ang="0">
+                  <a:pos x="T6" y="T7"/>
+                </a:cxn>
+                <a:cxn ang="0">
+                  <a:pos x="T8" y="T9"/>
+                </a:cxn>
+                <a:cxn ang="0">
+                  <a:pos x="T10" y="T11"/>
+                </a:cxn>
+                <a:cxn ang="0">
+                  <a:pos x="T12" y="T13"/>
+                </a:cxn>
+                <a:cxn ang="0">
+                  <a:pos x="T14" y="T15"/>
+                </a:cxn>
+                <a:cxn ang="0">
+                  <a:pos x="T16" y="T17"/>
+                </a:cxn>
+                <a:cxn ang="0">
+                  <a:pos x="T18" y="T19"/>
+                </a:cxn>
+                <a:cxn ang="0">
+                  <a:pos x="T20" y="T21"/>
+                </a:cxn>
+                <a:cxn ang="0">
+                  <a:pos x="T22" y="T23"/>
+                </a:cxn>
+                <a:cxn ang="0">
+                  <a:pos x="T24" y="T25"/>
+                </a:cxn>
+                <a:cxn ang="0">
+                  <a:pos x="T26" y="T27"/>
+                </a:cxn>
+              </a:cxnLst>
+              <a:rect l="0" t="0" r="r" b="b"/>
+              <a:pathLst>
+                <a:path w="64" h="116">
+                  <a:moveTo>
+                    <a:pt x="62" y="60"/>
+                  </a:moveTo>
+                  <a:cubicBezTo>
+                    <a:pt x="64" y="58"/>
+                    <a:pt x="64" y="55"/>
+                    <a:pt x="62" y="53"/>
+                  </a:cubicBezTo>
+                  <a:cubicBezTo>
+                    <a:pt x="52" y="44"/>
+                    <a:pt x="52" y="44"/>
+                    <a:pt x="52" y="44"/>
+                  </a:cubicBezTo>
+                  <a:cubicBezTo>
+                    <a:pt x="9" y="2"/>
+                    <a:pt x="9" y="2"/>
+                    <a:pt x="9" y="2"/>
+                  </a:cubicBezTo>
+                  <a:cubicBezTo>
+                    <a:pt x="7" y="0"/>
+                    <a:pt x="4" y="0"/>
+                    <a:pt x="2" y="2"/>
+                  </a:cubicBezTo>
+                  <a:cubicBezTo>
+                    <a:pt x="0" y="4"/>
+                    <a:pt x="0" y="7"/>
+                    <a:pt x="2" y="9"/>
+                  </a:cubicBezTo>
+                  <a:cubicBezTo>
+                    <a:pt x="48" y="53"/>
+                    <a:pt x="48" y="53"/>
+                    <a:pt x="48" y="53"/>
+                  </a:cubicBezTo>
+                  <a:cubicBezTo>
+                    <a:pt x="50" y="55"/>
+                    <a:pt x="50" y="58"/>
+                    <a:pt x="48" y="60"/>
+                  </a:cubicBezTo>
+                  <a:cubicBezTo>
+                    <a:pt x="2" y="106"/>
+                    <a:pt x="2" y="106"/>
+                    <a:pt x="2" y="106"/>
+                  </a:cubicBezTo>
+                  <a:cubicBezTo>
+                    <a:pt x="0" y="108"/>
+                    <a:pt x="0" y="112"/>
+                    <a:pt x="2" y="114"/>
+                  </a:cubicBezTo>
+                  <a:cubicBezTo>
+                    <a:pt x="4" y="116"/>
+                    <a:pt x="7" y="115"/>
+                    <a:pt x="8" y="114"/>
+                  </a:cubicBezTo>
+                  <a:cubicBezTo>
+                    <a:pt x="51" y="71"/>
+                    <a:pt x="51" y="71"/>
+                    <a:pt x="51" y="71"/>
+                  </a:cubicBezTo>
+                  <a:cubicBezTo>
+                    <a:pt x="51" y="71"/>
+                    <a:pt x="51" y="71"/>
+                    <a:pt x="52" y="71"/>
+                  </a:cubicBezTo>
+                  <a:lnTo>
+                    <a:pt x="62" y="60"/>
+                  </a:lnTo>
+                  <a:close/>
+                </a:path>
+              </a:pathLst>
+            </a:custGeom>
+            <a:solidFill>
+              <a:srgbClr val="3999C6"/>
+            </a:solidFill>
+            <a:ln>
+              <a:noFill/>
+            </a:ln>
+            <a:extLst>
+              <a:ext uri="{91240B29-F687-4F45-9708-019B960494DF}">
+                <a14:hiddenLine xmlns:a14="http://schemas.microsoft.com/office/drawing/2010/main" w="9525">
+                  <a:solidFill>
+                    <a:srgbClr val="000000"/>
+                  </a:solidFill>
+                  <a:round/>
+                  <a:headEnd/>
+                  <a:tailEnd/>
+                </a14:hiddenLine>
+              </a:ext>
+            </a:extLst>
+          </p:spPr>
+          <p:txBody>
+            <a:bodyPr vert="horz" wrap="square" lIns="91440" tIns="45720" rIns="91440" bIns="45720" numCol="1" anchor="t" anchorCtr="0" compatLnSpc="1">
+              <a:prstTxWarp prst="textNoShape">
+                <a:avLst/>
+              </a:prstTxWarp>
+            </a:bodyPr>
+            <a:lstStyle/>
+            <a:p>
+              <a:endParaRPr lang="ja-JP" altLang="en-US" sz="2400">
+                <a:latin typeface="Yu Gothic UI" panose="020B0500000000000000" pitchFamily="50" charset="-128"/>
+                <a:ea typeface="Yu Gothic UI" panose="020B0500000000000000" pitchFamily="50" charset="-128"/>
+              </a:endParaRPr>
+            </a:p>
+          </p:txBody>
+        </p:sp>
+        <p:sp>
+          <p:nvSpPr>
+            <p:cNvPr id="119" name="Freeform 2168">
+              <a:extLst>
+                <a:ext uri="{FF2B5EF4-FFF2-40B4-BE49-F238E27FC236}">
+                  <a16:creationId xmlns:a16="http://schemas.microsoft.com/office/drawing/2014/main" id="{F78C9233-B1E1-2368-5060-A500DEEC6CDD}"/>
+                </a:ext>
+              </a:extLst>
+            </p:cNvPr>
+            <p:cNvSpPr>
+              <a:spLocks/>
+            </p:cNvSpPr>
+            <p:nvPr/>
+          </p:nvSpPr>
+          <p:spPr bwMode="auto">
+            <a:xfrm>
+              <a:off x="7545388" y="5762626"/>
+              <a:ext cx="185738" cy="331788"/>
+            </a:xfrm>
+            <a:custGeom>
+              <a:avLst/>
+              <a:gdLst>
+                <a:gd name="T0" fmla="*/ 2 w 65"/>
+                <a:gd name="T1" fmla="*/ 60 h 116"/>
+                <a:gd name="T2" fmla="*/ 2 w 65"/>
+                <a:gd name="T3" fmla="*/ 53 h 116"/>
+                <a:gd name="T4" fmla="*/ 12 w 65"/>
+                <a:gd name="T5" fmla="*/ 44 h 116"/>
+                <a:gd name="T6" fmla="*/ 55 w 65"/>
+                <a:gd name="T7" fmla="*/ 2 h 116"/>
+                <a:gd name="T8" fmla="*/ 62 w 65"/>
+                <a:gd name="T9" fmla="*/ 2 h 116"/>
+                <a:gd name="T10" fmla="*/ 62 w 65"/>
+                <a:gd name="T11" fmla="*/ 9 h 116"/>
+                <a:gd name="T12" fmla="*/ 18 w 65"/>
+                <a:gd name="T13" fmla="*/ 53 h 116"/>
+                <a:gd name="T14" fmla="*/ 18 w 65"/>
+                <a:gd name="T15" fmla="*/ 60 h 116"/>
+                <a:gd name="T16" fmla="*/ 63 w 65"/>
+                <a:gd name="T17" fmla="*/ 106 h 116"/>
+                <a:gd name="T18" fmla="*/ 63 w 65"/>
+                <a:gd name="T19" fmla="*/ 114 h 116"/>
+                <a:gd name="T20" fmla="*/ 56 w 65"/>
+                <a:gd name="T21" fmla="*/ 114 h 116"/>
+                <a:gd name="T22" fmla="*/ 12 w 65"/>
+                <a:gd name="T23" fmla="*/ 72 h 116"/>
+                <a:gd name="T24" fmla="*/ 12 w 65"/>
+                <a:gd name="T25" fmla="*/ 71 h 116"/>
+                <a:gd name="T26" fmla="*/ 2 w 65"/>
+                <a:gd name="T27" fmla="*/ 60 h 116"/>
+              </a:gdLst>
+              <a:ahLst/>
+              <a:cxnLst>
+                <a:cxn ang="0">
+                  <a:pos x="T0" y="T1"/>
+                </a:cxn>
+                <a:cxn ang="0">
+                  <a:pos x="T2" y="T3"/>
+                </a:cxn>
+                <a:cxn ang="0">
+                  <a:pos x="T4" y="T5"/>
+                </a:cxn>
+                <a:cxn ang="0">
+                  <a:pos x="T6" y="T7"/>
+                </a:cxn>
+                <a:cxn ang="0">
+                  <a:pos x="T8" y="T9"/>
+                </a:cxn>
+                <a:cxn ang="0">
+                  <a:pos x="T10" y="T11"/>
+                </a:cxn>
+                <a:cxn ang="0">
+                  <a:pos x="T12" y="T13"/>
+                </a:cxn>
+                <a:cxn ang="0">
+                  <a:pos x="T14" y="T15"/>
+                </a:cxn>
+                <a:cxn ang="0">
+                  <a:pos x="T16" y="T17"/>
+                </a:cxn>
+                <a:cxn ang="0">
+                  <a:pos x="T18" y="T19"/>
+                </a:cxn>
+                <a:cxn ang="0">
+                  <a:pos x="T20" y="T21"/>
+                </a:cxn>
+                <a:cxn ang="0">
+                  <a:pos x="T22" y="T23"/>
+                </a:cxn>
+                <a:cxn ang="0">
+                  <a:pos x="T24" y="T25"/>
+                </a:cxn>
+                <a:cxn ang="0">
+                  <a:pos x="T26" y="T27"/>
+                </a:cxn>
+              </a:cxnLst>
+              <a:rect l="0" t="0" r="r" b="b"/>
+              <a:pathLst>
+                <a:path w="65" h="116">
+                  <a:moveTo>
+                    <a:pt x="2" y="60"/>
+                  </a:moveTo>
+                  <a:cubicBezTo>
+                    <a:pt x="0" y="58"/>
+                    <a:pt x="1" y="55"/>
+                    <a:pt x="2" y="53"/>
+                  </a:cubicBezTo>
+                  <a:cubicBezTo>
+                    <a:pt x="12" y="44"/>
+                    <a:pt x="12" y="44"/>
+                    <a:pt x="12" y="44"/>
+                  </a:cubicBezTo>
+                  <a:cubicBezTo>
+                    <a:pt x="55" y="2"/>
+                    <a:pt x="55" y="2"/>
+                    <a:pt x="55" y="2"/>
+                  </a:cubicBezTo>
+                  <a:cubicBezTo>
+                    <a:pt x="57" y="0"/>
+                    <a:pt x="60" y="0"/>
+                    <a:pt x="62" y="2"/>
+                  </a:cubicBezTo>
+                  <a:cubicBezTo>
+                    <a:pt x="64" y="4"/>
+                    <a:pt x="64" y="7"/>
+                    <a:pt x="62" y="9"/>
+                  </a:cubicBezTo>
+                  <a:cubicBezTo>
+                    <a:pt x="18" y="53"/>
+                    <a:pt x="18" y="53"/>
+                    <a:pt x="18" y="53"/>
+                  </a:cubicBezTo>
+                  <a:cubicBezTo>
+                    <a:pt x="16" y="55"/>
+                    <a:pt x="16" y="58"/>
+                    <a:pt x="18" y="60"/>
+                  </a:cubicBezTo>
+                  <a:cubicBezTo>
+                    <a:pt x="63" y="106"/>
+                    <a:pt x="63" y="106"/>
+                    <a:pt x="63" y="106"/>
+                  </a:cubicBezTo>
+                  <a:cubicBezTo>
+                    <a:pt x="65" y="108"/>
+                    <a:pt x="65" y="112"/>
+                    <a:pt x="63" y="114"/>
+                  </a:cubicBezTo>
+                  <a:cubicBezTo>
+                    <a:pt x="61" y="116"/>
+                    <a:pt x="58" y="115"/>
+                    <a:pt x="56" y="114"/>
+                  </a:cubicBezTo>
+                  <a:cubicBezTo>
+                    <a:pt x="12" y="72"/>
+                    <a:pt x="12" y="72"/>
+                    <a:pt x="12" y="72"/>
+                  </a:cubicBezTo>
+                  <a:cubicBezTo>
+                    <a:pt x="12" y="72"/>
+                    <a:pt x="12" y="72"/>
+                    <a:pt x="12" y="71"/>
+                  </a:cubicBezTo>
+                  <a:lnTo>
+                    <a:pt x="2" y="60"/>
+                  </a:lnTo>
+                  <a:close/>
+                </a:path>
+              </a:pathLst>
+            </a:custGeom>
+            <a:solidFill>
+              <a:srgbClr val="3999C6"/>
+            </a:solidFill>
+            <a:ln>
+              <a:noFill/>
+            </a:ln>
+            <a:extLst>
+              <a:ext uri="{91240B29-F687-4F45-9708-019B960494DF}">
+                <a14:hiddenLine xmlns:a14="http://schemas.microsoft.com/office/drawing/2010/main" w="9525">
+                  <a:solidFill>
+                    <a:srgbClr val="000000"/>
+                  </a:solidFill>
+                  <a:round/>
+                  <a:headEnd/>
+                  <a:tailEnd/>
+                </a14:hiddenLine>
+              </a:ext>
+            </a:extLst>
+          </p:spPr>
+          <p:txBody>
+            <a:bodyPr vert="horz" wrap="square" lIns="91440" tIns="45720" rIns="91440" bIns="45720" numCol="1" anchor="t" anchorCtr="0" compatLnSpc="1">
+              <a:prstTxWarp prst="textNoShape">
+                <a:avLst/>
+              </a:prstTxWarp>
+            </a:bodyPr>
+            <a:lstStyle/>
+            <a:p>
+              <a:endParaRPr lang="ja-JP" altLang="en-US" sz="2400">
+                <a:latin typeface="Yu Gothic UI" panose="020B0500000000000000" pitchFamily="50" charset="-128"/>
+                <a:ea typeface="Yu Gothic UI" panose="020B0500000000000000" pitchFamily="50" charset="-128"/>
+              </a:endParaRPr>
+            </a:p>
+          </p:txBody>
+        </p:sp>
+        <p:sp>
+          <p:nvSpPr>
+            <p:cNvPr id="120" name="Freeform 2169">
+              <a:extLst>
+                <a:ext uri="{FF2B5EF4-FFF2-40B4-BE49-F238E27FC236}">
+                  <a16:creationId xmlns:a16="http://schemas.microsoft.com/office/drawing/2014/main" id="{E5996571-2D34-BC78-7290-DDD296257072}"/>
+                </a:ext>
+              </a:extLst>
+            </p:cNvPr>
+            <p:cNvSpPr>
+              <a:spLocks/>
+            </p:cNvSpPr>
+            <p:nvPr/>
+          </p:nvSpPr>
+          <p:spPr bwMode="auto">
+            <a:xfrm>
+              <a:off x="7680325" y="5889626"/>
+              <a:ext cx="76200" cy="74613"/>
+            </a:xfrm>
+            <a:custGeom>
+              <a:avLst/>
+              <a:gdLst>
+                <a:gd name="T0" fmla="*/ 27 w 27"/>
+                <a:gd name="T1" fmla="*/ 13 h 26"/>
+                <a:gd name="T2" fmla="*/ 14 w 27"/>
+                <a:gd name="T3" fmla="*/ 26 h 26"/>
+                <a:gd name="T4" fmla="*/ 0 w 27"/>
+                <a:gd name="T5" fmla="*/ 13 h 26"/>
+                <a:gd name="T6" fmla="*/ 14 w 27"/>
+                <a:gd name="T7" fmla="*/ 0 h 26"/>
+                <a:gd name="T8" fmla="*/ 27 w 27"/>
+                <a:gd name="T9" fmla="*/ 13 h 26"/>
+              </a:gdLst>
+              <a:ahLst/>
+              <a:cxnLst>
+                <a:cxn ang="0">
+                  <a:pos x="T0" y="T1"/>
+                </a:cxn>
+                <a:cxn ang="0">
+                  <a:pos x="T2" y="T3"/>
+                </a:cxn>
+                <a:cxn ang="0">
+                  <a:pos x="T4" y="T5"/>
+                </a:cxn>
+                <a:cxn ang="0">
+                  <a:pos x="T6" y="T7"/>
+                </a:cxn>
+                <a:cxn ang="0">
+                  <a:pos x="T8" y="T9"/>
+                </a:cxn>
+              </a:cxnLst>
+              <a:rect l="0" t="0" r="r" b="b"/>
+              <a:pathLst>
+                <a:path w="27" h="26">
+                  <a:moveTo>
+                    <a:pt x="27" y="13"/>
+                  </a:moveTo>
+                  <a:cubicBezTo>
+                    <a:pt x="27" y="20"/>
+                    <a:pt x="21" y="26"/>
+                    <a:pt x="14" y="26"/>
+                  </a:cubicBezTo>
+                  <a:cubicBezTo>
+                    <a:pt x="7" y="26"/>
+                    <a:pt x="0" y="20"/>
+                    <a:pt x="0" y="13"/>
+                  </a:cubicBezTo>
+                  <a:cubicBezTo>
+                    <a:pt x="0" y="6"/>
+                    <a:pt x="5" y="0"/>
+                    <a:pt x="14" y="0"/>
+                  </a:cubicBezTo>
+                  <a:cubicBezTo>
+                    <a:pt x="22" y="0"/>
+                    <a:pt x="27" y="6"/>
+                    <a:pt x="27" y="13"/>
+                  </a:cubicBezTo>
+                  <a:close/>
+                </a:path>
+              </a:pathLst>
+            </a:custGeom>
+            <a:solidFill>
+              <a:srgbClr val="7FBA00"/>
+            </a:solidFill>
+            <a:ln>
+              <a:noFill/>
+            </a:ln>
+            <a:extLst>
+              <a:ext uri="{91240B29-F687-4F45-9708-019B960494DF}">
+                <a14:hiddenLine xmlns:a14="http://schemas.microsoft.com/office/drawing/2010/main" w="9525">
+                  <a:solidFill>
+                    <a:srgbClr val="000000"/>
+                  </a:solidFill>
+                  <a:round/>
+                  <a:headEnd/>
+                  <a:tailEnd/>
+                </a14:hiddenLine>
+              </a:ext>
+            </a:extLst>
+          </p:spPr>
+          <p:txBody>
+            <a:bodyPr vert="horz" wrap="square" lIns="91440" tIns="45720" rIns="91440" bIns="45720" numCol="1" anchor="t" anchorCtr="0" compatLnSpc="1">
+              <a:prstTxWarp prst="textNoShape">
+                <a:avLst/>
+              </a:prstTxWarp>
+            </a:bodyPr>
+            <a:lstStyle/>
+            <a:p>
+              <a:endParaRPr lang="ja-JP" altLang="en-US" sz="2400">
+                <a:latin typeface="Yu Gothic UI" panose="020B0500000000000000" pitchFamily="50" charset="-128"/>
+                <a:ea typeface="Yu Gothic UI" panose="020B0500000000000000" pitchFamily="50" charset="-128"/>
+              </a:endParaRPr>
+            </a:p>
+          </p:txBody>
+        </p:sp>
+        <p:sp>
+          <p:nvSpPr>
+            <p:cNvPr id="121" name="Freeform 2170">
+              <a:extLst>
+                <a:ext uri="{FF2B5EF4-FFF2-40B4-BE49-F238E27FC236}">
+                  <a16:creationId xmlns:a16="http://schemas.microsoft.com/office/drawing/2014/main" id="{1B98D572-98E8-C851-2501-E4673FB10349}"/>
+                </a:ext>
+              </a:extLst>
+            </p:cNvPr>
+            <p:cNvSpPr>
+              <a:spLocks/>
+            </p:cNvSpPr>
+            <p:nvPr/>
+          </p:nvSpPr>
+          <p:spPr bwMode="auto">
+            <a:xfrm>
+              <a:off x="7794625" y="5889626"/>
+              <a:ext cx="76200" cy="74613"/>
+            </a:xfrm>
+            <a:custGeom>
+              <a:avLst/>
+              <a:gdLst>
+                <a:gd name="T0" fmla="*/ 27 w 27"/>
+                <a:gd name="T1" fmla="*/ 13 h 26"/>
+                <a:gd name="T2" fmla="*/ 14 w 27"/>
+                <a:gd name="T3" fmla="*/ 26 h 26"/>
+                <a:gd name="T4" fmla="*/ 0 w 27"/>
+                <a:gd name="T5" fmla="*/ 13 h 26"/>
+                <a:gd name="T6" fmla="*/ 14 w 27"/>
+                <a:gd name="T7" fmla="*/ 0 h 26"/>
+                <a:gd name="T8" fmla="*/ 27 w 27"/>
+                <a:gd name="T9" fmla="*/ 13 h 26"/>
+              </a:gdLst>
+              <a:ahLst/>
+              <a:cxnLst>
+                <a:cxn ang="0">
+                  <a:pos x="T0" y="T1"/>
+                </a:cxn>
+                <a:cxn ang="0">
+                  <a:pos x="T2" y="T3"/>
+                </a:cxn>
+                <a:cxn ang="0">
+                  <a:pos x="T4" y="T5"/>
+                </a:cxn>
+                <a:cxn ang="0">
+                  <a:pos x="T6" y="T7"/>
+                </a:cxn>
+                <a:cxn ang="0">
+                  <a:pos x="T8" y="T9"/>
+                </a:cxn>
+              </a:cxnLst>
+              <a:rect l="0" t="0" r="r" b="b"/>
+              <a:pathLst>
+                <a:path w="27" h="26">
+                  <a:moveTo>
+                    <a:pt x="27" y="13"/>
+                  </a:moveTo>
+                  <a:cubicBezTo>
+                    <a:pt x="27" y="20"/>
+                    <a:pt x="21" y="26"/>
+                    <a:pt x="14" y="26"/>
+                  </a:cubicBezTo>
+                  <a:cubicBezTo>
+                    <a:pt x="7" y="26"/>
+                    <a:pt x="0" y="20"/>
+                    <a:pt x="0" y="13"/>
+                  </a:cubicBezTo>
+                  <a:cubicBezTo>
+                    <a:pt x="0" y="6"/>
+                    <a:pt x="7" y="0"/>
+                    <a:pt x="14" y="0"/>
+                  </a:cubicBezTo>
+                  <a:cubicBezTo>
+                    <a:pt x="22" y="0"/>
+                    <a:pt x="27" y="6"/>
+                    <a:pt x="27" y="13"/>
+                  </a:cubicBezTo>
+                  <a:close/>
+                </a:path>
+              </a:pathLst>
+            </a:custGeom>
+            <a:solidFill>
+              <a:srgbClr val="7FBA00"/>
+            </a:solidFill>
+            <a:ln>
+              <a:noFill/>
+            </a:ln>
+            <a:extLst>
+              <a:ext uri="{91240B29-F687-4F45-9708-019B960494DF}">
+                <a14:hiddenLine xmlns:a14="http://schemas.microsoft.com/office/drawing/2010/main" w="9525">
+                  <a:solidFill>
+                    <a:srgbClr val="000000"/>
+                  </a:solidFill>
+                  <a:round/>
+                  <a:headEnd/>
+                  <a:tailEnd/>
+                </a14:hiddenLine>
+              </a:ext>
+            </a:extLst>
+          </p:spPr>
+          <p:txBody>
+            <a:bodyPr vert="horz" wrap="square" lIns="91440" tIns="45720" rIns="91440" bIns="45720" numCol="1" anchor="t" anchorCtr="0" compatLnSpc="1">
+              <a:prstTxWarp prst="textNoShape">
+                <a:avLst/>
+              </a:prstTxWarp>
+            </a:bodyPr>
+            <a:lstStyle/>
+            <a:p>
+              <a:endParaRPr lang="ja-JP" altLang="en-US" sz="2400">
+                <a:latin typeface="Yu Gothic UI" panose="020B0500000000000000" pitchFamily="50" charset="-128"/>
+                <a:ea typeface="Yu Gothic UI" panose="020B0500000000000000" pitchFamily="50" charset="-128"/>
+              </a:endParaRPr>
+            </a:p>
+          </p:txBody>
+        </p:sp>
+        <p:sp>
+          <p:nvSpPr>
+            <p:cNvPr id="122" name="Oval 2171">
+              <a:extLst>
+                <a:ext uri="{FF2B5EF4-FFF2-40B4-BE49-F238E27FC236}">
+                  <a16:creationId xmlns:a16="http://schemas.microsoft.com/office/drawing/2014/main" id="{D94391BF-0B14-0A25-685B-E2248E3B86CA}"/>
+                </a:ext>
+              </a:extLst>
+            </p:cNvPr>
+            <p:cNvSpPr>
+              <a:spLocks noChangeArrowheads="1"/>
+            </p:cNvSpPr>
+            <p:nvPr/>
+          </p:nvSpPr>
+          <p:spPr bwMode="auto">
+            <a:xfrm>
+              <a:off x="7913688" y="5889626"/>
+              <a:ext cx="74613" cy="74613"/>
+            </a:xfrm>
+            <a:prstGeom prst="ellipse">
+              <a:avLst/>
+            </a:prstGeom>
+            <a:solidFill>
+              <a:srgbClr val="7FBA00"/>
+            </a:solidFill>
+            <a:ln>
+              <a:noFill/>
+            </a:ln>
+            <a:extLst>
+              <a:ext uri="{91240B29-F687-4F45-9708-019B960494DF}">
+                <a14:hiddenLine xmlns:a14="http://schemas.microsoft.com/office/drawing/2010/main" w="9525">
+                  <a:solidFill>
+                    <a:srgbClr val="000000"/>
+                  </a:solidFill>
+                  <a:round/>
+                  <a:headEnd/>
+                  <a:tailEnd/>
+                </a14:hiddenLine>
+              </a:ext>
+            </a:extLst>
+          </p:spPr>
+          <p:txBody>
+            <a:bodyPr vert="horz" wrap="square" lIns="91440" tIns="45720" rIns="91440" bIns="45720" numCol="1" anchor="t" anchorCtr="0" compatLnSpc="1">
+              <a:prstTxWarp prst="textNoShape">
+                <a:avLst/>
+              </a:prstTxWarp>
+            </a:bodyPr>
+            <a:lstStyle/>
+            <a:p>
+              <a:endParaRPr lang="ja-JP" altLang="en-US" sz="2400">
+                <a:latin typeface="Yu Gothic UI" panose="020B0500000000000000" pitchFamily="50" charset="-128"/>
+                <a:ea typeface="Yu Gothic UI" panose="020B0500000000000000" pitchFamily="50" charset="-128"/>
+              </a:endParaRPr>
+            </a:p>
+          </p:txBody>
+        </p:sp>
+      </p:grpSp>
+      <p:sp>
+        <p:nvSpPr>
+          <p:cNvPr id="123" name="テキスト ボックス 122">
+            <a:extLst>
+              <a:ext uri="{FF2B5EF4-FFF2-40B4-BE49-F238E27FC236}">
+                <a16:creationId xmlns:a16="http://schemas.microsoft.com/office/drawing/2014/main" id="{3EB10F9F-3CA1-3424-5494-DED14409F5FF}"/>
               </a:ext>
             </a:extLst>
           </p:cNvPr>
@@ -32970,43 +34160,282 @@
         </p:nvSpPr>
         <p:spPr>
           <a:xfrm>
-            <a:off x="1830068" y="4291958"/>
-            <a:ext cx="686406" cy="253916"/>
+            <a:off x="3756028" y="5234334"/>
+            <a:ext cx="1233451" cy="123111"/>
+          </a:xfrm>
+          <a:prstGeom prst="rect">
+            <a:avLst/>
+          </a:prstGeom>
+          <a:noFill/>
+        </p:spPr>
+        <p:txBody>
+          <a:bodyPr wrap="square" lIns="0" tIns="0" rIns="0" bIns="0" rtlCol="0">
+            <a:spAutoFit/>
+          </a:bodyPr>
+          <a:lstStyle/>
+          <a:p>
+            <a:r>
+              <a:rPr kumimoji="1" lang="ja-JP" altLang="en-US" sz="800" dirty="0">
+                <a:latin typeface="Yu Gothic UI" panose="020B0500000000000000" pitchFamily="50" charset="-128"/>
+                <a:ea typeface="Yu Gothic UI" panose="020B0500000000000000" pitchFamily="50" charset="-128"/>
+              </a:rPr>
+              <a:t>仮想ネットワーク</a:t>
+            </a:r>
+            <a:r>
+              <a:rPr lang="en-US" altLang="ja-JP" sz="800" dirty="0">
+                <a:latin typeface="Yu Gothic UI" panose="020B0500000000000000" pitchFamily="50" charset="-128"/>
+                <a:ea typeface="Yu Gothic UI" panose="020B0500000000000000" pitchFamily="50" charset="-128"/>
+              </a:rPr>
+              <a:t>(</a:t>
+            </a:r>
+            <a:r>
+              <a:rPr lang="ja-JP" altLang="en-US" sz="800" dirty="0">
+                <a:latin typeface="Yu Gothic UI" panose="020B0500000000000000" pitchFamily="50" charset="-128"/>
+                <a:ea typeface="Yu Gothic UI" panose="020B0500000000000000" pitchFamily="50" charset="-128"/>
+              </a:rPr>
+              <a:t>スポーク</a:t>
+            </a:r>
+            <a:r>
+              <a:rPr lang="en-US" altLang="ja-JP" sz="800" dirty="0">
+                <a:latin typeface="Yu Gothic UI" panose="020B0500000000000000" pitchFamily="50" charset="-128"/>
+                <a:ea typeface="Yu Gothic UI" panose="020B0500000000000000" pitchFamily="50" charset="-128"/>
+              </a:rPr>
+              <a:t>)</a:t>
+            </a:r>
+            <a:endParaRPr kumimoji="1" lang="en-US" sz="800" dirty="0">
+              <a:latin typeface="Yu Gothic UI" panose="020B0500000000000000" pitchFamily="50" charset="-128"/>
+              <a:ea typeface="Yu Gothic UI" panose="020B0500000000000000" pitchFamily="50" charset="-128"/>
+            </a:endParaRPr>
+          </a:p>
+        </p:txBody>
+      </p:sp>
+      <p:sp>
+        <p:nvSpPr>
+          <p:cNvPr id="124" name="正方形/長方形 123">
+            <a:extLst>
+              <a:ext uri="{FF2B5EF4-FFF2-40B4-BE49-F238E27FC236}">
+                <a16:creationId xmlns:a16="http://schemas.microsoft.com/office/drawing/2014/main" id="{A71B4A90-CE4A-4A7B-7F56-CBBA880BE8A7}"/>
+              </a:ext>
+            </a:extLst>
+          </p:cNvPr>
+          <p:cNvSpPr/>
+          <p:nvPr/>
+        </p:nvSpPr>
+        <p:spPr>
+          <a:xfrm>
+            <a:off x="3550329" y="5678453"/>
+            <a:ext cx="611025" cy="757414"/>
           </a:xfrm>
           <a:prstGeom prst="rect">
             <a:avLst/>
           </a:prstGeom>
           <a:solidFill>
-            <a:schemeClr val="bg1"/>
+            <a:schemeClr val="accent6">
+              <a:lumMod val="20000"/>
+              <a:lumOff val="80000"/>
+            </a:schemeClr>
           </a:solidFill>
-          <a:effectLst>
-            <a:glow rad="63500">
-              <a:schemeClr val="bg1"/>
-            </a:glow>
-          </a:effectLst>
-        </p:spPr>
+          <a:ln>
+            <a:noFill/>
+          </a:ln>
+        </p:spPr>
+        <p:style>
+          <a:lnRef idx="2">
+            <a:schemeClr val="accent1">
+              <a:shade val="50000"/>
+            </a:schemeClr>
+          </a:lnRef>
+          <a:fillRef idx="1">
+            <a:schemeClr val="accent1"/>
+          </a:fillRef>
+          <a:effectRef idx="0">
+            <a:schemeClr val="accent1"/>
+          </a:effectRef>
+          <a:fontRef idx="minor">
+            <a:schemeClr val="lt1"/>
+          </a:fontRef>
+        </p:style>
         <p:txBody>
-          <a:bodyPr wrap="none" rtlCol="0">
-            <a:spAutoFit/>
-          </a:bodyPr>
+          <a:bodyPr rtlCol="0" anchor="ctr"/>
           <a:lstStyle/>
           <a:p>
-            <a:r>
-              <a:rPr kumimoji="1" lang="ja-JP" altLang="en-US" sz="1050" dirty="0">
-                <a:latin typeface="Yu Gothic UI" panose="020B0500000000000000" pitchFamily="50" charset="-128"/>
-                <a:ea typeface="Yu Gothic UI" panose="020B0500000000000000" pitchFamily="50" charset="-128"/>
-              </a:rPr>
-              <a:t>ピアリング</a:t>
-            </a:r>
+            <a:pPr algn="ctr"/>
+            <a:endParaRPr kumimoji="1" lang="en-US" sz="2400" dirty="0">
+              <a:latin typeface="Yu Gothic UI" panose="020B0500000000000000" pitchFamily="50" charset="-128"/>
+              <a:ea typeface="Yu Gothic UI" panose="020B0500000000000000" pitchFamily="50" charset="-128"/>
+            </a:endParaRPr>
           </a:p>
         </p:txBody>
       </p:sp>
       <p:pic>
         <p:nvPicPr>
-          <p:cNvPr id="162" name="グラフィックス 161">
-            <a:extLst>
-              <a:ext uri="{FF2B5EF4-FFF2-40B4-BE49-F238E27FC236}">
-                <a16:creationId xmlns:a16="http://schemas.microsoft.com/office/drawing/2014/main" id="{F022F5D1-C599-528A-7EDC-8ED518FB58F9}"/>
+          <p:cNvPr id="129" name="グラフィックス 128">
+            <a:extLst>
+              <a:ext uri="{FF2B5EF4-FFF2-40B4-BE49-F238E27FC236}">
+                <a16:creationId xmlns:a16="http://schemas.microsoft.com/office/drawing/2014/main" id="{7D91F208-F787-6311-96A0-BB4817EA5CF6}"/>
+              </a:ext>
+            </a:extLst>
+          </p:cNvPr>
+          <p:cNvPicPr>
+            <a:picLocks noChangeAspect="1"/>
+          </p:cNvPicPr>
+          <p:nvPr/>
+        </p:nvPicPr>
+        <p:blipFill>
+          <a:blip r:embed="rId2">
+            <a:extLst>
+              <a:ext uri="{28A0092B-C50C-407E-A947-70E740481C1C}">
+                <a14:useLocalDpi xmlns:a14="http://schemas.microsoft.com/office/drawing/2010/main" val="0"/>
+              </a:ext>
+              <a:ext uri="{96DAC541-7B7A-43D3-8B79-37D633B846F1}">
+                <asvg:svgBlip xmlns:asvg="http://schemas.microsoft.com/office/drawing/2016/SVG/main" r:embed="rId3"/>
+              </a:ext>
+            </a:extLst>
+          </a:blip>
+          <a:stretch>
+            <a:fillRect/>
+          </a:stretch>
+        </p:blipFill>
+        <p:spPr>
+          <a:xfrm>
+            <a:off x="3526988" y="5507003"/>
+            <a:ext cx="171450" cy="171450"/>
+          </a:xfrm>
+          <a:prstGeom prst="rect">
+            <a:avLst/>
+          </a:prstGeom>
+        </p:spPr>
+      </p:pic>
+      <p:sp>
+        <p:nvSpPr>
+          <p:cNvPr id="131" name="テキスト ボックス 130">
+            <a:extLst>
+              <a:ext uri="{FF2B5EF4-FFF2-40B4-BE49-F238E27FC236}">
+                <a16:creationId xmlns:a16="http://schemas.microsoft.com/office/drawing/2014/main" id="{C3BF6A84-ADFE-4BC4-1A62-40AD4A61CAB1}"/>
+              </a:ext>
+            </a:extLst>
+          </p:cNvPr>
+          <p:cNvSpPr txBox="1"/>
+          <p:nvPr/>
+        </p:nvSpPr>
+        <p:spPr>
+          <a:xfrm>
+            <a:off x="3707014" y="5506464"/>
+            <a:ext cx="691109" cy="123111"/>
+          </a:xfrm>
+          <a:prstGeom prst="rect">
+            <a:avLst/>
+          </a:prstGeom>
+          <a:noFill/>
+        </p:spPr>
+        <p:txBody>
+          <a:bodyPr wrap="square" lIns="0" tIns="0" rIns="0" bIns="0" rtlCol="0">
+            <a:spAutoFit/>
+          </a:bodyPr>
+          <a:lstStyle/>
+          <a:p>
+            <a:r>
+              <a:rPr lang="ja-JP" altLang="en-US" sz="800" dirty="0">
+                <a:latin typeface="Yu Gothic UI" panose="020B0500000000000000" pitchFamily="50" charset="-128"/>
+                <a:ea typeface="Yu Gothic UI" panose="020B0500000000000000" pitchFamily="50" charset="-128"/>
+              </a:rPr>
+              <a:t>サブネット</a:t>
+            </a:r>
+            <a:endParaRPr kumimoji="1" lang="en-US" sz="800" dirty="0">
+              <a:latin typeface="Yu Gothic UI" panose="020B0500000000000000" pitchFamily="50" charset="-128"/>
+              <a:ea typeface="Yu Gothic UI" panose="020B0500000000000000" pitchFamily="50" charset="-128"/>
+            </a:endParaRPr>
+          </a:p>
+        </p:txBody>
+      </p:sp>
+      <p:pic>
+        <p:nvPicPr>
+          <p:cNvPr id="145" name="グラフィックス 144">
+            <a:extLst>
+              <a:ext uri="{FF2B5EF4-FFF2-40B4-BE49-F238E27FC236}">
+                <a16:creationId xmlns:a16="http://schemas.microsoft.com/office/drawing/2014/main" id="{7FAAD4FA-F59C-341C-16A2-4315FAED7F2C}"/>
+              </a:ext>
+            </a:extLst>
+          </p:cNvPr>
+          <p:cNvPicPr>
+            <a:picLocks noChangeAspect="1"/>
+          </p:cNvPicPr>
+          <p:nvPr/>
+        </p:nvPicPr>
+        <p:blipFill>
+          <a:blip r:embed="rId4">
+            <a:extLst>
+              <a:ext uri="{28A0092B-C50C-407E-A947-70E740481C1C}">
+                <a14:useLocalDpi xmlns:a14="http://schemas.microsoft.com/office/drawing/2010/main" val="0"/>
+              </a:ext>
+              <a:ext uri="{96DAC541-7B7A-43D3-8B79-37D633B846F1}">
+                <asvg:svgBlip xmlns:asvg="http://schemas.microsoft.com/office/drawing/2016/SVG/main" r:embed="rId5"/>
+              </a:ext>
+            </a:extLst>
+          </a:blip>
+          <a:stretch>
+            <a:fillRect/>
+          </a:stretch>
+        </p:blipFill>
+        <p:spPr>
+          <a:xfrm>
+            <a:off x="3725621" y="5801936"/>
+            <a:ext cx="270044" cy="270044"/>
+          </a:xfrm>
+          <a:prstGeom prst="rect">
+            <a:avLst/>
+          </a:prstGeom>
+        </p:spPr>
+      </p:pic>
+      <p:sp>
+        <p:nvSpPr>
+          <p:cNvPr id="146" name="テキスト ボックス 145">
+            <a:extLst>
+              <a:ext uri="{FF2B5EF4-FFF2-40B4-BE49-F238E27FC236}">
+                <a16:creationId xmlns:a16="http://schemas.microsoft.com/office/drawing/2014/main" id="{D2E673BE-D83A-AEA8-62C4-94975F9AA12A}"/>
+              </a:ext>
+            </a:extLst>
+          </p:cNvPr>
+          <p:cNvSpPr txBox="1"/>
+          <p:nvPr/>
+        </p:nvSpPr>
+        <p:spPr>
+          <a:xfrm>
+            <a:off x="3557567" y="6120724"/>
+            <a:ext cx="638713" cy="123111"/>
+          </a:xfrm>
+          <a:prstGeom prst="rect">
+            <a:avLst/>
+          </a:prstGeom>
+          <a:noFill/>
+        </p:spPr>
+        <p:txBody>
+          <a:bodyPr wrap="square" lIns="0" tIns="0" rIns="0" bIns="0" rtlCol="0">
+            <a:spAutoFit/>
+          </a:bodyPr>
+          <a:lstStyle/>
+          <a:p>
+            <a:pPr algn="ctr"/>
+            <a:r>
+              <a:rPr kumimoji="1" lang="ja-JP" altLang="en-US" sz="800" dirty="0">
+                <a:latin typeface="Yu Gothic UI" panose="020B0500000000000000" pitchFamily="50" charset="-128"/>
+                <a:ea typeface="Yu Gothic UI" panose="020B0500000000000000" pitchFamily="50" charset="-128"/>
+              </a:rPr>
+              <a:t>仮想マシン</a:t>
+            </a:r>
+            <a:endParaRPr kumimoji="1" lang="en-US" sz="800" dirty="0">
+              <a:latin typeface="Yu Gothic UI" panose="020B0500000000000000" pitchFamily="50" charset="-128"/>
+              <a:ea typeface="Yu Gothic UI" panose="020B0500000000000000" pitchFamily="50" charset="-128"/>
+            </a:endParaRPr>
+          </a:p>
+        </p:txBody>
+      </p:sp>
+      <p:pic>
+        <p:nvPicPr>
+          <p:cNvPr id="147" name="グラフィックス 146">
+            <a:extLst>
+              <a:ext uri="{FF2B5EF4-FFF2-40B4-BE49-F238E27FC236}">
+                <a16:creationId xmlns:a16="http://schemas.microsoft.com/office/drawing/2014/main" id="{BD47B7C9-9F5B-C46E-B0AF-95BC38C54E34}"/>
               </a:ext>
             </a:extLst>
           </p:cNvPr>
@@ -33032,7 +34461,7 @@
         </p:blipFill>
         <p:spPr>
           <a:xfrm>
-            <a:off x="3572243" y="4510198"/>
+            <a:off x="4096488" y="5716303"/>
             <a:ext cx="171450" cy="171450"/>
           </a:xfrm>
           <a:prstGeom prst="rect">
@@ -33040,205 +34469,53 @@
           </a:prstGeom>
         </p:spPr>
       </p:pic>
-      <p:graphicFrame>
-        <p:nvGraphicFramePr>
-          <p:cNvPr id="167" name="表 167">
-            <a:extLst>
-              <a:ext uri="{FF2B5EF4-FFF2-40B4-BE49-F238E27FC236}">
-                <a16:creationId xmlns:a16="http://schemas.microsoft.com/office/drawing/2014/main" id="{60DE6041-85E5-E38C-93C2-B4E410744AD7}"/>
-              </a:ext>
-            </a:extLst>
-          </p:cNvPr>
-          <p:cNvGraphicFramePr>
-            <a:graphicFrameLocks noGrp="1"/>
-          </p:cNvGraphicFramePr>
+      <p:cxnSp>
+        <p:nvCxnSpPr>
+          <p:cNvPr id="148" name="直線コネクタ 147">
+            <a:extLst>
+              <a:ext uri="{FF2B5EF4-FFF2-40B4-BE49-F238E27FC236}">
+                <a16:creationId xmlns:a16="http://schemas.microsoft.com/office/drawing/2014/main" id="{0890A7E1-6CBA-531E-9EE9-9F24E2D90170}"/>
+              </a:ext>
+            </a:extLst>
+          </p:cNvPr>
+          <p:cNvCxnSpPr>
+            <a:cxnSpLocks/>
+            <a:stCxn id="109" idx="3"/>
+            <a:endCxn id="105" idx="1"/>
+          </p:cNvCxnSpPr>
           <p:nvPr/>
-        </p:nvGraphicFramePr>
-        <p:xfrm>
-          <a:off x="2032000" y="719666"/>
-          <a:ext cx="8127999" cy="1483360"/>
-        </p:xfrm>
-        <a:graphic>
-          <a:graphicData uri="http://schemas.openxmlformats.org/drawingml/2006/table">
-            <a:tbl>
-              <a:tblPr firstRow="1" bandRow="1">
-                <a:tableStyleId>{5C22544A-7EE6-4342-B048-85BDC9FD1C3A}</a:tableStyleId>
-              </a:tblPr>
-              <a:tblGrid>
-                <a:gridCol w="2709333">
-                  <a:extLst>
-                    <a:ext uri="{9D8B030D-6E8A-4147-A177-3AD203B41FA5}">
-                      <a16:colId xmlns:a16="http://schemas.microsoft.com/office/drawing/2014/main" val="2728234996"/>
-                    </a:ext>
-                  </a:extLst>
-                </a:gridCol>
-                <a:gridCol w="2709333">
-                  <a:extLst>
-                    <a:ext uri="{9D8B030D-6E8A-4147-A177-3AD203B41FA5}">
-                      <a16:colId xmlns:a16="http://schemas.microsoft.com/office/drawing/2014/main" val="1387485363"/>
-                    </a:ext>
-                  </a:extLst>
-                </a:gridCol>
-                <a:gridCol w="2709333">
-                  <a:extLst>
-                    <a:ext uri="{9D8B030D-6E8A-4147-A177-3AD203B41FA5}">
-                      <a16:colId xmlns:a16="http://schemas.microsoft.com/office/drawing/2014/main" val="703667540"/>
-                    </a:ext>
-                  </a:extLst>
-                </a:gridCol>
-              </a:tblGrid>
-              <a:tr h="370840">
-                <a:tc>
-                  <a:txBody>
-                    <a:bodyPr/>
-                    <a:lstStyle/>
-                    <a:p>
-                      <a:endParaRPr kumimoji="1" lang="ja-JP" altLang="en-US"/>
-                    </a:p>
-                  </a:txBody>
-                  <a:tcPr/>
-                </a:tc>
-                <a:tc>
-                  <a:txBody>
-                    <a:bodyPr/>
-                    <a:lstStyle/>
-                    <a:p>
-                      <a:endParaRPr kumimoji="1" lang="ja-JP" altLang="en-US"/>
-                    </a:p>
-                  </a:txBody>
-                  <a:tcPr/>
-                </a:tc>
-                <a:tc>
-                  <a:txBody>
-                    <a:bodyPr/>
-                    <a:lstStyle/>
-                    <a:p>
-                      <a:endParaRPr kumimoji="1" lang="ja-JP" altLang="en-US"/>
-                    </a:p>
-                  </a:txBody>
-                  <a:tcPr/>
-                </a:tc>
-                <a:extLst>
-                  <a:ext uri="{0D108BD9-81ED-4DB2-BD59-A6C34878D82A}">
-                    <a16:rowId xmlns:a16="http://schemas.microsoft.com/office/drawing/2014/main" val="3407622243"/>
-                  </a:ext>
-                </a:extLst>
-              </a:tr>
-              <a:tr h="370840">
-                <a:tc>
-                  <a:txBody>
-                    <a:bodyPr/>
-                    <a:lstStyle/>
-                    <a:p>
-                      <a:endParaRPr kumimoji="1" lang="ja-JP" altLang="en-US"/>
-                    </a:p>
-                  </a:txBody>
-                  <a:tcPr/>
-                </a:tc>
-                <a:tc>
-                  <a:txBody>
-                    <a:bodyPr/>
-                    <a:lstStyle/>
-                    <a:p>
-                      <a:endParaRPr kumimoji="1" lang="ja-JP" altLang="en-US"/>
-                    </a:p>
-                  </a:txBody>
-                  <a:tcPr/>
-                </a:tc>
-                <a:tc>
-                  <a:txBody>
-                    <a:bodyPr/>
-                    <a:lstStyle/>
-                    <a:p>
-                      <a:endParaRPr kumimoji="1" lang="ja-JP" altLang="en-US"/>
-                    </a:p>
-                  </a:txBody>
-                  <a:tcPr/>
-                </a:tc>
-                <a:extLst>
-                  <a:ext uri="{0D108BD9-81ED-4DB2-BD59-A6C34878D82A}">
-                    <a16:rowId xmlns:a16="http://schemas.microsoft.com/office/drawing/2014/main" val="900501855"/>
-                  </a:ext>
-                </a:extLst>
-              </a:tr>
-              <a:tr h="370840">
-                <a:tc>
-                  <a:txBody>
-                    <a:bodyPr/>
-                    <a:lstStyle/>
-                    <a:p>
-                      <a:endParaRPr kumimoji="1" lang="ja-JP" altLang="en-US"/>
-                    </a:p>
-                  </a:txBody>
-                  <a:tcPr/>
-                </a:tc>
-                <a:tc>
-                  <a:txBody>
-                    <a:bodyPr/>
-                    <a:lstStyle/>
-                    <a:p>
-                      <a:endParaRPr kumimoji="1" lang="ja-JP" altLang="en-US"/>
-                    </a:p>
-                  </a:txBody>
-                  <a:tcPr/>
-                </a:tc>
-                <a:tc>
-                  <a:txBody>
-                    <a:bodyPr/>
-                    <a:lstStyle/>
-                    <a:p>
-                      <a:endParaRPr kumimoji="1" lang="ja-JP" altLang="en-US"/>
-                    </a:p>
-                  </a:txBody>
-                  <a:tcPr/>
-                </a:tc>
-                <a:extLst>
-                  <a:ext uri="{0D108BD9-81ED-4DB2-BD59-A6C34878D82A}">
-                    <a16:rowId xmlns:a16="http://schemas.microsoft.com/office/drawing/2014/main" val="3351327653"/>
-                  </a:ext>
-                </a:extLst>
-              </a:tr>
-              <a:tr h="370840">
-                <a:tc>
-                  <a:txBody>
-                    <a:bodyPr/>
-                    <a:lstStyle/>
-                    <a:p>
-                      <a:endParaRPr kumimoji="1" lang="ja-JP" altLang="en-US"/>
-                    </a:p>
-                  </a:txBody>
-                  <a:tcPr/>
-                </a:tc>
-                <a:tc>
-                  <a:txBody>
-                    <a:bodyPr/>
-                    <a:lstStyle/>
-                    <a:p>
-                      <a:endParaRPr kumimoji="1" lang="ja-JP" altLang="en-US"/>
-                    </a:p>
-                  </a:txBody>
-                  <a:tcPr/>
-                </a:tc>
-                <a:tc>
-                  <a:txBody>
-                    <a:bodyPr/>
-                    <a:lstStyle/>
-                    <a:p>
-                      <a:endParaRPr kumimoji="1" lang="ja-JP" altLang="en-US" dirty="0"/>
-                    </a:p>
-                  </a:txBody>
-                  <a:tcPr/>
-                </a:tc>
-                <a:extLst>
-                  <a:ext uri="{0D108BD9-81ED-4DB2-BD59-A6C34878D82A}">
-                    <a16:rowId xmlns:a16="http://schemas.microsoft.com/office/drawing/2014/main" val="205855114"/>
-                  </a:ext>
-                </a:extLst>
-              </a:tr>
-            </a:tbl>
-          </a:graphicData>
-        </a:graphic>
-      </p:graphicFrame>
+        </p:nvCxnSpPr>
+        <p:spPr>
+          <a:xfrm>
+            <a:off x="2639166" y="5043685"/>
+            <a:ext cx="850427" cy="950416"/>
+          </a:xfrm>
+          <a:prstGeom prst="line">
+            <a:avLst/>
+          </a:prstGeom>
+          <a:ln w="12700">
+            <a:solidFill>
+              <a:schemeClr val="accent5"/>
+            </a:solidFill>
+            <a:headEnd type="arrow" w="med" len="med"/>
+            <a:tailEnd type="arrow" w="med" len="med"/>
+          </a:ln>
+        </p:spPr>
+        <p:style>
+          <a:lnRef idx="1">
+            <a:schemeClr val="accent1"/>
+          </a:lnRef>
+          <a:fillRef idx="0">
+            <a:schemeClr val="accent1"/>
+          </a:fillRef>
+          <a:effectRef idx="0">
+            <a:schemeClr val="accent1"/>
+          </a:effectRef>
+          <a:fontRef idx="minor">
+            <a:schemeClr val="tx1"/>
+          </a:fontRef>
+        </p:style>
+      </p:cxnSp>
     </p:spTree>
     <p:extLst>
       <p:ext uri="{BB962C8B-B14F-4D97-AF65-F5344CB8AC3E}">

--- a/FTALive/Networking/images/figure.pptx
+++ b/FTALive/Networking/images/figure.pptx
@@ -271,7 +271,7 @@
           <a:p>
             <a:fld id="{4AE65B02-E09F-4E22-BC41-A59DD1D5D4D7}" type="datetimeFigureOut">
               <a:rPr kumimoji="1" lang="ja-JP" altLang="en-US" smtClean="0"/>
-              <a:t>2022/4/10</a:t>
+              <a:t>2022/4/11</a:t>
             </a:fld>
             <a:endParaRPr kumimoji="1" lang="ja-JP" altLang="en-US"/>
           </a:p>
@@ -501,7 +501,7 @@
           <a:p>
             <a:fld id="{4AE65B02-E09F-4E22-BC41-A59DD1D5D4D7}" type="datetimeFigureOut">
               <a:rPr kumimoji="1" lang="ja-JP" altLang="en-US" smtClean="0"/>
-              <a:t>2022/4/10</a:t>
+              <a:t>2022/4/11</a:t>
             </a:fld>
             <a:endParaRPr kumimoji="1" lang="ja-JP" altLang="en-US"/>
           </a:p>
@@ -741,7 +741,7 @@
           <a:p>
             <a:fld id="{4AE65B02-E09F-4E22-BC41-A59DD1D5D4D7}" type="datetimeFigureOut">
               <a:rPr kumimoji="1" lang="ja-JP" altLang="en-US" smtClean="0"/>
-              <a:t>2022/4/10</a:t>
+              <a:t>2022/4/11</a:t>
             </a:fld>
             <a:endParaRPr kumimoji="1" lang="ja-JP" altLang="en-US"/>
           </a:p>
@@ -971,7 +971,7 @@
           <a:p>
             <a:fld id="{4AE65B02-E09F-4E22-BC41-A59DD1D5D4D7}" type="datetimeFigureOut">
               <a:rPr kumimoji="1" lang="ja-JP" altLang="en-US" smtClean="0"/>
-              <a:t>2022/4/10</a:t>
+              <a:t>2022/4/11</a:t>
             </a:fld>
             <a:endParaRPr kumimoji="1" lang="ja-JP" altLang="en-US"/>
           </a:p>
@@ -1246,7 +1246,7 @@
           <a:p>
             <a:fld id="{4AE65B02-E09F-4E22-BC41-A59DD1D5D4D7}" type="datetimeFigureOut">
               <a:rPr kumimoji="1" lang="ja-JP" altLang="en-US" smtClean="0"/>
-              <a:t>2022/4/10</a:t>
+              <a:t>2022/4/11</a:t>
             </a:fld>
             <a:endParaRPr kumimoji="1" lang="ja-JP" altLang="en-US"/>
           </a:p>
@@ -1575,7 +1575,7 @@
           <a:p>
             <a:fld id="{4AE65B02-E09F-4E22-BC41-A59DD1D5D4D7}" type="datetimeFigureOut">
               <a:rPr kumimoji="1" lang="ja-JP" altLang="en-US" smtClean="0"/>
-              <a:t>2022/4/10</a:t>
+              <a:t>2022/4/11</a:t>
             </a:fld>
             <a:endParaRPr kumimoji="1" lang="ja-JP" altLang="en-US"/>
           </a:p>
@@ -2051,7 +2051,7 @@
           <a:p>
             <a:fld id="{4AE65B02-E09F-4E22-BC41-A59DD1D5D4D7}" type="datetimeFigureOut">
               <a:rPr kumimoji="1" lang="ja-JP" altLang="en-US" smtClean="0"/>
-              <a:t>2022/4/10</a:t>
+              <a:t>2022/4/11</a:t>
             </a:fld>
             <a:endParaRPr kumimoji="1" lang="ja-JP" altLang="en-US"/>
           </a:p>
@@ -2192,7 +2192,7 @@
           <a:p>
             <a:fld id="{4AE65B02-E09F-4E22-BC41-A59DD1D5D4D7}" type="datetimeFigureOut">
               <a:rPr kumimoji="1" lang="ja-JP" altLang="en-US" smtClean="0"/>
-              <a:t>2022/4/10</a:t>
+              <a:t>2022/4/11</a:t>
             </a:fld>
             <a:endParaRPr kumimoji="1" lang="ja-JP" altLang="en-US"/>
           </a:p>
@@ -2305,7 +2305,7 @@
           <a:p>
             <a:fld id="{4AE65B02-E09F-4E22-BC41-A59DD1D5D4D7}" type="datetimeFigureOut">
               <a:rPr kumimoji="1" lang="ja-JP" altLang="en-US" smtClean="0"/>
-              <a:t>2022/4/10</a:t>
+              <a:t>2022/4/11</a:t>
             </a:fld>
             <a:endParaRPr kumimoji="1" lang="ja-JP" altLang="en-US"/>
           </a:p>
@@ -2648,7 +2648,7 @@
           <a:p>
             <a:fld id="{4AE65B02-E09F-4E22-BC41-A59DD1D5D4D7}" type="datetimeFigureOut">
               <a:rPr kumimoji="1" lang="ja-JP" altLang="en-US" smtClean="0"/>
-              <a:t>2022/4/10</a:t>
+              <a:t>2022/4/11</a:t>
             </a:fld>
             <a:endParaRPr kumimoji="1" lang="ja-JP" altLang="en-US"/>
           </a:p>
@@ -2936,7 +2936,7 @@
           <a:p>
             <a:fld id="{4AE65B02-E09F-4E22-BC41-A59DD1D5D4D7}" type="datetimeFigureOut">
               <a:rPr kumimoji="1" lang="ja-JP" altLang="en-US" smtClean="0"/>
-              <a:t>2022/4/10</a:t>
+              <a:t>2022/4/11</a:t>
             </a:fld>
             <a:endParaRPr kumimoji="1" lang="ja-JP" altLang="en-US"/>
           </a:p>
@@ -3209,7 +3209,7 @@
           <a:p>
             <a:fld id="{4AE65B02-E09F-4E22-BC41-A59DD1D5D4D7}" type="datetimeFigureOut">
               <a:rPr kumimoji="1" lang="ja-JP" altLang="en-US" smtClean="0"/>
-              <a:t>2022/4/10</a:t>
+              <a:t>2022/4/11</a:t>
             </a:fld>
             <a:endParaRPr kumimoji="1" lang="ja-JP" altLang="en-US"/>
           </a:p>
@@ -4469,7 +4469,7 @@
         <p:spPr>
           <a:xfrm>
             <a:off x="8390462" y="1960955"/>
-            <a:ext cx="1982874" cy="1624140"/>
+            <a:ext cx="1982874" cy="1658008"/>
           </a:xfrm>
           <a:prstGeom prst="roundRect">
             <a:avLst>
@@ -4528,7 +4528,7 @@
         </p:nvSpPr>
         <p:spPr>
           <a:xfrm>
-            <a:off x="8970133" y="1944986"/>
+            <a:off x="8930870" y="1944986"/>
             <a:ext cx="864339" cy="369332"/>
           </a:xfrm>
           <a:prstGeom prst="rect">
@@ -4759,7 +4759,7 @@
         </p:blipFill>
         <p:spPr>
           <a:xfrm>
-            <a:off x="7557349" y="2668408"/>
+            <a:off x="7557349" y="3513064"/>
             <a:ext cx="307733" cy="307733"/>
           </a:xfrm>
           <a:prstGeom prst="rect">
@@ -4837,7 +4837,7 @@
         </p:blipFill>
         <p:spPr>
           <a:xfrm>
-            <a:off x="7557349" y="3527576"/>
+            <a:off x="7557349" y="2662131"/>
             <a:ext cx="307733" cy="307733"/>
           </a:xfrm>
           <a:prstGeom prst="rect">
@@ -5032,7 +5032,7 @@
         </p:blipFill>
         <p:spPr>
           <a:xfrm>
-            <a:off x="9258033" y="2233489"/>
+            <a:off x="9218770" y="2233489"/>
             <a:ext cx="361028" cy="361028"/>
           </a:xfrm>
           <a:prstGeom prst="rect">
@@ -5071,7 +5071,7 @@
         </p:blipFill>
         <p:spPr>
           <a:xfrm>
-            <a:off x="9790999" y="2837634"/>
+            <a:off x="9690602" y="2837634"/>
             <a:ext cx="361028" cy="361028"/>
           </a:xfrm>
           <a:prstGeom prst="rect">
@@ -5110,7 +5110,7 @@
         </p:blipFill>
         <p:spPr>
           <a:xfrm>
-            <a:off x="8789619" y="2825151"/>
+            <a:off x="8689222" y="2825151"/>
             <a:ext cx="361028" cy="361028"/>
           </a:xfrm>
           <a:prstGeom prst="rect">
@@ -5344,7 +5344,7 @@
         </p:blipFill>
         <p:spPr>
           <a:xfrm>
-            <a:off x="9590718" y="4014475"/>
+            <a:off x="9638500" y="3987157"/>
             <a:ext cx="307732" cy="307732"/>
           </a:xfrm>
           <a:prstGeom prst="rect">
@@ -5969,7 +5969,7 @@
         </p:nvSpPr>
         <p:spPr>
           <a:xfrm>
-            <a:off x="7357145" y="3001553"/>
+            <a:off x="7357145" y="3846209"/>
             <a:ext cx="756938" cy="461665"/>
           </a:xfrm>
           <a:prstGeom prst="rect">
@@ -6257,7 +6257,7 @@
         </p:nvSpPr>
         <p:spPr>
           <a:xfrm>
-            <a:off x="7437822" y="3962206"/>
+            <a:off x="7436437" y="3064125"/>
             <a:ext cx="546786" cy="276999"/>
           </a:xfrm>
           <a:prstGeom prst="rect">
@@ -6682,7 +6682,7 @@
         </p:nvSpPr>
         <p:spPr>
           <a:xfrm>
-            <a:off x="8956983" y="2565897"/>
+            <a:off x="8917720" y="2565897"/>
             <a:ext cx="954108" cy="276999"/>
           </a:xfrm>
           <a:prstGeom prst="rect">
@@ -6732,7 +6732,7 @@
         </p:nvSpPr>
         <p:spPr>
           <a:xfrm>
-            <a:off x="8581641" y="3155596"/>
+            <a:off x="8481244" y="3155596"/>
             <a:ext cx="811441" cy="461665"/>
           </a:xfrm>
           <a:prstGeom prst="rect">
@@ -6795,7 +6795,7 @@
         </p:nvSpPr>
         <p:spPr>
           <a:xfrm>
-            <a:off x="9485390" y="3251499"/>
+            <a:off x="9384993" y="3251499"/>
             <a:ext cx="950902" cy="276999"/>
           </a:xfrm>
           <a:prstGeom prst="rect">
@@ -7232,6 +7232,511 @@
               <a:latin typeface="Yu Gothic UI" panose="020B0500000000000000" pitchFamily="50" charset="-128"/>
               <a:ea typeface="Yu Gothic UI" panose="020B0500000000000000" pitchFamily="50" charset="-128"/>
             </a:endParaRPr>
+          </a:p>
+        </p:txBody>
+      </p:sp>
+      <p:sp>
+        <p:nvSpPr>
+          <p:cNvPr id="99" name="フリーフォーム: 図形 98">
+            <a:extLst>
+              <a:ext uri="{FF2B5EF4-FFF2-40B4-BE49-F238E27FC236}">
+                <a16:creationId xmlns:a16="http://schemas.microsoft.com/office/drawing/2014/main" id="{9CC0DEAE-CAFF-1695-06BD-99D6243B3244}"/>
+              </a:ext>
+            </a:extLst>
+          </p:cNvPr>
+          <p:cNvSpPr/>
+          <p:nvPr/>
+        </p:nvSpPr>
+        <p:spPr>
+          <a:xfrm>
+            <a:off x="5494525" y="1808672"/>
+            <a:ext cx="2603907" cy="2522867"/>
+          </a:xfrm>
+          <a:custGeom>
+            <a:avLst/>
+            <a:gdLst>
+              <a:gd name="connsiteX0" fmla="*/ 0 w 2603907"/>
+              <a:gd name="connsiteY0" fmla="*/ 0 h 2522867"/>
+              <a:gd name="connsiteX1" fmla="*/ 2603907 w 2603907"/>
+              <a:gd name="connsiteY1" fmla="*/ 0 h 2522867"/>
+              <a:gd name="connsiteX2" fmla="*/ 2603907 w 2603907"/>
+              <a:gd name="connsiteY2" fmla="*/ 832959 h 2522867"/>
+              <a:gd name="connsiteX3" fmla="*/ 897575 w 2603907"/>
+              <a:gd name="connsiteY3" fmla="*/ 832959 h 2522867"/>
+              <a:gd name="connsiteX4" fmla="*/ 897575 w 2603907"/>
+              <a:gd name="connsiteY4" fmla="*/ 2522867 h 2522867"/>
+              <a:gd name="connsiteX5" fmla="*/ 1 w 2603907"/>
+              <a:gd name="connsiteY5" fmla="*/ 2522867 h 2522867"/>
+              <a:gd name="connsiteX6" fmla="*/ 1 w 2603907"/>
+              <a:gd name="connsiteY6" fmla="*/ 832959 h 2522867"/>
+              <a:gd name="connsiteX7" fmla="*/ 0 w 2603907"/>
+              <a:gd name="connsiteY7" fmla="*/ 832959 h 2522867"/>
+            </a:gdLst>
+            <a:ahLst/>
+            <a:cxnLst>
+              <a:cxn ang="0">
+                <a:pos x="connsiteX0" y="connsiteY0"/>
+              </a:cxn>
+              <a:cxn ang="0">
+                <a:pos x="connsiteX1" y="connsiteY1"/>
+              </a:cxn>
+              <a:cxn ang="0">
+                <a:pos x="connsiteX2" y="connsiteY2"/>
+              </a:cxn>
+              <a:cxn ang="0">
+                <a:pos x="connsiteX3" y="connsiteY3"/>
+              </a:cxn>
+              <a:cxn ang="0">
+                <a:pos x="connsiteX4" y="connsiteY4"/>
+              </a:cxn>
+              <a:cxn ang="0">
+                <a:pos x="connsiteX5" y="connsiteY5"/>
+              </a:cxn>
+              <a:cxn ang="0">
+                <a:pos x="connsiteX6" y="connsiteY6"/>
+              </a:cxn>
+              <a:cxn ang="0">
+                <a:pos x="connsiteX7" y="connsiteY7"/>
+              </a:cxn>
+            </a:cxnLst>
+            <a:rect l="l" t="t" r="r" b="b"/>
+            <a:pathLst>
+              <a:path w="2603907" h="2522867">
+                <a:moveTo>
+                  <a:pt x="0" y="0"/>
+                </a:moveTo>
+                <a:lnTo>
+                  <a:pt x="2603907" y="0"/>
+                </a:lnTo>
+                <a:lnTo>
+                  <a:pt x="2603907" y="832959"/>
+                </a:lnTo>
+                <a:lnTo>
+                  <a:pt x="897575" y="832959"/>
+                </a:lnTo>
+                <a:lnTo>
+                  <a:pt x="897575" y="2522867"/>
+                </a:lnTo>
+                <a:lnTo>
+                  <a:pt x="1" y="2522867"/>
+                </a:lnTo>
+                <a:lnTo>
+                  <a:pt x="1" y="832959"/>
+                </a:lnTo>
+                <a:lnTo>
+                  <a:pt x="0" y="832959"/>
+                </a:lnTo>
+                <a:close/>
+              </a:path>
+            </a:pathLst>
+          </a:custGeom>
+          <a:noFill/>
+          <a:ln>
+            <a:solidFill>
+              <a:srgbClr val="FF0000"/>
+            </a:solidFill>
+          </a:ln>
+        </p:spPr>
+        <p:style>
+          <a:lnRef idx="2">
+            <a:schemeClr val="accent1">
+              <a:shade val="50000"/>
+            </a:schemeClr>
+          </a:lnRef>
+          <a:fillRef idx="1">
+            <a:schemeClr val="accent1"/>
+          </a:fillRef>
+          <a:effectRef idx="0">
+            <a:schemeClr val="accent1"/>
+          </a:effectRef>
+          <a:fontRef idx="minor">
+            <a:schemeClr val="lt1"/>
+          </a:fontRef>
+        </p:style>
+        <p:txBody>
+          <a:bodyPr wrap="square" rtlCol="0" anchor="ctr">
+            <a:noAutofit/>
+          </a:bodyPr>
+          <a:lstStyle/>
+          <a:p>
+            <a:pPr algn="ctr"/>
+            <a:endParaRPr kumimoji="1" lang="ja-JP" altLang="en-US"/>
+          </a:p>
+        </p:txBody>
+      </p:sp>
+      <p:sp>
+        <p:nvSpPr>
+          <p:cNvPr id="95" name="正方形/長方形 94">
+            <a:extLst>
+              <a:ext uri="{FF2B5EF4-FFF2-40B4-BE49-F238E27FC236}">
+                <a16:creationId xmlns:a16="http://schemas.microsoft.com/office/drawing/2014/main" id="{483F60A9-7092-07D9-145B-EA46CA6D602C}"/>
+              </a:ext>
+            </a:extLst>
+          </p:cNvPr>
+          <p:cNvSpPr/>
+          <p:nvPr/>
+        </p:nvSpPr>
+        <p:spPr>
+          <a:xfrm>
+            <a:off x="3699788" y="2223752"/>
+            <a:ext cx="1135957" cy="2565267"/>
+          </a:xfrm>
+          <a:prstGeom prst="rect">
+            <a:avLst/>
+          </a:prstGeom>
+          <a:noFill/>
+          <a:ln>
+            <a:solidFill>
+              <a:srgbClr val="FF0000"/>
+            </a:solidFill>
+          </a:ln>
+        </p:spPr>
+        <p:style>
+          <a:lnRef idx="2">
+            <a:schemeClr val="accent1">
+              <a:shade val="50000"/>
+            </a:schemeClr>
+          </a:lnRef>
+          <a:fillRef idx="1">
+            <a:schemeClr val="accent1"/>
+          </a:fillRef>
+          <a:effectRef idx="0">
+            <a:schemeClr val="accent1"/>
+          </a:effectRef>
+          <a:fontRef idx="minor">
+            <a:schemeClr val="lt1"/>
+          </a:fontRef>
+        </p:style>
+        <p:txBody>
+          <a:bodyPr rtlCol="0" anchor="ctr"/>
+          <a:lstStyle/>
+          <a:p>
+            <a:pPr algn="ctr"/>
+            <a:endParaRPr kumimoji="1" lang="ja-JP" altLang="en-US"/>
+          </a:p>
+        </p:txBody>
+      </p:sp>
+      <p:sp>
+        <p:nvSpPr>
+          <p:cNvPr id="109" name="正方形/長方形 108">
+            <a:extLst>
+              <a:ext uri="{FF2B5EF4-FFF2-40B4-BE49-F238E27FC236}">
+                <a16:creationId xmlns:a16="http://schemas.microsoft.com/office/drawing/2014/main" id="{221F9FD6-AD08-89AC-E7EA-6CC5B5E02AC0}"/>
+              </a:ext>
+            </a:extLst>
+          </p:cNvPr>
+          <p:cNvSpPr/>
+          <p:nvPr/>
+        </p:nvSpPr>
+        <p:spPr>
+          <a:xfrm>
+            <a:off x="6477255" y="3479432"/>
+            <a:ext cx="1621178" cy="852107"/>
+          </a:xfrm>
+          <a:prstGeom prst="rect">
+            <a:avLst/>
+          </a:prstGeom>
+          <a:noFill/>
+          <a:ln>
+            <a:solidFill>
+              <a:schemeClr val="accent6"/>
+            </a:solidFill>
+          </a:ln>
+        </p:spPr>
+        <p:style>
+          <a:lnRef idx="2">
+            <a:schemeClr val="accent1">
+              <a:shade val="50000"/>
+            </a:schemeClr>
+          </a:lnRef>
+          <a:fillRef idx="1">
+            <a:schemeClr val="accent1"/>
+          </a:fillRef>
+          <a:effectRef idx="0">
+            <a:schemeClr val="accent1"/>
+          </a:effectRef>
+          <a:fontRef idx="minor">
+            <a:schemeClr val="lt1"/>
+          </a:fontRef>
+        </p:style>
+        <p:txBody>
+          <a:bodyPr rtlCol="0" anchor="ctr"/>
+          <a:lstStyle/>
+          <a:p>
+            <a:pPr algn="ctr"/>
+            <a:endParaRPr kumimoji="1" lang="ja-JP" altLang="en-US"/>
+          </a:p>
+        </p:txBody>
+      </p:sp>
+      <p:sp>
+        <p:nvSpPr>
+          <p:cNvPr id="112" name="正方形/長方形 111">
+            <a:extLst>
+              <a:ext uri="{FF2B5EF4-FFF2-40B4-BE49-F238E27FC236}">
+                <a16:creationId xmlns:a16="http://schemas.microsoft.com/office/drawing/2014/main" id="{80189DE0-3E32-773D-125A-46EC9F29F4B1}"/>
+              </a:ext>
+            </a:extLst>
+          </p:cNvPr>
+          <p:cNvSpPr/>
+          <p:nvPr/>
+        </p:nvSpPr>
+        <p:spPr>
+          <a:xfrm>
+            <a:off x="8505476" y="2805063"/>
+            <a:ext cx="1771238" cy="770971"/>
+          </a:xfrm>
+          <a:prstGeom prst="rect">
+            <a:avLst/>
+          </a:prstGeom>
+          <a:noFill/>
+          <a:ln>
+            <a:solidFill>
+              <a:schemeClr val="accent6"/>
+            </a:solidFill>
+          </a:ln>
+        </p:spPr>
+        <p:style>
+          <a:lnRef idx="2">
+            <a:schemeClr val="accent1">
+              <a:shade val="50000"/>
+            </a:schemeClr>
+          </a:lnRef>
+          <a:fillRef idx="1">
+            <a:schemeClr val="accent1"/>
+          </a:fillRef>
+          <a:effectRef idx="0">
+            <a:schemeClr val="accent1"/>
+          </a:effectRef>
+          <a:fontRef idx="minor">
+            <a:schemeClr val="lt1"/>
+          </a:fontRef>
+        </p:style>
+        <p:txBody>
+          <a:bodyPr rtlCol="0" anchor="ctr"/>
+          <a:lstStyle/>
+          <a:p>
+            <a:pPr algn="ctr"/>
+            <a:endParaRPr kumimoji="1" lang="ja-JP" altLang="en-US"/>
+          </a:p>
+        </p:txBody>
+      </p:sp>
+      <p:sp>
+        <p:nvSpPr>
+          <p:cNvPr id="9" name="吹き出し: 角を丸めた四角形 8">
+            <a:extLst>
+              <a:ext uri="{FF2B5EF4-FFF2-40B4-BE49-F238E27FC236}">
+                <a16:creationId xmlns:a16="http://schemas.microsoft.com/office/drawing/2014/main" id="{A93295D5-7026-C48F-5E52-A493BE6EBD89}"/>
+              </a:ext>
+            </a:extLst>
+          </p:cNvPr>
+          <p:cNvSpPr/>
+          <p:nvPr/>
+        </p:nvSpPr>
+        <p:spPr>
+          <a:xfrm>
+            <a:off x="505579" y="2182090"/>
+            <a:ext cx="2300496" cy="882035"/>
+          </a:xfrm>
+          <a:prstGeom prst="wedgeRoundRectCallout">
+            <a:avLst>
+              <a:gd name="adj1" fmla="val 88738"/>
+              <a:gd name="adj2" fmla="val 44353"/>
+              <a:gd name="adj3" fmla="val 16667"/>
+            </a:avLst>
+          </a:prstGeom>
+          <a:solidFill>
+            <a:schemeClr val="accent2">
+              <a:lumMod val="20000"/>
+              <a:lumOff val="80000"/>
+            </a:schemeClr>
+          </a:solidFill>
+          <a:ln>
+            <a:solidFill>
+              <a:srgbClr val="FF0000"/>
+            </a:solidFill>
+          </a:ln>
+        </p:spPr>
+        <p:style>
+          <a:lnRef idx="2">
+            <a:schemeClr val="accent1">
+              <a:shade val="50000"/>
+            </a:schemeClr>
+          </a:lnRef>
+          <a:fillRef idx="1">
+            <a:schemeClr val="accent1"/>
+          </a:fillRef>
+          <a:effectRef idx="0">
+            <a:schemeClr val="accent1"/>
+          </a:effectRef>
+          <a:fontRef idx="minor">
+            <a:schemeClr val="lt1"/>
+          </a:fontRef>
+        </p:style>
+        <p:txBody>
+          <a:bodyPr rtlCol="0" anchor="ctr"/>
+          <a:lstStyle/>
+          <a:p>
+            <a:pPr algn="ctr"/>
+            <a:r>
+              <a:rPr kumimoji="1" lang="ja-JP" altLang="en-US" sz="1600" b="1" dirty="0">
+                <a:solidFill>
+                  <a:sysClr val="windowText" lastClr="000000"/>
+                </a:solidFill>
+              </a:rPr>
+              <a:t>ハイブリッドネットワーク編</a:t>
+            </a:r>
+            <a:endParaRPr kumimoji="1" lang="en-US" altLang="ja-JP" sz="1600" b="1" dirty="0">
+              <a:solidFill>
+                <a:sysClr val="windowText" lastClr="000000"/>
+              </a:solidFill>
+            </a:endParaRPr>
+          </a:p>
+          <a:p>
+            <a:pPr algn="ctr"/>
+            <a:r>
+              <a:rPr kumimoji="1" lang="ja-JP" altLang="en-US" sz="1600" dirty="0">
+                <a:solidFill>
+                  <a:sysClr val="windowText" lastClr="000000"/>
+                </a:solidFill>
+              </a:rPr>
+              <a:t>で説明する機能</a:t>
+            </a:r>
+          </a:p>
+        </p:txBody>
+      </p:sp>
+      <p:sp>
+        <p:nvSpPr>
+          <p:cNvPr id="113" name="吹き出し: 角を丸めた四角形 112">
+            <a:extLst>
+              <a:ext uri="{FF2B5EF4-FFF2-40B4-BE49-F238E27FC236}">
+                <a16:creationId xmlns:a16="http://schemas.microsoft.com/office/drawing/2014/main" id="{CEAEEA99-E7B8-3AC0-6ACB-719F96B7F672}"/>
+              </a:ext>
+            </a:extLst>
+          </p:cNvPr>
+          <p:cNvSpPr/>
+          <p:nvPr/>
+        </p:nvSpPr>
+        <p:spPr>
+          <a:xfrm>
+            <a:off x="9989917" y="1621724"/>
+            <a:ext cx="2126369" cy="882035"/>
+          </a:xfrm>
+          <a:prstGeom prst="wedgeRoundRectCallout">
+            <a:avLst>
+              <a:gd name="adj1" fmla="val -49002"/>
+              <a:gd name="adj2" fmla="val 83777"/>
+              <a:gd name="adj3" fmla="val 16667"/>
+            </a:avLst>
+          </a:prstGeom>
+          <a:solidFill>
+            <a:schemeClr val="accent6">
+              <a:lumMod val="20000"/>
+              <a:lumOff val="80000"/>
+            </a:schemeClr>
+          </a:solidFill>
+          <a:ln>
+            <a:solidFill>
+              <a:schemeClr val="accent6"/>
+            </a:solidFill>
+          </a:ln>
+        </p:spPr>
+        <p:style>
+          <a:lnRef idx="2">
+            <a:schemeClr val="accent1">
+              <a:shade val="50000"/>
+            </a:schemeClr>
+          </a:lnRef>
+          <a:fillRef idx="1">
+            <a:schemeClr val="accent1"/>
+          </a:fillRef>
+          <a:effectRef idx="0">
+            <a:schemeClr val="accent1"/>
+          </a:effectRef>
+          <a:fontRef idx="minor">
+            <a:schemeClr val="lt1"/>
+          </a:fontRef>
+        </p:style>
+        <p:txBody>
+          <a:bodyPr rtlCol="0" anchor="ctr"/>
+          <a:lstStyle/>
+          <a:p>
+            <a:pPr algn="ctr"/>
+            <a:r>
+              <a:rPr kumimoji="1" lang="ja-JP" altLang="en-US" sz="1600" b="1" dirty="0">
+                <a:solidFill>
+                  <a:sysClr val="windowText" lastClr="000000"/>
+                </a:solidFill>
+              </a:rPr>
+              <a:t>アプリケーション配信編</a:t>
+            </a:r>
+            <a:endParaRPr kumimoji="1" lang="en-US" altLang="ja-JP" sz="1600" b="1" dirty="0">
+              <a:solidFill>
+                <a:sysClr val="windowText" lastClr="000000"/>
+              </a:solidFill>
+            </a:endParaRPr>
+          </a:p>
+          <a:p>
+            <a:pPr algn="ctr"/>
+            <a:r>
+              <a:rPr kumimoji="1" lang="ja-JP" altLang="en-US" sz="1600" dirty="0">
+                <a:solidFill>
+                  <a:sysClr val="windowText" lastClr="000000"/>
+                </a:solidFill>
+              </a:rPr>
+              <a:t>で説明する機能</a:t>
+            </a:r>
+          </a:p>
+        </p:txBody>
+      </p:sp>
+      <p:sp>
+        <p:nvSpPr>
+          <p:cNvPr id="114" name="正方形/長方形 113">
+            <a:extLst>
+              <a:ext uri="{FF2B5EF4-FFF2-40B4-BE49-F238E27FC236}">
+                <a16:creationId xmlns:a16="http://schemas.microsoft.com/office/drawing/2014/main" id="{587F73D6-CDE4-84B9-F3F3-F4147760F04A}"/>
+              </a:ext>
+            </a:extLst>
+          </p:cNvPr>
+          <p:cNvSpPr/>
+          <p:nvPr/>
+        </p:nvSpPr>
+        <p:spPr>
+          <a:xfrm>
+            <a:off x="9490988" y="3949521"/>
+            <a:ext cx="580291" cy="729804"/>
+          </a:xfrm>
+          <a:prstGeom prst="rect">
+            <a:avLst/>
+          </a:prstGeom>
+          <a:noFill/>
+          <a:ln>
+            <a:solidFill>
+              <a:srgbClr val="FF0000"/>
+            </a:solidFill>
+          </a:ln>
+        </p:spPr>
+        <p:style>
+          <a:lnRef idx="2">
+            <a:schemeClr val="accent1">
+              <a:shade val="50000"/>
+            </a:schemeClr>
+          </a:lnRef>
+          <a:fillRef idx="1">
+            <a:schemeClr val="accent1"/>
+          </a:fillRef>
+          <a:effectRef idx="0">
+            <a:schemeClr val="accent1"/>
+          </a:effectRef>
+          <a:fontRef idx="minor">
+            <a:schemeClr val="lt1"/>
+          </a:fontRef>
+        </p:style>
+        <p:txBody>
+          <a:bodyPr rtlCol="0" anchor="ctr"/>
+          <a:lstStyle/>
+          <a:p>
+            <a:pPr algn="ctr"/>
+            <a:endParaRPr kumimoji="1" lang="ja-JP" altLang="en-US"/>
           </a:p>
         </p:txBody>
       </p:sp>

--- a/FTALive/Networking/images/figure.pptx
+++ b/FTALive/Networking/images/figure.pptx
@@ -35051,6 +35051,3395 @@
           <a:chExt cx="0" cy="0"/>
         </a:xfrm>
       </p:grpSpPr>
+      <p:grpSp>
+        <p:nvGrpSpPr>
+          <p:cNvPr id="4" name="グループ化 3">
+            <a:extLst>
+              <a:ext uri="{FF2B5EF4-FFF2-40B4-BE49-F238E27FC236}">
+                <a16:creationId xmlns:a16="http://schemas.microsoft.com/office/drawing/2014/main" id="{BA6F3D85-21E7-E6BD-1F01-EC4357C4926D}"/>
+              </a:ext>
+            </a:extLst>
+          </p:cNvPr>
+          <p:cNvGrpSpPr/>
+          <p:nvPr/>
+        </p:nvGrpSpPr>
+        <p:grpSpPr>
+          <a:xfrm>
+            <a:off x="4619387" y="1881455"/>
+            <a:ext cx="444835" cy="271844"/>
+            <a:chOff x="1944688" y="350838"/>
+            <a:chExt cx="571501" cy="349251"/>
+          </a:xfrm>
+        </p:grpSpPr>
+        <p:sp>
+          <p:nvSpPr>
+            <p:cNvPr id="5" name="Rectangle 20">
+              <a:extLst>
+                <a:ext uri="{FF2B5EF4-FFF2-40B4-BE49-F238E27FC236}">
+                  <a16:creationId xmlns:a16="http://schemas.microsoft.com/office/drawing/2014/main" id="{5977B668-5485-4A43-A48A-D8F61B2612E9}"/>
+                </a:ext>
+              </a:extLst>
+            </p:cNvPr>
+            <p:cNvSpPr>
+              <a:spLocks noChangeArrowheads="1"/>
+            </p:cNvSpPr>
+            <p:nvPr/>
+          </p:nvSpPr>
+          <p:spPr bwMode="auto">
+            <a:xfrm>
+              <a:off x="2055813" y="614363"/>
+              <a:ext cx="354013" cy="42863"/>
+            </a:xfrm>
+            <a:prstGeom prst="rect">
+              <a:avLst/>
+            </a:prstGeom>
+            <a:solidFill>
+              <a:srgbClr val="68217A"/>
+            </a:solidFill>
+            <a:ln>
+              <a:noFill/>
+            </a:ln>
+            <a:extLst>
+              <a:ext uri="{91240B29-F687-4F45-9708-019B960494DF}">
+                <a14:hiddenLine xmlns:a14="http://schemas.microsoft.com/office/drawing/2010/main" w="9525">
+                  <a:solidFill>
+                    <a:srgbClr val="000000"/>
+                  </a:solidFill>
+                  <a:miter lim="800000"/>
+                  <a:headEnd/>
+                  <a:tailEnd/>
+                </a14:hiddenLine>
+              </a:ext>
+            </a:extLst>
+          </p:spPr>
+          <p:txBody>
+            <a:bodyPr vert="horz" wrap="square" lIns="91440" tIns="45720" rIns="91440" bIns="45720" numCol="1" anchor="t" anchorCtr="0" compatLnSpc="1">
+              <a:prstTxWarp prst="textNoShape">
+                <a:avLst/>
+              </a:prstTxWarp>
+            </a:bodyPr>
+            <a:lstStyle/>
+            <a:p>
+              <a:endParaRPr lang="ja-JP" altLang="en-US">
+                <a:latin typeface="Yu Gothic UI" panose="020B0500000000000000" pitchFamily="50" charset="-128"/>
+                <a:ea typeface="Yu Gothic UI" panose="020B0500000000000000" pitchFamily="50" charset="-128"/>
+              </a:endParaRPr>
+            </a:p>
+          </p:txBody>
+        </p:sp>
+        <p:sp>
+          <p:nvSpPr>
+            <p:cNvPr id="6" name="Freeform 21">
+              <a:extLst>
+                <a:ext uri="{FF2B5EF4-FFF2-40B4-BE49-F238E27FC236}">
+                  <a16:creationId xmlns:a16="http://schemas.microsoft.com/office/drawing/2014/main" id="{120BAAD7-8951-8461-1DC7-CFF195F8BF06}"/>
+                </a:ext>
+              </a:extLst>
+            </p:cNvPr>
+            <p:cNvSpPr>
+              <a:spLocks/>
+            </p:cNvSpPr>
+            <p:nvPr/>
+          </p:nvSpPr>
+          <p:spPr bwMode="auto">
+            <a:xfrm>
+              <a:off x="2012951" y="428626"/>
+              <a:ext cx="203200" cy="200025"/>
+            </a:xfrm>
+            <a:custGeom>
+              <a:avLst/>
+              <a:gdLst>
+                <a:gd name="T0" fmla="*/ 0 w 128"/>
+                <a:gd name="T1" fmla="*/ 108 h 126"/>
+                <a:gd name="T2" fmla="*/ 108 w 128"/>
+                <a:gd name="T3" fmla="*/ 0 h 126"/>
+                <a:gd name="T4" fmla="*/ 128 w 128"/>
+                <a:gd name="T5" fmla="*/ 18 h 126"/>
+                <a:gd name="T6" fmla="*/ 20 w 128"/>
+                <a:gd name="T7" fmla="*/ 126 h 126"/>
+                <a:gd name="T8" fmla="*/ 0 w 128"/>
+                <a:gd name="T9" fmla="*/ 108 h 126"/>
+              </a:gdLst>
+              <a:ahLst/>
+              <a:cxnLst>
+                <a:cxn ang="0">
+                  <a:pos x="T0" y="T1"/>
+                </a:cxn>
+                <a:cxn ang="0">
+                  <a:pos x="T2" y="T3"/>
+                </a:cxn>
+                <a:cxn ang="0">
+                  <a:pos x="T4" y="T5"/>
+                </a:cxn>
+                <a:cxn ang="0">
+                  <a:pos x="T6" y="T7"/>
+                </a:cxn>
+                <a:cxn ang="0">
+                  <a:pos x="T8" y="T9"/>
+                </a:cxn>
+              </a:cxnLst>
+              <a:rect l="0" t="0" r="r" b="b"/>
+              <a:pathLst>
+                <a:path w="128" h="126">
+                  <a:moveTo>
+                    <a:pt x="0" y="108"/>
+                  </a:moveTo>
+                  <a:lnTo>
+                    <a:pt x="108" y="0"/>
+                  </a:lnTo>
+                  <a:lnTo>
+                    <a:pt x="128" y="18"/>
+                  </a:lnTo>
+                  <a:lnTo>
+                    <a:pt x="20" y="126"/>
+                  </a:lnTo>
+                  <a:lnTo>
+                    <a:pt x="0" y="108"/>
+                  </a:lnTo>
+                  <a:close/>
+                </a:path>
+              </a:pathLst>
+            </a:custGeom>
+            <a:solidFill>
+              <a:srgbClr val="68217A"/>
+            </a:solidFill>
+            <a:ln>
+              <a:noFill/>
+            </a:ln>
+            <a:extLst>
+              <a:ext uri="{91240B29-F687-4F45-9708-019B960494DF}">
+                <a14:hiddenLine xmlns:a14="http://schemas.microsoft.com/office/drawing/2010/main" w="9525">
+                  <a:solidFill>
+                    <a:srgbClr val="000000"/>
+                  </a:solidFill>
+                  <a:round/>
+                  <a:headEnd/>
+                  <a:tailEnd/>
+                </a14:hiddenLine>
+              </a:ext>
+            </a:extLst>
+          </p:spPr>
+          <p:txBody>
+            <a:bodyPr vert="horz" wrap="square" lIns="91440" tIns="45720" rIns="91440" bIns="45720" numCol="1" anchor="t" anchorCtr="0" compatLnSpc="1">
+              <a:prstTxWarp prst="textNoShape">
+                <a:avLst/>
+              </a:prstTxWarp>
+            </a:bodyPr>
+            <a:lstStyle/>
+            <a:p>
+              <a:endParaRPr lang="ja-JP" altLang="en-US">
+                <a:latin typeface="Yu Gothic UI" panose="020B0500000000000000" pitchFamily="50" charset="-128"/>
+                <a:ea typeface="Yu Gothic UI" panose="020B0500000000000000" pitchFamily="50" charset="-128"/>
+              </a:endParaRPr>
+            </a:p>
+          </p:txBody>
+        </p:sp>
+        <p:sp>
+          <p:nvSpPr>
+            <p:cNvPr id="7" name="Freeform 22">
+              <a:extLst>
+                <a:ext uri="{FF2B5EF4-FFF2-40B4-BE49-F238E27FC236}">
+                  <a16:creationId xmlns:a16="http://schemas.microsoft.com/office/drawing/2014/main" id="{5B2D2F06-9981-589C-E404-A6F954F54ABE}"/>
+                </a:ext>
+              </a:extLst>
+            </p:cNvPr>
+            <p:cNvSpPr>
+              <a:spLocks/>
+            </p:cNvSpPr>
+            <p:nvPr/>
+          </p:nvSpPr>
+          <p:spPr bwMode="auto">
+            <a:xfrm>
+              <a:off x="2244726" y="428626"/>
+              <a:ext cx="200025" cy="200025"/>
+            </a:xfrm>
+            <a:custGeom>
+              <a:avLst/>
+              <a:gdLst>
+                <a:gd name="T0" fmla="*/ 18 w 126"/>
+                <a:gd name="T1" fmla="*/ 0 h 126"/>
+                <a:gd name="T2" fmla="*/ 126 w 126"/>
+                <a:gd name="T3" fmla="*/ 108 h 126"/>
+                <a:gd name="T4" fmla="*/ 108 w 126"/>
+                <a:gd name="T5" fmla="*/ 126 h 126"/>
+                <a:gd name="T6" fmla="*/ 0 w 126"/>
+                <a:gd name="T7" fmla="*/ 20 h 126"/>
+                <a:gd name="T8" fmla="*/ 18 w 126"/>
+                <a:gd name="T9" fmla="*/ 0 h 126"/>
+              </a:gdLst>
+              <a:ahLst/>
+              <a:cxnLst>
+                <a:cxn ang="0">
+                  <a:pos x="T0" y="T1"/>
+                </a:cxn>
+                <a:cxn ang="0">
+                  <a:pos x="T2" y="T3"/>
+                </a:cxn>
+                <a:cxn ang="0">
+                  <a:pos x="T4" y="T5"/>
+                </a:cxn>
+                <a:cxn ang="0">
+                  <a:pos x="T6" y="T7"/>
+                </a:cxn>
+                <a:cxn ang="0">
+                  <a:pos x="T8" y="T9"/>
+                </a:cxn>
+              </a:cxnLst>
+              <a:rect l="0" t="0" r="r" b="b"/>
+              <a:pathLst>
+                <a:path w="126" h="126">
+                  <a:moveTo>
+                    <a:pt x="18" y="0"/>
+                  </a:moveTo>
+                  <a:lnTo>
+                    <a:pt x="126" y="108"/>
+                  </a:lnTo>
+                  <a:lnTo>
+                    <a:pt x="108" y="126"/>
+                  </a:lnTo>
+                  <a:lnTo>
+                    <a:pt x="0" y="20"/>
+                  </a:lnTo>
+                  <a:lnTo>
+                    <a:pt x="18" y="0"/>
+                  </a:lnTo>
+                  <a:close/>
+                </a:path>
+              </a:pathLst>
+            </a:custGeom>
+            <a:solidFill>
+              <a:srgbClr val="68217A"/>
+            </a:solidFill>
+            <a:ln>
+              <a:noFill/>
+            </a:ln>
+            <a:extLst>
+              <a:ext uri="{91240B29-F687-4F45-9708-019B960494DF}">
+                <a14:hiddenLine xmlns:a14="http://schemas.microsoft.com/office/drawing/2010/main" w="9525">
+                  <a:solidFill>
+                    <a:srgbClr val="000000"/>
+                  </a:solidFill>
+                  <a:round/>
+                  <a:headEnd/>
+                  <a:tailEnd/>
+                </a14:hiddenLine>
+              </a:ext>
+            </a:extLst>
+          </p:spPr>
+          <p:txBody>
+            <a:bodyPr vert="horz" wrap="square" lIns="91440" tIns="45720" rIns="91440" bIns="45720" numCol="1" anchor="t" anchorCtr="0" compatLnSpc="1">
+              <a:prstTxWarp prst="textNoShape">
+                <a:avLst/>
+              </a:prstTxWarp>
+            </a:bodyPr>
+            <a:lstStyle/>
+            <a:p>
+              <a:endParaRPr lang="ja-JP" altLang="en-US">
+                <a:latin typeface="Yu Gothic UI" panose="020B0500000000000000" pitchFamily="50" charset="-128"/>
+                <a:ea typeface="Yu Gothic UI" panose="020B0500000000000000" pitchFamily="50" charset="-128"/>
+              </a:endParaRPr>
+            </a:p>
+          </p:txBody>
+        </p:sp>
+        <p:sp>
+          <p:nvSpPr>
+            <p:cNvPr id="8" name="Freeform 23">
+              <a:extLst>
+                <a:ext uri="{FF2B5EF4-FFF2-40B4-BE49-F238E27FC236}">
+                  <a16:creationId xmlns:a16="http://schemas.microsoft.com/office/drawing/2014/main" id="{5F350429-39A9-37D2-D53B-3752ADD206A6}"/>
+                </a:ext>
+              </a:extLst>
+            </p:cNvPr>
+            <p:cNvSpPr>
+              <a:spLocks noEditPoints="1"/>
+            </p:cNvSpPr>
+            <p:nvPr/>
+          </p:nvSpPr>
+          <p:spPr bwMode="auto">
+            <a:xfrm>
+              <a:off x="2163763" y="350838"/>
+              <a:ext cx="130175" cy="125413"/>
+            </a:xfrm>
+            <a:custGeom>
+              <a:avLst/>
+              <a:gdLst>
+                <a:gd name="T0" fmla="*/ 23 w 45"/>
+                <a:gd name="T1" fmla="*/ 0 h 44"/>
+                <a:gd name="T2" fmla="*/ 0 w 45"/>
+                <a:gd name="T3" fmla="*/ 22 h 44"/>
+                <a:gd name="T4" fmla="*/ 23 w 45"/>
+                <a:gd name="T5" fmla="*/ 44 h 44"/>
+                <a:gd name="T6" fmla="*/ 45 w 45"/>
+                <a:gd name="T7" fmla="*/ 22 h 44"/>
+                <a:gd name="T8" fmla="*/ 23 w 45"/>
+                <a:gd name="T9" fmla="*/ 0 h 44"/>
+                <a:gd name="T10" fmla="*/ 23 w 45"/>
+                <a:gd name="T11" fmla="*/ 29 h 44"/>
+                <a:gd name="T12" fmla="*/ 15 w 45"/>
+                <a:gd name="T13" fmla="*/ 22 h 44"/>
+                <a:gd name="T14" fmla="*/ 23 w 45"/>
+                <a:gd name="T15" fmla="*/ 15 h 44"/>
+                <a:gd name="T16" fmla="*/ 30 w 45"/>
+                <a:gd name="T17" fmla="*/ 22 h 44"/>
+                <a:gd name="T18" fmla="*/ 23 w 45"/>
+                <a:gd name="T19" fmla="*/ 29 h 44"/>
+              </a:gdLst>
+              <a:ahLst/>
+              <a:cxnLst>
+                <a:cxn ang="0">
+                  <a:pos x="T0" y="T1"/>
+                </a:cxn>
+                <a:cxn ang="0">
+                  <a:pos x="T2" y="T3"/>
+                </a:cxn>
+                <a:cxn ang="0">
+                  <a:pos x="T4" y="T5"/>
+                </a:cxn>
+                <a:cxn ang="0">
+                  <a:pos x="T6" y="T7"/>
+                </a:cxn>
+                <a:cxn ang="0">
+                  <a:pos x="T8" y="T9"/>
+                </a:cxn>
+                <a:cxn ang="0">
+                  <a:pos x="T10" y="T11"/>
+                </a:cxn>
+                <a:cxn ang="0">
+                  <a:pos x="T12" y="T13"/>
+                </a:cxn>
+                <a:cxn ang="0">
+                  <a:pos x="T14" y="T15"/>
+                </a:cxn>
+                <a:cxn ang="0">
+                  <a:pos x="T16" y="T17"/>
+                </a:cxn>
+                <a:cxn ang="0">
+                  <a:pos x="T18" y="T19"/>
+                </a:cxn>
+              </a:cxnLst>
+              <a:rect l="0" t="0" r="r" b="b"/>
+              <a:pathLst>
+                <a:path w="45" h="44">
+                  <a:moveTo>
+                    <a:pt x="23" y="0"/>
+                  </a:moveTo>
+                  <a:cubicBezTo>
+                    <a:pt x="10" y="0"/>
+                    <a:pt x="0" y="10"/>
+                    <a:pt x="0" y="22"/>
+                  </a:cubicBezTo>
+                  <a:cubicBezTo>
+                    <a:pt x="0" y="34"/>
+                    <a:pt x="10" y="44"/>
+                    <a:pt x="23" y="44"/>
+                  </a:cubicBezTo>
+                  <a:cubicBezTo>
+                    <a:pt x="35" y="44"/>
+                    <a:pt x="45" y="34"/>
+                    <a:pt x="45" y="22"/>
+                  </a:cubicBezTo>
+                  <a:cubicBezTo>
+                    <a:pt x="45" y="10"/>
+                    <a:pt x="35" y="0"/>
+                    <a:pt x="23" y="0"/>
+                  </a:cubicBezTo>
+                  <a:close/>
+                  <a:moveTo>
+                    <a:pt x="23" y="29"/>
+                  </a:moveTo>
+                  <a:cubicBezTo>
+                    <a:pt x="19" y="29"/>
+                    <a:pt x="15" y="26"/>
+                    <a:pt x="15" y="22"/>
+                  </a:cubicBezTo>
+                  <a:cubicBezTo>
+                    <a:pt x="15" y="18"/>
+                    <a:pt x="19" y="15"/>
+                    <a:pt x="23" y="15"/>
+                  </a:cubicBezTo>
+                  <a:cubicBezTo>
+                    <a:pt x="27" y="15"/>
+                    <a:pt x="30" y="18"/>
+                    <a:pt x="30" y="22"/>
+                  </a:cubicBezTo>
+                  <a:cubicBezTo>
+                    <a:pt x="30" y="26"/>
+                    <a:pt x="27" y="29"/>
+                    <a:pt x="23" y="29"/>
+                  </a:cubicBezTo>
+                  <a:close/>
+                </a:path>
+              </a:pathLst>
+            </a:custGeom>
+            <a:solidFill>
+              <a:srgbClr val="7FBA00"/>
+            </a:solidFill>
+            <a:ln>
+              <a:noFill/>
+            </a:ln>
+            <a:extLst>
+              <a:ext uri="{91240B29-F687-4F45-9708-019B960494DF}">
+                <a14:hiddenLine xmlns:a14="http://schemas.microsoft.com/office/drawing/2010/main" w="9525">
+                  <a:solidFill>
+                    <a:srgbClr val="000000"/>
+                  </a:solidFill>
+                  <a:round/>
+                  <a:headEnd/>
+                  <a:tailEnd/>
+                </a14:hiddenLine>
+              </a:ext>
+            </a:extLst>
+          </p:spPr>
+          <p:txBody>
+            <a:bodyPr vert="horz" wrap="square" lIns="91440" tIns="45720" rIns="91440" bIns="45720" numCol="1" anchor="t" anchorCtr="0" compatLnSpc="1">
+              <a:prstTxWarp prst="textNoShape">
+                <a:avLst/>
+              </a:prstTxWarp>
+            </a:bodyPr>
+            <a:lstStyle/>
+            <a:p>
+              <a:endParaRPr lang="ja-JP" altLang="en-US">
+                <a:latin typeface="Yu Gothic UI" panose="020B0500000000000000" pitchFamily="50" charset="-128"/>
+                <a:ea typeface="Yu Gothic UI" panose="020B0500000000000000" pitchFamily="50" charset="-128"/>
+              </a:endParaRPr>
+            </a:p>
+          </p:txBody>
+        </p:sp>
+        <p:sp>
+          <p:nvSpPr>
+            <p:cNvPr id="9" name="Freeform 24">
+              <a:extLst>
+                <a:ext uri="{FF2B5EF4-FFF2-40B4-BE49-F238E27FC236}">
+                  <a16:creationId xmlns:a16="http://schemas.microsoft.com/office/drawing/2014/main" id="{18CE384F-9CE0-DF8C-7616-4E7F2AE15530}"/>
+                </a:ext>
+              </a:extLst>
+            </p:cNvPr>
+            <p:cNvSpPr>
+              <a:spLocks noEditPoints="1"/>
+            </p:cNvSpPr>
+            <p:nvPr/>
+          </p:nvSpPr>
+          <p:spPr bwMode="auto">
+            <a:xfrm>
+              <a:off x="1944688" y="571501"/>
+              <a:ext cx="125413" cy="128588"/>
+            </a:xfrm>
+            <a:custGeom>
+              <a:avLst/>
+              <a:gdLst>
+                <a:gd name="T0" fmla="*/ 22 w 44"/>
+                <a:gd name="T1" fmla="*/ 0 h 45"/>
+                <a:gd name="T2" fmla="*/ 0 w 44"/>
+                <a:gd name="T3" fmla="*/ 23 h 45"/>
+                <a:gd name="T4" fmla="*/ 22 w 44"/>
+                <a:gd name="T5" fmla="*/ 45 h 45"/>
+                <a:gd name="T6" fmla="*/ 44 w 44"/>
+                <a:gd name="T7" fmla="*/ 23 h 45"/>
+                <a:gd name="T8" fmla="*/ 22 w 44"/>
+                <a:gd name="T9" fmla="*/ 0 h 45"/>
+                <a:gd name="T10" fmla="*/ 22 w 44"/>
+                <a:gd name="T11" fmla="*/ 30 h 45"/>
+                <a:gd name="T12" fmla="*/ 15 w 44"/>
+                <a:gd name="T13" fmla="*/ 23 h 45"/>
+                <a:gd name="T14" fmla="*/ 22 w 44"/>
+                <a:gd name="T15" fmla="*/ 15 h 45"/>
+                <a:gd name="T16" fmla="*/ 29 w 44"/>
+                <a:gd name="T17" fmla="*/ 23 h 45"/>
+                <a:gd name="T18" fmla="*/ 22 w 44"/>
+                <a:gd name="T19" fmla="*/ 30 h 45"/>
+              </a:gdLst>
+              <a:ahLst/>
+              <a:cxnLst>
+                <a:cxn ang="0">
+                  <a:pos x="T0" y="T1"/>
+                </a:cxn>
+                <a:cxn ang="0">
+                  <a:pos x="T2" y="T3"/>
+                </a:cxn>
+                <a:cxn ang="0">
+                  <a:pos x="T4" y="T5"/>
+                </a:cxn>
+                <a:cxn ang="0">
+                  <a:pos x="T6" y="T7"/>
+                </a:cxn>
+                <a:cxn ang="0">
+                  <a:pos x="T8" y="T9"/>
+                </a:cxn>
+                <a:cxn ang="0">
+                  <a:pos x="T10" y="T11"/>
+                </a:cxn>
+                <a:cxn ang="0">
+                  <a:pos x="T12" y="T13"/>
+                </a:cxn>
+                <a:cxn ang="0">
+                  <a:pos x="T14" y="T15"/>
+                </a:cxn>
+                <a:cxn ang="0">
+                  <a:pos x="T16" y="T17"/>
+                </a:cxn>
+                <a:cxn ang="0">
+                  <a:pos x="T18" y="T19"/>
+                </a:cxn>
+              </a:cxnLst>
+              <a:rect l="0" t="0" r="r" b="b"/>
+              <a:pathLst>
+                <a:path w="44" h="45">
+                  <a:moveTo>
+                    <a:pt x="22" y="0"/>
+                  </a:moveTo>
+                  <a:cubicBezTo>
+                    <a:pt x="10" y="0"/>
+                    <a:pt x="0" y="10"/>
+                    <a:pt x="0" y="23"/>
+                  </a:cubicBezTo>
+                  <a:cubicBezTo>
+                    <a:pt x="0" y="35"/>
+                    <a:pt x="10" y="45"/>
+                    <a:pt x="22" y="45"/>
+                  </a:cubicBezTo>
+                  <a:cubicBezTo>
+                    <a:pt x="34" y="45"/>
+                    <a:pt x="44" y="35"/>
+                    <a:pt x="44" y="23"/>
+                  </a:cubicBezTo>
+                  <a:cubicBezTo>
+                    <a:pt x="44" y="10"/>
+                    <a:pt x="34" y="0"/>
+                    <a:pt x="22" y="0"/>
+                  </a:cubicBezTo>
+                  <a:close/>
+                  <a:moveTo>
+                    <a:pt x="22" y="30"/>
+                  </a:moveTo>
+                  <a:cubicBezTo>
+                    <a:pt x="18" y="30"/>
+                    <a:pt x="15" y="27"/>
+                    <a:pt x="15" y="23"/>
+                  </a:cubicBezTo>
+                  <a:cubicBezTo>
+                    <a:pt x="15" y="19"/>
+                    <a:pt x="18" y="15"/>
+                    <a:pt x="22" y="15"/>
+                  </a:cubicBezTo>
+                  <a:cubicBezTo>
+                    <a:pt x="26" y="15"/>
+                    <a:pt x="29" y="19"/>
+                    <a:pt x="29" y="23"/>
+                  </a:cubicBezTo>
+                  <a:cubicBezTo>
+                    <a:pt x="29" y="27"/>
+                    <a:pt x="26" y="30"/>
+                    <a:pt x="22" y="30"/>
+                  </a:cubicBezTo>
+                  <a:close/>
+                </a:path>
+              </a:pathLst>
+            </a:custGeom>
+            <a:solidFill>
+              <a:srgbClr val="7FBA00"/>
+            </a:solidFill>
+            <a:ln>
+              <a:noFill/>
+            </a:ln>
+            <a:extLst>
+              <a:ext uri="{91240B29-F687-4F45-9708-019B960494DF}">
+                <a14:hiddenLine xmlns:a14="http://schemas.microsoft.com/office/drawing/2010/main" w="9525">
+                  <a:solidFill>
+                    <a:srgbClr val="000000"/>
+                  </a:solidFill>
+                  <a:round/>
+                  <a:headEnd/>
+                  <a:tailEnd/>
+                </a14:hiddenLine>
+              </a:ext>
+            </a:extLst>
+          </p:spPr>
+          <p:txBody>
+            <a:bodyPr vert="horz" wrap="square" lIns="91440" tIns="45720" rIns="91440" bIns="45720" numCol="1" anchor="t" anchorCtr="0" compatLnSpc="1">
+              <a:prstTxWarp prst="textNoShape">
+                <a:avLst/>
+              </a:prstTxWarp>
+            </a:bodyPr>
+            <a:lstStyle/>
+            <a:p>
+              <a:endParaRPr lang="ja-JP" altLang="en-US">
+                <a:latin typeface="Yu Gothic UI" panose="020B0500000000000000" pitchFamily="50" charset="-128"/>
+                <a:ea typeface="Yu Gothic UI" panose="020B0500000000000000" pitchFamily="50" charset="-128"/>
+              </a:endParaRPr>
+            </a:p>
+          </p:txBody>
+        </p:sp>
+        <p:sp>
+          <p:nvSpPr>
+            <p:cNvPr id="10" name="Freeform 25">
+              <a:extLst>
+                <a:ext uri="{FF2B5EF4-FFF2-40B4-BE49-F238E27FC236}">
+                  <a16:creationId xmlns:a16="http://schemas.microsoft.com/office/drawing/2014/main" id="{E9BF52D4-EFC2-7CF6-912E-3F7C8FE08DCC}"/>
+                </a:ext>
+              </a:extLst>
+            </p:cNvPr>
+            <p:cNvSpPr>
+              <a:spLocks noEditPoints="1"/>
+            </p:cNvSpPr>
+            <p:nvPr/>
+          </p:nvSpPr>
+          <p:spPr bwMode="auto">
+            <a:xfrm>
+              <a:off x="2387601" y="571501"/>
+              <a:ext cx="128588" cy="128588"/>
+            </a:xfrm>
+            <a:custGeom>
+              <a:avLst/>
+              <a:gdLst>
+                <a:gd name="T0" fmla="*/ 22 w 45"/>
+                <a:gd name="T1" fmla="*/ 0 h 45"/>
+                <a:gd name="T2" fmla="*/ 0 w 45"/>
+                <a:gd name="T3" fmla="*/ 23 h 45"/>
+                <a:gd name="T4" fmla="*/ 22 w 45"/>
+                <a:gd name="T5" fmla="*/ 45 h 45"/>
+                <a:gd name="T6" fmla="*/ 45 w 45"/>
+                <a:gd name="T7" fmla="*/ 23 h 45"/>
+                <a:gd name="T8" fmla="*/ 22 w 45"/>
+                <a:gd name="T9" fmla="*/ 0 h 45"/>
+                <a:gd name="T10" fmla="*/ 22 w 45"/>
+                <a:gd name="T11" fmla="*/ 30 h 45"/>
+                <a:gd name="T12" fmla="*/ 15 w 45"/>
+                <a:gd name="T13" fmla="*/ 23 h 45"/>
+                <a:gd name="T14" fmla="*/ 22 w 45"/>
+                <a:gd name="T15" fmla="*/ 15 h 45"/>
+                <a:gd name="T16" fmla="*/ 29 w 45"/>
+                <a:gd name="T17" fmla="*/ 23 h 45"/>
+                <a:gd name="T18" fmla="*/ 22 w 45"/>
+                <a:gd name="T19" fmla="*/ 30 h 45"/>
+              </a:gdLst>
+              <a:ahLst/>
+              <a:cxnLst>
+                <a:cxn ang="0">
+                  <a:pos x="T0" y="T1"/>
+                </a:cxn>
+                <a:cxn ang="0">
+                  <a:pos x="T2" y="T3"/>
+                </a:cxn>
+                <a:cxn ang="0">
+                  <a:pos x="T4" y="T5"/>
+                </a:cxn>
+                <a:cxn ang="0">
+                  <a:pos x="T6" y="T7"/>
+                </a:cxn>
+                <a:cxn ang="0">
+                  <a:pos x="T8" y="T9"/>
+                </a:cxn>
+                <a:cxn ang="0">
+                  <a:pos x="T10" y="T11"/>
+                </a:cxn>
+                <a:cxn ang="0">
+                  <a:pos x="T12" y="T13"/>
+                </a:cxn>
+                <a:cxn ang="0">
+                  <a:pos x="T14" y="T15"/>
+                </a:cxn>
+                <a:cxn ang="0">
+                  <a:pos x="T16" y="T17"/>
+                </a:cxn>
+                <a:cxn ang="0">
+                  <a:pos x="T18" y="T19"/>
+                </a:cxn>
+              </a:cxnLst>
+              <a:rect l="0" t="0" r="r" b="b"/>
+              <a:pathLst>
+                <a:path w="45" h="45">
+                  <a:moveTo>
+                    <a:pt x="22" y="0"/>
+                  </a:moveTo>
+                  <a:cubicBezTo>
+                    <a:pt x="10" y="0"/>
+                    <a:pt x="0" y="10"/>
+                    <a:pt x="0" y="23"/>
+                  </a:cubicBezTo>
+                  <a:cubicBezTo>
+                    <a:pt x="0" y="35"/>
+                    <a:pt x="10" y="45"/>
+                    <a:pt x="22" y="45"/>
+                  </a:cubicBezTo>
+                  <a:cubicBezTo>
+                    <a:pt x="35" y="45"/>
+                    <a:pt x="45" y="35"/>
+                    <a:pt x="45" y="23"/>
+                  </a:cubicBezTo>
+                  <a:cubicBezTo>
+                    <a:pt x="45" y="10"/>
+                    <a:pt x="35" y="0"/>
+                    <a:pt x="22" y="0"/>
+                  </a:cubicBezTo>
+                  <a:close/>
+                  <a:moveTo>
+                    <a:pt x="22" y="30"/>
+                  </a:moveTo>
+                  <a:cubicBezTo>
+                    <a:pt x="18" y="30"/>
+                    <a:pt x="15" y="27"/>
+                    <a:pt x="15" y="23"/>
+                  </a:cubicBezTo>
+                  <a:cubicBezTo>
+                    <a:pt x="15" y="19"/>
+                    <a:pt x="18" y="15"/>
+                    <a:pt x="22" y="15"/>
+                  </a:cubicBezTo>
+                  <a:cubicBezTo>
+                    <a:pt x="26" y="15"/>
+                    <a:pt x="29" y="19"/>
+                    <a:pt x="29" y="23"/>
+                  </a:cubicBezTo>
+                  <a:cubicBezTo>
+                    <a:pt x="29" y="27"/>
+                    <a:pt x="26" y="30"/>
+                    <a:pt x="22" y="30"/>
+                  </a:cubicBezTo>
+                  <a:close/>
+                </a:path>
+              </a:pathLst>
+            </a:custGeom>
+            <a:solidFill>
+              <a:srgbClr val="7FBA00"/>
+            </a:solidFill>
+            <a:ln>
+              <a:noFill/>
+            </a:ln>
+            <a:extLst>
+              <a:ext uri="{91240B29-F687-4F45-9708-019B960494DF}">
+                <a14:hiddenLine xmlns:a14="http://schemas.microsoft.com/office/drawing/2010/main" w="9525">
+                  <a:solidFill>
+                    <a:srgbClr val="000000"/>
+                  </a:solidFill>
+                  <a:round/>
+                  <a:headEnd/>
+                  <a:tailEnd/>
+                </a14:hiddenLine>
+              </a:ext>
+            </a:extLst>
+          </p:spPr>
+          <p:txBody>
+            <a:bodyPr vert="horz" wrap="square" lIns="91440" tIns="45720" rIns="91440" bIns="45720" numCol="1" anchor="t" anchorCtr="0" compatLnSpc="1">
+              <a:prstTxWarp prst="textNoShape">
+                <a:avLst/>
+              </a:prstTxWarp>
+            </a:bodyPr>
+            <a:lstStyle/>
+            <a:p>
+              <a:endParaRPr lang="ja-JP" altLang="en-US">
+                <a:latin typeface="Yu Gothic UI" panose="020B0500000000000000" pitchFamily="50" charset="-128"/>
+                <a:ea typeface="Yu Gothic UI" panose="020B0500000000000000" pitchFamily="50" charset="-128"/>
+              </a:endParaRPr>
+            </a:p>
+          </p:txBody>
+        </p:sp>
+      </p:grpSp>
+      <p:sp>
+        <p:nvSpPr>
+          <p:cNvPr id="11" name="テキスト ボックス 10">
+            <a:extLst>
+              <a:ext uri="{FF2B5EF4-FFF2-40B4-BE49-F238E27FC236}">
+                <a16:creationId xmlns:a16="http://schemas.microsoft.com/office/drawing/2014/main" id="{8F9F21D6-BA5A-5E26-DB83-717AF07792C7}"/>
+              </a:ext>
+            </a:extLst>
+          </p:cNvPr>
+          <p:cNvSpPr txBox="1"/>
+          <p:nvPr/>
+        </p:nvSpPr>
+        <p:spPr>
+          <a:xfrm>
+            <a:off x="4411782" y="2256240"/>
+            <a:ext cx="839214" cy="123111"/>
+          </a:xfrm>
+          <a:prstGeom prst="rect">
+            <a:avLst/>
+          </a:prstGeom>
+          <a:noFill/>
+        </p:spPr>
+        <p:txBody>
+          <a:bodyPr wrap="square" lIns="0" tIns="0" rIns="0" bIns="0">
+            <a:spAutoFit/>
+          </a:bodyPr>
+          <a:lstStyle/>
+          <a:p>
+            <a:pPr algn="ctr"/>
+            <a:r>
+              <a:rPr lang="en-US" altLang="ja-JP" sz="800" dirty="0">
+                <a:latin typeface="Yu Gothic UI" panose="020B0500000000000000" pitchFamily="50" charset="-128"/>
+                <a:ea typeface="Yu Gothic UI" panose="020B0500000000000000" pitchFamily="50" charset="-128"/>
+              </a:rPr>
+              <a:t>ExpressRoute</a:t>
+            </a:r>
+          </a:p>
+        </p:txBody>
+      </p:sp>
+      <p:sp>
+        <p:nvSpPr>
+          <p:cNvPr id="12" name="テキスト ボックス 11">
+            <a:extLst>
+              <a:ext uri="{FF2B5EF4-FFF2-40B4-BE49-F238E27FC236}">
+                <a16:creationId xmlns:a16="http://schemas.microsoft.com/office/drawing/2014/main" id="{C8B2A0BD-9552-F6C2-E887-671AC3D01D9E}"/>
+              </a:ext>
+            </a:extLst>
+          </p:cNvPr>
+          <p:cNvSpPr txBox="1"/>
+          <p:nvPr/>
+        </p:nvSpPr>
+        <p:spPr>
+          <a:xfrm>
+            <a:off x="2395869" y="1534528"/>
+            <a:ext cx="800219" cy="276999"/>
+          </a:xfrm>
+          <a:prstGeom prst="rect">
+            <a:avLst/>
+          </a:prstGeom>
+          <a:noFill/>
+        </p:spPr>
+        <p:txBody>
+          <a:bodyPr wrap="none" rtlCol="0">
+            <a:spAutoFit/>
+          </a:bodyPr>
+          <a:lstStyle/>
+          <a:p>
+            <a:r>
+              <a:rPr lang="ja-JP" altLang="en-US" sz="1200" b="1" u="sng" dirty="0">
+                <a:latin typeface="Yu Gothic UI" panose="020B0500000000000000" pitchFamily="50" charset="-128"/>
+                <a:ea typeface="Yu Gothic UI" panose="020B0500000000000000" pitchFamily="50" charset="-128"/>
+              </a:rPr>
+              <a:t>東京拠点</a:t>
+            </a:r>
+            <a:endParaRPr kumimoji="1" lang="en-US" sz="1200" b="1" u="sng" dirty="0">
+              <a:latin typeface="Yu Gothic UI" panose="020B0500000000000000" pitchFamily="50" charset="-128"/>
+              <a:ea typeface="Yu Gothic UI" panose="020B0500000000000000" pitchFamily="50" charset="-128"/>
+            </a:endParaRPr>
+          </a:p>
+        </p:txBody>
+      </p:sp>
+      <p:grpSp>
+        <p:nvGrpSpPr>
+          <p:cNvPr id="13" name="グループ化 12">
+            <a:extLst>
+              <a:ext uri="{FF2B5EF4-FFF2-40B4-BE49-F238E27FC236}">
+                <a16:creationId xmlns:a16="http://schemas.microsoft.com/office/drawing/2014/main" id="{1D520589-1BE6-9C7D-D4AF-0222A0766B79}"/>
+              </a:ext>
+            </a:extLst>
+          </p:cNvPr>
+          <p:cNvGrpSpPr/>
+          <p:nvPr/>
+        </p:nvGrpSpPr>
+        <p:grpSpPr>
+          <a:xfrm>
+            <a:off x="2454576" y="1864129"/>
+            <a:ext cx="1375857" cy="637280"/>
+            <a:chOff x="809053" y="2098520"/>
+            <a:chExt cx="1375857" cy="637280"/>
+          </a:xfrm>
+        </p:grpSpPr>
+        <p:sp>
+          <p:nvSpPr>
+            <p:cNvPr id="14" name="正方形/長方形 13">
+              <a:extLst>
+                <a:ext uri="{FF2B5EF4-FFF2-40B4-BE49-F238E27FC236}">
+                  <a16:creationId xmlns:a16="http://schemas.microsoft.com/office/drawing/2014/main" id="{1DAF203F-E95B-C998-E4B7-974AF68A1203}"/>
+                </a:ext>
+              </a:extLst>
+            </p:cNvPr>
+            <p:cNvSpPr/>
+            <p:nvPr/>
+          </p:nvSpPr>
+          <p:spPr>
+            <a:xfrm>
+              <a:off x="809053" y="2098520"/>
+              <a:ext cx="1375857" cy="637280"/>
+            </a:xfrm>
+            <a:prstGeom prst="rect">
+              <a:avLst/>
+            </a:prstGeom>
+            <a:solidFill>
+              <a:schemeClr val="bg2"/>
+            </a:solidFill>
+            <a:ln>
+              <a:noFill/>
+            </a:ln>
+          </p:spPr>
+          <p:style>
+            <a:lnRef idx="2">
+              <a:schemeClr val="accent1">
+                <a:shade val="50000"/>
+              </a:schemeClr>
+            </a:lnRef>
+            <a:fillRef idx="1">
+              <a:schemeClr val="accent1"/>
+            </a:fillRef>
+            <a:effectRef idx="0">
+              <a:schemeClr val="accent1"/>
+            </a:effectRef>
+            <a:fontRef idx="minor">
+              <a:schemeClr val="lt1"/>
+            </a:fontRef>
+          </p:style>
+          <p:txBody>
+            <a:bodyPr rtlCol="0" anchor="ctr"/>
+            <a:lstStyle/>
+            <a:p>
+              <a:pPr algn="ctr"/>
+              <a:endParaRPr kumimoji="1" lang="en-US">
+                <a:latin typeface="Yu Gothic UI" panose="020B0500000000000000" pitchFamily="50" charset="-128"/>
+                <a:ea typeface="Yu Gothic UI" panose="020B0500000000000000" pitchFamily="50" charset="-128"/>
+              </a:endParaRPr>
+            </a:p>
+          </p:txBody>
+        </p:sp>
+        <p:pic>
+          <p:nvPicPr>
+            <p:cNvPr id="15" name="グラフィックス 14">
+              <a:extLst>
+                <a:ext uri="{FF2B5EF4-FFF2-40B4-BE49-F238E27FC236}">
+                  <a16:creationId xmlns:a16="http://schemas.microsoft.com/office/drawing/2014/main" id="{BC171379-F272-2C94-AD51-8B191B388F7F}"/>
+                </a:ext>
+              </a:extLst>
+            </p:cNvPr>
+            <p:cNvPicPr>
+              <a:picLocks noChangeAspect="1"/>
+            </p:cNvPicPr>
+            <p:nvPr/>
+          </p:nvPicPr>
+          <p:blipFill>
+            <a:blip r:embed="rId2">
+              <a:extLst>
+                <a:ext uri="{28A0092B-C50C-407E-A947-70E740481C1C}">
+                  <a14:useLocalDpi xmlns:a14="http://schemas.microsoft.com/office/drawing/2010/main" val="0"/>
+                </a:ext>
+                <a:ext uri="{96DAC541-7B7A-43D3-8B79-37D633B846F1}">
+                  <asvg:svgBlip xmlns:asvg="http://schemas.microsoft.com/office/drawing/2016/SVG/main" r:embed="rId3"/>
+                </a:ext>
+              </a:extLst>
+            </a:blip>
+            <a:stretch>
+              <a:fillRect/>
+            </a:stretch>
+          </p:blipFill>
+          <p:spPr>
+            <a:xfrm>
+              <a:off x="1273239" y="2142691"/>
+              <a:ext cx="514517" cy="514517"/>
+            </a:xfrm>
+            <a:prstGeom prst="rect">
+              <a:avLst/>
+            </a:prstGeom>
+          </p:spPr>
+        </p:pic>
+      </p:grpSp>
+      <p:cxnSp>
+        <p:nvCxnSpPr>
+          <p:cNvPr id="17" name="直線コネクタ 16">
+            <a:extLst>
+              <a:ext uri="{FF2B5EF4-FFF2-40B4-BE49-F238E27FC236}">
+                <a16:creationId xmlns:a16="http://schemas.microsoft.com/office/drawing/2014/main" id="{4C1D8BC4-03AF-2AB7-29B3-F80246510D11}"/>
+              </a:ext>
+            </a:extLst>
+          </p:cNvPr>
+          <p:cNvCxnSpPr>
+            <a:cxnSpLocks/>
+            <a:stCxn id="14" idx="3"/>
+            <a:endCxn id="27" idx="1"/>
+          </p:cNvCxnSpPr>
+          <p:nvPr/>
+        </p:nvCxnSpPr>
+        <p:spPr>
+          <a:xfrm>
+            <a:off x="3830433" y="2182769"/>
+            <a:ext cx="1596868" cy="4548"/>
+          </a:xfrm>
+          <a:prstGeom prst="line">
+            <a:avLst/>
+          </a:prstGeom>
+          <a:ln w="12700">
+            <a:solidFill>
+              <a:schemeClr val="accent5"/>
+            </a:solidFill>
+            <a:headEnd type="arrow" w="med" len="med"/>
+            <a:tailEnd type="arrow" w="med" len="med"/>
+          </a:ln>
+        </p:spPr>
+        <p:style>
+          <a:lnRef idx="1">
+            <a:schemeClr val="accent1"/>
+          </a:lnRef>
+          <a:fillRef idx="0">
+            <a:schemeClr val="accent1"/>
+          </a:fillRef>
+          <a:effectRef idx="0">
+            <a:schemeClr val="accent1"/>
+          </a:effectRef>
+          <a:fontRef idx="minor">
+            <a:schemeClr val="tx1"/>
+          </a:fontRef>
+        </p:style>
+      </p:cxnSp>
+      <p:sp>
+        <p:nvSpPr>
+          <p:cNvPr id="19" name="正方形/長方形 18">
+            <a:extLst>
+              <a:ext uri="{FF2B5EF4-FFF2-40B4-BE49-F238E27FC236}">
+                <a16:creationId xmlns:a16="http://schemas.microsoft.com/office/drawing/2014/main" id="{66C905A8-1485-04A4-CC60-55617B0F6293}"/>
+              </a:ext>
+            </a:extLst>
+          </p:cNvPr>
+          <p:cNvSpPr/>
+          <p:nvPr/>
+        </p:nvSpPr>
+        <p:spPr>
+          <a:xfrm>
+            <a:off x="5256991" y="1534528"/>
+            <a:ext cx="3404292" cy="1072979"/>
+          </a:xfrm>
+          <a:prstGeom prst="rect">
+            <a:avLst/>
+          </a:prstGeom>
+          <a:noFill/>
+          <a:ln>
+            <a:solidFill>
+              <a:schemeClr val="accent6"/>
+            </a:solidFill>
+          </a:ln>
+        </p:spPr>
+        <p:style>
+          <a:lnRef idx="2">
+            <a:schemeClr val="accent1">
+              <a:shade val="50000"/>
+            </a:schemeClr>
+          </a:lnRef>
+          <a:fillRef idx="1">
+            <a:schemeClr val="accent1"/>
+          </a:fillRef>
+          <a:effectRef idx="0">
+            <a:schemeClr val="accent1"/>
+          </a:effectRef>
+          <a:fontRef idx="minor">
+            <a:schemeClr val="lt1"/>
+          </a:fontRef>
+        </p:style>
+        <p:txBody>
+          <a:bodyPr rtlCol="0" anchor="ctr"/>
+          <a:lstStyle/>
+          <a:p>
+            <a:pPr algn="ctr"/>
+            <a:endParaRPr kumimoji="1" lang="ja-JP" altLang="en-US">
+              <a:latin typeface="Yu Gothic UI" panose="020B0500000000000000" pitchFamily="50" charset="-128"/>
+              <a:ea typeface="Yu Gothic UI" panose="020B0500000000000000" pitchFamily="50" charset="-128"/>
+            </a:endParaRPr>
+          </a:p>
+        </p:txBody>
+      </p:sp>
+      <p:grpSp>
+        <p:nvGrpSpPr>
+          <p:cNvPr id="20" name="グループ化 19">
+            <a:extLst>
+              <a:ext uri="{FF2B5EF4-FFF2-40B4-BE49-F238E27FC236}">
+                <a16:creationId xmlns:a16="http://schemas.microsoft.com/office/drawing/2014/main" id="{8FD66E48-29F6-71D8-2BD1-8611C6ECF52F}"/>
+              </a:ext>
+            </a:extLst>
+          </p:cNvPr>
+          <p:cNvGrpSpPr/>
+          <p:nvPr/>
+        </p:nvGrpSpPr>
+        <p:grpSpPr>
+          <a:xfrm>
+            <a:off x="5205401" y="1349529"/>
+            <a:ext cx="281657" cy="161721"/>
+            <a:chOff x="7545388" y="5762626"/>
+            <a:chExt cx="577850" cy="331788"/>
+          </a:xfrm>
+        </p:grpSpPr>
+        <p:sp>
+          <p:nvSpPr>
+            <p:cNvPr id="21" name="Freeform 2167">
+              <a:extLst>
+                <a:ext uri="{FF2B5EF4-FFF2-40B4-BE49-F238E27FC236}">
+                  <a16:creationId xmlns:a16="http://schemas.microsoft.com/office/drawing/2014/main" id="{8BC144DD-FA68-092C-CA5D-4DB00AD75B97}"/>
+                </a:ext>
+              </a:extLst>
+            </p:cNvPr>
+            <p:cNvSpPr>
+              <a:spLocks/>
+            </p:cNvSpPr>
+            <p:nvPr/>
+          </p:nvSpPr>
+          <p:spPr bwMode="auto">
+            <a:xfrm>
+              <a:off x="7940675" y="5762626"/>
+              <a:ext cx="182563" cy="331788"/>
+            </a:xfrm>
+            <a:custGeom>
+              <a:avLst/>
+              <a:gdLst>
+                <a:gd name="T0" fmla="*/ 62 w 64"/>
+                <a:gd name="T1" fmla="*/ 60 h 116"/>
+                <a:gd name="T2" fmla="*/ 62 w 64"/>
+                <a:gd name="T3" fmla="*/ 53 h 116"/>
+                <a:gd name="T4" fmla="*/ 52 w 64"/>
+                <a:gd name="T5" fmla="*/ 44 h 116"/>
+                <a:gd name="T6" fmla="*/ 9 w 64"/>
+                <a:gd name="T7" fmla="*/ 2 h 116"/>
+                <a:gd name="T8" fmla="*/ 2 w 64"/>
+                <a:gd name="T9" fmla="*/ 2 h 116"/>
+                <a:gd name="T10" fmla="*/ 2 w 64"/>
+                <a:gd name="T11" fmla="*/ 9 h 116"/>
+                <a:gd name="T12" fmla="*/ 48 w 64"/>
+                <a:gd name="T13" fmla="*/ 53 h 116"/>
+                <a:gd name="T14" fmla="*/ 48 w 64"/>
+                <a:gd name="T15" fmla="*/ 60 h 116"/>
+                <a:gd name="T16" fmla="*/ 2 w 64"/>
+                <a:gd name="T17" fmla="*/ 106 h 116"/>
+                <a:gd name="T18" fmla="*/ 2 w 64"/>
+                <a:gd name="T19" fmla="*/ 114 h 116"/>
+                <a:gd name="T20" fmla="*/ 8 w 64"/>
+                <a:gd name="T21" fmla="*/ 114 h 116"/>
+                <a:gd name="T22" fmla="*/ 51 w 64"/>
+                <a:gd name="T23" fmla="*/ 71 h 116"/>
+                <a:gd name="T24" fmla="*/ 52 w 64"/>
+                <a:gd name="T25" fmla="*/ 71 h 116"/>
+                <a:gd name="T26" fmla="*/ 62 w 64"/>
+                <a:gd name="T27" fmla="*/ 60 h 116"/>
+              </a:gdLst>
+              <a:ahLst/>
+              <a:cxnLst>
+                <a:cxn ang="0">
+                  <a:pos x="T0" y="T1"/>
+                </a:cxn>
+                <a:cxn ang="0">
+                  <a:pos x="T2" y="T3"/>
+                </a:cxn>
+                <a:cxn ang="0">
+                  <a:pos x="T4" y="T5"/>
+                </a:cxn>
+                <a:cxn ang="0">
+                  <a:pos x="T6" y="T7"/>
+                </a:cxn>
+                <a:cxn ang="0">
+                  <a:pos x="T8" y="T9"/>
+                </a:cxn>
+                <a:cxn ang="0">
+                  <a:pos x="T10" y="T11"/>
+                </a:cxn>
+                <a:cxn ang="0">
+                  <a:pos x="T12" y="T13"/>
+                </a:cxn>
+                <a:cxn ang="0">
+                  <a:pos x="T14" y="T15"/>
+                </a:cxn>
+                <a:cxn ang="0">
+                  <a:pos x="T16" y="T17"/>
+                </a:cxn>
+                <a:cxn ang="0">
+                  <a:pos x="T18" y="T19"/>
+                </a:cxn>
+                <a:cxn ang="0">
+                  <a:pos x="T20" y="T21"/>
+                </a:cxn>
+                <a:cxn ang="0">
+                  <a:pos x="T22" y="T23"/>
+                </a:cxn>
+                <a:cxn ang="0">
+                  <a:pos x="T24" y="T25"/>
+                </a:cxn>
+                <a:cxn ang="0">
+                  <a:pos x="T26" y="T27"/>
+                </a:cxn>
+              </a:cxnLst>
+              <a:rect l="0" t="0" r="r" b="b"/>
+              <a:pathLst>
+                <a:path w="64" h="116">
+                  <a:moveTo>
+                    <a:pt x="62" y="60"/>
+                  </a:moveTo>
+                  <a:cubicBezTo>
+                    <a:pt x="64" y="58"/>
+                    <a:pt x="64" y="55"/>
+                    <a:pt x="62" y="53"/>
+                  </a:cubicBezTo>
+                  <a:cubicBezTo>
+                    <a:pt x="52" y="44"/>
+                    <a:pt x="52" y="44"/>
+                    <a:pt x="52" y="44"/>
+                  </a:cubicBezTo>
+                  <a:cubicBezTo>
+                    <a:pt x="9" y="2"/>
+                    <a:pt x="9" y="2"/>
+                    <a:pt x="9" y="2"/>
+                  </a:cubicBezTo>
+                  <a:cubicBezTo>
+                    <a:pt x="7" y="0"/>
+                    <a:pt x="4" y="0"/>
+                    <a:pt x="2" y="2"/>
+                  </a:cubicBezTo>
+                  <a:cubicBezTo>
+                    <a:pt x="0" y="4"/>
+                    <a:pt x="0" y="7"/>
+                    <a:pt x="2" y="9"/>
+                  </a:cubicBezTo>
+                  <a:cubicBezTo>
+                    <a:pt x="48" y="53"/>
+                    <a:pt x="48" y="53"/>
+                    <a:pt x="48" y="53"/>
+                  </a:cubicBezTo>
+                  <a:cubicBezTo>
+                    <a:pt x="50" y="55"/>
+                    <a:pt x="50" y="58"/>
+                    <a:pt x="48" y="60"/>
+                  </a:cubicBezTo>
+                  <a:cubicBezTo>
+                    <a:pt x="2" y="106"/>
+                    <a:pt x="2" y="106"/>
+                    <a:pt x="2" y="106"/>
+                  </a:cubicBezTo>
+                  <a:cubicBezTo>
+                    <a:pt x="0" y="108"/>
+                    <a:pt x="0" y="112"/>
+                    <a:pt x="2" y="114"/>
+                  </a:cubicBezTo>
+                  <a:cubicBezTo>
+                    <a:pt x="4" y="116"/>
+                    <a:pt x="7" y="115"/>
+                    <a:pt x="8" y="114"/>
+                  </a:cubicBezTo>
+                  <a:cubicBezTo>
+                    <a:pt x="51" y="71"/>
+                    <a:pt x="51" y="71"/>
+                    <a:pt x="51" y="71"/>
+                  </a:cubicBezTo>
+                  <a:cubicBezTo>
+                    <a:pt x="51" y="71"/>
+                    <a:pt x="51" y="71"/>
+                    <a:pt x="52" y="71"/>
+                  </a:cubicBezTo>
+                  <a:lnTo>
+                    <a:pt x="62" y="60"/>
+                  </a:lnTo>
+                  <a:close/>
+                </a:path>
+              </a:pathLst>
+            </a:custGeom>
+            <a:solidFill>
+              <a:srgbClr val="3999C6"/>
+            </a:solidFill>
+            <a:ln>
+              <a:noFill/>
+            </a:ln>
+            <a:extLst>
+              <a:ext uri="{91240B29-F687-4F45-9708-019B960494DF}">
+                <a14:hiddenLine xmlns:a14="http://schemas.microsoft.com/office/drawing/2010/main" w="9525">
+                  <a:solidFill>
+                    <a:srgbClr val="000000"/>
+                  </a:solidFill>
+                  <a:round/>
+                  <a:headEnd/>
+                  <a:tailEnd/>
+                </a14:hiddenLine>
+              </a:ext>
+            </a:extLst>
+          </p:spPr>
+          <p:txBody>
+            <a:bodyPr vert="horz" wrap="square" lIns="91440" tIns="45720" rIns="91440" bIns="45720" numCol="1" anchor="t" anchorCtr="0" compatLnSpc="1">
+              <a:prstTxWarp prst="textNoShape">
+                <a:avLst/>
+              </a:prstTxWarp>
+            </a:bodyPr>
+            <a:lstStyle/>
+            <a:p>
+              <a:endParaRPr lang="ja-JP" altLang="en-US" sz="2400">
+                <a:latin typeface="Yu Gothic UI" panose="020B0500000000000000" pitchFamily="50" charset="-128"/>
+                <a:ea typeface="Yu Gothic UI" panose="020B0500000000000000" pitchFamily="50" charset="-128"/>
+              </a:endParaRPr>
+            </a:p>
+          </p:txBody>
+        </p:sp>
+        <p:sp>
+          <p:nvSpPr>
+            <p:cNvPr id="22" name="Freeform 2168">
+              <a:extLst>
+                <a:ext uri="{FF2B5EF4-FFF2-40B4-BE49-F238E27FC236}">
+                  <a16:creationId xmlns:a16="http://schemas.microsoft.com/office/drawing/2014/main" id="{C43093D2-8763-3812-0466-E2AA9DD6CB06}"/>
+                </a:ext>
+              </a:extLst>
+            </p:cNvPr>
+            <p:cNvSpPr>
+              <a:spLocks/>
+            </p:cNvSpPr>
+            <p:nvPr/>
+          </p:nvSpPr>
+          <p:spPr bwMode="auto">
+            <a:xfrm>
+              <a:off x="7545388" y="5762626"/>
+              <a:ext cx="185738" cy="331788"/>
+            </a:xfrm>
+            <a:custGeom>
+              <a:avLst/>
+              <a:gdLst>
+                <a:gd name="T0" fmla="*/ 2 w 65"/>
+                <a:gd name="T1" fmla="*/ 60 h 116"/>
+                <a:gd name="T2" fmla="*/ 2 w 65"/>
+                <a:gd name="T3" fmla="*/ 53 h 116"/>
+                <a:gd name="T4" fmla="*/ 12 w 65"/>
+                <a:gd name="T5" fmla="*/ 44 h 116"/>
+                <a:gd name="T6" fmla="*/ 55 w 65"/>
+                <a:gd name="T7" fmla="*/ 2 h 116"/>
+                <a:gd name="T8" fmla="*/ 62 w 65"/>
+                <a:gd name="T9" fmla="*/ 2 h 116"/>
+                <a:gd name="T10" fmla="*/ 62 w 65"/>
+                <a:gd name="T11" fmla="*/ 9 h 116"/>
+                <a:gd name="T12" fmla="*/ 18 w 65"/>
+                <a:gd name="T13" fmla="*/ 53 h 116"/>
+                <a:gd name="T14" fmla="*/ 18 w 65"/>
+                <a:gd name="T15" fmla="*/ 60 h 116"/>
+                <a:gd name="T16" fmla="*/ 63 w 65"/>
+                <a:gd name="T17" fmla="*/ 106 h 116"/>
+                <a:gd name="T18" fmla="*/ 63 w 65"/>
+                <a:gd name="T19" fmla="*/ 114 h 116"/>
+                <a:gd name="T20" fmla="*/ 56 w 65"/>
+                <a:gd name="T21" fmla="*/ 114 h 116"/>
+                <a:gd name="T22" fmla="*/ 12 w 65"/>
+                <a:gd name="T23" fmla="*/ 72 h 116"/>
+                <a:gd name="T24" fmla="*/ 12 w 65"/>
+                <a:gd name="T25" fmla="*/ 71 h 116"/>
+                <a:gd name="T26" fmla="*/ 2 w 65"/>
+                <a:gd name="T27" fmla="*/ 60 h 116"/>
+              </a:gdLst>
+              <a:ahLst/>
+              <a:cxnLst>
+                <a:cxn ang="0">
+                  <a:pos x="T0" y="T1"/>
+                </a:cxn>
+                <a:cxn ang="0">
+                  <a:pos x="T2" y="T3"/>
+                </a:cxn>
+                <a:cxn ang="0">
+                  <a:pos x="T4" y="T5"/>
+                </a:cxn>
+                <a:cxn ang="0">
+                  <a:pos x="T6" y="T7"/>
+                </a:cxn>
+                <a:cxn ang="0">
+                  <a:pos x="T8" y="T9"/>
+                </a:cxn>
+                <a:cxn ang="0">
+                  <a:pos x="T10" y="T11"/>
+                </a:cxn>
+                <a:cxn ang="0">
+                  <a:pos x="T12" y="T13"/>
+                </a:cxn>
+                <a:cxn ang="0">
+                  <a:pos x="T14" y="T15"/>
+                </a:cxn>
+                <a:cxn ang="0">
+                  <a:pos x="T16" y="T17"/>
+                </a:cxn>
+                <a:cxn ang="0">
+                  <a:pos x="T18" y="T19"/>
+                </a:cxn>
+                <a:cxn ang="0">
+                  <a:pos x="T20" y="T21"/>
+                </a:cxn>
+                <a:cxn ang="0">
+                  <a:pos x="T22" y="T23"/>
+                </a:cxn>
+                <a:cxn ang="0">
+                  <a:pos x="T24" y="T25"/>
+                </a:cxn>
+                <a:cxn ang="0">
+                  <a:pos x="T26" y="T27"/>
+                </a:cxn>
+              </a:cxnLst>
+              <a:rect l="0" t="0" r="r" b="b"/>
+              <a:pathLst>
+                <a:path w="65" h="116">
+                  <a:moveTo>
+                    <a:pt x="2" y="60"/>
+                  </a:moveTo>
+                  <a:cubicBezTo>
+                    <a:pt x="0" y="58"/>
+                    <a:pt x="1" y="55"/>
+                    <a:pt x="2" y="53"/>
+                  </a:cubicBezTo>
+                  <a:cubicBezTo>
+                    <a:pt x="12" y="44"/>
+                    <a:pt x="12" y="44"/>
+                    <a:pt x="12" y="44"/>
+                  </a:cubicBezTo>
+                  <a:cubicBezTo>
+                    <a:pt x="55" y="2"/>
+                    <a:pt x="55" y="2"/>
+                    <a:pt x="55" y="2"/>
+                  </a:cubicBezTo>
+                  <a:cubicBezTo>
+                    <a:pt x="57" y="0"/>
+                    <a:pt x="60" y="0"/>
+                    <a:pt x="62" y="2"/>
+                  </a:cubicBezTo>
+                  <a:cubicBezTo>
+                    <a:pt x="64" y="4"/>
+                    <a:pt x="64" y="7"/>
+                    <a:pt x="62" y="9"/>
+                  </a:cubicBezTo>
+                  <a:cubicBezTo>
+                    <a:pt x="18" y="53"/>
+                    <a:pt x="18" y="53"/>
+                    <a:pt x="18" y="53"/>
+                  </a:cubicBezTo>
+                  <a:cubicBezTo>
+                    <a:pt x="16" y="55"/>
+                    <a:pt x="16" y="58"/>
+                    <a:pt x="18" y="60"/>
+                  </a:cubicBezTo>
+                  <a:cubicBezTo>
+                    <a:pt x="63" y="106"/>
+                    <a:pt x="63" y="106"/>
+                    <a:pt x="63" y="106"/>
+                  </a:cubicBezTo>
+                  <a:cubicBezTo>
+                    <a:pt x="65" y="108"/>
+                    <a:pt x="65" y="112"/>
+                    <a:pt x="63" y="114"/>
+                  </a:cubicBezTo>
+                  <a:cubicBezTo>
+                    <a:pt x="61" y="116"/>
+                    <a:pt x="58" y="115"/>
+                    <a:pt x="56" y="114"/>
+                  </a:cubicBezTo>
+                  <a:cubicBezTo>
+                    <a:pt x="12" y="72"/>
+                    <a:pt x="12" y="72"/>
+                    <a:pt x="12" y="72"/>
+                  </a:cubicBezTo>
+                  <a:cubicBezTo>
+                    <a:pt x="12" y="72"/>
+                    <a:pt x="12" y="72"/>
+                    <a:pt x="12" y="71"/>
+                  </a:cubicBezTo>
+                  <a:lnTo>
+                    <a:pt x="2" y="60"/>
+                  </a:lnTo>
+                  <a:close/>
+                </a:path>
+              </a:pathLst>
+            </a:custGeom>
+            <a:solidFill>
+              <a:srgbClr val="3999C6"/>
+            </a:solidFill>
+            <a:ln>
+              <a:noFill/>
+            </a:ln>
+            <a:extLst>
+              <a:ext uri="{91240B29-F687-4F45-9708-019B960494DF}">
+                <a14:hiddenLine xmlns:a14="http://schemas.microsoft.com/office/drawing/2010/main" w="9525">
+                  <a:solidFill>
+                    <a:srgbClr val="000000"/>
+                  </a:solidFill>
+                  <a:round/>
+                  <a:headEnd/>
+                  <a:tailEnd/>
+                </a14:hiddenLine>
+              </a:ext>
+            </a:extLst>
+          </p:spPr>
+          <p:txBody>
+            <a:bodyPr vert="horz" wrap="square" lIns="91440" tIns="45720" rIns="91440" bIns="45720" numCol="1" anchor="t" anchorCtr="0" compatLnSpc="1">
+              <a:prstTxWarp prst="textNoShape">
+                <a:avLst/>
+              </a:prstTxWarp>
+            </a:bodyPr>
+            <a:lstStyle/>
+            <a:p>
+              <a:endParaRPr lang="ja-JP" altLang="en-US" sz="2400">
+                <a:latin typeface="Yu Gothic UI" panose="020B0500000000000000" pitchFamily="50" charset="-128"/>
+                <a:ea typeface="Yu Gothic UI" panose="020B0500000000000000" pitchFamily="50" charset="-128"/>
+              </a:endParaRPr>
+            </a:p>
+          </p:txBody>
+        </p:sp>
+        <p:sp>
+          <p:nvSpPr>
+            <p:cNvPr id="23" name="Freeform 2169">
+              <a:extLst>
+                <a:ext uri="{FF2B5EF4-FFF2-40B4-BE49-F238E27FC236}">
+                  <a16:creationId xmlns:a16="http://schemas.microsoft.com/office/drawing/2014/main" id="{E04B4539-0CBE-4B20-78A1-7099AB0A01D2}"/>
+                </a:ext>
+              </a:extLst>
+            </p:cNvPr>
+            <p:cNvSpPr>
+              <a:spLocks/>
+            </p:cNvSpPr>
+            <p:nvPr/>
+          </p:nvSpPr>
+          <p:spPr bwMode="auto">
+            <a:xfrm>
+              <a:off x="7680325" y="5889626"/>
+              <a:ext cx="76200" cy="74613"/>
+            </a:xfrm>
+            <a:custGeom>
+              <a:avLst/>
+              <a:gdLst>
+                <a:gd name="T0" fmla="*/ 27 w 27"/>
+                <a:gd name="T1" fmla="*/ 13 h 26"/>
+                <a:gd name="T2" fmla="*/ 14 w 27"/>
+                <a:gd name="T3" fmla="*/ 26 h 26"/>
+                <a:gd name="T4" fmla="*/ 0 w 27"/>
+                <a:gd name="T5" fmla="*/ 13 h 26"/>
+                <a:gd name="T6" fmla="*/ 14 w 27"/>
+                <a:gd name="T7" fmla="*/ 0 h 26"/>
+                <a:gd name="T8" fmla="*/ 27 w 27"/>
+                <a:gd name="T9" fmla="*/ 13 h 26"/>
+              </a:gdLst>
+              <a:ahLst/>
+              <a:cxnLst>
+                <a:cxn ang="0">
+                  <a:pos x="T0" y="T1"/>
+                </a:cxn>
+                <a:cxn ang="0">
+                  <a:pos x="T2" y="T3"/>
+                </a:cxn>
+                <a:cxn ang="0">
+                  <a:pos x="T4" y="T5"/>
+                </a:cxn>
+                <a:cxn ang="0">
+                  <a:pos x="T6" y="T7"/>
+                </a:cxn>
+                <a:cxn ang="0">
+                  <a:pos x="T8" y="T9"/>
+                </a:cxn>
+              </a:cxnLst>
+              <a:rect l="0" t="0" r="r" b="b"/>
+              <a:pathLst>
+                <a:path w="27" h="26">
+                  <a:moveTo>
+                    <a:pt x="27" y="13"/>
+                  </a:moveTo>
+                  <a:cubicBezTo>
+                    <a:pt x="27" y="20"/>
+                    <a:pt x="21" y="26"/>
+                    <a:pt x="14" y="26"/>
+                  </a:cubicBezTo>
+                  <a:cubicBezTo>
+                    <a:pt x="7" y="26"/>
+                    <a:pt x="0" y="20"/>
+                    <a:pt x="0" y="13"/>
+                  </a:cubicBezTo>
+                  <a:cubicBezTo>
+                    <a:pt x="0" y="6"/>
+                    <a:pt x="5" y="0"/>
+                    <a:pt x="14" y="0"/>
+                  </a:cubicBezTo>
+                  <a:cubicBezTo>
+                    <a:pt x="22" y="0"/>
+                    <a:pt x="27" y="6"/>
+                    <a:pt x="27" y="13"/>
+                  </a:cubicBezTo>
+                  <a:close/>
+                </a:path>
+              </a:pathLst>
+            </a:custGeom>
+            <a:solidFill>
+              <a:srgbClr val="7FBA00"/>
+            </a:solidFill>
+            <a:ln>
+              <a:noFill/>
+            </a:ln>
+            <a:extLst>
+              <a:ext uri="{91240B29-F687-4F45-9708-019B960494DF}">
+                <a14:hiddenLine xmlns:a14="http://schemas.microsoft.com/office/drawing/2010/main" w="9525">
+                  <a:solidFill>
+                    <a:srgbClr val="000000"/>
+                  </a:solidFill>
+                  <a:round/>
+                  <a:headEnd/>
+                  <a:tailEnd/>
+                </a14:hiddenLine>
+              </a:ext>
+            </a:extLst>
+          </p:spPr>
+          <p:txBody>
+            <a:bodyPr vert="horz" wrap="square" lIns="91440" tIns="45720" rIns="91440" bIns="45720" numCol="1" anchor="t" anchorCtr="0" compatLnSpc="1">
+              <a:prstTxWarp prst="textNoShape">
+                <a:avLst/>
+              </a:prstTxWarp>
+            </a:bodyPr>
+            <a:lstStyle/>
+            <a:p>
+              <a:endParaRPr lang="ja-JP" altLang="en-US" sz="2400">
+                <a:latin typeface="Yu Gothic UI" panose="020B0500000000000000" pitchFamily="50" charset="-128"/>
+                <a:ea typeface="Yu Gothic UI" panose="020B0500000000000000" pitchFamily="50" charset="-128"/>
+              </a:endParaRPr>
+            </a:p>
+          </p:txBody>
+        </p:sp>
+        <p:sp>
+          <p:nvSpPr>
+            <p:cNvPr id="24" name="Freeform 2170">
+              <a:extLst>
+                <a:ext uri="{FF2B5EF4-FFF2-40B4-BE49-F238E27FC236}">
+                  <a16:creationId xmlns:a16="http://schemas.microsoft.com/office/drawing/2014/main" id="{AC4F45A2-58F7-BC5E-F2D5-480735E40646}"/>
+                </a:ext>
+              </a:extLst>
+            </p:cNvPr>
+            <p:cNvSpPr>
+              <a:spLocks/>
+            </p:cNvSpPr>
+            <p:nvPr/>
+          </p:nvSpPr>
+          <p:spPr bwMode="auto">
+            <a:xfrm>
+              <a:off x="7794625" y="5889626"/>
+              <a:ext cx="76200" cy="74613"/>
+            </a:xfrm>
+            <a:custGeom>
+              <a:avLst/>
+              <a:gdLst>
+                <a:gd name="T0" fmla="*/ 27 w 27"/>
+                <a:gd name="T1" fmla="*/ 13 h 26"/>
+                <a:gd name="T2" fmla="*/ 14 w 27"/>
+                <a:gd name="T3" fmla="*/ 26 h 26"/>
+                <a:gd name="T4" fmla="*/ 0 w 27"/>
+                <a:gd name="T5" fmla="*/ 13 h 26"/>
+                <a:gd name="T6" fmla="*/ 14 w 27"/>
+                <a:gd name="T7" fmla="*/ 0 h 26"/>
+                <a:gd name="T8" fmla="*/ 27 w 27"/>
+                <a:gd name="T9" fmla="*/ 13 h 26"/>
+              </a:gdLst>
+              <a:ahLst/>
+              <a:cxnLst>
+                <a:cxn ang="0">
+                  <a:pos x="T0" y="T1"/>
+                </a:cxn>
+                <a:cxn ang="0">
+                  <a:pos x="T2" y="T3"/>
+                </a:cxn>
+                <a:cxn ang="0">
+                  <a:pos x="T4" y="T5"/>
+                </a:cxn>
+                <a:cxn ang="0">
+                  <a:pos x="T6" y="T7"/>
+                </a:cxn>
+                <a:cxn ang="0">
+                  <a:pos x="T8" y="T9"/>
+                </a:cxn>
+              </a:cxnLst>
+              <a:rect l="0" t="0" r="r" b="b"/>
+              <a:pathLst>
+                <a:path w="27" h="26">
+                  <a:moveTo>
+                    <a:pt x="27" y="13"/>
+                  </a:moveTo>
+                  <a:cubicBezTo>
+                    <a:pt x="27" y="20"/>
+                    <a:pt x="21" y="26"/>
+                    <a:pt x="14" y="26"/>
+                  </a:cubicBezTo>
+                  <a:cubicBezTo>
+                    <a:pt x="7" y="26"/>
+                    <a:pt x="0" y="20"/>
+                    <a:pt x="0" y="13"/>
+                  </a:cubicBezTo>
+                  <a:cubicBezTo>
+                    <a:pt x="0" y="6"/>
+                    <a:pt x="7" y="0"/>
+                    <a:pt x="14" y="0"/>
+                  </a:cubicBezTo>
+                  <a:cubicBezTo>
+                    <a:pt x="22" y="0"/>
+                    <a:pt x="27" y="6"/>
+                    <a:pt x="27" y="13"/>
+                  </a:cubicBezTo>
+                  <a:close/>
+                </a:path>
+              </a:pathLst>
+            </a:custGeom>
+            <a:solidFill>
+              <a:srgbClr val="7FBA00"/>
+            </a:solidFill>
+            <a:ln>
+              <a:noFill/>
+            </a:ln>
+            <a:extLst>
+              <a:ext uri="{91240B29-F687-4F45-9708-019B960494DF}">
+                <a14:hiddenLine xmlns:a14="http://schemas.microsoft.com/office/drawing/2010/main" w="9525">
+                  <a:solidFill>
+                    <a:srgbClr val="000000"/>
+                  </a:solidFill>
+                  <a:round/>
+                  <a:headEnd/>
+                  <a:tailEnd/>
+                </a14:hiddenLine>
+              </a:ext>
+            </a:extLst>
+          </p:spPr>
+          <p:txBody>
+            <a:bodyPr vert="horz" wrap="square" lIns="91440" tIns="45720" rIns="91440" bIns="45720" numCol="1" anchor="t" anchorCtr="0" compatLnSpc="1">
+              <a:prstTxWarp prst="textNoShape">
+                <a:avLst/>
+              </a:prstTxWarp>
+            </a:bodyPr>
+            <a:lstStyle/>
+            <a:p>
+              <a:endParaRPr lang="ja-JP" altLang="en-US" sz="2400">
+                <a:latin typeface="Yu Gothic UI" panose="020B0500000000000000" pitchFamily="50" charset="-128"/>
+                <a:ea typeface="Yu Gothic UI" panose="020B0500000000000000" pitchFamily="50" charset="-128"/>
+              </a:endParaRPr>
+            </a:p>
+          </p:txBody>
+        </p:sp>
+        <p:sp>
+          <p:nvSpPr>
+            <p:cNvPr id="25" name="Oval 2171">
+              <a:extLst>
+                <a:ext uri="{FF2B5EF4-FFF2-40B4-BE49-F238E27FC236}">
+                  <a16:creationId xmlns:a16="http://schemas.microsoft.com/office/drawing/2014/main" id="{4AB03900-9E83-51DF-DE97-38AD35CECE71}"/>
+                </a:ext>
+              </a:extLst>
+            </p:cNvPr>
+            <p:cNvSpPr>
+              <a:spLocks noChangeArrowheads="1"/>
+            </p:cNvSpPr>
+            <p:nvPr/>
+          </p:nvSpPr>
+          <p:spPr bwMode="auto">
+            <a:xfrm>
+              <a:off x="7913688" y="5889626"/>
+              <a:ext cx="74613" cy="74613"/>
+            </a:xfrm>
+            <a:prstGeom prst="ellipse">
+              <a:avLst/>
+            </a:prstGeom>
+            <a:solidFill>
+              <a:srgbClr val="7FBA00"/>
+            </a:solidFill>
+            <a:ln>
+              <a:noFill/>
+            </a:ln>
+            <a:extLst>
+              <a:ext uri="{91240B29-F687-4F45-9708-019B960494DF}">
+                <a14:hiddenLine xmlns:a14="http://schemas.microsoft.com/office/drawing/2010/main" w="9525">
+                  <a:solidFill>
+                    <a:srgbClr val="000000"/>
+                  </a:solidFill>
+                  <a:round/>
+                  <a:headEnd/>
+                  <a:tailEnd/>
+                </a14:hiddenLine>
+              </a:ext>
+            </a:extLst>
+          </p:spPr>
+          <p:txBody>
+            <a:bodyPr vert="horz" wrap="square" lIns="91440" tIns="45720" rIns="91440" bIns="45720" numCol="1" anchor="t" anchorCtr="0" compatLnSpc="1">
+              <a:prstTxWarp prst="textNoShape">
+                <a:avLst/>
+              </a:prstTxWarp>
+            </a:bodyPr>
+            <a:lstStyle/>
+            <a:p>
+              <a:endParaRPr lang="ja-JP" altLang="en-US" sz="2400">
+                <a:latin typeface="Yu Gothic UI" panose="020B0500000000000000" pitchFamily="50" charset="-128"/>
+                <a:ea typeface="Yu Gothic UI" panose="020B0500000000000000" pitchFamily="50" charset="-128"/>
+              </a:endParaRPr>
+            </a:p>
+          </p:txBody>
+        </p:sp>
+      </p:grpSp>
+      <p:sp>
+        <p:nvSpPr>
+          <p:cNvPr id="26" name="テキスト ボックス 25">
+            <a:extLst>
+              <a:ext uri="{FF2B5EF4-FFF2-40B4-BE49-F238E27FC236}">
+                <a16:creationId xmlns:a16="http://schemas.microsoft.com/office/drawing/2014/main" id="{3827EFA9-DA10-81B5-7433-E7C4DA24AFE0}"/>
+              </a:ext>
+            </a:extLst>
+          </p:cNvPr>
+          <p:cNvSpPr txBox="1"/>
+          <p:nvPr/>
+        </p:nvSpPr>
+        <p:spPr>
+          <a:xfrm>
+            <a:off x="5527887" y="1357514"/>
+            <a:ext cx="1233451" cy="123111"/>
+          </a:xfrm>
+          <a:prstGeom prst="rect">
+            <a:avLst/>
+          </a:prstGeom>
+          <a:noFill/>
+        </p:spPr>
+        <p:txBody>
+          <a:bodyPr wrap="square" lIns="0" tIns="0" rIns="0" bIns="0" rtlCol="0">
+            <a:spAutoFit/>
+          </a:bodyPr>
+          <a:lstStyle/>
+          <a:p>
+            <a:r>
+              <a:rPr kumimoji="1" lang="ja-JP" altLang="en-US" sz="800" dirty="0">
+                <a:latin typeface="Yu Gothic UI" panose="020B0500000000000000" pitchFamily="50" charset="-128"/>
+                <a:ea typeface="Yu Gothic UI" panose="020B0500000000000000" pitchFamily="50" charset="-128"/>
+              </a:rPr>
+              <a:t>仮想ネットワーク</a:t>
+            </a:r>
+            <a:endParaRPr kumimoji="1" lang="en-US" sz="800" dirty="0">
+              <a:latin typeface="Yu Gothic UI" panose="020B0500000000000000" pitchFamily="50" charset="-128"/>
+              <a:ea typeface="Yu Gothic UI" panose="020B0500000000000000" pitchFamily="50" charset="-128"/>
+            </a:endParaRPr>
+          </a:p>
+        </p:txBody>
+      </p:sp>
+      <p:sp>
+        <p:nvSpPr>
+          <p:cNvPr id="27" name="正方形/長方形 26">
+            <a:extLst>
+              <a:ext uri="{FF2B5EF4-FFF2-40B4-BE49-F238E27FC236}">
+                <a16:creationId xmlns:a16="http://schemas.microsoft.com/office/drawing/2014/main" id="{56644C42-B952-F910-4812-B03EDBDC23EB}"/>
+              </a:ext>
+            </a:extLst>
+          </p:cNvPr>
+          <p:cNvSpPr/>
+          <p:nvPr/>
+        </p:nvSpPr>
+        <p:spPr>
+          <a:xfrm>
+            <a:off x="5427301" y="1808176"/>
+            <a:ext cx="880617" cy="758281"/>
+          </a:xfrm>
+          <a:prstGeom prst="rect">
+            <a:avLst/>
+          </a:prstGeom>
+          <a:solidFill>
+            <a:schemeClr val="accent6">
+              <a:lumMod val="20000"/>
+              <a:lumOff val="80000"/>
+            </a:schemeClr>
+          </a:solidFill>
+          <a:ln>
+            <a:noFill/>
+          </a:ln>
+        </p:spPr>
+        <p:style>
+          <a:lnRef idx="2">
+            <a:schemeClr val="accent1">
+              <a:shade val="50000"/>
+            </a:schemeClr>
+          </a:lnRef>
+          <a:fillRef idx="1">
+            <a:schemeClr val="accent1"/>
+          </a:fillRef>
+          <a:effectRef idx="0">
+            <a:schemeClr val="accent1"/>
+          </a:effectRef>
+          <a:fontRef idx="minor">
+            <a:schemeClr val="lt1"/>
+          </a:fontRef>
+        </p:style>
+        <p:txBody>
+          <a:bodyPr rtlCol="0" anchor="ctr"/>
+          <a:lstStyle/>
+          <a:p>
+            <a:pPr algn="ctr"/>
+            <a:endParaRPr kumimoji="1" lang="en-US" sz="2400" dirty="0">
+              <a:latin typeface="Yu Gothic UI" panose="020B0500000000000000" pitchFamily="50" charset="-128"/>
+              <a:ea typeface="Yu Gothic UI" panose="020B0500000000000000" pitchFamily="50" charset="-128"/>
+            </a:endParaRPr>
+          </a:p>
+        </p:txBody>
+      </p:sp>
+      <p:pic>
+        <p:nvPicPr>
+          <p:cNvPr id="28" name="グラフィックス 27">
+            <a:extLst>
+              <a:ext uri="{FF2B5EF4-FFF2-40B4-BE49-F238E27FC236}">
+                <a16:creationId xmlns:a16="http://schemas.microsoft.com/office/drawing/2014/main" id="{0F1C6CCC-800E-124F-86EE-A5E4D778B85D}"/>
+              </a:ext>
+            </a:extLst>
+          </p:cNvPr>
+          <p:cNvPicPr>
+            <a:picLocks noChangeAspect="1"/>
+          </p:cNvPicPr>
+          <p:nvPr/>
+        </p:nvPicPr>
+        <p:blipFill>
+          <a:blip r:embed="rId4">
+            <a:extLst>
+              <a:ext uri="{28A0092B-C50C-407E-A947-70E740481C1C}">
+                <a14:useLocalDpi xmlns:a14="http://schemas.microsoft.com/office/drawing/2010/main" val="0"/>
+              </a:ext>
+              <a:ext uri="{96DAC541-7B7A-43D3-8B79-37D633B846F1}">
+                <asvg:svgBlip xmlns:asvg="http://schemas.microsoft.com/office/drawing/2016/SVG/main" r:embed="rId5"/>
+              </a:ext>
+            </a:extLst>
+          </a:blip>
+          <a:stretch>
+            <a:fillRect/>
+          </a:stretch>
+        </p:blipFill>
+        <p:spPr>
+          <a:xfrm>
+            <a:off x="5434648" y="1636727"/>
+            <a:ext cx="171450" cy="171450"/>
+          </a:xfrm>
+          <a:prstGeom prst="rect">
+            <a:avLst/>
+          </a:prstGeom>
+        </p:spPr>
+      </p:pic>
+      <p:sp>
+        <p:nvSpPr>
+          <p:cNvPr id="29" name="テキスト ボックス 28">
+            <a:extLst>
+              <a:ext uri="{FF2B5EF4-FFF2-40B4-BE49-F238E27FC236}">
+                <a16:creationId xmlns:a16="http://schemas.microsoft.com/office/drawing/2014/main" id="{C078CB9C-5324-E2E8-69FC-E7EC9FF4A976}"/>
+              </a:ext>
+            </a:extLst>
+          </p:cNvPr>
+          <p:cNvSpPr txBox="1"/>
+          <p:nvPr/>
+        </p:nvSpPr>
+        <p:spPr>
+          <a:xfrm>
+            <a:off x="5623451" y="1654489"/>
+            <a:ext cx="766868" cy="123111"/>
+          </a:xfrm>
+          <a:prstGeom prst="rect">
+            <a:avLst/>
+          </a:prstGeom>
+          <a:noFill/>
+        </p:spPr>
+        <p:txBody>
+          <a:bodyPr wrap="square" lIns="0" tIns="0" rIns="0" bIns="0" rtlCol="0">
+            <a:spAutoFit/>
+          </a:bodyPr>
+          <a:lstStyle/>
+          <a:p>
+            <a:r>
+              <a:rPr kumimoji="1" lang="ja-JP" altLang="en-US" sz="800" dirty="0">
+                <a:latin typeface="Yu Gothic UI" panose="020B0500000000000000" pitchFamily="50" charset="-128"/>
+                <a:ea typeface="Yu Gothic UI" panose="020B0500000000000000" pitchFamily="50" charset="-128"/>
+              </a:rPr>
+              <a:t>サブネット</a:t>
+            </a:r>
+            <a:endParaRPr kumimoji="1" lang="en-US" sz="800" dirty="0">
+              <a:latin typeface="Yu Gothic UI" panose="020B0500000000000000" pitchFamily="50" charset="-128"/>
+              <a:ea typeface="Yu Gothic UI" panose="020B0500000000000000" pitchFamily="50" charset="-128"/>
+            </a:endParaRPr>
+          </a:p>
+        </p:txBody>
+      </p:sp>
+      <p:grpSp>
+        <p:nvGrpSpPr>
+          <p:cNvPr id="30" name="グループ化 29">
+            <a:extLst>
+              <a:ext uri="{FF2B5EF4-FFF2-40B4-BE49-F238E27FC236}">
+                <a16:creationId xmlns:a16="http://schemas.microsoft.com/office/drawing/2014/main" id="{878E6DD7-0B94-87D7-C168-80A52457C7D7}"/>
+              </a:ext>
+            </a:extLst>
+          </p:cNvPr>
+          <p:cNvGrpSpPr/>
+          <p:nvPr/>
+        </p:nvGrpSpPr>
+        <p:grpSpPr>
+          <a:xfrm>
+            <a:off x="5775119" y="1873382"/>
+            <a:ext cx="231766" cy="259797"/>
+            <a:chOff x="1236663" y="233363"/>
+            <a:chExt cx="538162" cy="603250"/>
+          </a:xfrm>
+        </p:grpSpPr>
+        <p:sp>
+          <p:nvSpPr>
+            <p:cNvPr id="31" name="Freeform 39">
+              <a:extLst>
+                <a:ext uri="{FF2B5EF4-FFF2-40B4-BE49-F238E27FC236}">
+                  <a16:creationId xmlns:a16="http://schemas.microsoft.com/office/drawing/2014/main" id="{15D5544E-A7D9-0928-82EE-B686112ADBF1}"/>
+                </a:ext>
+              </a:extLst>
+            </p:cNvPr>
+            <p:cNvSpPr>
+              <a:spLocks/>
+            </p:cNvSpPr>
+            <p:nvPr/>
+          </p:nvSpPr>
+          <p:spPr bwMode="auto">
+            <a:xfrm>
+              <a:off x="1300163" y="233363"/>
+              <a:ext cx="411162" cy="234950"/>
+            </a:xfrm>
+            <a:custGeom>
+              <a:avLst/>
+              <a:gdLst>
+                <a:gd name="T0" fmla="*/ 137 w 137"/>
+                <a:gd name="T1" fmla="*/ 74 h 78"/>
+                <a:gd name="T2" fmla="*/ 137 w 137"/>
+                <a:gd name="T3" fmla="*/ 66 h 78"/>
+                <a:gd name="T4" fmla="*/ 119 w 137"/>
+                <a:gd name="T5" fmla="*/ 20 h 78"/>
+                <a:gd name="T6" fmla="*/ 68 w 137"/>
+                <a:gd name="T7" fmla="*/ 0 h 78"/>
+                <a:gd name="T8" fmla="*/ 18 w 137"/>
+                <a:gd name="T9" fmla="*/ 20 h 78"/>
+                <a:gd name="T10" fmla="*/ 0 w 137"/>
+                <a:gd name="T11" fmla="*/ 66 h 78"/>
+                <a:gd name="T12" fmla="*/ 0 w 137"/>
+                <a:gd name="T13" fmla="*/ 74 h 78"/>
+                <a:gd name="T14" fmla="*/ 32 w 137"/>
+                <a:gd name="T15" fmla="*/ 78 h 78"/>
+                <a:gd name="T16" fmla="*/ 32 w 137"/>
+                <a:gd name="T17" fmla="*/ 70 h 78"/>
+                <a:gd name="T18" fmla="*/ 41 w 137"/>
+                <a:gd name="T19" fmla="*/ 40 h 78"/>
+                <a:gd name="T20" fmla="*/ 68 w 137"/>
+                <a:gd name="T21" fmla="*/ 29 h 78"/>
+                <a:gd name="T22" fmla="*/ 96 w 137"/>
+                <a:gd name="T23" fmla="*/ 40 h 78"/>
+                <a:gd name="T24" fmla="*/ 105 w 137"/>
+                <a:gd name="T25" fmla="*/ 65 h 78"/>
+                <a:gd name="T26" fmla="*/ 105 w 137"/>
+                <a:gd name="T27" fmla="*/ 78 h 78"/>
+                <a:gd name="T28" fmla="*/ 137 w 137"/>
+                <a:gd name="T29" fmla="*/ 74 h 78"/>
+              </a:gdLst>
+              <a:ahLst/>
+              <a:cxnLst>
+                <a:cxn ang="0">
+                  <a:pos x="T0" y="T1"/>
+                </a:cxn>
+                <a:cxn ang="0">
+                  <a:pos x="T2" y="T3"/>
+                </a:cxn>
+                <a:cxn ang="0">
+                  <a:pos x="T4" y="T5"/>
+                </a:cxn>
+                <a:cxn ang="0">
+                  <a:pos x="T6" y="T7"/>
+                </a:cxn>
+                <a:cxn ang="0">
+                  <a:pos x="T8" y="T9"/>
+                </a:cxn>
+                <a:cxn ang="0">
+                  <a:pos x="T10" y="T11"/>
+                </a:cxn>
+                <a:cxn ang="0">
+                  <a:pos x="T12" y="T13"/>
+                </a:cxn>
+                <a:cxn ang="0">
+                  <a:pos x="T14" y="T15"/>
+                </a:cxn>
+                <a:cxn ang="0">
+                  <a:pos x="T16" y="T17"/>
+                </a:cxn>
+                <a:cxn ang="0">
+                  <a:pos x="T18" y="T19"/>
+                </a:cxn>
+                <a:cxn ang="0">
+                  <a:pos x="T20" y="T21"/>
+                </a:cxn>
+                <a:cxn ang="0">
+                  <a:pos x="T22" y="T23"/>
+                </a:cxn>
+                <a:cxn ang="0">
+                  <a:pos x="T24" y="T25"/>
+                </a:cxn>
+                <a:cxn ang="0">
+                  <a:pos x="T26" y="T27"/>
+                </a:cxn>
+                <a:cxn ang="0">
+                  <a:pos x="T28" y="T29"/>
+                </a:cxn>
+              </a:cxnLst>
+              <a:rect l="0" t="0" r="r" b="b"/>
+              <a:pathLst>
+                <a:path w="137" h="78">
+                  <a:moveTo>
+                    <a:pt x="137" y="74"/>
+                  </a:moveTo>
+                  <a:cubicBezTo>
+                    <a:pt x="137" y="66"/>
+                    <a:pt x="137" y="66"/>
+                    <a:pt x="137" y="66"/>
+                  </a:cubicBezTo>
+                  <a:cubicBezTo>
+                    <a:pt x="137" y="48"/>
+                    <a:pt x="130" y="32"/>
+                    <a:pt x="119" y="20"/>
+                  </a:cubicBezTo>
+                  <a:cubicBezTo>
+                    <a:pt x="109" y="8"/>
+                    <a:pt x="86" y="0"/>
+                    <a:pt x="68" y="0"/>
+                  </a:cubicBezTo>
+                  <a:cubicBezTo>
+                    <a:pt x="51" y="0"/>
+                    <a:pt x="28" y="8"/>
+                    <a:pt x="18" y="20"/>
+                  </a:cubicBezTo>
+                  <a:cubicBezTo>
+                    <a:pt x="7" y="32"/>
+                    <a:pt x="0" y="48"/>
+                    <a:pt x="0" y="66"/>
+                  </a:cubicBezTo>
+                  <a:cubicBezTo>
+                    <a:pt x="0" y="74"/>
+                    <a:pt x="0" y="74"/>
+                    <a:pt x="0" y="74"/>
+                  </a:cubicBezTo>
+                  <a:cubicBezTo>
+                    <a:pt x="32" y="78"/>
+                    <a:pt x="32" y="78"/>
+                    <a:pt x="32" y="78"/>
+                  </a:cubicBezTo>
+                  <a:cubicBezTo>
+                    <a:pt x="32" y="70"/>
+                    <a:pt x="32" y="70"/>
+                    <a:pt x="32" y="70"/>
+                  </a:cubicBezTo>
+                  <a:cubicBezTo>
+                    <a:pt x="32" y="60"/>
+                    <a:pt x="35" y="46"/>
+                    <a:pt x="41" y="40"/>
+                  </a:cubicBezTo>
+                  <a:cubicBezTo>
+                    <a:pt x="47" y="33"/>
+                    <a:pt x="60" y="30"/>
+                    <a:pt x="68" y="29"/>
+                  </a:cubicBezTo>
+                  <a:cubicBezTo>
+                    <a:pt x="77" y="29"/>
+                    <a:pt x="90" y="33"/>
+                    <a:pt x="96" y="40"/>
+                  </a:cubicBezTo>
+                  <a:cubicBezTo>
+                    <a:pt x="102" y="46"/>
+                    <a:pt x="105" y="55"/>
+                    <a:pt x="105" y="65"/>
+                  </a:cubicBezTo>
+                  <a:cubicBezTo>
+                    <a:pt x="105" y="78"/>
+                    <a:pt x="105" y="78"/>
+                    <a:pt x="105" y="78"/>
+                  </a:cubicBezTo>
+                  <a:cubicBezTo>
+                    <a:pt x="137" y="74"/>
+                    <a:pt x="137" y="74"/>
+                    <a:pt x="137" y="74"/>
+                  </a:cubicBezTo>
+                </a:path>
+              </a:pathLst>
+            </a:custGeom>
+            <a:solidFill>
+              <a:srgbClr val="A0A1A2"/>
+            </a:solidFill>
+            <a:ln>
+              <a:noFill/>
+            </a:ln>
+            <a:extLst>
+              <a:ext uri="{91240B29-F687-4F45-9708-019B960494DF}">
+                <a14:hiddenLine xmlns:a14="http://schemas.microsoft.com/office/drawing/2010/main" w="9525">
+                  <a:solidFill>
+                    <a:srgbClr val="000000"/>
+                  </a:solidFill>
+                  <a:round/>
+                  <a:headEnd/>
+                  <a:tailEnd/>
+                </a14:hiddenLine>
+              </a:ext>
+            </a:extLst>
+          </p:spPr>
+          <p:txBody>
+            <a:bodyPr vert="horz" wrap="square" lIns="91440" tIns="45720" rIns="91440" bIns="45720" numCol="1" anchor="t" anchorCtr="0" compatLnSpc="1">
+              <a:prstTxWarp prst="textNoShape">
+                <a:avLst/>
+              </a:prstTxWarp>
+            </a:bodyPr>
+            <a:lstStyle/>
+            <a:p>
+              <a:endParaRPr lang="ja-JP" altLang="en-US" sz="2400">
+                <a:latin typeface="Yu Gothic UI" panose="020B0500000000000000" pitchFamily="50" charset="-128"/>
+                <a:ea typeface="Yu Gothic UI" panose="020B0500000000000000" pitchFamily="50" charset="-128"/>
+              </a:endParaRPr>
+            </a:p>
+          </p:txBody>
+        </p:sp>
+        <p:sp>
+          <p:nvSpPr>
+            <p:cNvPr id="32" name="Freeform 40">
+              <a:extLst>
+                <a:ext uri="{FF2B5EF4-FFF2-40B4-BE49-F238E27FC236}">
+                  <a16:creationId xmlns:a16="http://schemas.microsoft.com/office/drawing/2014/main" id="{023F86EB-05CE-E51A-E936-D59E934405D5}"/>
+                </a:ext>
+              </a:extLst>
+            </p:cNvPr>
+            <p:cNvSpPr>
+              <a:spLocks/>
+            </p:cNvSpPr>
+            <p:nvPr/>
+          </p:nvSpPr>
+          <p:spPr bwMode="auto">
+            <a:xfrm>
+              <a:off x="1236663" y="455613"/>
+              <a:ext cx="538162" cy="381000"/>
+            </a:xfrm>
+            <a:custGeom>
+              <a:avLst/>
+              <a:gdLst>
+                <a:gd name="T0" fmla="*/ 21 w 179"/>
+                <a:gd name="T1" fmla="*/ 0 h 126"/>
+                <a:gd name="T2" fmla="*/ 0 w 179"/>
+                <a:gd name="T3" fmla="*/ 22 h 126"/>
+                <a:gd name="T4" fmla="*/ 0 w 179"/>
+                <a:gd name="T5" fmla="*/ 105 h 126"/>
+                <a:gd name="T6" fmla="*/ 18 w 179"/>
+                <a:gd name="T7" fmla="*/ 126 h 126"/>
+                <a:gd name="T8" fmla="*/ 161 w 179"/>
+                <a:gd name="T9" fmla="*/ 126 h 126"/>
+                <a:gd name="T10" fmla="*/ 179 w 179"/>
+                <a:gd name="T11" fmla="*/ 105 h 126"/>
+                <a:gd name="T12" fmla="*/ 179 w 179"/>
+                <a:gd name="T13" fmla="*/ 22 h 126"/>
+                <a:gd name="T14" fmla="*/ 158 w 179"/>
+                <a:gd name="T15" fmla="*/ 0 h 126"/>
+                <a:gd name="T16" fmla="*/ 21 w 179"/>
+                <a:gd name="T17" fmla="*/ 0 h 126"/>
+              </a:gdLst>
+              <a:ahLst/>
+              <a:cxnLst>
+                <a:cxn ang="0">
+                  <a:pos x="T0" y="T1"/>
+                </a:cxn>
+                <a:cxn ang="0">
+                  <a:pos x="T2" y="T3"/>
+                </a:cxn>
+                <a:cxn ang="0">
+                  <a:pos x="T4" y="T5"/>
+                </a:cxn>
+                <a:cxn ang="0">
+                  <a:pos x="T6" y="T7"/>
+                </a:cxn>
+                <a:cxn ang="0">
+                  <a:pos x="T8" y="T9"/>
+                </a:cxn>
+                <a:cxn ang="0">
+                  <a:pos x="T10" y="T11"/>
+                </a:cxn>
+                <a:cxn ang="0">
+                  <a:pos x="T12" y="T13"/>
+                </a:cxn>
+                <a:cxn ang="0">
+                  <a:pos x="T14" y="T15"/>
+                </a:cxn>
+                <a:cxn ang="0">
+                  <a:pos x="T16" y="T17"/>
+                </a:cxn>
+              </a:cxnLst>
+              <a:rect l="0" t="0" r="r" b="b"/>
+              <a:pathLst>
+                <a:path w="179" h="126">
+                  <a:moveTo>
+                    <a:pt x="21" y="0"/>
+                  </a:moveTo>
+                  <a:cubicBezTo>
+                    <a:pt x="5" y="0"/>
+                    <a:pt x="0" y="10"/>
+                    <a:pt x="0" y="22"/>
+                  </a:cubicBezTo>
+                  <a:cubicBezTo>
+                    <a:pt x="0" y="105"/>
+                    <a:pt x="0" y="105"/>
+                    <a:pt x="0" y="105"/>
+                  </a:cubicBezTo>
+                  <a:cubicBezTo>
+                    <a:pt x="0" y="116"/>
+                    <a:pt x="6" y="126"/>
+                    <a:pt x="18" y="126"/>
+                  </a:cubicBezTo>
+                  <a:cubicBezTo>
+                    <a:pt x="161" y="126"/>
+                    <a:pt x="161" y="126"/>
+                    <a:pt x="161" y="126"/>
+                  </a:cubicBezTo>
+                  <a:cubicBezTo>
+                    <a:pt x="174" y="126"/>
+                    <a:pt x="179" y="116"/>
+                    <a:pt x="179" y="105"/>
+                  </a:cubicBezTo>
+                  <a:cubicBezTo>
+                    <a:pt x="179" y="22"/>
+                    <a:pt x="179" y="22"/>
+                    <a:pt x="179" y="22"/>
+                  </a:cubicBezTo>
+                  <a:cubicBezTo>
+                    <a:pt x="179" y="11"/>
+                    <a:pt x="175" y="0"/>
+                    <a:pt x="158" y="0"/>
+                  </a:cubicBezTo>
+                  <a:cubicBezTo>
+                    <a:pt x="21" y="0"/>
+                    <a:pt x="21" y="0"/>
+                    <a:pt x="21" y="0"/>
+                  </a:cubicBezTo>
+                </a:path>
+              </a:pathLst>
+            </a:custGeom>
+            <a:solidFill>
+              <a:srgbClr val="59B4D9"/>
+            </a:solidFill>
+            <a:ln>
+              <a:noFill/>
+            </a:ln>
+            <a:extLst>
+              <a:ext uri="{91240B29-F687-4F45-9708-019B960494DF}">
+                <a14:hiddenLine xmlns:a14="http://schemas.microsoft.com/office/drawing/2010/main" w="9525">
+                  <a:solidFill>
+                    <a:srgbClr val="000000"/>
+                  </a:solidFill>
+                  <a:round/>
+                  <a:headEnd/>
+                  <a:tailEnd/>
+                </a14:hiddenLine>
+              </a:ext>
+            </a:extLst>
+          </p:spPr>
+          <p:txBody>
+            <a:bodyPr vert="horz" wrap="square" lIns="91440" tIns="45720" rIns="91440" bIns="45720" numCol="1" anchor="t" anchorCtr="0" compatLnSpc="1">
+              <a:prstTxWarp prst="textNoShape">
+                <a:avLst/>
+              </a:prstTxWarp>
+            </a:bodyPr>
+            <a:lstStyle/>
+            <a:p>
+              <a:endParaRPr lang="ja-JP" altLang="en-US" sz="2400">
+                <a:latin typeface="Yu Gothic UI" panose="020B0500000000000000" pitchFamily="50" charset="-128"/>
+                <a:ea typeface="Yu Gothic UI" panose="020B0500000000000000" pitchFamily="50" charset="-128"/>
+              </a:endParaRPr>
+            </a:p>
+          </p:txBody>
+        </p:sp>
+        <p:sp>
+          <p:nvSpPr>
+            <p:cNvPr id="33" name="Freeform 41">
+              <a:extLst>
+                <a:ext uri="{FF2B5EF4-FFF2-40B4-BE49-F238E27FC236}">
+                  <a16:creationId xmlns:a16="http://schemas.microsoft.com/office/drawing/2014/main" id="{59A81899-D620-9BC1-31D3-EC7E3BE92D14}"/>
+                </a:ext>
+              </a:extLst>
+            </p:cNvPr>
+            <p:cNvSpPr>
+              <a:spLocks/>
+            </p:cNvSpPr>
+            <p:nvPr/>
+          </p:nvSpPr>
+          <p:spPr bwMode="auto">
+            <a:xfrm>
+              <a:off x="1236663" y="455613"/>
+              <a:ext cx="379412" cy="381000"/>
+            </a:xfrm>
+            <a:custGeom>
+              <a:avLst/>
+              <a:gdLst>
+                <a:gd name="T0" fmla="*/ 126 w 126"/>
+                <a:gd name="T1" fmla="*/ 0 h 126"/>
+                <a:gd name="T2" fmla="*/ 53 w 126"/>
+                <a:gd name="T3" fmla="*/ 0 h 126"/>
+                <a:gd name="T4" fmla="*/ 21 w 126"/>
+                <a:gd name="T5" fmla="*/ 0 h 126"/>
+                <a:gd name="T6" fmla="*/ 21 w 126"/>
+                <a:gd name="T7" fmla="*/ 0 h 126"/>
+                <a:gd name="T8" fmla="*/ 0 w 126"/>
+                <a:gd name="T9" fmla="*/ 22 h 126"/>
+                <a:gd name="T10" fmla="*/ 0 w 126"/>
+                <a:gd name="T11" fmla="*/ 105 h 126"/>
+                <a:gd name="T12" fmla="*/ 18 w 126"/>
+                <a:gd name="T13" fmla="*/ 126 h 126"/>
+                <a:gd name="T14" fmla="*/ 45 w 126"/>
+                <a:gd name="T15" fmla="*/ 126 h 126"/>
+                <a:gd name="T16" fmla="*/ 126 w 126"/>
+                <a:gd name="T17" fmla="*/ 0 h 126"/>
+              </a:gdLst>
+              <a:ahLst/>
+              <a:cxnLst>
+                <a:cxn ang="0">
+                  <a:pos x="T0" y="T1"/>
+                </a:cxn>
+                <a:cxn ang="0">
+                  <a:pos x="T2" y="T3"/>
+                </a:cxn>
+                <a:cxn ang="0">
+                  <a:pos x="T4" y="T5"/>
+                </a:cxn>
+                <a:cxn ang="0">
+                  <a:pos x="T6" y="T7"/>
+                </a:cxn>
+                <a:cxn ang="0">
+                  <a:pos x="T8" y="T9"/>
+                </a:cxn>
+                <a:cxn ang="0">
+                  <a:pos x="T10" y="T11"/>
+                </a:cxn>
+                <a:cxn ang="0">
+                  <a:pos x="T12" y="T13"/>
+                </a:cxn>
+                <a:cxn ang="0">
+                  <a:pos x="T14" y="T15"/>
+                </a:cxn>
+                <a:cxn ang="0">
+                  <a:pos x="T16" y="T17"/>
+                </a:cxn>
+              </a:cxnLst>
+              <a:rect l="0" t="0" r="r" b="b"/>
+              <a:pathLst>
+                <a:path w="126" h="126">
+                  <a:moveTo>
+                    <a:pt x="126" y="0"/>
+                  </a:moveTo>
+                  <a:cubicBezTo>
+                    <a:pt x="53" y="0"/>
+                    <a:pt x="53" y="0"/>
+                    <a:pt x="53" y="0"/>
+                  </a:cubicBezTo>
+                  <a:cubicBezTo>
+                    <a:pt x="21" y="0"/>
+                    <a:pt x="21" y="0"/>
+                    <a:pt x="21" y="0"/>
+                  </a:cubicBezTo>
+                  <a:cubicBezTo>
+                    <a:pt x="21" y="0"/>
+                    <a:pt x="21" y="0"/>
+                    <a:pt x="21" y="0"/>
+                  </a:cubicBezTo>
+                  <a:cubicBezTo>
+                    <a:pt x="5" y="0"/>
+                    <a:pt x="0" y="10"/>
+                    <a:pt x="0" y="22"/>
+                  </a:cubicBezTo>
+                  <a:cubicBezTo>
+                    <a:pt x="0" y="105"/>
+                    <a:pt x="0" y="105"/>
+                    <a:pt x="0" y="105"/>
+                  </a:cubicBezTo>
+                  <a:cubicBezTo>
+                    <a:pt x="0" y="116"/>
+                    <a:pt x="6" y="126"/>
+                    <a:pt x="18" y="126"/>
+                  </a:cubicBezTo>
+                  <a:cubicBezTo>
+                    <a:pt x="45" y="126"/>
+                    <a:pt x="45" y="126"/>
+                    <a:pt x="45" y="126"/>
+                  </a:cubicBezTo>
+                  <a:cubicBezTo>
+                    <a:pt x="126" y="0"/>
+                    <a:pt x="126" y="0"/>
+                    <a:pt x="126" y="0"/>
+                  </a:cubicBezTo>
+                </a:path>
+              </a:pathLst>
+            </a:custGeom>
+            <a:solidFill>
+              <a:srgbClr val="72BFDF"/>
+            </a:solidFill>
+            <a:ln>
+              <a:noFill/>
+            </a:ln>
+            <a:extLst>
+              <a:ext uri="{91240B29-F687-4F45-9708-019B960494DF}">
+                <a14:hiddenLine xmlns:a14="http://schemas.microsoft.com/office/drawing/2010/main" w="9525">
+                  <a:solidFill>
+                    <a:srgbClr val="000000"/>
+                  </a:solidFill>
+                  <a:round/>
+                  <a:headEnd/>
+                  <a:tailEnd/>
+                </a14:hiddenLine>
+              </a:ext>
+            </a:extLst>
+          </p:spPr>
+          <p:txBody>
+            <a:bodyPr vert="horz" wrap="square" lIns="91440" tIns="45720" rIns="91440" bIns="45720" numCol="1" anchor="t" anchorCtr="0" compatLnSpc="1">
+              <a:prstTxWarp prst="textNoShape">
+                <a:avLst/>
+              </a:prstTxWarp>
+            </a:bodyPr>
+            <a:lstStyle/>
+            <a:p>
+              <a:endParaRPr lang="ja-JP" altLang="en-US" sz="2400">
+                <a:latin typeface="Yu Gothic UI" panose="020B0500000000000000" pitchFamily="50" charset="-128"/>
+                <a:ea typeface="Yu Gothic UI" panose="020B0500000000000000" pitchFamily="50" charset="-128"/>
+              </a:endParaRPr>
+            </a:p>
+          </p:txBody>
+        </p:sp>
+        <p:sp>
+          <p:nvSpPr>
+            <p:cNvPr id="34" name="Freeform 42">
+              <a:extLst>
+                <a:ext uri="{FF2B5EF4-FFF2-40B4-BE49-F238E27FC236}">
+                  <a16:creationId xmlns:a16="http://schemas.microsoft.com/office/drawing/2014/main" id="{E1A99FD2-D7EA-EFE0-1406-C526934702D8}"/>
+                </a:ext>
+              </a:extLst>
+            </p:cNvPr>
+            <p:cNvSpPr>
+              <a:spLocks noEditPoints="1"/>
+            </p:cNvSpPr>
+            <p:nvPr/>
+          </p:nvSpPr>
+          <p:spPr bwMode="auto">
+            <a:xfrm>
+              <a:off x="1306513" y="492125"/>
+              <a:ext cx="395287" cy="311150"/>
+            </a:xfrm>
+            <a:custGeom>
+              <a:avLst/>
+              <a:gdLst>
+                <a:gd name="T0" fmla="*/ 79 w 249"/>
+                <a:gd name="T1" fmla="*/ 44 h 196"/>
+                <a:gd name="T2" fmla="*/ 125 w 249"/>
+                <a:gd name="T3" fmla="*/ 0 h 196"/>
+                <a:gd name="T4" fmla="*/ 168 w 249"/>
+                <a:gd name="T5" fmla="*/ 44 h 196"/>
+                <a:gd name="T6" fmla="*/ 136 w 249"/>
+                <a:gd name="T7" fmla="*/ 44 h 196"/>
+                <a:gd name="T8" fmla="*/ 136 w 249"/>
+                <a:gd name="T9" fmla="*/ 76 h 196"/>
+                <a:gd name="T10" fmla="*/ 109 w 249"/>
+                <a:gd name="T11" fmla="*/ 76 h 196"/>
+                <a:gd name="T12" fmla="*/ 109 w 249"/>
+                <a:gd name="T13" fmla="*/ 44 h 196"/>
+                <a:gd name="T14" fmla="*/ 79 w 249"/>
+                <a:gd name="T15" fmla="*/ 44 h 196"/>
+                <a:gd name="T16" fmla="*/ 0 w 249"/>
+                <a:gd name="T17" fmla="*/ 111 h 196"/>
+                <a:gd name="T18" fmla="*/ 0 w 249"/>
+                <a:gd name="T19" fmla="*/ 84 h 196"/>
+                <a:gd name="T20" fmla="*/ 45 w 249"/>
+                <a:gd name="T21" fmla="*/ 84 h 196"/>
+                <a:gd name="T22" fmla="*/ 45 w 249"/>
+                <a:gd name="T23" fmla="*/ 54 h 196"/>
+                <a:gd name="T24" fmla="*/ 87 w 249"/>
+                <a:gd name="T25" fmla="*/ 97 h 196"/>
+                <a:gd name="T26" fmla="*/ 45 w 249"/>
+                <a:gd name="T27" fmla="*/ 139 h 196"/>
+                <a:gd name="T28" fmla="*/ 45 w 249"/>
+                <a:gd name="T29" fmla="*/ 111 h 196"/>
+                <a:gd name="T30" fmla="*/ 0 w 249"/>
+                <a:gd name="T31" fmla="*/ 111 h 196"/>
+                <a:gd name="T32" fmla="*/ 0 w 249"/>
+                <a:gd name="T33" fmla="*/ 111 h 196"/>
+                <a:gd name="T34" fmla="*/ 125 w 249"/>
+                <a:gd name="T35" fmla="*/ 196 h 196"/>
+                <a:gd name="T36" fmla="*/ 79 w 249"/>
+                <a:gd name="T37" fmla="*/ 153 h 196"/>
+                <a:gd name="T38" fmla="*/ 109 w 249"/>
+                <a:gd name="T39" fmla="*/ 153 h 196"/>
+                <a:gd name="T40" fmla="*/ 109 w 249"/>
+                <a:gd name="T41" fmla="*/ 120 h 196"/>
+                <a:gd name="T42" fmla="*/ 136 w 249"/>
+                <a:gd name="T43" fmla="*/ 120 h 196"/>
+                <a:gd name="T44" fmla="*/ 136 w 249"/>
+                <a:gd name="T45" fmla="*/ 153 h 196"/>
+                <a:gd name="T46" fmla="*/ 168 w 249"/>
+                <a:gd name="T47" fmla="*/ 153 h 196"/>
+                <a:gd name="T48" fmla="*/ 125 w 249"/>
+                <a:gd name="T49" fmla="*/ 196 h 196"/>
+                <a:gd name="T50" fmla="*/ 249 w 249"/>
+                <a:gd name="T51" fmla="*/ 111 h 196"/>
+                <a:gd name="T52" fmla="*/ 204 w 249"/>
+                <a:gd name="T53" fmla="*/ 111 h 196"/>
+                <a:gd name="T54" fmla="*/ 204 w 249"/>
+                <a:gd name="T55" fmla="*/ 141 h 196"/>
+                <a:gd name="T56" fmla="*/ 161 w 249"/>
+                <a:gd name="T57" fmla="*/ 97 h 196"/>
+                <a:gd name="T58" fmla="*/ 204 w 249"/>
+                <a:gd name="T59" fmla="*/ 54 h 196"/>
+                <a:gd name="T60" fmla="*/ 204 w 249"/>
+                <a:gd name="T61" fmla="*/ 84 h 196"/>
+                <a:gd name="T62" fmla="*/ 249 w 249"/>
+                <a:gd name="T63" fmla="*/ 84 h 196"/>
+                <a:gd name="T64" fmla="*/ 249 w 249"/>
+                <a:gd name="T65" fmla="*/ 111 h 196"/>
+              </a:gdLst>
+              <a:ahLst/>
+              <a:cxnLst>
+                <a:cxn ang="0">
+                  <a:pos x="T0" y="T1"/>
+                </a:cxn>
+                <a:cxn ang="0">
+                  <a:pos x="T2" y="T3"/>
+                </a:cxn>
+                <a:cxn ang="0">
+                  <a:pos x="T4" y="T5"/>
+                </a:cxn>
+                <a:cxn ang="0">
+                  <a:pos x="T6" y="T7"/>
+                </a:cxn>
+                <a:cxn ang="0">
+                  <a:pos x="T8" y="T9"/>
+                </a:cxn>
+                <a:cxn ang="0">
+                  <a:pos x="T10" y="T11"/>
+                </a:cxn>
+                <a:cxn ang="0">
+                  <a:pos x="T12" y="T13"/>
+                </a:cxn>
+                <a:cxn ang="0">
+                  <a:pos x="T14" y="T15"/>
+                </a:cxn>
+                <a:cxn ang="0">
+                  <a:pos x="T16" y="T17"/>
+                </a:cxn>
+                <a:cxn ang="0">
+                  <a:pos x="T18" y="T19"/>
+                </a:cxn>
+                <a:cxn ang="0">
+                  <a:pos x="T20" y="T21"/>
+                </a:cxn>
+                <a:cxn ang="0">
+                  <a:pos x="T22" y="T23"/>
+                </a:cxn>
+                <a:cxn ang="0">
+                  <a:pos x="T24" y="T25"/>
+                </a:cxn>
+                <a:cxn ang="0">
+                  <a:pos x="T26" y="T27"/>
+                </a:cxn>
+                <a:cxn ang="0">
+                  <a:pos x="T28" y="T29"/>
+                </a:cxn>
+                <a:cxn ang="0">
+                  <a:pos x="T30" y="T31"/>
+                </a:cxn>
+                <a:cxn ang="0">
+                  <a:pos x="T32" y="T33"/>
+                </a:cxn>
+                <a:cxn ang="0">
+                  <a:pos x="T34" y="T35"/>
+                </a:cxn>
+                <a:cxn ang="0">
+                  <a:pos x="T36" y="T37"/>
+                </a:cxn>
+                <a:cxn ang="0">
+                  <a:pos x="T38" y="T39"/>
+                </a:cxn>
+                <a:cxn ang="0">
+                  <a:pos x="T40" y="T41"/>
+                </a:cxn>
+                <a:cxn ang="0">
+                  <a:pos x="T42" y="T43"/>
+                </a:cxn>
+                <a:cxn ang="0">
+                  <a:pos x="T44" y="T45"/>
+                </a:cxn>
+                <a:cxn ang="0">
+                  <a:pos x="T46" y="T47"/>
+                </a:cxn>
+                <a:cxn ang="0">
+                  <a:pos x="T48" y="T49"/>
+                </a:cxn>
+                <a:cxn ang="0">
+                  <a:pos x="T50" y="T51"/>
+                </a:cxn>
+                <a:cxn ang="0">
+                  <a:pos x="T52" y="T53"/>
+                </a:cxn>
+                <a:cxn ang="0">
+                  <a:pos x="T54" y="T55"/>
+                </a:cxn>
+                <a:cxn ang="0">
+                  <a:pos x="T56" y="T57"/>
+                </a:cxn>
+                <a:cxn ang="0">
+                  <a:pos x="T58" y="T59"/>
+                </a:cxn>
+                <a:cxn ang="0">
+                  <a:pos x="T60" y="T61"/>
+                </a:cxn>
+                <a:cxn ang="0">
+                  <a:pos x="T62" y="T63"/>
+                </a:cxn>
+                <a:cxn ang="0">
+                  <a:pos x="T64" y="T65"/>
+                </a:cxn>
+              </a:cxnLst>
+              <a:rect l="0" t="0" r="r" b="b"/>
+              <a:pathLst>
+                <a:path w="249" h="196">
+                  <a:moveTo>
+                    <a:pt x="79" y="44"/>
+                  </a:moveTo>
+                  <a:lnTo>
+                    <a:pt x="125" y="0"/>
+                  </a:lnTo>
+                  <a:lnTo>
+                    <a:pt x="168" y="44"/>
+                  </a:lnTo>
+                  <a:lnTo>
+                    <a:pt x="136" y="44"/>
+                  </a:lnTo>
+                  <a:lnTo>
+                    <a:pt x="136" y="76"/>
+                  </a:lnTo>
+                  <a:lnTo>
+                    <a:pt x="109" y="76"/>
+                  </a:lnTo>
+                  <a:lnTo>
+                    <a:pt x="109" y="44"/>
+                  </a:lnTo>
+                  <a:lnTo>
+                    <a:pt x="79" y="44"/>
+                  </a:lnTo>
+                  <a:close/>
+                  <a:moveTo>
+                    <a:pt x="0" y="111"/>
+                  </a:moveTo>
+                  <a:lnTo>
+                    <a:pt x="0" y="84"/>
+                  </a:lnTo>
+                  <a:lnTo>
+                    <a:pt x="45" y="84"/>
+                  </a:lnTo>
+                  <a:lnTo>
+                    <a:pt x="45" y="54"/>
+                  </a:lnTo>
+                  <a:lnTo>
+                    <a:pt x="87" y="97"/>
+                  </a:lnTo>
+                  <a:lnTo>
+                    <a:pt x="45" y="139"/>
+                  </a:lnTo>
+                  <a:lnTo>
+                    <a:pt x="45" y="111"/>
+                  </a:lnTo>
+                  <a:lnTo>
+                    <a:pt x="0" y="111"/>
+                  </a:lnTo>
+                  <a:lnTo>
+                    <a:pt x="0" y="111"/>
+                  </a:lnTo>
+                  <a:close/>
+                  <a:moveTo>
+                    <a:pt x="125" y="196"/>
+                  </a:moveTo>
+                  <a:lnTo>
+                    <a:pt x="79" y="153"/>
+                  </a:lnTo>
+                  <a:lnTo>
+                    <a:pt x="109" y="153"/>
+                  </a:lnTo>
+                  <a:lnTo>
+                    <a:pt x="109" y="120"/>
+                  </a:lnTo>
+                  <a:lnTo>
+                    <a:pt x="136" y="120"/>
+                  </a:lnTo>
+                  <a:lnTo>
+                    <a:pt x="136" y="153"/>
+                  </a:lnTo>
+                  <a:lnTo>
+                    <a:pt x="168" y="153"/>
+                  </a:lnTo>
+                  <a:lnTo>
+                    <a:pt x="125" y="196"/>
+                  </a:lnTo>
+                  <a:close/>
+                  <a:moveTo>
+                    <a:pt x="249" y="111"/>
+                  </a:moveTo>
+                  <a:lnTo>
+                    <a:pt x="204" y="111"/>
+                  </a:lnTo>
+                  <a:lnTo>
+                    <a:pt x="204" y="141"/>
+                  </a:lnTo>
+                  <a:lnTo>
+                    <a:pt x="161" y="97"/>
+                  </a:lnTo>
+                  <a:lnTo>
+                    <a:pt x="204" y="54"/>
+                  </a:lnTo>
+                  <a:lnTo>
+                    <a:pt x="204" y="84"/>
+                  </a:lnTo>
+                  <a:lnTo>
+                    <a:pt x="249" y="84"/>
+                  </a:lnTo>
+                  <a:lnTo>
+                    <a:pt x="249" y="111"/>
+                  </a:lnTo>
+                  <a:close/>
+                </a:path>
+              </a:pathLst>
+            </a:custGeom>
+            <a:solidFill>
+              <a:srgbClr val="FFFFFF"/>
+            </a:solidFill>
+            <a:ln>
+              <a:noFill/>
+            </a:ln>
+            <a:extLst>
+              <a:ext uri="{91240B29-F687-4F45-9708-019B960494DF}">
+                <a14:hiddenLine xmlns:a14="http://schemas.microsoft.com/office/drawing/2010/main" w="9525">
+                  <a:solidFill>
+                    <a:srgbClr val="000000"/>
+                  </a:solidFill>
+                  <a:round/>
+                  <a:headEnd/>
+                  <a:tailEnd/>
+                </a14:hiddenLine>
+              </a:ext>
+            </a:extLst>
+          </p:spPr>
+          <p:txBody>
+            <a:bodyPr vert="horz" wrap="square" lIns="91440" tIns="45720" rIns="91440" bIns="45720" numCol="1" anchor="t" anchorCtr="0" compatLnSpc="1">
+              <a:prstTxWarp prst="textNoShape">
+                <a:avLst/>
+              </a:prstTxWarp>
+            </a:bodyPr>
+            <a:lstStyle/>
+            <a:p>
+              <a:endParaRPr lang="ja-JP" altLang="en-US" sz="2400">
+                <a:latin typeface="Yu Gothic UI" panose="020B0500000000000000" pitchFamily="50" charset="-128"/>
+                <a:ea typeface="Yu Gothic UI" panose="020B0500000000000000" pitchFamily="50" charset="-128"/>
+              </a:endParaRPr>
+            </a:p>
+          </p:txBody>
+        </p:sp>
+      </p:grpSp>
+      <p:sp>
+        <p:nvSpPr>
+          <p:cNvPr id="35" name="正方形/長方形 34">
+            <a:extLst>
+              <a:ext uri="{FF2B5EF4-FFF2-40B4-BE49-F238E27FC236}">
+                <a16:creationId xmlns:a16="http://schemas.microsoft.com/office/drawing/2014/main" id="{01931EE5-98F8-F4AF-401F-E1F2E2456597}"/>
+              </a:ext>
+            </a:extLst>
+          </p:cNvPr>
+          <p:cNvSpPr/>
+          <p:nvPr/>
+        </p:nvSpPr>
+        <p:spPr>
+          <a:xfrm>
+            <a:off x="6522501" y="1808177"/>
+            <a:ext cx="928608" cy="757414"/>
+          </a:xfrm>
+          <a:prstGeom prst="rect">
+            <a:avLst/>
+          </a:prstGeom>
+          <a:solidFill>
+            <a:schemeClr val="accent6">
+              <a:lumMod val="20000"/>
+              <a:lumOff val="80000"/>
+            </a:schemeClr>
+          </a:solidFill>
+          <a:ln>
+            <a:noFill/>
+          </a:ln>
+        </p:spPr>
+        <p:style>
+          <a:lnRef idx="2">
+            <a:schemeClr val="accent1">
+              <a:shade val="50000"/>
+            </a:schemeClr>
+          </a:lnRef>
+          <a:fillRef idx="1">
+            <a:schemeClr val="accent1"/>
+          </a:fillRef>
+          <a:effectRef idx="0">
+            <a:schemeClr val="accent1"/>
+          </a:effectRef>
+          <a:fontRef idx="minor">
+            <a:schemeClr val="lt1"/>
+          </a:fontRef>
+        </p:style>
+        <p:txBody>
+          <a:bodyPr rtlCol="0" anchor="ctr"/>
+          <a:lstStyle/>
+          <a:p>
+            <a:pPr algn="ctr"/>
+            <a:endParaRPr kumimoji="1" lang="en-US" sz="2400" dirty="0">
+              <a:latin typeface="Yu Gothic UI" panose="020B0500000000000000" pitchFamily="50" charset="-128"/>
+              <a:ea typeface="Yu Gothic UI" panose="020B0500000000000000" pitchFamily="50" charset="-128"/>
+            </a:endParaRPr>
+          </a:p>
+        </p:txBody>
+      </p:sp>
+      <p:pic>
+        <p:nvPicPr>
+          <p:cNvPr id="36" name="グラフィックス 35">
+            <a:extLst>
+              <a:ext uri="{FF2B5EF4-FFF2-40B4-BE49-F238E27FC236}">
+                <a16:creationId xmlns:a16="http://schemas.microsoft.com/office/drawing/2014/main" id="{FDA473EC-9707-C624-A613-8F7F6DFE4797}"/>
+              </a:ext>
+            </a:extLst>
+          </p:cNvPr>
+          <p:cNvPicPr>
+            <a:picLocks noChangeAspect="1"/>
+          </p:cNvPicPr>
+          <p:nvPr/>
+        </p:nvPicPr>
+        <p:blipFill>
+          <a:blip r:embed="rId4">
+            <a:extLst>
+              <a:ext uri="{28A0092B-C50C-407E-A947-70E740481C1C}">
+                <a14:useLocalDpi xmlns:a14="http://schemas.microsoft.com/office/drawing/2010/main" val="0"/>
+              </a:ext>
+              <a:ext uri="{96DAC541-7B7A-43D3-8B79-37D633B846F1}">
+                <asvg:svgBlip xmlns:asvg="http://schemas.microsoft.com/office/drawing/2016/SVG/main" r:embed="rId5"/>
+              </a:ext>
+            </a:extLst>
+          </a:blip>
+          <a:stretch>
+            <a:fillRect/>
+          </a:stretch>
+        </p:blipFill>
+        <p:spPr>
+          <a:xfrm>
+            <a:off x="6502572" y="1636727"/>
+            <a:ext cx="171450" cy="171450"/>
+          </a:xfrm>
+          <a:prstGeom prst="rect">
+            <a:avLst/>
+          </a:prstGeom>
+        </p:spPr>
+      </p:pic>
+      <p:sp>
+        <p:nvSpPr>
+          <p:cNvPr id="37" name="テキスト ボックス 36">
+            <a:extLst>
+              <a:ext uri="{FF2B5EF4-FFF2-40B4-BE49-F238E27FC236}">
+                <a16:creationId xmlns:a16="http://schemas.microsoft.com/office/drawing/2014/main" id="{C5B8EB0A-9C47-1596-AFC6-13435867DBB0}"/>
+              </a:ext>
+            </a:extLst>
+          </p:cNvPr>
+          <p:cNvSpPr txBox="1"/>
+          <p:nvPr/>
+        </p:nvSpPr>
+        <p:spPr>
+          <a:xfrm>
+            <a:off x="6692889" y="1660897"/>
+            <a:ext cx="489593" cy="123111"/>
+          </a:xfrm>
+          <a:prstGeom prst="rect">
+            <a:avLst/>
+          </a:prstGeom>
+          <a:noFill/>
+        </p:spPr>
+        <p:txBody>
+          <a:bodyPr wrap="square" lIns="0" tIns="0" rIns="0" bIns="0" rtlCol="0">
+            <a:spAutoFit/>
+          </a:bodyPr>
+          <a:lstStyle/>
+          <a:p>
+            <a:r>
+              <a:rPr kumimoji="1" lang="ja-JP" altLang="en-US" sz="800" dirty="0">
+                <a:latin typeface="Yu Gothic UI" panose="020B0500000000000000" pitchFamily="50" charset="-128"/>
+                <a:ea typeface="Yu Gothic UI" panose="020B0500000000000000" pitchFamily="50" charset="-128"/>
+              </a:rPr>
+              <a:t>サブネット</a:t>
+            </a:r>
+            <a:endParaRPr kumimoji="1" lang="en-US" sz="800" dirty="0">
+              <a:latin typeface="Yu Gothic UI" panose="020B0500000000000000" pitchFamily="50" charset="-128"/>
+              <a:ea typeface="Yu Gothic UI" panose="020B0500000000000000" pitchFamily="50" charset="-128"/>
+            </a:endParaRPr>
+          </a:p>
+        </p:txBody>
+      </p:sp>
+      <p:pic>
+        <p:nvPicPr>
+          <p:cNvPr id="38" name="グラフィックス 37">
+            <a:extLst>
+              <a:ext uri="{FF2B5EF4-FFF2-40B4-BE49-F238E27FC236}">
+                <a16:creationId xmlns:a16="http://schemas.microsoft.com/office/drawing/2014/main" id="{9EC71A23-FEA8-BC88-58A2-9147D2CAD08F}"/>
+              </a:ext>
+            </a:extLst>
+          </p:cNvPr>
+          <p:cNvPicPr>
+            <a:picLocks noChangeAspect="1"/>
+          </p:cNvPicPr>
+          <p:nvPr/>
+        </p:nvPicPr>
+        <p:blipFill>
+          <a:blip r:embed="rId6">
+            <a:extLst>
+              <a:ext uri="{28A0092B-C50C-407E-A947-70E740481C1C}">
+                <a14:useLocalDpi xmlns:a14="http://schemas.microsoft.com/office/drawing/2010/main" val="0"/>
+              </a:ext>
+              <a:ext uri="{96DAC541-7B7A-43D3-8B79-37D633B846F1}">
+                <asvg:svgBlip xmlns:asvg="http://schemas.microsoft.com/office/drawing/2016/SVG/main" r:embed="rId7"/>
+              </a:ext>
+            </a:extLst>
+          </a:blip>
+          <a:stretch>
+            <a:fillRect/>
+          </a:stretch>
+        </p:blipFill>
+        <p:spPr>
+          <a:xfrm>
+            <a:off x="6856109" y="1913755"/>
+            <a:ext cx="261390" cy="261390"/>
+          </a:xfrm>
+          <a:prstGeom prst="rect">
+            <a:avLst/>
+          </a:prstGeom>
+        </p:spPr>
+      </p:pic>
+      <p:sp>
+        <p:nvSpPr>
+          <p:cNvPr id="39" name="テキスト ボックス 38">
+            <a:extLst>
+              <a:ext uri="{FF2B5EF4-FFF2-40B4-BE49-F238E27FC236}">
+                <a16:creationId xmlns:a16="http://schemas.microsoft.com/office/drawing/2014/main" id="{1A58F002-BCAF-7DA5-9E5E-706E7EEA3799}"/>
+              </a:ext>
+            </a:extLst>
+          </p:cNvPr>
+          <p:cNvSpPr txBox="1"/>
+          <p:nvPr/>
+        </p:nvSpPr>
+        <p:spPr>
+          <a:xfrm>
+            <a:off x="5400336" y="2188055"/>
+            <a:ext cx="932215" cy="246221"/>
+          </a:xfrm>
+          <a:prstGeom prst="rect">
+            <a:avLst/>
+          </a:prstGeom>
+          <a:noFill/>
+        </p:spPr>
+        <p:txBody>
+          <a:bodyPr wrap="square" lIns="0" tIns="0" rIns="0" bIns="0" rtlCol="0">
+            <a:spAutoFit/>
+          </a:bodyPr>
+          <a:lstStyle/>
+          <a:p>
+            <a:pPr algn="ctr"/>
+            <a:r>
+              <a:rPr kumimoji="1" lang="ja-JP" altLang="en-US" sz="800" dirty="0">
+                <a:latin typeface="Yu Gothic UI" panose="020B0500000000000000" pitchFamily="50" charset="-128"/>
+                <a:ea typeface="Yu Gothic UI" panose="020B0500000000000000" pitchFamily="50" charset="-128"/>
+              </a:rPr>
+              <a:t>仮想ネットワーク</a:t>
+            </a:r>
+            <a:br>
+              <a:rPr kumimoji="1" lang="en-US" altLang="ja-JP" sz="800" dirty="0">
+                <a:latin typeface="Yu Gothic UI" panose="020B0500000000000000" pitchFamily="50" charset="-128"/>
+                <a:ea typeface="Yu Gothic UI" panose="020B0500000000000000" pitchFamily="50" charset="-128"/>
+              </a:rPr>
+            </a:br>
+            <a:r>
+              <a:rPr kumimoji="1" lang="ja-JP" altLang="en-US" sz="800" dirty="0">
+                <a:latin typeface="Yu Gothic UI" panose="020B0500000000000000" pitchFamily="50" charset="-128"/>
+                <a:ea typeface="Yu Gothic UI" panose="020B0500000000000000" pitchFamily="50" charset="-128"/>
+              </a:rPr>
+              <a:t>ゲートウェイ</a:t>
+            </a:r>
+            <a:endParaRPr kumimoji="1" lang="en-US" sz="800" dirty="0">
+              <a:latin typeface="Yu Gothic UI" panose="020B0500000000000000" pitchFamily="50" charset="-128"/>
+              <a:ea typeface="Yu Gothic UI" panose="020B0500000000000000" pitchFamily="50" charset="-128"/>
+            </a:endParaRPr>
+          </a:p>
+        </p:txBody>
+      </p:sp>
+      <p:sp>
+        <p:nvSpPr>
+          <p:cNvPr id="40" name="テキスト ボックス 39">
+            <a:extLst>
+              <a:ext uri="{FF2B5EF4-FFF2-40B4-BE49-F238E27FC236}">
+                <a16:creationId xmlns:a16="http://schemas.microsoft.com/office/drawing/2014/main" id="{35012244-1515-22F1-4048-A25AA2B273F9}"/>
+              </a:ext>
+            </a:extLst>
+          </p:cNvPr>
+          <p:cNvSpPr txBox="1"/>
+          <p:nvPr/>
+        </p:nvSpPr>
+        <p:spPr>
+          <a:xfrm>
+            <a:off x="6514586" y="2235966"/>
+            <a:ext cx="932215" cy="123111"/>
+          </a:xfrm>
+          <a:prstGeom prst="rect">
+            <a:avLst/>
+          </a:prstGeom>
+          <a:noFill/>
+        </p:spPr>
+        <p:txBody>
+          <a:bodyPr wrap="square" lIns="0" tIns="0" rIns="0" bIns="0" rtlCol="0">
+            <a:spAutoFit/>
+          </a:bodyPr>
+          <a:lstStyle/>
+          <a:p>
+            <a:pPr algn="ctr"/>
+            <a:r>
+              <a:rPr kumimoji="1" lang="ja-JP" altLang="en-US" sz="800" dirty="0">
+                <a:latin typeface="Yu Gothic UI" panose="020B0500000000000000" pitchFamily="50" charset="-128"/>
+                <a:ea typeface="Yu Gothic UI" panose="020B0500000000000000" pitchFamily="50" charset="-128"/>
+              </a:rPr>
+              <a:t>ファイアウォール</a:t>
+            </a:r>
+            <a:endParaRPr kumimoji="1" lang="en-US" sz="800" dirty="0">
+              <a:latin typeface="Yu Gothic UI" panose="020B0500000000000000" pitchFamily="50" charset="-128"/>
+              <a:ea typeface="Yu Gothic UI" panose="020B0500000000000000" pitchFamily="50" charset="-128"/>
+            </a:endParaRPr>
+          </a:p>
+        </p:txBody>
+      </p:sp>
+      <p:sp>
+        <p:nvSpPr>
+          <p:cNvPr id="41" name="正方形/長方形 40">
+            <a:extLst>
+              <a:ext uri="{FF2B5EF4-FFF2-40B4-BE49-F238E27FC236}">
+                <a16:creationId xmlns:a16="http://schemas.microsoft.com/office/drawing/2014/main" id="{52F79A20-95C1-7A6F-DE86-4CAA75CBC742}"/>
+              </a:ext>
+            </a:extLst>
+          </p:cNvPr>
+          <p:cNvSpPr/>
+          <p:nvPr/>
+        </p:nvSpPr>
+        <p:spPr>
+          <a:xfrm>
+            <a:off x="7665691" y="1808177"/>
+            <a:ext cx="928608" cy="757414"/>
+          </a:xfrm>
+          <a:prstGeom prst="rect">
+            <a:avLst/>
+          </a:prstGeom>
+          <a:solidFill>
+            <a:schemeClr val="accent6">
+              <a:lumMod val="20000"/>
+              <a:lumOff val="80000"/>
+            </a:schemeClr>
+          </a:solidFill>
+          <a:ln>
+            <a:noFill/>
+          </a:ln>
+        </p:spPr>
+        <p:style>
+          <a:lnRef idx="2">
+            <a:schemeClr val="accent1">
+              <a:shade val="50000"/>
+            </a:schemeClr>
+          </a:lnRef>
+          <a:fillRef idx="1">
+            <a:schemeClr val="accent1"/>
+          </a:fillRef>
+          <a:effectRef idx="0">
+            <a:schemeClr val="accent1"/>
+          </a:effectRef>
+          <a:fontRef idx="minor">
+            <a:schemeClr val="lt1"/>
+          </a:fontRef>
+        </p:style>
+        <p:txBody>
+          <a:bodyPr rtlCol="0" anchor="ctr"/>
+          <a:lstStyle/>
+          <a:p>
+            <a:pPr algn="ctr"/>
+            <a:endParaRPr kumimoji="1" lang="en-US" sz="2400" dirty="0">
+              <a:latin typeface="Yu Gothic UI" panose="020B0500000000000000" pitchFamily="50" charset="-128"/>
+              <a:ea typeface="Yu Gothic UI" panose="020B0500000000000000" pitchFamily="50" charset="-128"/>
+            </a:endParaRPr>
+          </a:p>
+        </p:txBody>
+      </p:sp>
+      <p:pic>
+        <p:nvPicPr>
+          <p:cNvPr id="42" name="グラフィックス 41">
+            <a:extLst>
+              <a:ext uri="{FF2B5EF4-FFF2-40B4-BE49-F238E27FC236}">
+                <a16:creationId xmlns:a16="http://schemas.microsoft.com/office/drawing/2014/main" id="{B0E2F6AD-4543-E715-C04C-41019D670FC2}"/>
+              </a:ext>
+            </a:extLst>
+          </p:cNvPr>
+          <p:cNvPicPr>
+            <a:picLocks noChangeAspect="1"/>
+          </p:cNvPicPr>
+          <p:nvPr/>
+        </p:nvPicPr>
+        <p:blipFill>
+          <a:blip r:embed="rId4">
+            <a:extLst>
+              <a:ext uri="{28A0092B-C50C-407E-A947-70E740481C1C}">
+                <a14:useLocalDpi xmlns:a14="http://schemas.microsoft.com/office/drawing/2010/main" val="0"/>
+              </a:ext>
+              <a:ext uri="{96DAC541-7B7A-43D3-8B79-37D633B846F1}">
+                <asvg:svgBlip xmlns:asvg="http://schemas.microsoft.com/office/drawing/2016/SVG/main" r:embed="rId5"/>
+              </a:ext>
+            </a:extLst>
+          </a:blip>
+          <a:stretch>
+            <a:fillRect/>
+          </a:stretch>
+        </p:blipFill>
+        <p:spPr>
+          <a:xfrm>
+            <a:off x="7666087" y="1636727"/>
+            <a:ext cx="171450" cy="171450"/>
+          </a:xfrm>
+          <a:prstGeom prst="rect">
+            <a:avLst/>
+          </a:prstGeom>
+        </p:spPr>
+      </p:pic>
+      <p:sp>
+        <p:nvSpPr>
+          <p:cNvPr id="43" name="テキスト ボックス 42">
+            <a:extLst>
+              <a:ext uri="{FF2B5EF4-FFF2-40B4-BE49-F238E27FC236}">
+                <a16:creationId xmlns:a16="http://schemas.microsoft.com/office/drawing/2014/main" id="{766DC39C-B6EE-2C7B-6F04-971B96B1BA3E}"/>
+              </a:ext>
+            </a:extLst>
+          </p:cNvPr>
+          <p:cNvSpPr txBox="1"/>
+          <p:nvPr/>
+        </p:nvSpPr>
+        <p:spPr>
+          <a:xfrm>
+            <a:off x="7877376" y="1648969"/>
+            <a:ext cx="489593" cy="123111"/>
+          </a:xfrm>
+          <a:prstGeom prst="rect">
+            <a:avLst/>
+          </a:prstGeom>
+          <a:noFill/>
+        </p:spPr>
+        <p:txBody>
+          <a:bodyPr wrap="square" lIns="0" tIns="0" rIns="0" bIns="0" rtlCol="0">
+            <a:spAutoFit/>
+          </a:bodyPr>
+          <a:lstStyle/>
+          <a:p>
+            <a:r>
+              <a:rPr kumimoji="1" lang="ja-JP" altLang="en-US" sz="800" dirty="0">
+                <a:latin typeface="Yu Gothic UI" panose="020B0500000000000000" pitchFamily="50" charset="-128"/>
+                <a:ea typeface="Yu Gothic UI" panose="020B0500000000000000" pitchFamily="50" charset="-128"/>
+              </a:rPr>
+              <a:t>サブネット</a:t>
+            </a:r>
+            <a:endParaRPr kumimoji="1" lang="en-US" sz="800" dirty="0">
+              <a:latin typeface="Yu Gothic UI" panose="020B0500000000000000" pitchFamily="50" charset="-128"/>
+              <a:ea typeface="Yu Gothic UI" panose="020B0500000000000000" pitchFamily="50" charset="-128"/>
+            </a:endParaRPr>
+          </a:p>
+        </p:txBody>
+      </p:sp>
+      <p:pic>
+        <p:nvPicPr>
+          <p:cNvPr id="44" name="グラフィックス 43">
+            <a:extLst>
+              <a:ext uri="{FF2B5EF4-FFF2-40B4-BE49-F238E27FC236}">
+                <a16:creationId xmlns:a16="http://schemas.microsoft.com/office/drawing/2014/main" id="{FE16ACF2-4F37-6E9C-6794-4B1498351430}"/>
+              </a:ext>
+            </a:extLst>
+          </p:cNvPr>
+          <p:cNvPicPr>
+            <a:picLocks noChangeAspect="1"/>
+          </p:cNvPicPr>
+          <p:nvPr/>
+        </p:nvPicPr>
+        <p:blipFill>
+          <a:blip r:embed="rId8">
+            <a:extLst>
+              <a:ext uri="{28A0092B-C50C-407E-A947-70E740481C1C}">
+                <a14:useLocalDpi xmlns:a14="http://schemas.microsoft.com/office/drawing/2010/main" val="0"/>
+              </a:ext>
+              <a:ext uri="{96DAC541-7B7A-43D3-8B79-37D633B846F1}">
+                <asvg:svgBlip xmlns:asvg="http://schemas.microsoft.com/office/drawing/2016/SVG/main" r:embed="rId9"/>
+              </a:ext>
+            </a:extLst>
+          </a:blip>
+          <a:stretch>
+            <a:fillRect/>
+          </a:stretch>
+        </p:blipFill>
+        <p:spPr>
+          <a:xfrm>
+            <a:off x="7993397" y="1931660"/>
+            <a:ext cx="270044" cy="270044"/>
+          </a:xfrm>
+          <a:prstGeom prst="rect">
+            <a:avLst/>
+          </a:prstGeom>
+        </p:spPr>
+      </p:pic>
+      <p:sp>
+        <p:nvSpPr>
+          <p:cNvPr id="45" name="テキスト ボックス 44">
+            <a:extLst>
+              <a:ext uri="{FF2B5EF4-FFF2-40B4-BE49-F238E27FC236}">
+                <a16:creationId xmlns:a16="http://schemas.microsoft.com/office/drawing/2014/main" id="{2837EE19-E1DC-5764-5BF7-0F2E7D4CDB9A}"/>
+              </a:ext>
+            </a:extLst>
+          </p:cNvPr>
+          <p:cNvSpPr txBox="1"/>
+          <p:nvPr/>
+        </p:nvSpPr>
+        <p:spPr>
+          <a:xfrm>
+            <a:off x="7802815" y="2265245"/>
+            <a:ext cx="638713" cy="123111"/>
+          </a:xfrm>
+          <a:prstGeom prst="rect">
+            <a:avLst/>
+          </a:prstGeom>
+          <a:noFill/>
+        </p:spPr>
+        <p:txBody>
+          <a:bodyPr wrap="square" lIns="0" tIns="0" rIns="0" bIns="0" rtlCol="0">
+            <a:spAutoFit/>
+          </a:bodyPr>
+          <a:lstStyle/>
+          <a:p>
+            <a:pPr algn="ctr"/>
+            <a:r>
+              <a:rPr kumimoji="1" lang="ja-JP" altLang="en-US" sz="800" dirty="0">
+                <a:latin typeface="Yu Gothic UI" panose="020B0500000000000000" pitchFamily="50" charset="-128"/>
+                <a:ea typeface="Yu Gothic UI" panose="020B0500000000000000" pitchFamily="50" charset="-128"/>
+              </a:rPr>
+              <a:t>仮想マシン</a:t>
+            </a:r>
+            <a:endParaRPr kumimoji="1" lang="en-US" sz="800" dirty="0">
+              <a:latin typeface="Yu Gothic UI" panose="020B0500000000000000" pitchFamily="50" charset="-128"/>
+              <a:ea typeface="Yu Gothic UI" panose="020B0500000000000000" pitchFamily="50" charset="-128"/>
+            </a:endParaRPr>
+          </a:p>
+        </p:txBody>
+      </p:sp>
+      <p:pic>
+        <p:nvPicPr>
+          <p:cNvPr id="49" name="グラフィックス 48">
+            <a:extLst>
+              <a:ext uri="{FF2B5EF4-FFF2-40B4-BE49-F238E27FC236}">
+                <a16:creationId xmlns:a16="http://schemas.microsoft.com/office/drawing/2014/main" id="{69D07A45-2F7C-4DB1-643C-8AE36B2953E1}"/>
+              </a:ext>
+            </a:extLst>
+          </p:cNvPr>
+          <p:cNvPicPr>
+            <a:picLocks noChangeAspect="1"/>
+          </p:cNvPicPr>
+          <p:nvPr/>
+        </p:nvPicPr>
+        <p:blipFill>
+          <a:blip r:embed="rId10">
+            <a:extLst>
+              <a:ext uri="{28A0092B-C50C-407E-A947-70E740481C1C}">
+                <a14:useLocalDpi xmlns:a14="http://schemas.microsoft.com/office/drawing/2010/main" val="0"/>
+              </a:ext>
+              <a:ext uri="{96DAC541-7B7A-43D3-8B79-37D633B846F1}">
+                <asvg:svgBlip xmlns:asvg="http://schemas.microsoft.com/office/drawing/2016/SVG/main" r:embed="rId11"/>
+              </a:ext>
+            </a:extLst>
+          </a:blip>
+          <a:stretch>
+            <a:fillRect/>
+          </a:stretch>
+        </p:blipFill>
+        <p:spPr>
+          <a:xfrm>
+            <a:off x="8245181" y="2075747"/>
+            <a:ext cx="171450" cy="171450"/>
+          </a:xfrm>
+          <a:prstGeom prst="rect">
+            <a:avLst/>
+          </a:prstGeom>
+        </p:spPr>
+      </p:pic>
     </p:spTree>
     <p:extLst>
       <p:ext uri="{BB962C8B-B14F-4D97-AF65-F5344CB8AC3E}">

--- a/FTALive/Networking/images/figure.pptx
+++ b/FTALive/Networking/images/figure.pptx
@@ -271,7 +271,7 @@
           <a:p>
             <a:fld id="{4AE65B02-E09F-4E22-BC41-A59DD1D5D4D7}" type="datetimeFigureOut">
               <a:rPr kumimoji="1" lang="ja-JP" altLang="en-US" smtClean="0"/>
-              <a:t>2022/4/11</a:t>
+              <a:t>2022/4/22</a:t>
             </a:fld>
             <a:endParaRPr kumimoji="1" lang="ja-JP" altLang="en-US"/>
           </a:p>
@@ -501,7 +501,7 @@
           <a:p>
             <a:fld id="{4AE65B02-E09F-4E22-BC41-A59DD1D5D4D7}" type="datetimeFigureOut">
               <a:rPr kumimoji="1" lang="ja-JP" altLang="en-US" smtClean="0"/>
-              <a:t>2022/4/11</a:t>
+              <a:t>2022/4/22</a:t>
             </a:fld>
             <a:endParaRPr kumimoji="1" lang="ja-JP" altLang="en-US"/>
           </a:p>
@@ -741,7 +741,7 @@
           <a:p>
             <a:fld id="{4AE65B02-E09F-4E22-BC41-A59DD1D5D4D7}" type="datetimeFigureOut">
               <a:rPr kumimoji="1" lang="ja-JP" altLang="en-US" smtClean="0"/>
-              <a:t>2022/4/11</a:t>
+              <a:t>2022/4/22</a:t>
             </a:fld>
             <a:endParaRPr kumimoji="1" lang="ja-JP" altLang="en-US"/>
           </a:p>
@@ -971,7 +971,7 @@
           <a:p>
             <a:fld id="{4AE65B02-E09F-4E22-BC41-A59DD1D5D4D7}" type="datetimeFigureOut">
               <a:rPr kumimoji="1" lang="ja-JP" altLang="en-US" smtClean="0"/>
-              <a:t>2022/4/11</a:t>
+              <a:t>2022/4/22</a:t>
             </a:fld>
             <a:endParaRPr kumimoji="1" lang="ja-JP" altLang="en-US"/>
           </a:p>
@@ -1246,7 +1246,7 @@
           <a:p>
             <a:fld id="{4AE65B02-E09F-4E22-BC41-A59DD1D5D4D7}" type="datetimeFigureOut">
               <a:rPr kumimoji="1" lang="ja-JP" altLang="en-US" smtClean="0"/>
-              <a:t>2022/4/11</a:t>
+              <a:t>2022/4/22</a:t>
             </a:fld>
             <a:endParaRPr kumimoji="1" lang="ja-JP" altLang="en-US"/>
           </a:p>
@@ -1575,7 +1575,7 @@
           <a:p>
             <a:fld id="{4AE65B02-E09F-4E22-BC41-A59DD1D5D4D7}" type="datetimeFigureOut">
               <a:rPr kumimoji="1" lang="ja-JP" altLang="en-US" smtClean="0"/>
-              <a:t>2022/4/11</a:t>
+              <a:t>2022/4/22</a:t>
             </a:fld>
             <a:endParaRPr kumimoji="1" lang="ja-JP" altLang="en-US"/>
           </a:p>
@@ -2051,7 +2051,7 @@
           <a:p>
             <a:fld id="{4AE65B02-E09F-4E22-BC41-A59DD1D5D4D7}" type="datetimeFigureOut">
               <a:rPr kumimoji="1" lang="ja-JP" altLang="en-US" smtClean="0"/>
-              <a:t>2022/4/11</a:t>
+              <a:t>2022/4/22</a:t>
             </a:fld>
             <a:endParaRPr kumimoji="1" lang="ja-JP" altLang="en-US"/>
           </a:p>
@@ -2192,7 +2192,7 @@
           <a:p>
             <a:fld id="{4AE65B02-E09F-4E22-BC41-A59DD1D5D4D7}" type="datetimeFigureOut">
               <a:rPr kumimoji="1" lang="ja-JP" altLang="en-US" smtClean="0"/>
-              <a:t>2022/4/11</a:t>
+              <a:t>2022/4/22</a:t>
             </a:fld>
             <a:endParaRPr kumimoji="1" lang="ja-JP" altLang="en-US"/>
           </a:p>
@@ -2305,7 +2305,7 @@
           <a:p>
             <a:fld id="{4AE65B02-E09F-4E22-BC41-A59DD1D5D4D7}" type="datetimeFigureOut">
               <a:rPr kumimoji="1" lang="ja-JP" altLang="en-US" smtClean="0"/>
-              <a:t>2022/4/11</a:t>
+              <a:t>2022/4/22</a:t>
             </a:fld>
             <a:endParaRPr kumimoji="1" lang="ja-JP" altLang="en-US"/>
           </a:p>
@@ -2648,7 +2648,7 @@
           <a:p>
             <a:fld id="{4AE65B02-E09F-4E22-BC41-A59DD1D5D4D7}" type="datetimeFigureOut">
               <a:rPr kumimoji="1" lang="ja-JP" altLang="en-US" smtClean="0"/>
-              <a:t>2022/4/11</a:t>
+              <a:t>2022/4/22</a:t>
             </a:fld>
             <a:endParaRPr kumimoji="1" lang="ja-JP" altLang="en-US"/>
           </a:p>
@@ -2936,7 +2936,7 @@
           <a:p>
             <a:fld id="{4AE65B02-E09F-4E22-BC41-A59DD1D5D4D7}" type="datetimeFigureOut">
               <a:rPr kumimoji="1" lang="ja-JP" altLang="en-US" smtClean="0"/>
-              <a:t>2022/4/11</a:t>
+              <a:t>2022/4/22</a:t>
             </a:fld>
             <a:endParaRPr kumimoji="1" lang="ja-JP" altLang="en-US"/>
           </a:p>
@@ -3209,7 +3209,7 @@
           <a:p>
             <a:fld id="{4AE65B02-E09F-4E22-BC41-A59DD1D5D4D7}" type="datetimeFigureOut">
               <a:rPr kumimoji="1" lang="ja-JP" altLang="en-US" smtClean="0"/>
-              <a:t>2022/4/11</a:t>
+              <a:t>2022/4/22</a:t>
             </a:fld>
             <a:endParaRPr kumimoji="1" lang="ja-JP" altLang="en-US"/>
           </a:p>
@@ -7583,24 +7583,28 @@
                   <a:sysClr val="windowText" lastClr="000000"/>
                 </a:solidFill>
               </a:rPr>
-              <a:t>ハイブリッドネットワーク編</a:t>
-            </a:r>
-            <a:endParaRPr kumimoji="1" lang="en-US" altLang="ja-JP" sz="1600" b="1" dirty="0">
-              <a:solidFill>
-                <a:sysClr val="windowText" lastClr="000000"/>
-              </a:solidFill>
-            </a:endParaRPr>
-          </a:p>
-          <a:p>
-            <a:pPr algn="ctr"/>
+              <a:t>ハイブリッドネットワーク</a:t>
+            </a:r>
+            <a:br>
+              <a:rPr kumimoji="1" lang="en-US" altLang="ja-JP" sz="1600" b="1" dirty="0">
+                <a:solidFill>
+                  <a:sysClr val="windowText" lastClr="000000"/>
+                </a:solidFill>
+              </a:rPr>
+            </a:br>
             <a:r>
               <a:rPr kumimoji="1" lang="ja-JP" altLang="en-US" sz="1600" dirty="0">
                 <a:solidFill>
                   <a:sysClr val="windowText" lastClr="000000"/>
                 </a:solidFill>
               </a:rPr>
-              <a:t>で説明する機能</a:t>
-            </a:r>
+              <a:t>に関する機能</a:t>
+            </a:r>
+            <a:endParaRPr kumimoji="1" lang="en-US" altLang="ja-JP" sz="1600" dirty="0">
+              <a:solidFill>
+                <a:sysClr val="windowText" lastClr="000000"/>
+              </a:solidFill>
+            </a:endParaRPr>
           </a:p>
         </p:txBody>
       </p:sp>
@@ -7667,7 +7671,7 @@
                   <a:sysClr val="windowText" lastClr="000000"/>
                 </a:solidFill>
               </a:rPr>
-              <a:t>アプリケーション配信編</a:t>
+              <a:t>アプリケーション</a:t>
             </a:r>
             <a:endParaRPr kumimoji="1" lang="en-US" altLang="ja-JP" sz="1600" b="1" dirty="0">
               <a:solidFill>
@@ -7678,13 +7682,18 @@
           <a:p>
             <a:pPr algn="ctr"/>
             <a:r>
-              <a:rPr kumimoji="1" lang="ja-JP" altLang="en-US" sz="1600" dirty="0">
+              <a:rPr lang="ja-JP" altLang="en-US" sz="1600" dirty="0">
                 <a:solidFill>
                   <a:sysClr val="windowText" lastClr="000000"/>
                 </a:solidFill>
               </a:rPr>
-              <a:t>で説明する機能</a:t>
-            </a:r>
+              <a:t>に関する機能</a:t>
+            </a:r>
+            <a:endParaRPr kumimoji="1" lang="en-US" altLang="ja-JP" sz="1600" dirty="0">
+              <a:solidFill>
+                <a:sysClr val="windowText" lastClr="000000"/>
+              </a:solidFill>
+            </a:endParaRPr>
           </a:p>
         </p:txBody>
       </p:sp>

--- a/FTALive/Networking/images/figure.pptx
+++ b/FTALive/Networking/images/figure.pptx
@@ -10,6 +10,7 @@
     <p:sldId id="259" r:id="rId4"/>
     <p:sldId id="260" r:id="rId5"/>
     <p:sldId id="261" r:id="rId6"/>
+    <p:sldId id="262" r:id="rId7"/>
   </p:sldIdLst>
   <p:sldSz cx="12192000" cy="6858000"/>
   <p:notesSz cx="6858000" cy="9144000"/>
@@ -271,7 +272,7 @@
           <a:p>
             <a:fld id="{4AE65B02-E09F-4E22-BC41-A59DD1D5D4D7}" type="datetimeFigureOut">
               <a:rPr kumimoji="1" lang="ja-JP" altLang="en-US" smtClean="0"/>
-              <a:t>2022/4/22</a:t>
+              <a:t>2022/5/6</a:t>
             </a:fld>
             <a:endParaRPr kumimoji="1" lang="ja-JP" altLang="en-US"/>
           </a:p>
@@ -501,7 +502,7 @@
           <a:p>
             <a:fld id="{4AE65B02-E09F-4E22-BC41-A59DD1D5D4D7}" type="datetimeFigureOut">
               <a:rPr kumimoji="1" lang="ja-JP" altLang="en-US" smtClean="0"/>
-              <a:t>2022/4/22</a:t>
+              <a:t>2022/5/6</a:t>
             </a:fld>
             <a:endParaRPr kumimoji="1" lang="ja-JP" altLang="en-US"/>
           </a:p>
@@ -741,7 +742,7 @@
           <a:p>
             <a:fld id="{4AE65B02-E09F-4E22-BC41-A59DD1D5D4D7}" type="datetimeFigureOut">
               <a:rPr kumimoji="1" lang="ja-JP" altLang="en-US" smtClean="0"/>
-              <a:t>2022/4/22</a:t>
+              <a:t>2022/5/6</a:t>
             </a:fld>
             <a:endParaRPr kumimoji="1" lang="ja-JP" altLang="en-US"/>
           </a:p>
@@ -971,7 +972,7 @@
           <a:p>
             <a:fld id="{4AE65B02-E09F-4E22-BC41-A59DD1D5D4D7}" type="datetimeFigureOut">
               <a:rPr kumimoji="1" lang="ja-JP" altLang="en-US" smtClean="0"/>
-              <a:t>2022/4/22</a:t>
+              <a:t>2022/5/6</a:t>
             </a:fld>
             <a:endParaRPr kumimoji="1" lang="ja-JP" altLang="en-US"/>
           </a:p>
@@ -1246,7 +1247,7 @@
           <a:p>
             <a:fld id="{4AE65B02-E09F-4E22-BC41-A59DD1D5D4D7}" type="datetimeFigureOut">
               <a:rPr kumimoji="1" lang="ja-JP" altLang="en-US" smtClean="0"/>
-              <a:t>2022/4/22</a:t>
+              <a:t>2022/5/6</a:t>
             </a:fld>
             <a:endParaRPr kumimoji="1" lang="ja-JP" altLang="en-US"/>
           </a:p>
@@ -1575,7 +1576,7 @@
           <a:p>
             <a:fld id="{4AE65B02-E09F-4E22-BC41-A59DD1D5D4D7}" type="datetimeFigureOut">
               <a:rPr kumimoji="1" lang="ja-JP" altLang="en-US" smtClean="0"/>
-              <a:t>2022/4/22</a:t>
+              <a:t>2022/5/6</a:t>
             </a:fld>
             <a:endParaRPr kumimoji="1" lang="ja-JP" altLang="en-US"/>
           </a:p>
@@ -2051,7 +2052,7 @@
           <a:p>
             <a:fld id="{4AE65B02-E09F-4E22-BC41-A59DD1D5D4D7}" type="datetimeFigureOut">
               <a:rPr kumimoji="1" lang="ja-JP" altLang="en-US" smtClean="0"/>
-              <a:t>2022/4/22</a:t>
+              <a:t>2022/5/6</a:t>
             </a:fld>
             <a:endParaRPr kumimoji="1" lang="ja-JP" altLang="en-US"/>
           </a:p>
@@ -2192,7 +2193,7 @@
           <a:p>
             <a:fld id="{4AE65B02-E09F-4E22-BC41-A59DD1D5D4D7}" type="datetimeFigureOut">
               <a:rPr kumimoji="1" lang="ja-JP" altLang="en-US" smtClean="0"/>
-              <a:t>2022/4/22</a:t>
+              <a:t>2022/5/6</a:t>
             </a:fld>
             <a:endParaRPr kumimoji="1" lang="ja-JP" altLang="en-US"/>
           </a:p>
@@ -2305,7 +2306,7 @@
           <a:p>
             <a:fld id="{4AE65B02-E09F-4E22-BC41-A59DD1D5D4D7}" type="datetimeFigureOut">
               <a:rPr kumimoji="1" lang="ja-JP" altLang="en-US" smtClean="0"/>
-              <a:t>2022/4/22</a:t>
+              <a:t>2022/5/6</a:t>
             </a:fld>
             <a:endParaRPr kumimoji="1" lang="ja-JP" altLang="en-US"/>
           </a:p>
@@ -2648,7 +2649,7 @@
           <a:p>
             <a:fld id="{4AE65B02-E09F-4E22-BC41-A59DD1D5D4D7}" type="datetimeFigureOut">
               <a:rPr kumimoji="1" lang="ja-JP" altLang="en-US" smtClean="0"/>
-              <a:t>2022/4/22</a:t>
+              <a:t>2022/5/6</a:t>
             </a:fld>
             <a:endParaRPr kumimoji="1" lang="ja-JP" altLang="en-US"/>
           </a:p>
@@ -2936,7 +2937,7 @@
           <a:p>
             <a:fld id="{4AE65B02-E09F-4E22-BC41-A59DD1D5D4D7}" type="datetimeFigureOut">
               <a:rPr kumimoji="1" lang="ja-JP" altLang="en-US" smtClean="0"/>
-              <a:t>2022/4/22</a:t>
+              <a:t>2022/5/6</a:t>
             </a:fld>
             <a:endParaRPr kumimoji="1" lang="ja-JP" altLang="en-US"/>
           </a:p>
@@ -3209,7 +3210,7 @@
           <a:p>
             <a:fld id="{4AE65B02-E09F-4E22-BC41-A59DD1D5D4D7}" type="datetimeFigureOut">
               <a:rPr kumimoji="1" lang="ja-JP" altLang="en-US" smtClean="0"/>
-              <a:t>2022/4/22</a:t>
+              <a:t>2022/5/6</a:t>
             </a:fld>
             <a:endParaRPr kumimoji="1" lang="ja-JP" altLang="en-US"/>
           </a:p>
@@ -38462,6 +38463,4541 @@
 </p:sld>
 </file>
 
+<file path=ppt/slides/slide6.xml><?xml version="1.0" encoding="utf-8"?>
+<p:sld xmlns:a="http://schemas.openxmlformats.org/drawingml/2006/main" xmlns:r="http://schemas.openxmlformats.org/officeDocument/2006/relationships" xmlns:p="http://schemas.openxmlformats.org/presentationml/2006/main">
+  <p:cSld>
+    <p:spTree>
+      <p:nvGrpSpPr>
+        <p:cNvPr id="1" name=""/>
+        <p:cNvGrpSpPr/>
+        <p:nvPr/>
+      </p:nvGrpSpPr>
+      <p:grpSpPr>
+        <a:xfrm>
+          <a:off x="0" y="0"/>
+          <a:ext cx="0" cy="0"/>
+          <a:chOff x="0" y="0"/>
+          <a:chExt cx="0" cy="0"/>
+        </a:xfrm>
+      </p:grpSpPr>
+      <p:pic>
+        <p:nvPicPr>
+          <p:cNvPr id="256" name="グラフィックス 255" descr="雲">
+            <a:extLst>
+              <a:ext uri="{FF2B5EF4-FFF2-40B4-BE49-F238E27FC236}">
+                <a16:creationId xmlns:a16="http://schemas.microsoft.com/office/drawing/2014/main" id="{2A991F92-1757-B01A-18D0-CB8E588EB6E1}"/>
+              </a:ext>
+            </a:extLst>
+          </p:cNvPr>
+          <p:cNvPicPr>
+            <a:picLocks noChangeAspect="1"/>
+          </p:cNvPicPr>
+          <p:nvPr/>
+        </p:nvPicPr>
+        <p:blipFill>
+          <a:blip r:embed="rId2">
+            <a:extLst>
+              <a:ext uri="{28A0092B-C50C-407E-A947-70E740481C1C}">
+                <a14:useLocalDpi xmlns:a14="http://schemas.microsoft.com/office/drawing/2010/main" val="0"/>
+              </a:ext>
+              <a:ext uri="{96DAC541-7B7A-43D3-8B79-37D633B846F1}">
+                <asvg:svgBlip xmlns:asvg="http://schemas.microsoft.com/office/drawing/2016/SVG/main" r:embed="rId3"/>
+              </a:ext>
+            </a:extLst>
+          </a:blip>
+          <a:stretch>
+            <a:fillRect/>
+          </a:stretch>
+        </p:blipFill>
+        <p:spPr>
+          <a:xfrm>
+            <a:off x="9118598" y="4171294"/>
+            <a:ext cx="914400" cy="914400"/>
+          </a:xfrm>
+          <a:prstGeom prst="rect">
+            <a:avLst/>
+          </a:prstGeom>
+        </p:spPr>
+      </p:pic>
+      <p:pic>
+        <p:nvPicPr>
+          <p:cNvPr id="219" name="グラフィックス 218" descr="雲">
+            <a:extLst>
+              <a:ext uri="{FF2B5EF4-FFF2-40B4-BE49-F238E27FC236}">
+                <a16:creationId xmlns:a16="http://schemas.microsoft.com/office/drawing/2014/main" id="{B81ECA7A-19DD-6512-76E1-90FB9550BBD9}"/>
+              </a:ext>
+            </a:extLst>
+          </p:cNvPr>
+          <p:cNvPicPr>
+            <a:picLocks noChangeAspect="1"/>
+          </p:cNvPicPr>
+          <p:nvPr/>
+        </p:nvPicPr>
+        <p:blipFill>
+          <a:blip r:embed="rId2">
+            <a:extLst>
+              <a:ext uri="{28A0092B-C50C-407E-A947-70E740481C1C}">
+                <a14:useLocalDpi xmlns:a14="http://schemas.microsoft.com/office/drawing/2010/main" val="0"/>
+              </a:ext>
+              <a:ext uri="{96DAC541-7B7A-43D3-8B79-37D633B846F1}">
+                <asvg:svgBlip xmlns:asvg="http://schemas.microsoft.com/office/drawing/2016/SVG/main" r:embed="rId3"/>
+              </a:ext>
+            </a:extLst>
+          </a:blip>
+          <a:stretch>
+            <a:fillRect/>
+          </a:stretch>
+        </p:blipFill>
+        <p:spPr>
+          <a:xfrm>
+            <a:off x="3130023" y="4255237"/>
+            <a:ext cx="914400" cy="914400"/>
+          </a:xfrm>
+          <a:prstGeom prst="rect">
+            <a:avLst/>
+          </a:prstGeom>
+        </p:spPr>
+      </p:pic>
+      <p:pic>
+        <p:nvPicPr>
+          <p:cNvPr id="206" name="グラフィックス 205" descr="雲">
+            <a:extLst>
+              <a:ext uri="{FF2B5EF4-FFF2-40B4-BE49-F238E27FC236}">
+                <a16:creationId xmlns:a16="http://schemas.microsoft.com/office/drawing/2014/main" id="{7C0C98A9-01B8-C8BC-0368-AF1D4FA9F5E6}"/>
+              </a:ext>
+            </a:extLst>
+          </p:cNvPr>
+          <p:cNvPicPr>
+            <a:picLocks noChangeAspect="1"/>
+          </p:cNvPicPr>
+          <p:nvPr/>
+        </p:nvPicPr>
+        <p:blipFill>
+          <a:blip r:embed="rId2">
+            <a:extLst>
+              <a:ext uri="{28A0092B-C50C-407E-A947-70E740481C1C}">
+                <a14:useLocalDpi xmlns:a14="http://schemas.microsoft.com/office/drawing/2010/main" val="0"/>
+              </a:ext>
+              <a:ext uri="{96DAC541-7B7A-43D3-8B79-37D633B846F1}">
+                <asvg:svgBlip xmlns:asvg="http://schemas.microsoft.com/office/drawing/2016/SVG/main" r:embed="rId3"/>
+              </a:ext>
+            </a:extLst>
+          </a:blip>
+          <a:stretch>
+            <a:fillRect/>
+          </a:stretch>
+        </p:blipFill>
+        <p:spPr>
+          <a:xfrm>
+            <a:off x="2922128" y="1250392"/>
+            <a:ext cx="914400" cy="914400"/>
+          </a:xfrm>
+          <a:prstGeom prst="rect">
+            <a:avLst/>
+          </a:prstGeom>
+        </p:spPr>
+      </p:pic>
+      <p:grpSp>
+        <p:nvGrpSpPr>
+          <p:cNvPr id="167" name="グループ化 166">
+            <a:extLst>
+              <a:ext uri="{FF2B5EF4-FFF2-40B4-BE49-F238E27FC236}">
+                <a16:creationId xmlns:a16="http://schemas.microsoft.com/office/drawing/2014/main" id="{91D79B4E-0B7C-FBDC-2558-E2EFE122B1E5}"/>
+              </a:ext>
+            </a:extLst>
+          </p:cNvPr>
+          <p:cNvGrpSpPr/>
+          <p:nvPr/>
+        </p:nvGrpSpPr>
+        <p:grpSpPr>
+          <a:xfrm>
+            <a:off x="8620120" y="5080703"/>
+            <a:ext cx="720079" cy="896970"/>
+            <a:chOff x="2503658" y="2103232"/>
+            <a:chExt cx="720079" cy="896970"/>
+          </a:xfrm>
+        </p:grpSpPr>
+        <p:sp>
+          <p:nvSpPr>
+            <p:cNvPr id="168" name="楕円 167">
+              <a:extLst>
+                <a:ext uri="{FF2B5EF4-FFF2-40B4-BE49-F238E27FC236}">
+                  <a16:creationId xmlns:a16="http://schemas.microsoft.com/office/drawing/2014/main" id="{C6B929DC-8005-5CB3-F7EE-1405826AAA0A}"/>
+                </a:ext>
+              </a:extLst>
+            </p:cNvPr>
+            <p:cNvSpPr/>
+            <p:nvPr/>
+          </p:nvSpPr>
+          <p:spPr>
+            <a:xfrm>
+              <a:off x="2503658" y="2483977"/>
+              <a:ext cx="720079" cy="516225"/>
+            </a:xfrm>
+            <a:prstGeom prst="ellipse">
+              <a:avLst/>
+            </a:prstGeom>
+            <a:noFill/>
+            <a:ln>
+              <a:solidFill>
+                <a:schemeClr val="accent2"/>
+              </a:solidFill>
+            </a:ln>
+          </p:spPr>
+          <p:style>
+            <a:lnRef idx="2">
+              <a:schemeClr val="accent1">
+                <a:shade val="50000"/>
+              </a:schemeClr>
+            </a:lnRef>
+            <a:fillRef idx="1">
+              <a:schemeClr val="accent1"/>
+            </a:fillRef>
+            <a:effectRef idx="0">
+              <a:schemeClr val="accent1"/>
+            </a:effectRef>
+            <a:fontRef idx="minor">
+              <a:schemeClr val="lt1"/>
+            </a:fontRef>
+          </p:style>
+          <p:txBody>
+            <a:bodyPr lIns="0" tIns="0" rIns="0" bIns="0" rtlCol="0" anchor="ctr"/>
+            <a:lstStyle/>
+            <a:p>
+              <a:pPr algn="ctr"/>
+              <a:endParaRPr kumimoji="1" lang="ja-JP" altLang="en-US" sz="900" dirty="0"/>
+            </a:p>
+          </p:txBody>
+        </p:sp>
+        <p:sp>
+          <p:nvSpPr>
+            <p:cNvPr id="169" name="テキスト ボックス 168">
+              <a:extLst>
+                <a:ext uri="{FF2B5EF4-FFF2-40B4-BE49-F238E27FC236}">
+                  <a16:creationId xmlns:a16="http://schemas.microsoft.com/office/drawing/2014/main" id="{8A661B98-5D99-364B-1282-2034F23AD6E8}"/>
+                </a:ext>
+              </a:extLst>
+            </p:cNvPr>
+            <p:cNvSpPr txBox="1"/>
+            <p:nvPr/>
+          </p:nvSpPr>
+          <p:spPr>
+            <a:xfrm>
+              <a:off x="2545326" y="2103232"/>
+              <a:ext cx="656123" cy="338554"/>
+            </a:xfrm>
+            <a:prstGeom prst="rect">
+              <a:avLst/>
+            </a:prstGeom>
+            <a:noFill/>
+          </p:spPr>
+          <p:txBody>
+            <a:bodyPr wrap="square">
+              <a:spAutoFit/>
+            </a:bodyPr>
+            <a:lstStyle/>
+            <a:p>
+              <a:pPr algn="ctr"/>
+              <a:r>
+                <a:rPr lang="en-US" altLang="ja-JP" sz="800" dirty="0"/>
+                <a:t>MS</a:t>
+              </a:r>
+              <a:br>
+                <a:rPr lang="en-US" altLang="ja-JP" sz="800" dirty="0"/>
+              </a:br>
+              <a:r>
+                <a:rPr lang="ja-JP" altLang="en-US" sz="800" dirty="0"/>
+                <a:t>バックボーン</a:t>
+              </a:r>
+            </a:p>
+          </p:txBody>
+        </p:sp>
+      </p:grpSp>
+      <p:sp>
+        <p:nvSpPr>
+          <p:cNvPr id="171" name="楕円 170">
+            <a:extLst>
+              <a:ext uri="{FF2B5EF4-FFF2-40B4-BE49-F238E27FC236}">
+                <a16:creationId xmlns:a16="http://schemas.microsoft.com/office/drawing/2014/main" id="{833222AA-57F3-9072-B586-BB769B996702}"/>
+              </a:ext>
+            </a:extLst>
+          </p:cNvPr>
+          <p:cNvSpPr/>
+          <p:nvPr/>
+        </p:nvSpPr>
+        <p:spPr>
+          <a:xfrm>
+            <a:off x="2503658" y="2483977"/>
+            <a:ext cx="720079" cy="516225"/>
+          </a:xfrm>
+          <a:prstGeom prst="ellipse">
+            <a:avLst/>
+          </a:prstGeom>
+          <a:noFill/>
+          <a:ln>
+            <a:solidFill>
+              <a:schemeClr val="accent2"/>
+            </a:solidFill>
+          </a:ln>
+        </p:spPr>
+        <p:style>
+          <a:lnRef idx="2">
+            <a:schemeClr val="accent1">
+              <a:shade val="50000"/>
+            </a:schemeClr>
+          </a:lnRef>
+          <a:fillRef idx="1">
+            <a:schemeClr val="accent1"/>
+          </a:fillRef>
+          <a:effectRef idx="0">
+            <a:schemeClr val="accent1"/>
+          </a:effectRef>
+          <a:fontRef idx="minor">
+            <a:schemeClr val="lt1"/>
+          </a:fontRef>
+        </p:style>
+        <p:txBody>
+          <a:bodyPr lIns="0" tIns="0" rIns="0" bIns="0" rtlCol="0" anchor="ctr"/>
+          <a:lstStyle/>
+          <a:p>
+            <a:pPr algn="ctr"/>
+            <a:endParaRPr kumimoji="1" lang="ja-JP" altLang="en-US" sz="900" dirty="0"/>
+          </a:p>
+        </p:txBody>
+      </p:sp>
+      <p:sp>
+        <p:nvSpPr>
+          <p:cNvPr id="172" name="楕円 171">
+            <a:extLst>
+              <a:ext uri="{FF2B5EF4-FFF2-40B4-BE49-F238E27FC236}">
+                <a16:creationId xmlns:a16="http://schemas.microsoft.com/office/drawing/2014/main" id="{BB937F33-F806-D28C-969B-3106A196CBFE}"/>
+              </a:ext>
+            </a:extLst>
+          </p:cNvPr>
+          <p:cNvSpPr/>
+          <p:nvPr/>
+        </p:nvSpPr>
+        <p:spPr>
+          <a:xfrm>
+            <a:off x="2638694" y="2613286"/>
+            <a:ext cx="45719" cy="45719"/>
+          </a:xfrm>
+          <a:prstGeom prst="ellipse">
+            <a:avLst/>
+          </a:prstGeom>
+          <a:ln>
+            <a:noFill/>
+          </a:ln>
+        </p:spPr>
+        <p:style>
+          <a:lnRef idx="2">
+            <a:schemeClr val="accent1">
+              <a:shade val="50000"/>
+            </a:schemeClr>
+          </a:lnRef>
+          <a:fillRef idx="1">
+            <a:schemeClr val="accent1"/>
+          </a:fillRef>
+          <a:effectRef idx="0">
+            <a:schemeClr val="accent1"/>
+          </a:effectRef>
+          <a:fontRef idx="minor">
+            <a:schemeClr val="lt1"/>
+          </a:fontRef>
+        </p:style>
+        <p:txBody>
+          <a:bodyPr rtlCol="0" anchor="ctr"/>
+          <a:lstStyle/>
+          <a:p>
+            <a:pPr algn="ctr"/>
+            <a:endParaRPr kumimoji="1" lang="ja-JP" altLang="en-US"/>
+          </a:p>
+        </p:txBody>
+      </p:sp>
+      <p:sp>
+        <p:nvSpPr>
+          <p:cNvPr id="173" name="楕円 172">
+            <a:extLst>
+              <a:ext uri="{FF2B5EF4-FFF2-40B4-BE49-F238E27FC236}">
+                <a16:creationId xmlns:a16="http://schemas.microsoft.com/office/drawing/2014/main" id="{3AFF0EC0-269E-3650-A44A-52807787402F}"/>
+              </a:ext>
+            </a:extLst>
+          </p:cNvPr>
+          <p:cNvSpPr/>
+          <p:nvPr/>
+        </p:nvSpPr>
+        <p:spPr>
+          <a:xfrm>
+            <a:off x="2964312" y="2819936"/>
+            <a:ext cx="45719" cy="45719"/>
+          </a:xfrm>
+          <a:prstGeom prst="ellipse">
+            <a:avLst/>
+          </a:prstGeom>
+          <a:ln>
+            <a:noFill/>
+          </a:ln>
+        </p:spPr>
+        <p:style>
+          <a:lnRef idx="2">
+            <a:schemeClr val="accent1">
+              <a:shade val="50000"/>
+            </a:schemeClr>
+          </a:lnRef>
+          <a:fillRef idx="1">
+            <a:schemeClr val="accent1"/>
+          </a:fillRef>
+          <a:effectRef idx="0">
+            <a:schemeClr val="accent1"/>
+          </a:effectRef>
+          <a:fontRef idx="minor">
+            <a:schemeClr val="lt1"/>
+          </a:fontRef>
+        </p:style>
+        <p:txBody>
+          <a:bodyPr rtlCol="0" anchor="ctr"/>
+          <a:lstStyle/>
+          <a:p>
+            <a:pPr algn="ctr"/>
+            <a:endParaRPr kumimoji="1" lang="ja-JP" altLang="en-US"/>
+          </a:p>
+        </p:txBody>
+      </p:sp>
+      <p:sp>
+        <p:nvSpPr>
+          <p:cNvPr id="174" name="楕円 173">
+            <a:extLst>
+              <a:ext uri="{FF2B5EF4-FFF2-40B4-BE49-F238E27FC236}">
+                <a16:creationId xmlns:a16="http://schemas.microsoft.com/office/drawing/2014/main" id="{6F05D699-B27D-3A4E-CE08-309DF4816AEF}"/>
+              </a:ext>
+            </a:extLst>
+          </p:cNvPr>
+          <p:cNvSpPr/>
+          <p:nvPr/>
+        </p:nvSpPr>
+        <p:spPr>
+          <a:xfrm>
+            <a:off x="2846171" y="2723556"/>
+            <a:ext cx="45719" cy="45719"/>
+          </a:xfrm>
+          <a:prstGeom prst="ellipse">
+            <a:avLst/>
+          </a:prstGeom>
+          <a:ln>
+            <a:noFill/>
+          </a:ln>
+        </p:spPr>
+        <p:style>
+          <a:lnRef idx="2">
+            <a:schemeClr val="accent1">
+              <a:shade val="50000"/>
+            </a:schemeClr>
+          </a:lnRef>
+          <a:fillRef idx="1">
+            <a:schemeClr val="accent1"/>
+          </a:fillRef>
+          <a:effectRef idx="0">
+            <a:schemeClr val="accent1"/>
+          </a:effectRef>
+          <a:fontRef idx="minor">
+            <a:schemeClr val="lt1"/>
+          </a:fontRef>
+        </p:style>
+        <p:txBody>
+          <a:bodyPr rtlCol="0" anchor="ctr"/>
+          <a:lstStyle/>
+          <a:p>
+            <a:pPr algn="ctr"/>
+            <a:endParaRPr kumimoji="1" lang="ja-JP" altLang="en-US"/>
+          </a:p>
+        </p:txBody>
+      </p:sp>
+      <p:sp>
+        <p:nvSpPr>
+          <p:cNvPr id="175" name="楕円 174">
+            <a:extLst>
+              <a:ext uri="{FF2B5EF4-FFF2-40B4-BE49-F238E27FC236}">
+                <a16:creationId xmlns:a16="http://schemas.microsoft.com/office/drawing/2014/main" id="{55B86BA4-757A-2801-5406-A2C27D67E11F}"/>
+              </a:ext>
+            </a:extLst>
+          </p:cNvPr>
+          <p:cNvSpPr/>
+          <p:nvPr/>
+        </p:nvSpPr>
+        <p:spPr>
+          <a:xfrm>
+            <a:off x="2843386" y="2553039"/>
+            <a:ext cx="45719" cy="45719"/>
+          </a:xfrm>
+          <a:prstGeom prst="ellipse">
+            <a:avLst/>
+          </a:prstGeom>
+          <a:ln>
+            <a:noFill/>
+          </a:ln>
+        </p:spPr>
+        <p:style>
+          <a:lnRef idx="2">
+            <a:schemeClr val="accent1">
+              <a:shade val="50000"/>
+            </a:schemeClr>
+          </a:lnRef>
+          <a:fillRef idx="1">
+            <a:schemeClr val="accent1"/>
+          </a:fillRef>
+          <a:effectRef idx="0">
+            <a:schemeClr val="accent1"/>
+          </a:effectRef>
+          <a:fontRef idx="minor">
+            <a:schemeClr val="lt1"/>
+          </a:fontRef>
+        </p:style>
+        <p:txBody>
+          <a:bodyPr rtlCol="0" anchor="ctr"/>
+          <a:lstStyle/>
+          <a:p>
+            <a:pPr algn="ctr"/>
+            <a:endParaRPr kumimoji="1" lang="ja-JP" altLang="en-US"/>
+          </a:p>
+        </p:txBody>
+      </p:sp>
+      <p:cxnSp>
+        <p:nvCxnSpPr>
+          <p:cNvPr id="176" name="直線矢印コネクタ 175">
+            <a:extLst>
+              <a:ext uri="{FF2B5EF4-FFF2-40B4-BE49-F238E27FC236}">
+                <a16:creationId xmlns:a16="http://schemas.microsoft.com/office/drawing/2014/main" id="{75794332-9C0E-CBC9-4139-63C8500DAA96}"/>
+              </a:ext>
+            </a:extLst>
+          </p:cNvPr>
+          <p:cNvCxnSpPr>
+            <a:cxnSpLocks/>
+            <a:stCxn id="171" idx="2"/>
+            <a:endCxn id="172" idx="3"/>
+          </p:cNvCxnSpPr>
+          <p:nvPr/>
+        </p:nvCxnSpPr>
+        <p:spPr>
+          <a:xfrm flipV="1">
+            <a:off x="2503658" y="2652310"/>
+            <a:ext cx="141731" cy="89780"/>
+          </a:xfrm>
+          <a:prstGeom prst="straightConnector1">
+            <a:avLst/>
+          </a:prstGeom>
+          <a:ln>
+            <a:tailEnd type="triangle" w="sm" len="sm"/>
+          </a:ln>
+        </p:spPr>
+        <p:style>
+          <a:lnRef idx="1">
+            <a:schemeClr val="accent1"/>
+          </a:lnRef>
+          <a:fillRef idx="0">
+            <a:schemeClr val="accent1"/>
+          </a:fillRef>
+          <a:effectRef idx="0">
+            <a:schemeClr val="accent1"/>
+          </a:effectRef>
+          <a:fontRef idx="minor">
+            <a:schemeClr val="tx1"/>
+          </a:fontRef>
+        </p:style>
+      </p:cxnSp>
+      <p:cxnSp>
+        <p:nvCxnSpPr>
+          <p:cNvPr id="177" name="直線矢印コネクタ 176">
+            <a:extLst>
+              <a:ext uri="{FF2B5EF4-FFF2-40B4-BE49-F238E27FC236}">
+                <a16:creationId xmlns:a16="http://schemas.microsoft.com/office/drawing/2014/main" id="{116AB828-69AF-457B-D5F2-D06851358BAD}"/>
+              </a:ext>
+            </a:extLst>
+          </p:cNvPr>
+          <p:cNvCxnSpPr>
+            <a:cxnSpLocks/>
+            <a:stCxn id="172" idx="6"/>
+            <a:endCxn id="175" idx="2"/>
+          </p:cNvCxnSpPr>
+          <p:nvPr/>
+        </p:nvCxnSpPr>
+        <p:spPr>
+          <a:xfrm flipV="1">
+            <a:off x="2684413" y="2575899"/>
+            <a:ext cx="158973" cy="60247"/>
+          </a:xfrm>
+          <a:prstGeom prst="straightConnector1">
+            <a:avLst/>
+          </a:prstGeom>
+          <a:ln>
+            <a:tailEnd type="triangle" w="sm" len="sm"/>
+          </a:ln>
+        </p:spPr>
+        <p:style>
+          <a:lnRef idx="1">
+            <a:schemeClr val="accent1"/>
+          </a:lnRef>
+          <a:fillRef idx="0">
+            <a:schemeClr val="accent1"/>
+          </a:fillRef>
+          <a:effectRef idx="0">
+            <a:schemeClr val="accent1"/>
+          </a:effectRef>
+          <a:fontRef idx="minor">
+            <a:schemeClr val="tx1"/>
+          </a:fontRef>
+        </p:style>
+      </p:cxnSp>
+      <p:sp>
+        <p:nvSpPr>
+          <p:cNvPr id="178" name="楕円 177">
+            <a:extLst>
+              <a:ext uri="{FF2B5EF4-FFF2-40B4-BE49-F238E27FC236}">
+                <a16:creationId xmlns:a16="http://schemas.microsoft.com/office/drawing/2014/main" id="{E26B11C7-2E7F-70FC-D15E-4AEFD971CE4C}"/>
+              </a:ext>
+            </a:extLst>
+          </p:cNvPr>
+          <p:cNvSpPr/>
+          <p:nvPr/>
+        </p:nvSpPr>
+        <p:spPr>
+          <a:xfrm>
+            <a:off x="2785768" y="2873681"/>
+            <a:ext cx="45719" cy="45719"/>
+          </a:xfrm>
+          <a:prstGeom prst="ellipse">
+            <a:avLst/>
+          </a:prstGeom>
+          <a:ln>
+            <a:noFill/>
+          </a:ln>
+        </p:spPr>
+        <p:style>
+          <a:lnRef idx="2">
+            <a:schemeClr val="accent1">
+              <a:shade val="50000"/>
+            </a:schemeClr>
+          </a:lnRef>
+          <a:fillRef idx="1">
+            <a:schemeClr val="accent1"/>
+          </a:fillRef>
+          <a:effectRef idx="0">
+            <a:schemeClr val="accent1"/>
+          </a:effectRef>
+          <a:fontRef idx="minor">
+            <a:schemeClr val="lt1"/>
+          </a:fontRef>
+        </p:style>
+        <p:txBody>
+          <a:bodyPr rtlCol="0" anchor="ctr"/>
+          <a:lstStyle/>
+          <a:p>
+            <a:pPr algn="ctr"/>
+            <a:endParaRPr kumimoji="1" lang="ja-JP" altLang="en-US"/>
+          </a:p>
+        </p:txBody>
+      </p:sp>
+      <p:cxnSp>
+        <p:nvCxnSpPr>
+          <p:cNvPr id="179" name="直線矢印コネクタ 178">
+            <a:extLst>
+              <a:ext uri="{FF2B5EF4-FFF2-40B4-BE49-F238E27FC236}">
+                <a16:creationId xmlns:a16="http://schemas.microsoft.com/office/drawing/2014/main" id="{EA5F2F9A-FE48-5E48-BADB-514508EF6822}"/>
+              </a:ext>
+            </a:extLst>
+          </p:cNvPr>
+          <p:cNvCxnSpPr>
+            <a:cxnSpLocks/>
+            <a:stCxn id="175" idx="6"/>
+            <a:endCxn id="181" idx="1"/>
+          </p:cNvCxnSpPr>
+          <p:nvPr/>
+        </p:nvCxnSpPr>
+        <p:spPr>
+          <a:xfrm>
+            <a:off x="2889105" y="2575899"/>
+            <a:ext cx="120926" cy="82211"/>
+          </a:xfrm>
+          <a:prstGeom prst="straightConnector1">
+            <a:avLst/>
+          </a:prstGeom>
+          <a:ln>
+            <a:tailEnd type="triangle" w="sm" len="sm"/>
+          </a:ln>
+        </p:spPr>
+        <p:style>
+          <a:lnRef idx="1">
+            <a:schemeClr val="accent1"/>
+          </a:lnRef>
+          <a:fillRef idx="0">
+            <a:schemeClr val="accent1"/>
+          </a:fillRef>
+          <a:effectRef idx="0">
+            <a:schemeClr val="accent1"/>
+          </a:effectRef>
+          <a:fontRef idx="minor">
+            <a:schemeClr val="tx1"/>
+          </a:fontRef>
+        </p:style>
+      </p:cxnSp>
+      <p:cxnSp>
+        <p:nvCxnSpPr>
+          <p:cNvPr id="180" name="直線矢印コネクタ 179">
+            <a:extLst>
+              <a:ext uri="{FF2B5EF4-FFF2-40B4-BE49-F238E27FC236}">
+                <a16:creationId xmlns:a16="http://schemas.microsoft.com/office/drawing/2014/main" id="{B56CF976-1B7C-D200-E901-6D9A933CA4E1}"/>
+              </a:ext>
+            </a:extLst>
+          </p:cNvPr>
+          <p:cNvCxnSpPr>
+            <a:cxnSpLocks/>
+          </p:cNvCxnSpPr>
+          <p:nvPr/>
+        </p:nvCxnSpPr>
+        <p:spPr>
+          <a:xfrm>
+            <a:off x="3038678" y="2681329"/>
+            <a:ext cx="181377" cy="51651"/>
+          </a:xfrm>
+          <a:prstGeom prst="straightConnector1">
+            <a:avLst/>
+          </a:prstGeom>
+          <a:ln>
+            <a:tailEnd type="triangle" w="sm" len="sm"/>
+          </a:ln>
+          <a:effectLst>
+            <a:glow rad="12700">
+              <a:schemeClr val="bg1"/>
+            </a:glow>
+          </a:effectLst>
+        </p:spPr>
+        <p:style>
+          <a:lnRef idx="1">
+            <a:schemeClr val="accent1"/>
+          </a:lnRef>
+          <a:fillRef idx="0">
+            <a:schemeClr val="accent1"/>
+          </a:fillRef>
+          <a:effectRef idx="0">
+            <a:schemeClr val="accent1"/>
+          </a:effectRef>
+          <a:fontRef idx="minor">
+            <a:schemeClr val="tx1"/>
+          </a:fontRef>
+        </p:style>
+      </p:cxnSp>
+      <p:sp>
+        <p:nvSpPr>
+          <p:cNvPr id="181" name="楕円 180">
+            <a:extLst>
+              <a:ext uri="{FF2B5EF4-FFF2-40B4-BE49-F238E27FC236}">
+                <a16:creationId xmlns:a16="http://schemas.microsoft.com/office/drawing/2014/main" id="{A4099C60-93AC-D52C-B831-974F9552FDAD}"/>
+              </a:ext>
+            </a:extLst>
+          </p:cNvPr>
+          <p:cNvSpPr/>
+          <p:nvPr/>
+        </p:nvSpPr>
+        <p:spPr>
+          <a:xfrm>
+            <a:off x="3003336" y="2651415"/>
+            <a:ext cx="45719" cy="45719"/>
+          </a:xfrm>
+          <a:prstGeom prst="ellipse">
+            <a:avLst/>
+          </a:prstGeom>
+          <a:ln>
+            <a:noFill/>
+          </a:ln>
+        </p:spPr>
+        <p:style>
+          <a:lnRef idx="2">
+            <a:schemeClr val="accent1">
+              <a:shade val="50000"/>
+            </a:schemeClr>
+          </a:lnRef>
+          <a:fillRef idx="1">
+            <a:schemeClr val="accent1"/>
+          </a:fillRef>
+          <a:effectRef idx="0">
+            <a:schemeClr val="accent1"/>
+          </a:effectRef>
+          <a:fontRef idx="minor">
+            <a:schemeClr val="lt1"/>
+          </a:fontRef>
+        </p:style>
+        <p:txBody>
+          <a:bodyPr rtlCol="0" anchor="ctr"/>
+          <a:lstStyle/>
+          <a:p>
+            <a:pPr algn="ctr"/>
+            <a:endParaRPr kumimoji="1" lang="ja-JP" altLang="en-US"/>
+          </a:p>
+        </p:txBody>
+      </p:sp>
+      <p:cxnSp>
+        <p:nvCxnSpPr>
+          <p:cNvPr id="182" name="直線矢印コネクタ 181">
+            <a:extLst>
+              <a:ext uri="{FF2B5EF4-FFF2-40B4-BE49-F238E27FC236}">
+                <a16:creationId xmlns:a16="http://schemas.microsoft.com/office/drawing/2014/main" id="{BD2F7561-6EA3-A027-15FB-459AB5EA26D4}"/>
+              </a:ext>
+            </a:extLst>
+          </p:cNvPr>
+          <p:cNvCxnSpPr>
+            <a:cxnSpLocks/>
+            <a:stCxn id="171" idx="2"/>
+            <a:endCxn id="174" idx="2"/>
+          </p:cNvCxnSpPr>
+          <p:nvPr/>
+        </p:nvCxnSpPr>
+        <p:spPr>
+          <a:xfrm>
+            <a:off x="2503658" y="2742090"/>
+            <a:ext cx="342513" cy="4326"/>
+          </a:xfrm>
+          <a:prstGeom prst="straightConnector1">
+            <a:avLst/>
+          </a:prstGeom>
+          <a:ln>
+            <a:tailEnd type="triangle" w="sm" len="sm"/>
+          </a:ln>
+        </p:spPr>
+        <p:style>
+          <a:lnRef idx="1">
+            <a:schemeClr val="accent1"/>
+          </a:lnRef>
+          <a:fillRef idx="0">
+            <a:schemeClr val="accent1"/>
+          </a:fillRef>
+          <a:effectRef idx="0">
+            <a:schemeClr val="accent1"/>
+          </a:effectRef>
+          <a:fontRef idx="minor">
+            <a:schemeClr val="tx1"/>
+          </a:fontRef>
+        </p:style>
+      </p:cxnSp>
+      <p:cxnSp>
+        <p:nvCxnSpPr>
+          <p:cNvPr id="183" name="直線矢印コネクタ 182">
+            <a:extLst>
+              <a:ext uri="{FF2B5EF4-FFF2-40B4-BE49-F238E27FC236}">
+                <a16:creationId xmlns:a16="http://schemas.microsoft.com/office/drawing/2014/main" id="{C3DF2C6B-8370-7DE7-A5FC-D3525A795FF8}"/>
+              </a:ext>
+            </a:extLst>
+          </p:cNvPr>
+          <p:cNvCxnSpPr>
+            <a:cxnSpLocks/>
+            <a:stCxn id="178" idx="6"/>
+            <a:endCxn id="173" idx="2"/>
+          </p:cNvCxnSpPr>
+          <p:nvPr/>
+        </p:nvCxnSpPr>
+        <p:spPr>
+          <a:xfrm flipV="1">
+            <a:off x="2831487" y="2842796"/>
+            <a:ext cx="132825" cy="53745"/>
+          </a:xfrm>
+          <a:prstGeom prst="straightConnector1">
+            <a:avLst/>
+          </a:prstGeom>
+          <a:ln>
+            <a:tailEnd type="triangle" w="sm" len="sm"/>
+          </a:ln>
+        </p:spPr>
+        <p:style>
+          <a:lnRef idx="1">
+            <a:schemeClr val="accent1"/>
+          </a:lnRef>
+          <a:fillRef idx="0">
+            <a:schemeClr val="accent1"/>
+          </a:fillRef>
+          <a:effectRef idx="0">
+            <a:schemeClr val="accent1"/>
+          </a:effectRef>
+          <a:fontRef idx="minor">
+            <a:schemeClr val="tx1"/>
+          </a:fontRef>
+        </p:style>
+      </p:cxnSp>
+      <p:cxnSp>
+        <p:nvCxnSpPr>
+          <p:cNvPr id="184" name="直線矢印コネクタ 183">
+            <a:extLst>
+              <a:ext uri="{FF2B5EF4-FFF2-40B4-BE49-F238E27FC236}">
+                <a16:creationId xmlns:a16="http://schemas.microsoft.com/office/drawing/2014/main" id="{3C04D6C8-1B0E-1281-1266-933FB9347D5B}"/>
+              </a:ext>
+            </a:extLst>
+          </p:cNvPr>
+          <p:cNvCxnSpPr>
+            <a:cxnSpLocks/>
+            <a:stCxn id="173" idx="6"/>
+            <a:endCxn id="171" idx="6"/>
+          </p:cNvCxnSpPr>
+          <p:nvPr/>
+        </p:nvCxnSpPr>
+        <p:spPr>
+          <a:xfrm flipV="1">
+            <a:off x="3010031" y="2742090"/>
+            <a:ext cx="213706" cy="100706"/>
+          </a:xfrm>
+          <a:prstGeom prst="straightConnector1">
+            <a:avLst/>
+          </a:prstGeom>
+          <a:ln>
+            <a:tailEnd type="triangle" w="sm" len="sm"/>
+          </a:ln>
+        </p:spPr>
+        <p:style>
+          <a:lnRef idx="1">
+            <a:schemeClr val="accent1"/>
+          </a:lnRef>
+          <a:fillRef idx="0">
+            <a:schemeClr val="accent1"/>
+          </a:fillRef>
+          <a:effectRef idx="0">
+            <a:schemeClr val="accent1"/>
+          </a:effectRef>
+          <a:fontRef idx="minor">
+            <a:schemeClr val="tx1"/>
+          </a:fontRef>
+        </p:style>
+      </p:cxnSp>
+      <p:cxnSp>
+        <p:nvCxnSpPr>
+          <p:cNvPr id="185" name="直線矢印コネクタ 184">
+            <a:extLst>
+              <a:ext uri="{FF2B5EF4-FFF2-40B4-BE49-F238E27FC236}">
+                <a16:creationId xmlns:a16="http://schemas.microsoft.com/office/drawing/2014/main" id="{D9EE382C-77CA-89C9-7F0C-975F5A4B1101}"/>
+              </a:ext>
+            </a:extLst>
+          </p:cNvPr>
+          <p:cNvCxnSpPr>
+            <a:cxnSpLocks/>
+            <a:stCxn id="171" idx="2"/>
+            <a:endCxn id="178" idx="2"/>
+          </p:cNvCxnSpPr>
+          <p:nvPr/>
+        </p:nvCxnSpPr>
+        <p:spPr>
+          <a:xfrm>
+            <a:off x="2503658" y="2742090"/>
+            <a:ext cx="282110" cy="154451"/>
+          </a:xfrm>
+          <a:prstGeom prst="straightConnector1">
+            <a:avLst/>
+          </a:prstGeom>
+          <a:ln>
+            <a:tailEnd type="triangle" w="sm" len="sm"/>
+          </a:ln>
+        </p:spPr>
+        <p:style>
+          <a:lnRef idx="1">
+            <a:schemeClr val="accent1"/>
+          </a:lnRef>
+          <a:fillRef idx="0">
+            <a:schemeClr val="accent1"/>
+          </a:fillRef>
+          <a:effectRef idx="0">
+            <a:schemeClr val="accent1"/>
+          </a:effectRef>
+          <a:fontRef idx="minor">
+            <a:schemeClr val="tx1"/>
+          </a:fontRef>
+        </p:style>
+      </p:cxnSp>
+      <p:cxnSp>
+        <p:nvCxnSpPr>
+          <p:cNvPr id="186" name="直線矢印コネクタ 185">
+            <a:extLst>
+              <a:ext uri="{FF2B5EF4-FFF2-40B4-BE49-F238E27FC236}">
+                <a16:creationId xmlns:a16="http://schemas.microsoft.com/office/drawing/2014/main" id="{140D97C7-F2E5-E95A-C76B-B2274865A7ED}"/>
+              </a:ext>
+            </a:extLst>
+          </p:cNvPr>
+          <p:cNvCxnSpPr>
+            <a:cxnSpLocks/>
+            <a:stCxn id="174" idx="6"/>
+            <a:endCxn id="171" idx="6"/>
+          </p:cNvCxnSpPr>
+          <p:nvPr/>
+        </p:nvCxnSpPr>
+        <p:spPr>
+          <a:xfrm flipV="1">
+            <a:off x="2891890" y="2742090"/>
+            <a:ext cx="331847" cy="4326"/>
+          </a:xfrm>
+          <a:prstGeom prst="straightConnector1">
+            <a:avLst/>
+          </a:prstGeom>
+          <a:ln>
+            <a:tailEnd type="triangle" w="sm" len="sm"/>
+          </a:ln>
+        </p:spPr>
+        <p:style>
+          <a:lnRef idx="1">
+            <a:schemeClr val="accent1"/>
+          </a:lnRef>
+          <a:fillRef idx="0">
+            <a:schemeClr val="accent1"/>
+          </a:fillRef>
+          <a:effectRef idx="0">
+            <a:schemeClr val="accent1"/>
+          </a:effectRef>
+          <a:fontRef idx="minor">
+            <a:schemeClr val="tx1"/>
+          </a:fontRef>
+        </p:style>
+      </p:cxnSp>
+      <p:sp>
+        <p:nvSpPr>
+          <p:cNvPr id="187" name="テキスト ボックス 186">
+            <a:extLst>
+              <a:ext uri="{FF2B5EF4-FFF2-40B4-BE49-F238E27FC236}">
+                <a16:creationId xmlns:a16="http://schemas.microsoft.com/office/drawing/2014/main" id="{923A323A-E231-5B47-2B17-D08EAAFC3A97}"/>
+              </a:ext>
+            </a:extLst>
+          </p:cNvPr>
+          <p:cNvSpPr txBox="1"/>
+          <p:nvPr/>
+        </p:nvSpPr>
+        <p:spPr>
+          <a:xfrm>
+            <a:off x="2545326" y="2103232"/>
+            <a:ext cx="656123" cy="338554"/>
+          </a:xfrm>
+          <a:prstGeom prst="rect">
+            <a:avLst/>
+          </a:prstGeom>
+          <a:noFill/>
+        </p:spPr>
+        <p:txBody>
+          <a:bodyPr wrap="square">
+            <a:spAutoFit/>
+          </a:bodyPr>
+          <a:lstStyle/>
+          <a:p>
+            <a:pPr algn="ctr"/>
+            <a:r>
+              <a:rPr lang="en-US" altLang="ja-JP" sz="800" dirty="0"/>
+              <a:t>MS</a:t>
+            </a:r>
+            <a:br>
+              <a:rPr lang="en-US" altLang="ja-JP" sz="800" dirty="0"/>
+            </a:br>
+            <a:r>
+              <a:rPr lang="ja-JP" altLang="en-US" sz="800" dirty="0"/>
+              <a:t>バックボーン</a:t>
+            </a:r>
+          </a:p>
+        </p:txBody>
+      </p:sp>
+      <p:grpSp>
+        <p:nvGrpSpPr>
+          <p:cNvPr id="188" name="グループ化 187">
+            <a:extLst>
+              <a:ext uri="{FF2B5EF4-FFF2-40B4-BE49-F238E27FC236}">
+                <a16:creationId xmlns:a16="http://schemas.microsoft.com/office/drawing/2014/main" id="{7446585E-8753-6587-00F4-AECBCD85BCFB}"/>
+              </a:ext>
+            </a:extLst>
+          </p:cNvPr>
+          <p:cNvGrpSpPr/>
+          <p:nvPr/>
+        </p:nvGrpSpPr>
+        <p:grpSpPr>
+          <a:xfrm>
+            <a:off x="2496073" y="5080703"/>
+            <a:ext cx="720079" cy="896970"/>
+            <a:chOff x="2503658" y="2103232"/>
+            <a:chExt cx="720079" cy="896970"/>
+          </a:xfrm>
+        </p:grpSpPr>
+        <p:sp>
+          <p:nvSpPr>
+            <p:cNvPr id="189" name="楕円 188">
+              <a:extLst>
+                <a:ext uri="{FF2B5EF4-FFF2-40B4-BE49-F238E27FC236}">
+                  <a16:creationId xmlns:a16="http://schemas.microsoft.com/office/drawing/2014/main" id="{F7CE2777-4316-44ED-543F-E8423E31CA08}"/>
+                </a:ext>
+              </a:extLst>
+            </p:cNvPr>
+            <p:cNvSpPr/>
+            <p:nvPr/>
+          </p:nvSpPr>
+          <p:spPr>
+            <a:xfrm>
+              <a:off x="2503658" y="2483977"/>
+              <a:ext cx="720079" cy="516225"/>
+            </a:xfrm>
+            <a:prstGeom prst="ellipse">
+              <a:avLst/>
+            </a:prstGeom>
+            <a:noFill/>
+            <a:ln>
+              <a:solidFill>
+                <a:schemeClr val="accent2"/>
+              </a:solidFill>
+            </a:ln>
+          </p:spPr>
+          <p:style>
+            <a:lnRef idx="2">
+              <a:schemeClr val="accent1">
+                <a:shade val="50000"/>
+              </a:schemeClr>
+            </a:lnRef>
+            <a:fillRef idx="1">
+              <a:schemeClr val="accent1"/>
+            </a:fillRef>
+            <a:effectRef idx="0">
+              <a:schemeClr val="accent1"/>
+            </a:effectRef>
+            <a:fontRef idx="minor">
+              <a:schemeClr val="lt1"/>
+            </a:fontRef>
+          </p:style>
+          <p:txBody>
+            <a:bodyPr lIns="0" tIns="0" rIns="0" bIns="0" rtlCol="0" anchor="ctr"/>
+            <a:lstStyle/>
+            <a:p>
+              <a:pPr algn="ctr"/>
+              <a:endParaRPr kumimoji="1" lang="ja-JP" altLang="en-US" sz="900" dirty="0"/>
+            </a:p>
+          </p:txBody>
+        </p:sp>
+        <p:sp>
+          <p:nvSpPr>
+            <p:cNvPr id="190" name="楕円 189">
+              <a:extLst>
+                <a:ext uri="{FF2B5EF4-FFF2-40B4-BE49-F238E27FC236}">
+                  <a16:creationId xmlns:a16="http://schemas.microsoft.com/office/drawing/2014/main" id="{1250B3C4-4AB2-DB5E-EF0E-4F332EC18EC4}"/>
+                </a:ext>
+              </a:extLst>
+            </p:cNvPr>
+            <p:cNvSpPr/>
+            <p:nvPr/>
+          </p:nvSpPr>
+          <p:spPr>
+            <a:xfrm>
+              <a:off x="2846171" y="2723556"/>
+              <a:ext cx="45719" cy="45719"/>
+            </a:xfrm>
+            <a:prstGeom prst="ellipse">
+              <a:avLst/>
+            </a:prstGeom>
+            <a:ln>
+              <a:noFill/>
+            </a:ln>
+          </p:spPr>
+          <p:style>
+            <a:lnRef idx="2">
+              <a:schemeClr val="accent1">
+                <a:shade val="50000"/>
+              </a:schemeClr>
+            </a:lnRef>
+            <a:fillRef idx="1">
+              <a:schemeClr val="accent1"/>
+            </a:fillRef>
+            <a:effectRef idx="0">
+              <a:schemeClr val="accent1"/>
+            </a:effectRef>
+            <a:fontRef idx="minor">
+              <a:schemeClr val="lt1"/>
+            </a:fontRef>
+          </p:style>
+          <p:txBody>
+            <a:bodyPr rtlCol="0" anchor="ctr"/>
+            <a:lstStyle/>
+            <a:p>
+              <a:pPr algn="ctr"/>
+              <a:endParaRPr kumimoji="1" lang="ja-JP" altLang="en-US"/>
+            </a:p>
+          </p:txBody>
+        </p:sp>
+        <p:cxnSp>
+          <p:nvCxnSpPr>
+            <p:cNvPr id="191" name="直線矢印コネクタ 190">
+              <a:extLst>
+                <a:ext uri="{FF2B5EF4-FFF2-40B4-BE49-F238E27FC236}">
+                  <a16:creationId xmlns:a16="http://schemas.microsoft.com/office/drawing/2014/main" id="{E23858BA-E177-0659-1ACC-B75A67145C95}"/>
+                </a:ext>
+              </a:extLst>
+            </p:cNvPr>
+            <p:cNvCxnSpPr>
+              <a:cxnSpLocks/>
+              <a:stCxn id="189" idx="2"/>
+              <a:endCxn id="190" idx="2"/>
+            </p:cNvCxnSpPr>
+            <p:nvPr/>
+          </p:nvCxnSpPr>
+          <p:spPr>
+            <a:xfrm>
+              <a:off x="2503658" y="2742090"/>
+              <a:ext cx="342513" cy="4326"/>
+            </a:xfrm>
+            <a:prstGeom prst="straightConnector1">
+              <a:avLst/>
+            </a:prstGeom>
+            <a:ln>
+              <a:tailEnd type="triangle" w="sm" len="sm"/>
+            </a:ln>
+          </p:spPr>
+          <p:style>
+            <a:lnRef idx="1">
+              <a:schemeClr val="accent1"/>
+            </a:lnRef>
+            <a:fillRef idx="0">
+              <a:schemeClr val="accent1"/>
+            </a:fillRef>
+            <a:effectRef idx="0">
+              <a:schemeClr val="accent1"/>
+            </a:effectRef>
+            <a:fontRef idx="minor">
+              <a:schemeClr val="tx1"/>
+            </a:fontRef>
+          </p:style>
+        </p:cxnSp>
+        <p:sp>
+          <p:nvSpPr>
+            <p:cNvPr id="192" name="テキスト ボックス 191">
+              <a:extLst>
+                <a:ext uri="{FF2B5EF4-FFF2-40B4-BE49-F238E27FC236}">
+                  <a16:creationId xmlns:a16="http://schemas.microsoft.com/office/drawing/2014/main" id="{BB42DA24-AD0F-BB2C-221A-A697407AE233}"/>
+                </a:ext>
+              </a:extLst>
+            </p:cNvPr>
+            <p:cNvSpPr txBox="1"/>
+            <p:nvPr/>
+          </p:nvSpPr>
+          <p:spPr>
+            <a:xfrm>
+              <a:off x="2545326" y="2103232"/>
+              <a:ext cx="656123" cy="338554"/>
+            </a:xfrm>
+            <a:prstGeom prst="rect">
+              <a:avLst/>
+            </a:prstGeom>
+            <a:noFill/>
+          </p:spPr>
+          <p:txBody>
+            <a:bodyPr wrap="square">
+              <a:spAutoFit/>
+            </a:bodyPr>
+            <a:lstStyle/>
+            <a:p>
+              <a:pPr algn="ctr"/>
+              <a:r>
+                <a:rPr lang="en-US" altLang="ja-JP" sz="800" dirty="0"/>
+                <a:t>MS</a:t>
+              </a:r>
+              <a:br>
+                <a:rPr lang="en-US" altLang="ja-JP" sz="800" dirty="0"/>
+              </a:br>
+              <a:r>
+                <a:rPr lang="ja-JP" altLang="en-US" sz="800" dirty="0"/>
+                <a:t>バックボーン</a:t>
+              </a:r>
+            </a:p>
+          </p:txBody>
+        </p:sp>
+        <p:cxnSp>
+          <p:nvCxnSpPr>
+            <p:cNvPr id="193" name="直線矢印コネクタ 192">
+              <a:extLst>
+                <a:ext uri="{FF2B5EF4-FFF2-40B4-BE49-F238E27FC236}">
+                  <a16:creationId xmlns:a16="http://schemas.microsoft.com/office/drawing/2014/main" id="{AB36DF94-C1A8-9467-6EAF-F1EFC9B57A08}"/>
+                </a:ext>
+              </a:extLst>
+            </p:cNvPr>
+            <p:cNvCxnSpPr>
+              <a:cxnSpLocks/>
+              <a:stCxn id="190" idx="6"/>
+              <a:endCxn id="189" idx="6"/>
+            </p:cNvCxnSpPr>
+            <p:nvPr/>
+          </p:nvCxnSpPr>
+          <p:spPr>
+            <a:xfrm flipV="1">
+              <a:off x="2891890" y="2742090"/>
+              <a:ext cx="331847" cy="4326"/>
+            </a:xfrm>
+            <a:prstGeom prst="straightConnector1">
+              <a:avLst/>
+            </a:prstGeom>
+            <a:ln>
+              <a:tailEnd type="triangle" w="sm" len="sm"/>
+            </a:ln>
+            <a:effectLst>
+              <a:glow rad="12700">
+                <a:schemeClr val="bg1"/>
+              </a:glow>
+            </a:effectLst>
+          </p:spPr>
+          <p:style>
+            <a:lnRef idx="1">
+              <a:schemeClr val="accent1"/>
+            </a:lnRef>
+            <a:fillRef idx="0">
+              <a:schemeClr val="accent1"/>
+            </a:fillRef>
+            <a:effectRef idx="0">
+              <a:schemeClr val="accent1"/>
+            </a:effectRef>
+            <a:fontRef idx="minor">
+              <a:schemeClr val="tx1"/>
+            </a:fontRef>
+          </p:style>
+        </p:cxnSp>
+      </p:grpSp>
+      <p:pic>
+        <p:nvPicPr>
+          <p:cNvPr id="194" name="グラフィックス 193">
+            <a:extLst>
+              <a:ext uri="{FF2B5EF4-FFF2-40B4-BE49-F238E27FC236}">
+                <a16:creationId xmlns:a16="http://schemas.microsoft.com/office/drawing/2014/main" id="{24D74C22-5C12-BC34-6984-2D1037EFADBA}"/>
+              </a:ext>
+            </a:extLst>
+          </p:cNvPr>
+          <p:cNvPicPr>
+            <a:picLocks noChangeAspect="1"/>
+          </p:cNvPicPr>
+          <p:nvPr/>
+        </p:nvPicPr>
+        <p:blipFill>
+          <a:blip r:embed="rId4">
+            <a:extLst>
+              <a:ext uri="{28A0092B-C50C-407E-A947-70E740481C1C}">
+                <a14:useLocalDpi xmlns:a14="http://schemas.microsoft.com/office/drawing/2010/main" val="0"/>
+              </a:ext>
+              <a:ext uri="{96DAC541-7B7A-43D3-8B79-37D633B846F1}">
+                <asvg:svgBlip xmlns:asvg="http://schemas.microsoft.com/office/drawing/2016/SVG/main" r:embed="rId5"/>
+              </a:ext>
+            </a:extLst>
+          </a:blip>
+          <a:stretch>
+            <a:fillRect/>
+          </a:stretch>
+        </p:blipFill>
+        <p:spPr>
+          <a:xfrm>
+            <a:off x="4135312" y="2382050"/>
+            <a:ext cx="720079" cy="720079"/>
+          </a:xfrm>
+          <a:prstGeom prst="rect">
+            <a:avLst/>
+          </a:prstGeom>
+        </p:spPr>
+      </p:pic>
+      <p:sp>
+        <p:nvSpPr>
+          <p:cNvPr id="195" name="正方形/長方形 194">
+            <a:extLst>
+              <a:ext uri="{FF2B5EF4-FFF2-40B4-BE49-F238E27FC236}">
+                <a16:creationId xmlns:a16="http://schemas.microsoft.com/office/drawing/2014/main" id="{C4EAE435-D21A-C51B-FE30-4B6AC73C2C91}"/>
+              </a:ext>
+            </a:extLst>
+          </p:cNvPr>
+          <p:cNvSpPr/>
+          <p:nvPr/>
+        </p:nvSpPr>
+        <p:spPr>
+          <a:xfrm>
+            <a:off x="821943" y="1906232"/>
+            <a:ext cx="1461825" cy="1377879"/>
+          </a:xfrm>
+          <a:prstGeom prst="rect">
+            <a:avLst/>
+          </a:prstGeom>
+          <a:noFill/>
+        </p:spPr>
+        <p:style>
+          <a:lnRef idx="2">
+            <a:schemeClr val="accent1">
+              <a:shade val="50000"/>
+            </a:schemeClr>
+          </a:lnRef>
+          <a:fillRef idx="1">
+            <a:schemeClr val="accent1"/>
+          </a:fillRef>
+          <a:effectRef idx="0">
+            <a:schemeClr val="accent1"/>
+          </a:effectRef>
+          <a:fontRef idx="minor">
+            <a:schemeClr val="lt1"/>
+          </a:fontRef>
+        </p:style>
+        <p:txBody>
+          <a:bodyPr rtlCol="0" anchor="ctr"/>
+          <a:lstStyle/>
+          <a:p>
+            <a:pPr algn="ctr"/>
+            <a:endParaRPr kumimoji="1" lang="ja-JP" altLang="en-US"/>
+          </a:p>
+        </p:txBody>
+      </p:sp>
+      <p:pic>
+        <p:nvPicPr>
+          <p:cNvPr id="196" name="グラフィックス 195">
+            <a:extLst>
+              <a:ext uri="{FF2B5EF4-FFF2-40B4-BE49-F238E27FC236}">
+                <a16:creationId xmlns:a16="http://schemas.microsoft.com/office/drawing/2014/main" id="{6F426C1C-1CC1-15E0-0322-743836157C5A}"/>
+              </a:ext>
+            </a:extLst>
+          </p:cNvPr>
+          <p:cNvPicPr>
+            <a:picLocks noChangeAspect="1"/>
+          </p:cNvPicPr>
+          <p:nvPr/>
+        </p:nvPicPr>
+        <p:blipFill>
+          <a:blip r:embed="rId6">
+            <a:extLst>
+              <a:ext uri="{28A0092B-C50C-407E-A947-70E740481C1C}">
+                <a14:useLocalDpi xmlns:a14="http://schemas.microsoft.com/office/drawing/2010/main" val="0"/>
+              </a:ext>
+              <a:ext uri="{96DAC541-7B7A-43D3-8B79-37D633B846F1}">
+                <asvg:svgBlip xmlns:asvg="http://schemas.microsoft.com/office/drawing/2016/SVG/main" r:embed="rId7"/>
+              </a:ext>
+            </a:extLst>
+          </a:blip>
+          <a:stretch>
+            <a:fillRect/>
+          </a:stretch>
+        </p:blipFill>
+        <p:spPr>
+          <a:xfrm>
+            <a:off x="810687" y="1590766"/>
+            <a:ext cx="315467" cy="315467"/>
+          </a:xfrm>
+          <a:prstGeom prst="rect">
+            <a:avLst/>
+          </a:prstGeom>
+        </p:spPr>
+      </p:pic>
+      <p:sp>
+        <p:nvSpPr>
+          <p:cNvPr id="197" name="正方形/長方形 196">
+            <a:extLst>
+              <a:ext uri="{FF2B5EF4-FFF2-40B4-BE49-F238E27FC236}">
+                <a16:creationId xmlns:a16="http://schemas.microsoft.com/office/drawing/2014/main" id="{E8B1D038-7020-0F27-A5D9-FE11A79464F0}"/>
+              </a:ext>
+            </a:extLst>
+          </p:cNvPr>
+          <p:cNvSpPr/>
+          <p:nvPr/>
+        </p:nvSpPr>
+        <p:spPr>
+          <a:xfrm>
+            <a:off x="984700" y="2275846"/>
+            <a:ext cx="1168139" cy="941141"/>
+          </a:xfrm>
+          <a:prstGeom prst="rect">
+            <a:avLst/>
+          </a:prstGeom>
+          <a:noFill/>
+          <a:ln>
+            <a:prstDash val="dash"/>
+          </a:ln>
+        </p:spPr>
+        <p:style>
+          <a:lnRef idx="2">
+            <a:schemeClr val="accent1">
+              <a:shade val="50000"/>
+            </a:schemeClr>
+          </a:lnRef>
+          <a:fillRef idx="1">
+            <a:schemeClr val="accent1"/>
+          </a:fillRef>
+          <a:effectRef idx="0">
+            <a:schemeClr val="accent1"/>
+          </a:effectRef>
+          <a:fontRef idx="minor">
+            <a:schemeClr val="lt1"/>
+          </a:fontRef>
+        </p:style>
+        <p:txBody>
+          <a:bodyPr rtlCol="0" anchor="ctr"/>
+          <a:lstStyle/>
+          <a:p>
+            <a:pPr algn="ctr"/>
+            <a:endParaRPr kumimoji="1" lang="ja-JP" altLang="en-US"/>
+          </a:p>
+        </p:txBody>
+      </p:sp>
+      <p:pic>
+        <p:nvPicPr>
+          <p:cNvPr id="198" name="グラフィックス 197">
+            <a:extLst>
+              <a:ext uri="{FF2B5EF4-FFF2-40B4-BE49-F238E27FC236}">
+                <a16:creationId xmlns:a16="http://schemas.microsoft.com/office/drawing/2014/main" id="{10DC03A2-E2C6-F1BC-14A8-D3EEC09100FA}"/>
+              </a:ext>
+            </a:extLst>
+          </p:cNvPr>
+          <p:cNvPicPr>
+            <a:picLocks noChangeAspect="1"/>
+          </p:cNvPicPr>
+          <p:nvPr/>
+        </p:nvPicPr>
+        <p:blipFill>
+          <a:blip r:embed="rId8">
+            <a:extLst>
+              <a:ext uri="{28A0092B-C50C-407E-A947-70E740481C1C}">
+                <a14:useLocalDpi xmlns:a14="http://schemas.microsoft.com/office/drawing/2010/main" val="0"/>
+              </a:ext>
+              <a:ext uri="{96DAC541-7B7A-43D3-8B79-37D633B846F1}">
+                <asvg:svgBlip xmlns:asvg="http://schemas.microsoft.com/office/drawing/2016/SVG/main" r:embed="rId9"/>
+              </a:ext>
+            </a:extLst>
+          </a:blip>
+          <a:stretch>
+            <a:fillRect/>
+          </a:stretch>
+        </p:blipFill>
+        <p:spPr>
+          <a:xfrm>
+            <a:off x="955089" y="2012218"/>
+            <a:ext cx="253762" cy="253762"/>
+          </a:xfrm>
+          <a:prstGeom prst="rect">
+            <a:avLst/>
+          </a:prstGeom>
+        </p:spPr>
+      </p:pic>
+      <p:pic>
+        <p:nvPicPr>
+          <p:cNvPr id="199" name="グラフィックス 198">
+            <a:extLst>
+              <a:ext uri="{FF2B5EF4-FFF2-40B4-BE49-F238E27FC236}">
+                <a16:creationId xmlns:a16="http://schemas.microsoft.com/office/drawing/2014/main" id="{39EF66CD-E561-E13A-C6A1-3C865B08238C}"/>
+              </a:ext>
+            </a:extLst>
+          </p:cNvPr>
+          <p:cNvPicPr>
+            <a:picLocks noChangeAspect="1"/>
+          </p:cNvPicPr>
+          <p:nvPr/>
+        </p:nvPicPr>
+        <p:blipFill>
+          <a:blip r:embed="rId10">
+            <a:extLst>
+              <a:ext uri="{28A0092B-C50C-407E-A947-70E740481C1C}">
+                <a14:useLocalDpi xmlns:a14="http://schemas.microsoft.com/office/drawing/2010/main" val="0"/>
+              </a:ext>
+              <a:ext uri="{96DAC541-7B7A-43D3-8B79-37D633B846F1}">
+                <asvg:svgBlip xmlns:asvg="http://schemas.microsoft.com/office/drawing/2016/SVG/main" r:embed="rId11"/>
+              </a:ext>
+            </a:extLst>
+          </a:blip>
+          <a:stretch>
+            <a:fillRect/>
+          </a:stretch>
+        </p:blipFill>
+        <p:spPr>
+          <a:xfrm>
+            <a:off x="1303784" y="2470218"/>
+            <a:ext cx="543744" cy="543744"/>
+          </a:xfrm>
+          <a:prstGeom prst="rect">
+            <a:avLst/>
+          </a:prstGeom>
+        </p:spPr>
+      </p:pic>
+      <p:sp>
+        <p:nvSpPr>
+          <p:cNvPr id="200" name="テキスト ボックス 199">
+            <a:extLst>
+              <a:ext uri="{FF2B5EF4-FFF2-40B4-BE49-F238E27FC236}">
+                <a16:creationId xmlns:a16="http://schemas.microsoft.com/office/drawing/2014/main" id="{15283AA0-01EB-30F5-0D11-F0011973365F}"/>
+              </a:ext>
+            </a:extLst>
+          </p:cNvPr>
+          <p:cNvSpPr txBox="1"/>
+          <p:nvPr/>
+        </p:nvSpPr>
+        <p:spPr>
+          <a:xfrm>
+            <a:off x="1081970" y="1581811"/>
+            <a:ext cx="1317990" cy="307777"/>
+          </a:xfrm>
+          <a:prstGeom prst="rect">
+            <a:avLst/>
+          </a:prstGeom>
+          <a:noFill/>
+        </p:spPr>
+        <p:txBody>
+          <a:bodyPr wrap="none" rtlCol="0">
+            <a:spAutoFit/>
+          </a:bodyPr>
+          <a:lstStyle/>
+          <a:p>
+            <a:r>
+              <a:rPr kumimoji="1" lang="ja-JP" altLang="en-US" sz="1400" dirty="0"/>
+              <a:t>仮想ネットワーク</a:t>
+            </a:r>
+          </a:p>
+        </p:txBody>
+      </p:sp>
+      <p:sp>
+        <p:nvSpPr>
+          <p:cNvPr id="201" name="テキスト ボックス 200">
+            <a:extLst>
+              <a:ext uri="{FF2B5EF4-FFF2-40B4-BE49-F238E27FC236}">
+                <a16:creationId xmlns:a16="http://schemas.microsoft.com/office/drawing/2014/main" id="{68567261-2972-15FF-26F9-F08A4330BE54}"/>
+              </a:ext>
+            </a:extLst>
+          </p:cNvPr>
+          <p:cNvSpPr txBox="1"/>
+          <p:nvPr/>
+        </p:nvSpPr>
+        <p:spPr>
+          <a:xfrm>
+            <a:off x="1141331" y="1969610"/>
+            <a:ext cx="854721" cy="307777"/>
+          </a:xfrm>
+          <a:prstGeom prst="rect">
+            <a:avLst/>
+          </a:prstGeom>
+          <a:noFill/>
+        </p:spPr>
+        <p:txBody>
+          <a:bodyPr wrap="none" rtlCol="0">
+            <a:spAutoFit/>
+          </a:bodyPr>
+          <a:lstStyle/>
+          <a:p>
+            <a:r>
+              <a:rPr kumimoji="1" lang="ja-JP" altLang="en-US" sz="1400" dirty="0"/>
+              <a:t>サブネット</a:t>
+            </a:r>
+          </a:p>
+        </p:txBody>
+      </p:sp>
+      <p:sp>
+        <p:nvSpPr>
+          <p:cNvPr id="202" name="テキスト ボックス 201">
+            <a:extLst>
+              <a:ext uri="{FF2B5EF4-FFF2-40B4-BE49-F238E27FC236}">
+                <a16:creationId xmlns:a16="http://schemas.microsoft.com/office/drawing/2014/main" id="{B0221A21-937D-3409-E385-D11B27CE5A61}"/>
+              </a:ext>
+            </a:extLst>
+          </p:cNvPr>
+          <p:cNvSpPr txBox="1"/>
+          <p:nvPr/>
+        </p:nvSpPr>
+        <p:spPr>
+          <a:xfrm>
+            <a:off x="3890462" y="2149691"/>
+            <a:ext cx="1120820" cy="307777"/>
+          </a:xfrm>
+          <a:prstGeom prst="rect">
+            <a:avLst/>
+          </a:prstGeom>
+          <a:noFill/>
+        </p:spPr>
+        <p:txBody>
+          <a:bodyPr wrap="none" rtlCol="0">
+            <a:spAutoFit/>
+          </a:bodyPr>
+          <a:lstStyle/>
+          <a:p>
+            <a:r>
+              <a:rPr kumimoji="1" lang="en-US" altLang="ja-JP" sz="1400" dirty="0"/>
+              <a:t>PaaS </a:t>
+            </a:r>
+            <a:r>
+              <a:rPr kumimoji="1" lang="ja-JP" altLang="en-US" sz="1400" dirty="0"/>
+              <a:t>リソース</a:t>
+            </a:r>
+          </a:p>
+        </p:txBody>
+      </p:sp>
+      <p:cxnSp>
+        <p:nvCxnSpPr>
+          <p:cNvPr id="204" name="直線矢印コネクタ 203">
+            <a:extLst>
+              <a:ext uri="{FF2B5EF4-FFF2-40B4-BE49-F238E27FC236}">
+                <a16:creationId xmlns:a16="http://schemas.microsoft.com/office/drawing/2014/main" id="{B9C83C9C-5E13-8D49-160A-DF630156EC50}"/>
+              </a:ext>
+            </a:extLst>
+          </p:cNvPr>
+          <p:cNvCxnSpPr>
+            <a:cxnSpLocks/>
+            <a:stCxn id="199" idx="3"/>
+            <a:endCxn id="171" idx="2"/>
+          </p:cNvCxnSpPr>
+          <p:nvPr/>
+        </p:nvCxnSpPr>
+        <p:spPr>
+          <a:xfrm>
+            <a:off x="1847528" y="2742090"/>
+            <a:ext cx="656130" cy="0"/>
+          </a:xfrm>
+          <a:prstGeom prst="straightConnector1">
+            <a:avLst/>
+          </a:prstGeom>
+          <a:ln w="12700">
+            <a:tailEnd type="triangle"/>
+          </a:ln>
+          <a:effectLst>
+            <a:glow rad="38100">
+              <a:schemeClr val="bg1"/>
+            </a:glow>
+          </a:effectLst>
+        </p:spPr>
+        <p:style>
+          <a:lnRef idx="1">
+            <a:schemeClr val="accent1"/>
+          </a:lnRef>
+          <a:fillRef idx="0">
+            <a:schemeClr val="accent1"/>
+          </a:fillRef>
+          <a:effectRef idx="0">
+            <a:schemeClr val="accent1"/>
+          </a:effectRef>
+          <a:fontRef idx="minor">
+            <a:schemeClr val="tx1"/>
+          </a:fontRef>
+        </p:style>
+      </p:cxnSp>
+      <p:cxnSp>
+        <p:nvCxnSpPr>
+          <p:cNvPr id="205" name="直線コネクタ 204">
+            <a:extLst>
+              <a:ext uri="{FF2B5EF4-FFF2-40B4-BE49-F238E27FC236}">
+                <a16:creationId xmlns:a16="http://schemas.microsoft.com/office/drawing/2014/main" id="{633D10DA-F2DA-F73D-B568-E2986C021FCE}"/>
+              </a:ext>
+            </a:extLst>
+          </p:cNvPr>
+          <p:cNvCxnSpPr>
+            <a:cxnSpLocks/>
+            <a:stCxn id="171" idx="6"/>
+          </p:cNvCxnSpPr>
+          <p:nvPr/>
+        </p:nvCxnSpPr>
+        <p:spPr>
+          <a:xfrm flipV="1">
+            <a:off x="3223737" y="1931971"/>
+            <a:ext cx="135036" cy="810119"/>
+          </a:xfrm>
+          <a:prstGeom prst="line">
+            <a:avLst/>
+          </a:prstGeom>
+          <a:ln w="12700">
+            <a:tailEnd type="oval"/>
+          </a:ln>
+          <a:effectLst>
+            <a:glow rad="38100">
+              <a:schemeClr val="bg1"/>
+            </a:glow>
+          </a:effectLst>
+        </p:spPr>
+        <p:style>
+          <a:lnRef idx="1">
+            <a:schemeClr val="accent1"/>
+          </a:lnRef>
+          <a:fillRef idx="0">
+            <a:schemeClr val="accent1"/>
+          </a:fillRef>
+          <a:effectRef idx="0">
+            <a:schemeClr val="accent1"/>
+          </a:effectRef>
+          <a:fontRef idx="minor">
+            <a:schemeClr val="tx1"/>
+          </a:fontRef>
+        </p:style>
+      </p:cxnSp>
+      <p:sp>
+        <p:nvSpPr>
+          <p:cNvPr id="207" name="テキスト ボックス 206">
+            <a:extLst>
+              <a:ext uri="{FF2B5EF4-FFF2-40B4-BE49-F238E27FC236}">
+                <a16:creationId xmlns:a16="http://schemas.microsoft.com/office/drawing/2014/main" id="{0BDE4A71-B76E-0145-8FD7-C3DC53B50E98}"/>
+              </a:ext>
+            </a:extLst>
+          </p:cNvPr>
+          <p:cNvSpPr txBox="1"/>
+          <p:nvPr/>
+        </p:nvSpPr>
+        <p:spPr>
+          <a:xfrm>
+            <a:off x="2890183" y="1252453"/>
+            <a:ext cx="960519" cy="276999"/>
+          </a:xfrm>
+          <a:prstGeom prst="rect">
+            <a:avLst/>
+          </a:prstGeom>
+          <a:noFill/>
+        </p:spPr>
+        <p:txBody>
+          <a:bodyPr wrap="none" rtlCol="0">
+            <a:spAutoFit/>
+          </a:bodyPr>
+          <a:lstStyle/>
+          <a:p>
+            <a:r>
+              <a:rPr kumimoji="1" lang="ja-JP" altLang="en-US" sz="1200" dirty="0"/>
+              <a:t>インターネット</a:t>
+            </a:r>
+          </a:p>
+        </p:txBody>
+      </p:sp>
+      <p:sp>
+        <p:nvSpPr>
+          <p:cNvPr id="208" name="正方形/長方形 207">
+            <a:extLst>
+              <a:ext uri="{FF2B5EF4-FFF2-40B4-BE49-F238E27FC236}">
+                <a16:creationId xmlns:a16="http://schemas.microsoft.com/office/drawing/2014/main" id="{640FB588-52A9-00B0-D351-F8376F8844BE}"/>
+              </a:ext>
+            </a:extLst>
+          </p:cNvPr>
+          <p:cNvSpPr/>
+          <p:nvPr/>
+        </p:nvSpPr>
+        <p:spPr>
+          <a:xfrm>
+            <a:off x="821943" y="4880571"/>
+            <a:ext cx="1461825" cy="1377879"/>
+          </a:xfrm>
+          <a:prstGeom prst="rect">
+            <a:avLst/>
+          </a:prstGeom>
+          <a:noFill/>
+        </p:spPr>
+        <p:style>
+          <a:lnRef idx="2">
+            <a:schemeClr val="accent1">
+              <a:shade val="50000"/>
+            </a:schemeClr>
+          </a:lnRef>
+          <a:fillRef idx="1">
+            <a:schemeClr val="accent1"/>
+          </a:fillRef>
+          <a:effectRef idx="0">
+            <a:schemeClr val="accent1"/>
+          </a:effectRef>
+          <a:fontRef idx="minor">
+            <a:schemeClr val="lt1"/>
+          </a:fontRef>
+        </p:style>
+        <p:txBody>
+          <a:bodyPr rtlCol="0" anchor="ctr"/>
+          <a:lstStyle/>
+          <a:p>
+            <a:pPr algn="ctr"/>
+            <a:endParaRPr kumimoji="1" lang="ja-JP" altLang="en-US"/>
+          </a:p>
+        </p:txBody>
+      </p:sp>
+      <p:pic>
+        <p:nvPicPr>
+          <p:cNvPr id="209" name="グラフィックス 208">
+            <a:extLst>
+              <a:ext uri="{FF2B5EF4-FFF2-40B4-BE49-F238E27FC236}">
+                <a16:creationId xmlns:a16="http://schemas.microsoft.com/office/drawing/2014/main" id="{170804EC-176E-4D70-FA8C-51B14DACFF2C}"/>
+              </a:ext>
+            </a:extLst>
+          </p:cNvPr>
+          <p:cNvPicPr>
+            <a:picLocks noChangeAspect="1"/>
+          </p:cNvPicPr>
+          <p:nvPr/>
+        </p:nvPicPr>
+        <p:blipFill>
+          <a:blip r:embed="rId6">
+            <a:extLst>
+              <a:ext uri="{28A0092B-C50C-407E-A947-70E740481C1C}">
+                <a14:useLocalDpi xmlns:a14="http://schemas.microsoft.com/office/drawing/2010/main" val="0"/>
+              </a:ext>
+              <a:ext uri="{96DAC541-7B7A-43D3-8B79-37D633B846F1}">
+                <asvg:svgBlip xmlns:asvg="http://schemas.microsoft.com/office/drawing/2016/SVG/main" r:embed="rId7"/>
+              </a:ext>
+            </a:extLst>
+          </a:blip>
+          <a:stretch>
+            <a:fillRect/>
+          </a:stretch>
+        </p:blipFill>
+        <p:spPr>
+          <a:xfrm>
+            <a:off x="810687" y="4565105"/>
+            <a:ext cx="315467" cy="315467"/>
+          </a:xfrm>
+          <a:prstGeom prst="rect">
+            <a:avLst/>
+          </a:prstGeom>
+        </p:spPr>
+      </p:pic>
+      <p:sp>
+        <p:nvSpPr>
+          <p:cNvPr id="210" name="正方形/長方形 209">
+            <a:extLst>
+              <a:ext uri="{FF2B5EF4-FFF2-40B4-BE49-F238E27FC236}">
+                <a16:creationId xmlns:a16="http://schemas.microsoft.com/office/drawing/2014/main" id="{59BD4B36-FC02-B769-90FA-AE336B4E73F1}"/>
+              </a:ext>
+            </a:extLst>
+          </p:cNvPr>
+          <p:cNvSpPr/>
+          <p:nvPr/>
+        </p:nvSpPr>
+        <p:spPr>
+          <a:xfrm>
+            <a:off x="984700" y="5250185"/>
+            <a:ext cx="1168139" cy="941141"/>
+          </a:xfrm>
+          <a:prstGeom prst="rect">
+            <a:avLst/>
+          </a:prstGeom>
+          <a:noFill/>
+          <a:ln>
+            <a:prstDash val="dash"/>
+          </a:ln>
+        </p:spPr>
+        <p:style>
+          <a:lnRef idx="2">
+            <a:schemeClr val="accent1">
+              <a:shade val="50000"/>
+            </a:schemeClr>
+          </a:lnRef>
+          <a:fillRef idx="1">
+            <a:schemeClr val="accent1"/>
+          </a:fillRef>
+          <a:effectRef idx="0">
+            <a:schemeClr val="accent1"/>
+          </a:effectRef>
+          <a:fontRef idx="minor">
+            <a:schemeClr val="lt1"/>
+          </a:fontRef>
+        </p:style>
+        <p:txBody>
+          <a:bodyPr rtlCol="0" anchor="ctr"/>
+          <a:lstStyle/>
+          <a:p>
+            <a:pPr algn="ctr"/>
+            <a:endParaRPr kumimoji="1" lang="ja-JP" altLang="en-US"/>
+          </a:p>
+        </p:txBody>
+      </p:sp>
+      <p:pic>
+        <p:nvPicPr>
+          <p:cNvPr id="211" name="グラフィックス 210">
+            <a:extLst>
+              <a:ext uri="{FF2B5EF4-FFF2-40B4-BE49-F238E27FC236}">
+                <a16:creationId xmlns:a16="http://schemas.microsoft.com/office/drawing/2014/main" id="{EE4BD28A-9B0B-41C4-E618-41E3934E3C04}"/>
+              </a:ext>
+            </a:extLst>
+          </p:cNvPr>
+          <p:cNvPicPr>
+            <a:picLocks noChangeAspect="1"/>
+          </p:cNvPicPr>
+          <p:nvPr/>
+        </p:nvPicPr>
+        <p:blipFill>
+          <a:blip r:embed="rId8">
+            <a:extLst>
+              <a:ext uri="{28A0092B-C50C-407E-A947-70E740481C1C}">
+                <a14:useLocalDpi xmlns:a14="http://schemas.microsoft.com/office/drawing/2010/main" val="0"/>
+              </a:ext>
+              <a:ext uri="{96DAC541-7B7A-43D3-8B79-37D633B846F1}">
+                <asvg:svgBlip xmlns:asvg="http://schemas.microsoft.com/office/drawing/2016/SVG/main" r:embed="rId9"/>
+              </a:ext>
+            </a:extLst>
+          </a:blip>
+          <a:stretch>
+            <a:fillRect/>
+          </a:stretch>
+        </p:blipFill>
+        <p:spPr>
+          <a:xfrm>
+            <a:off x="955089" y="4986557"/>
+            <a:ext cx="253762" cy="253762"/>
+          </a:xfrm>
+          <a:prstGeom prst="rect">
+            <a:avLst/>
+          </a:prstGeom>
+        </p:spPr>
+      </p:pic>
+      <p:pic>
+        <p:nvPicPr>
+          <p:cNvPr id="212" name="グラフィックス 211">
+            <a:extLst>
+              <a:ext uri="{FF2B5EF4-FFF2-40B4-BE49-F238E27FC236}">
+                <a16:creationId xmlns:a16="http://schemas.microsoft.com/office/drawing/2014/main" id="{A057DA8F-A7A0-8ABA-1979-3BF4A1684AE4}"/>
+              </a:ext>
+            </a:extLst>
+          </p:cNvPr>
+          <p:cNvPicPr>
+            <a:picLocks noChangeAspect="1"/>
+          </p:cNvPicPr>
+          <p:nvPr/>
+        </p:nvPicPr>
+        <p:blipFill>
+          <a:blip r:embed="rId10">
+            <a:extLst>
+              <a:ext uri="{28A0092B-C50C-407E-A947-70E740481C1C}">
+                <a14:useLocalDpi xmlns:a14="http://schemas.microsoft.com/office/drawing/2010/main" val="0"/>
+              </a:ext>
+              <a:ext uri="{96DAC541-7B7A-43D3-8B79-37D633B846F1}">
+                <asvg:svgBlip xmlns:asvg="http://schemas.microsoft.com/office/drawing/2016/SVG/main" r:embed="rId11"/>
+              </a:ext>
+            </a:extLst>
+          </a:blip>
+          <a:stretch>
+            <a:fillRect/>
+          </a:stretch>
+        </p:blipFill>
+        <p:spPr>
+          <a:xfrm>
+            <a:off x="1303784" y="5444557"/>
+            <a:ext cx="543744" cy="543744"/>
+          </a:xfrm>
+          <a:prstGeom prst="rect">
+            <a:avLst/>
+          </a:prstGeom>
+        </p:spPr>
+      </p:pic>
+      <p:sp>
+        <p:nvSpPr>
+          <p:cNvPr id="213" name="テキスト ボックス 212">
+            <a:extLst>
+              <a:ext uri="{FF2B5EF4-FFF2-40B4-BE49-F238E27FC236}">
+                <a16:creationId xmlns:a16="http://schemas.microsoft.com/office/drawing/2014/main" id="{C2681C91-C8DF-6A0A-AC4B-64C6DA8C4C66}"/>
+              </a:ext>
+            </a:extLst>
+          </p:cNvPr>
+          <p:cNvSpPr txBox="1"/>
+          <p:nvPr/>
+        </p:nvSpPr>
+        <p:spPr>
+          <a:xfrm>
+            <a:off x="1081970" y="4556150"/>
+            <a:ext cx="1317990" cy="307777"/>
+          </a:xfrm>
+          <a:prstGeom prst="rect">
+            <a:avLst/>
+          </a:prstGeom>
+          <a:noFill/>
+        </p:spPr>
+        <p:txBody>
+          <a:bodyPr wrap="none" rtlCol="0">
+            <a:spAutoFit/>
+          </a:bodyPr>
+          <a:lstStyle/>
+          <a:p>
+            <a:r>
+              <a:rPr kumimoji="1" lang="ja-JP" altLang="en-US" sz="1400" dirty="0"/>
+              <a:t>仮想ネットワーク</a:t>
+            </a:r>
+          </a:p>
+        </p:txBody>
+      </p:sp>
+      <p:sp>
+        <p:nvSpPr>
+          <p:cNvPr id="214" name="テキスト ボックス 213">
+            <a:extLst>
+              <a:ext uri="{FF2B5EF4-FFF2-40B4-BE49-F238E27FC236}">
+                <a16:creationId xmlns:a16="http://schemas.microsoft.com/office/drawing/2014/main" id="{EA55BC6A-418D-8EF0-BB48-E6FA0ADE9402}"/>
+              </a:ext>
+            </a:extLst>
+          </p:cNvPr>
+          <p:cNvSpPr txBox="1"/>
+          <p:nvPr/>
+        </p:nvSpPr>
+        <p:spPr>
+          <a:xfrm>
+            <a:off x="1141331" y="4943949"/>
+            <a:ext cx="854721" cy="307777"/>
+          </a:xfrm>
+          <a:prstGeom prst="rect">
+            <a:avLst/>
+          </a:prstGeom>
+          <a:noFill/>
+        </p:spPr>
+        <p:txBody>
+          <a:bodyPr wrap="none" rtlCol="0">
+            <a:spAutoFit/>
+          </a:bodyPr>
+          <a:lstStyle/>
+          <a:p>
+            <a:r>
+              <a:rPr kumimoji="1" lang="ja-JP" altLang="en-US" sz="1400" dirty="0"/>
+              <a:t>サブネット</a:t>
+            </a:r>
+          </a:p>
+        </p:txBody>
+      </p:sp>
+      <p:sp>
+        <p:nvSpPr>
+          <p:cNvPr id="215" name="テキスト ボックス 214">
+            <a:extLst>
+              <a:ext uri="{FF2B5EF4-FFF2-40B4-BE49-F238E27FC236}">
+                <a16:creationId xmlns:a16="http://schemas.microsoft.com/office/drawing/2014/main" id="{CC1D3F9D-AA15-46CD-9643-9D0F368D0EEF}"/>
+              </a:ext>
+            </a:extLst>
+          </p:cNvPr>
+          <p:cNvSpPr txBox="1"/>
+          <p:nvPr/>
+        </p:nvSpPr>
+        <p:spPr>
+          <a:xfrm>
+            <a:off x="3905080" y="5124030"/>
+            <a:ext cx="1120820" cy="307777"/>
+          </a:xfrm>
+          <a:prstGeom prst="rect">
+            <a:avLst/>
+          </a:prstGeom>
+          <a:noFill/>
+        </p:spPr>
+        <p:txBody>
+          <a:bodyPr wrap="none" rtlCol="0">
+            <a:spAutoFit/>
+          </a:bodyPr>
+          <a:lstStyle/>
+          <a:p>
+            <a:r>
+              <a:rPr kumimoji="1" lang="en-US" altLang="ja-JP" sz="1400" dirty="0"/>
+              <a:t>PaaS </a:t>
+            </a:r>
+            <a:r>
+              <a:rPr kumimoji="1" lang="ja-JP" altLang="en-US" sz="1400" dirty="0"/>
+              <a:t>リソース</a:t>
+            </a:r>
+          </a:p>
+        </p:txBody>
+      </p:sp>
+      <p:cxnSp>
+        <p:nvCxnSpPr>
+          <p:cNvPr id="216" name="直線コネクタ 215">
+            <a:extLst>
+              <a:ext uri="{FF2B5EF4-FFF2-40B4-BE49-F238E27FC236}">
+                <a16:creationId xmlns:a16="http://schemas.microsoft.com/office/drawing/2014/main" id="{10478990-B508-7CAE-2F3A-FE1640E71C12}"/>
+              </a:ext>
+            </a:extLst>
+          </p:cNvPr>
+          <p:cNvCxnSpPr>
+            <a:cxnSpLocks/>
+            <a:stCxn id="261" idx="1"/>
+            <a:endCxn id="189" idx="6"/>
+          </p:cNvCxnSpPr>
+          <p:nvPr/>
+        </p:nvCxnSpPr>
+        <p:spPr>
+          <a:xfrm flipH="1" flipV="1">
+            <a:off x="3216152" y="5719561"/>
+            <a:ext cx="933778" cy="1785"/>
+          </a:xfrm>
+          <a:prstGeom prst="line">
+            <a:avLst/>
+          </a:prstGeom>
+          <a:ln w="12700">
+            <a:tailEnd type="oval"/>
+          </a:ln>
+          <a:effectLst>
+            <a:glow rad="38100">
+              <a:schemeClr val="bg1"/>
+            </a:glow>
+          </a:effectLst>
+        </p:spPr>
+        <p:style>
+          <a:lnRef idx="1">
+            <a:schemeClr val="accent1"/>
+          </a:lnRef>
+          <a:fillRef idx="0">
+            <a:schemeClr val="accent1"/>
+          </a:fillRef>
+          <a:effectRef idx="0">
+            <a:schemeClr val="accent1"/>
+          </a:effectRef>
+          <a:fontRef idx="minor">
+            <a:schemeClr val="tx1"/>
+          </a:fontRef>
+        </p:style>
+      </p:cxnSp>
+      <p:cxnSp>
+        <p:nvCxnSpPr>
+          <p:cNvPr id="217" name="直線矢印コネクタ 216">
+            <a:extLst>
+              <a:ext uri="{FF2B5EF4-FFF2-40B4-BE49-F238E27FC236}">
+                <a16:creationId xmlns:a16="http://schemas.microsoft.com/office/drawing/2014/main" id="{60446C6A-49CD-99A0-9872-92C7FEB939D9}"/>
+              </a:ext>
+            </a:extLst>
+          </p:cNvPr>
+          <p:cNvCxnSpPr>
+            <a:cxnSpLocks/>
+            <a:stCxn id="212" idx="3"/>
+          </p:cNvCxnSpPr>
+          <p:nvPr/>
+        </p:nvCxnSpPr>
+        <p:spPr>
+          <a:xfrm>
+            <a:off x="1847528" y="5716429"/>
+            <a:ext cx="656130" cy="0"/>
+          </a:xfrm>
+          <a:prstGeom prst="straightConnector1">
+            <a:avLst/>
+          </a:prstGeom>
+          <a:ln w="12700">
+            <a:tailEnd type="triangle"/>
+          </a:ln>
+          <a:effectLst>
+            <a:glow rad="38100">
+              <a:schemeClr val="bg1"/>
+            </a:glow>
+          </a:effectLst>
+        </p:spPr>
+        <p:style>
+          <a:lnRef idx="1">
+            <a:schemeClr val="accent1"/>
+          </a:lnRef>
+          <a:fillRef idx="0">
+            <a:schemeClr val="accent1"/>
+          </a:fillRef>
+          <a:effectRef idx="0">
+            <a:schemeClr val="accent1"/>
+          </a:effectRef>
+          <a:fontRef idx="minor">
+            <a:schemeClr val="tx1"/>
+          </a:fontRef>
+        </p:style>
+      </p:cxnSp>
+      <p:cxnSp>
+        <p:nvCxnSpPr>
+          <p:cNvPr id="218" name="直線コネクタ 217">
+            <a:extLst>
+              <a:ext uri="{FF2B5EF4-FFF2-40B4-BE49-F238E27FC236}">
+                <a16:creationId xmlns:a16="http://schemas.microsoft.com/office/drawing/2014/main" id="{F299C839-F7D5-7BAF-ACDF-130A5C8778D1}"/>
+              </a:ext>
+            </a:extLst>
+          </p:cNvPr>
+          <p:cNvCxnSpPr>
+            <a:cxnSpLocks/>
+            <a:stCxn id="189" idx="6"/>
+          </p:cNvCxnSpPr>
+          <p:nvPr/>
+        </p:nvCxnSpPr>
+        <p:spPr>
+          <a:xfrm flipV="1">
+            <a:off x="3216152" y="4920403"/>
+            <a:ext cx="355596" cy="799158"/>
+          </a:xfrm>
+          <a:prstGeom prst="line">
+            <a:avLst/>
+          </a:prstGeom>
+          <a:ln w="12700">
+            <a:tailEnd type="oval"/>
+          </a:ln>
+          <a:effectLst>
+            <a:glow rad="38100">
+              <a:schemeClr val="bg1"/>
+            </a:glow>
+          </a:effectLst>
+        </p:spPr>
+        <p:style>
+          <a:lnRef idx="1">
+            <a:schemeClr val="accent1"/>
+          </a:lnRef>
+          <a:fillRef idx="0">
+            <a:schemeClr val="accent1"/>
+          </a:fillRef>
+          <a:effectRef idx="0">
+            <a:schemeClr val="accent1"/>
+          </a:effectRef>
+          <a:fontRef idx="minor">
+            <a:schemeClr val="tx1"/>
+          </a:fontRef>
+        </p:style>
+      </p:cxnSp>
+      <p:sp>
+        <p:nvSpPr>
+          <p:cNvPr id="220" name="テキスト ボックス 219">
+            <a:extLst>
+              <a:ext uri="{FF2B5EF4-FFF2-40B4-BE49-F238E27FC236}">
+                <a16:creationId xmlns:a16="http://schemas.microsoft.com/office/drawing/2014/main" id="{147DF9D3-B4A3-AF65-8998-49DCBDADDE74}"/>
+              </a:ext>
+            </a:extLst>
+          </p:cNvPr>
+          <p:cNvSpPr txBox="1"/>
+          <p:nvPr/>
+        </p:nvSpPr>
+        <p:spPr>
+          <a:xfrm>
+            <a:off x="3087929" y="4201930"/>
+            <a:ext cx="960519" cy="276999"/>
+          </a:xfrm>
+          <a:prstGeom prst="rect">
+            <a:avLst/>
+          </a:prstGeom>
+          <a:noFill/>
+        </p:spPr>
+        <p:txBody>
+          <a:bodyPr wrap="none" rtlCol="0">
+            <a:spAutoFit/>
+          </a:bodyPr>
+          <a:lstStyle/>
+          <a:p>
+            <a:r>
+              <a:rPr kumimoji="1" lang="ja-JP" altLang="en-US" sz="1200" dirty="0"/>
+              <a:t>インターネット</a:t>
+            </a:r>
+          </a:p>
+        </p:txBody>
+      </p:sp>
+      <p:sp>
+        <p:nvSpPr>
+          <p:cNvPr id="221" name="テキスト ボックス 220">
+            <a:extLst>
+              <a:ext uri="{FF2B5EF4-FFF2-40B4-BE49-F238E27FC236}">
+                <a16:creationId xmlns:a16="http://schemas.microsoft.com/office/drawing/2014/main" id="{5845843C-2DEE-394E-93D5-5007260FB7A0}"/>
+              </a:ext>
+            </a:extLst>
+          </p:cNvPr>
+          <p:cNvSpPr txBox="1"/>
+          <p:nvPr/>
+        </p:nvSpPr>
+        <p:spPr>
+          <a:xfrm>
+            <a:off x="273407" y="881060"/>
+            <a:ext cx="3123210" cy="369332"/>
+          </a:xfrm>
+          <a:prstGeom prst="rect">
+            <a:avLst/>
+          </a:prstGeom>
+          <a:noFill/>
+        </p:spPr>
+        <p:txBody>
+          <a:bodyPr wrap="square">
+            <a:spAutoFit/>
+          </a:bodyPr>
+          <a:lstStyle/>
+          <a:p>
+            <a:pPr algn="ctr"/>
+            <a:r>
+              <a:rPr lang="en-US" altLang="ja-JP" b="1" dirty="0">
+                <a:solidFill>
+                  <a:schemeClr val="accent1"/>
+                </a:solidFill>
+              </a:rPr>
+              <a:t>&lt;</a:t>
+            </a:r>
+            <a:r>
+              <a:rPr lang="ja-JP" altLang="en-US" b="1" dirty="0">
+                <a:solidFill>
+                  <a:schemeClr val="accent1"/>
+                </a:solidFill>
+              </a:rPr>
+              <a:t>インターネットとの直接接続</a:t>
+            </a:r>
+            <a:r>
+              <a:rPr lang="en-US" altLang="ja-JP" b="1" dirty="0">
+                <a:solidFill>
+                  <a:schemeClr val="accent1"/>
+                </a:solidFill>
+              </a:rPr>
+              <a:t>&gt;</a:t>
+            </a:r>
+            <a:endParaRPr lang="ja-JP" altLang="en-US" b="1" dirty="0">
+              <a:solidFill>
+                <a:schemeClr val="accent1"/>
+              </a:solidFill>
+            </a:endParaRPr>
+          </a:p>
+        </p:txBody>
+      </p:sp>
+      <p:cxnSp>
+        <p:nvCxnSpPr>
+          <p:cNvPr id="222" name="直線コネクタ 221">
+            <a:extLst>
+              <a:ext uri="{FF2B5EF4-FFF2-40B4-BE49-F238E27FC236}">
+                <a16:creationId xmlns:a16="http://schemas.microsoft.com/office/drawing/2014/main" id="{8F00EDDC-FA96-FECE-31F4-199533834849}"/>
+              </a:ext>
+            </a:extLst>
+          </p:cNvPr>
+          <p:cNvCxnSpPr/>
+          <p:nvPr/>
+        </p:nvCxnSpPr>
+        <p:spPr>
+          <a:xfrm>
+            <a:off x="273407" y="3717032"/>
+            <a:ext cx="11511225" cy="0"/>
+          </a:xfrm>
+          <a:prstGeom prst="line">
+            <a:avLst/>
+          </a:prstGeom>
+          <a:ln w="19050"/>
+        </p:spPr>
+        <p:style>
+          <a:lnRef idx="1">
+            <a:schemeClr val="accent1"/>
+          </a:lnRef>
+          <a:fillRef idx="0">
+            <a:schemeClr val="accent1"/>
+          </a:fillRef>
+          <a:effectRef idx="0">
+            <a:schemeClr val="accent1"/>
+          </a:effectRef>
+          <a:fontRef idx="minor">
+            <a:schemeClr val="tx1"/>
+          </a:fontRef>
+        </p:style>
+      </p:cxnSp>
+      <p:cxnSp>
+        <p:nvCxnSpPr>
+          <p:cNvPr id="223" name="直線コネクタ 222">
+            <a:extLst>
+              <a:ext uri="{FF2B5EF4-FFF2-40B4-BE49-F238E27FC236}">
+                <a16:creationId xmlns:a16="http://schemas.microsoft.com/office/drawing/2014/main" id="{34A787A6-E01B-9E9F-1973-7206A76B60F3}"/>
+              </a:ext>
+            </a:extLst>
+          </p:cNvPr>
+          <p:cNvCxnSpPr>
+            <a:cxnSpLocks/>
+          </p:cNvCxnSpPr>
+          <p:nvPr/>
+        </p:nvCxnSpPr>
+        <p:spPr>
+          <a:xfrm>
+            <a:off x="5951984" y="961421"/>
+            <a:ext cx="0" cy="5565349"/>
+          </a:xfrm>
+          <a:prstGeom prst="line">
+            <a:avLst/>
+          </a:prstGeom>
+          <a:ln w="19050"/>
+        </p:spPr>
+        <p:style>
+          <a:lnRef idx="1">
+            <a:schemeClr val="accent1"/>
+          </a:lnRef>
+          <a:fillRef idx="0">
+            <a:schemeClr val="accent1"/>
+          </a:fillRef>
+          <a:effectRef idx="0">
+            <a:schemeClr val="accent1"/>
+          </a:effectRef>
+          <a:fontRef idx="minor">
+            <a:schemeClr val="tx1"/>
+          </a:fontRef>
+        </p:style>
+      </p:cxnSp>
+      <p:sp>
+        <p:nvSpPr>
+          <p:cNvPr id="224" name="乗算記号 223">
+            <a:extLst>
+              <a:ext uri="{FF2B5EF4-FFF2-40B4-BE49-F238E27FC236}">
+                <a16:creationId xmlns:a16="http://schemas.microsoft.com/office/drawing/2014/main" id="{7B41C903-7E20-282D-E635-DDFA84195121}"/>
+              </a:ext>
+            </a:extLst>
+          </p:cNvPr>
+          <p:cNvSpPr/>
+          <p:nvPr/>
+        </p:nvSpPr>
+        <p:spPr>
+          <a:xfrm>
+            <a:off x="3207133" y="5006510"/>
+            <a:ext cx="461304" cy="461304"/>
+          </a:xfrm>
+          <a:prstGeom prst="mathMultiply">
+            <a:avLst>
+              <a:gd name="adj1" fmla="val 5475"/>
+            </a:avLst>
+          </a:prstGeom>
+          <a:solidFill>
+            <a:srgbClr val="FF0000"/>
+          </a:solidFill>
+          <a:ln>
+            <a:noFill/>
+          </a:ln>
+          <a:effectLst>
+            <a:glow rad="38100">
+              <a:schemeClr val="bg1"/>
+            </a:glow>
+          </a:effectLst>
+        </p:spPr>
+        <p:style>
+          <a:lnRef idx="2">
+            <a:schemeClr val="accent1">
+              <a:shade val="50000"/>
+            </a:schemeClr>
+          </a:lnRef>
+          <a:fillRef idx="1">
+            <a:schemeClr val="accent1"/>
+          </a:fillRef>
+          <a:effectRef idx="0">
+            <a:schemeClr val="accent1"/>
+          </a:effectRef>
+          <a:fontRef idx="minor">
+            <a:schemeClr val="lt1"/>
+          </a:fontRef>
+        </p:style>
+        <p:txBody>
+          <a:bodyPr rtlCol="0" anchor="ctr"/>
+          <a:lstStyle/>
+          <a:p>
+            <a:pPr algn="ctr"/>
+            <a:endParaRPr kumimoji="1" lang="ja-JP" altLang="en-US"/>
+          </a:p>
+        </p:txBody>
+      </p:sp>
+      <p:sp>
+        <p:nvSpPr>
+          <p:cNvPr id="225" name="テキスト ボックス 224">
+            <a:extLst>
+              <a:ext uri="{FF2B5EF4-FFF2-40B4-BE49-F238E27FC236}">
+                <a16:creationId xmlns:a16="http://schemas.microsoft.com/office/drawing/2014/main" id="{0C032CAF-55D6-5435-2B8E-B511B52A5203}"/>
+              </a:ext>
+            </a:extLst>
+          </p:cNvPr>
+          <p:cNvSpPr txBox="1"/>
+          <p:nvPr/>
+        </p:nvSpPr>
+        <p:spPr>
+          <a:xfrm>
+            <a:off x="273407" y="3886845"/>
+            <a:ext cx="2560225" cy="369332"/>
+          </a:xfrm>
+          <a:prstGeom prst="rect">
+            <a:avLst/>
+          </a:prstGeom>
+          <a:noFill/>
+        </p:spPr>
+        <p:txBody>
+          <a:bodyPr wrap="square">
+            <a:spAutoFit/>
+          </a:bodyPr>
+          <a:lstStyle/>
+          <a:p>
+            <a:pPr algn="ctr"/>
+            <a:r>
+              <a:rPr lang="en-US" altLang="ja-JP" b="1" dirty="0">
+                <a:solidFill>
+                  <a:schemeClr val="accent1"/>
+                </a:solidFill>
+              </a:rPr>
+              <a:t>&lt;</a:t>
+            </a:r>
+            <a:r>
+              <a:rPr lang="ja-JP" altLang="en-US" b="1" dirty="0">
+                <a:solidFill>
+                  <a:schemeClr val="accent1"/>
+                </a:solidFill>
+              </a:rPr>
+              <a:t>サービス エンドポイント</a:t>
+            </a:r>
+            <a:r>
+              <a:rPr lang="en-US" altLang="ja-JP" b="1" dirty="0">
+                <a:solidFill>
+                  <a:schemeClr val="accent1"/>
+                </a:solidFill>
+              </a:rPr>
+              <a:t>&gt;</a:t>
+            </a:r>
+            <a:endParaRPr lang="ja-JP" altLang="en-US" b="1" dirty="0">
+              <a:solidFill>
+                <a:schemeClr val="accent1"/>
+              </a:solidFill>
+            </a:endParaRPr>
+          </a:p>
+        </p:txBody>
+      </p:sp>
+      <p:pic>
+        <p:nvPicPr>
+          <p:cNvPr id="226" name="グラフィックス 225">
+            <a:extLst>
+              <a:ext uri="{FF2B5EF4-FFF2-40B4-BE49-F238E27FC236}">
+                <a16:creationId xmlns:a16="http://schemas.microsoft.com/office/drawing/2014/main" id="{43F7FC87-7DA2-E65F-5718-A92D47B40D69}"/>
+              </a:ext>
+            </a:extLst>
+          </p:cNvPr>
+          <p:cNvPicPr>
+            <a:picLocks noChangeAspect="1"/>
+          </p:cNvPicPr>
+          <p:nvPr/>
+        </p:nvPicPr>
+        <p:blipFill>
+          <a:blip r:embed="rId4">
+            <a:extLst>
+              <a:ext uri="{28A0092B-C50C-407E-A947-70E740481C1C}">
+                <a14:useLocalDpi xmlns:a14="http://schemas.microsoft.com/office/drawing/2010/main" val="0"/>
+              </a:ext>
+              <a:ext uri="{96DAC541-7B7A-43D3-8B79-37D633B846F1}">
+                <asvg:svgBlip xmlns:asvg="http://schemas.microsoft.com/office/drawing/2016/SVG/main" r:embed="rId5"/>
+              </a:ext>
+            </a:extLst>
+          </a:blip>
+          <a:stretch>
+            <a:fillRect/>
+          </a:stretch>
+        </p:blipFill>
+        <p:spPr>
+          <a:xfrm>
+            <a:off x="8633214" y="2391477"/>
+            <a:ext cx="720079" cy="720079"/>
+          </a:xfrm>
+          <a:prstGeom prst="rect">
+            <a:avLst/>
+          </a:prstGeom>
+        </p:spPr>
+      </p:pic>
+      <p:sp>
+        <p:nvSpPr>
+          <p:cNvPr id="227" name="正方形/長方形 226">
+            <a:extLst>
+              <a:ext uri="{FF2B5EF4-FFF2-40B4-BE49-F238E27FC236}">
+                <a16:creationId xmlns:a16="http://schemas.microsoft.com/office/drawing/2014/main" id="{29B1A9E1-D022-0584-9EE8-8798234E0C64}"/>
+              </a:ext>
+            </a:extLst>
+          </p:cNvPr>
+          <p:cNvSpPr/>
+          <p:nvPr/>
+        </p:nvSpPr>
+        <p:spPr>
+          <a:xfrm>
+            <a:off x="6687229" y="1910742"/>
+            <a:ext cx="3242499" cy="1377879"/>
+          </a:xfrm>
+          <a:prstGeom prst="rect">
+            <a:avLst/>
+          </a:prstGeom>
+          <a:noFill/>
+        </p:spPr>
+        <p:style>
+          <a:lnRef idx="2">
+            <a:schemeClr val="accent1">
+              <a:shade val="50000"/>
+            </a:schemeClr>
+          </a:lnRef>
+          <a:fillRef idx="1">
+            <a:schemeClr val="accent1"/>
+          </a:fillRef>
+          <a:effectRef idx="0">
+            <a:schemeClr val="accent1"/>
+          </a:effectRef>
+          <a:fontRef idx="minor">
+            <a:schemeClr val="lt1"/>
+          </a:fontRef>
+        </p:style>
+        <p:txBody>
+          <a:bodyPr rtlCol="0" anchor="ctr"/>
+          <a:lstStyle/>
+          <a:p>
+            <a:pPr algn="ctr"/>
+            <a:endParaRPr kumimoji="1" lang="ja-JP" altLang="en-US"/>
+          </a:p>
+        </p:txBody>
+      </p:sp>
+      <p:pic>
+        <p:nvPicPr>
+          <p:cNvPr id="228" name="グラフィックス 227">
+            <a:extLst>
+              <a:ext uri="{FF2B5EF4-FFF2-40B4-BE49-F238E27FC236}">
+                <a16:creationId xmlns:a16="http://schemas.microsoft.com/office/drawing/2014/main" id="{1F455924-79C3-AA0A-3D85-BCD3DCBC1F33}"/>
+              </a:ext>
+            </a:extLst>
+          </p:cNvPr>
+          <p:cNvPicPr>
+            <a:picLocks noChangeAspect="1"/>
+          </p:cNvPicPr>
+          <p:nvPr/>
+        </p:nvPicPr>
+        <p:blipFill>
+          <a:blip r:embed="rId6">
+            <a:extLst>
+              <a:ext uri="{28A0092B-C50C-407E-A947-70E740481C1C}">
+                <a14:useLocalDpi xmlns:a14="http://schemas.microsoft.com/office/drawing/2010/main" val="0"/>
+              </a:ext>
+              <a:ext uri="{96DAC541-7B7A-43D3-8B79-37D633B846F1}">
+                <asvg:svgBlip xmlns:asvg="http://schemas.microsoft.com/office/drawing/2016/SVG/main" r:embed="rId7"/>
+              </a:ext>
+            </a:extLst>
+          </a:blip>
+          <a:stretch>
+            <a:fillRect/>
+          </a:stretch>
+        </p:blipFill>
+        <p:spPr>
+          <a:xfrm>
+            <a:off x="6675973" y="1595276"/>
+            <a:ext cx="315467" cy="315467"/>
+          </a:xfrm>
+          <a:prstGeom prst="rect">
+            <a:avLst/>
+          </a:prstGeom>
+        </p:spPr>
+      </p:pic>
+      <p:sp>
+        <p:nvSpPr>
+          <p:cNvPr id="229" name="正方形/長方形 228">
+            <a:extLst>
+              <a:ext uri="{FF2B5EF4-FFF2-40B4-BE49-F238E27FC236}">
+                <a16:creationId xmlns:a16="http://schemas.microsoft.com/office/drawing/2014/main" id="{C4344B31-0DF5-7598-B5E8-DEA3F7348242}"/>
+              </a:ext>
+            </a:extLst>
+          </p:cNvPr>
+          <p:cNvSpPr/>
+          <p:nvPr/>
+        </p:nvSpPr>
+        <p:spPr>
+          <a:xfrm>
+            <a:off x="6849986" y="2280356"/>
+            <a:ext cx="1168139" cy="941141"/>
+          </a:xfrm>
+          <a:prstGeom prst="rect">
+            <a:avLst/>
+          </a:prstGeom>
+          <a:noFill/>
+          <a:ln>
+            <a:prstDash val="dash"/>
+          </a:ln>
+        </p:spPr>
+        <p:style>
+          <a:lnRef idx="2">
+            <a:schemeClr val="accent1">
+              <a:shade val="50000"/>
+            </a:schemeClr>
+          </a:lnRef>
+          <a:fillRef idx="1">
+            <a:schemeClr val="accent1"/>
+          </a:fillRef>
+          <a:effectRef idx="0">
+            <a:schemeClr val="accent1"/>
+          </a:effectRef>
+          <a:fontRef idx="minor">
+            <a:schemeClr val="lt1"/>
+          </a:fontRef>
+        </p:style>
+        <p:txBody>
+          <a:bodyPr rtlCol="0" anchor="ctr"/>
+          <a:lstStyle/>
+          <a:p>
+            <a:pPr algn="ctr"/>
+            <a:endParaRPr kumimoji="1" lang="ja-JP" altLang="en-US"/>
+          </a:p>
+        </p:txBody>
+      </p:sp>
+      <p:pic>
+        <p:nvPicPr>
+          <p:cNvPr id="230" name="グラフィックス 229">
+            <a:extLst>
+              <a:ext uri="{FF2B5EF4-FFF2-40B4-BE49-F238E27FC236}">
+                <a16:creationId xmlns:a16="http://schemas.microsoft.com/office/drawing/2014/main" id="{4E3BD1E3-438C-200A-F0DE-5222C29E5454}"/>
+              </a:ext>
+            </a:extLst>
+          </p:cNvPr>
+          <p:cNvPicPr>
+            <a:picLocks noChangeAspect="1"/>
+          </p:cNvPicPr>
+          <p:nvPr/>
+        </p:nvPicPr>
+        <p:blipFill>
+          <a:blip r:embed="rId8">
+            <a:extLst>
+              <a:ext uri="{28A0092B-C50C-407E-A947-70E740481C1C}">
+                <a14:useLocalDpi xmlns:a14="http://schemas.microsoft.com/office/drawing/2010/main" val="0"/>
+              </a:ext>
+              <a:ext uri="{96DAC541-7B7A-43D3-8B79-37D633B846F1}">
+                <asvg:svgBlip xmlns:asvg="http://schemas.microsoft.com/office/drawing/2016/SVG/main" r:embed="rId9"/>
+              </a:ext>
+            </a:extLst>
+          </a:blip>
+          <a:stretch>
+            <a:fillRect/>
+          </a:stretch>
+        </p:blipFill>
+        <p:spPr>
+          <a:xfrm>
+            <a:off x="6820375" y="2016728"/>
+            <a:ext cx="253762" cy="253762"/>
+          </a:xfrm>
+          <a:prstGeom prst="rect">
+            <a:avLst/>
+          </a:prstGeom>
+        </p:spPr>
+      </p:pic>
+      <p:pic>
+        <p:nvPicPr>
+          <p:cNvPr id="231" name="グラフィックス 230">
+            <a:extLst>
+              <a:ext uri="{FF2B5EF4-FFF2-40B4-BE49-F238E27FC236}">
+                <a16:creationId xmlns:a16="http://schemas.microsoft.com/office/drawing/2014/main" id="{2399306C-B300-2B22-540E-E504EA848258}"/>
+              </a:ext>
+            </a:extLst>
+          </p:cNvPr>
+          <p:cNvPicPr>
+            <a:picLocks noChangeAspect="1"/>
+          </p:cNvPicPr>
+          <p:nvPr/>
+        </p:nvPicPr>
+        <p:blipFill>
+          <a:blip r:embed="rId10">
+            <a:extLst>
+              <a:ext uri="{28A0092B-C50C-407E-A947-70E740481C1C}">
+                <a14:useLocalDpi xmlns:a14="http://schemas.microsoft.com/office/drawing/2010/main" val="0"/>
+              </a:ext>
+              <a:ext uri="{96DAC541-7B7A-43D3-8B79-37D633B846F1}">
+                <asvg:svgBlip xmlns:asvg="http://schemas.microsoft.com/office/drawing/2016/SVG/main" r:embed="rId11"/>
+              </a:ext>
+            </a:extLst>
+          </a:blip>
+          <a:stretch>
+            <a:fillRect/>
+          </a:stretch>
+        </p:blipFill>
+        <p:spPr>
+          <a:xfrm>
+            <a:off x="7169070" y="2474728"/>
+            <a:ext cx="543744" cy="543744"/>
+          </a:xfrm>
+          <a:prstGeom prst="rect">
+            <a:avLst/>
+          </a:prstGeom>
+        </p:spPr>
+      </p:pic>
+      <p:sp>
+        <p:nvSpPr>
+          <p:cNvPr id="232" name="テキスト ボックス 231">
+            <a:extLst>
+              <a:ext uri="{FF2B5EF4-FFF2-40B4-BE49-F238E27FC236}">
+                <a16:creationId xmlns:a16="http://schemas.microsoft.com/office/drawing/2014/main" id="{F6B0A63C-238E-FCC2-3439-F0B2042C907A}"/>
+              </a:ext>
+            </a:extLst>
+          </p:cNvPr>
+          <p:cNvSpPr txBox="1"/>
+          <p:nvPr/>
+        </p:nvSpPr>
+        <p:spPr>
+          <a:xfrm>
+            <a:off x="6947256" y="1586321"/>
+            <a:ext cx="1317990" cy="307777"/>
+          </a:xfrm>
+          <a:prstGeom prst="rect">
+            <a:avLst/>
+          </a:prstGeom>
+          <a:noFill/>
+        </p:spPr>
+        <p:txBody>
+          <a:bodyPr wrap="none" rtlCol="0">
+            <a:spAutoFit/>
+          </a:bodyPr>
+          <a:lstStyle/>
+          <a:p>
+            <a:r>
+              <a:rPr kumimoji="1" lang="ja-JP" altLang="en-US" sz="1400" dirty="0"/>
+              <a:t>仮想ネットワーク</a:t>
+            </a:r>
+          </a:p>
+        </p:txBody>
+      </p:sp>
+      <p:sp>
+        <p:nvSpPr>
+          <p:cNvPr id="233" name="テキスト ボックス 232">
+            <a:extLst>
+              <a:ext uri="{FF2B5EF4-FFF2-40B4-BE49-F238E27FC236}">
+                <a16:creationId xmlns:a16="http://schemas.microsoft.com/office/drawing/2014/main" id="{DB731D77-33FF-6CF6-FB9D-B85BFD3F0D98}"/>
+              </a:ext>
+            </a:extLst>
+          </p:cNvPr>
+          <p:cNvSpPr txBox="1"/>
+          <p:nvPr/>
+        </p:nvSpPr>
+        <p:spPr>
+          <a:xfrm>
+            <a:off x="7006617" y="1974120"/>
+            <a:ext cx="854721" cy="307777"/>
+          </a:xfrm>
+          <a:prstGeom prst="rect">
+            <a:avLst/>
+          </a:prstGeom>
+          <a:noFill/>
+        </p:spPr>
+        <p:txBody>
+          <a:bodyPr wrap="none" rtlCol="0">
+            <a:spAutoFit/>
+          </a:bodyPr>
+          <a:lstStyle/>
+          <a:p>
+            <a:r>
+              <a:rPr kumimoji="1" lang="ja-JP" altLang="en-US" sz="1400" dirty="0"/>
+              <a:t>サブネット</a:t>
+            </a:r>
+          </a:p>
+        </p:txBody>
+      </p:sp>
+      <p:sp>
+        <p:nvSpPr>
+          <p:cNvPr id="234" name="テキスト ボックス 233">
+            <a:extLst>
+              <a:ext uri="{FF2B5EF4-FFF2-40B4-BE49-F238E27FC236}">
+                <a16:creationId xmlns:a16="http://schemas.microsoft.com/office/drawing/2014/main" id="{23AD86DA-3E4C-FA81-EE69-C09A3DFE4410}"/>
+              </a:ext>
+            </a:extLst>
+          </p:cNvPr>
+          <p:cNvSpPr txBox="1"/>
+          <p:nvPr/>
+        </p:nvSpPr>
+        <p:spPr>
+          <a:xfrm>
+            <a:off x="8445300" y="2256400"/>
+            <a:ext cx="1120820" cy="307777"/>
+          </a:xfrm>
+          <a:prstGeom prst="rect">
+            <a:avLst/>
+          </a:prstGeom>
+          <a:noFill/>
+        </p:spPr>
+        <p:txBody>
+          <a:bodyPr wrap="none" rtlCol="0">
+            <a:spAutoFit/>
+          </a:bodyPr>
+          <a:lstStyle/>
+          <a:p>
+            <a:r>
+              <a:rPr kumimoji="1" lang="en-US" altLang="ja-JP" sz="1400" dirty="0"/>
+              <a:t>PaaS </a:t>
+            </a:r>
+            <a:r>
+              <a:rPr kumimoji="1" lang="ja-JP" altLang="en-US" sz="1400" dirty="0"/>
+              <a:t>リソース</a:t>
+            </a:r>
+          </a:p>
+        </p:txBody>
+      </p:sp>
+      <p:cxnSp>
+        <p:nvCxnSpPr>
+          <p:cNvPr id="235" name="直線矢印コネクタ 234">
+            <a:extLst>
+              <a:ext uri="{FF2B5EF4-FFF2-40B4-BE49-F238E27FC236}">
+                <a16:creationId xmlns:a16="http://schemas.microsoft.com/office/drawing/2014/main" id="{95479657-23F4-1DD0-0CD4-75E17DB9D307}"/>
+              </a:ext>
+            </a:extLst>
+          </p:cNvPr>
+          <p:cNvCxnSpPr>
+            <a:cxnSpLocks/>
+            <a:stCxn id="231" idx="3"/>
+            <a:endCxn id="240" idx="1"/>
+          </p:cNvCxnSpPr>
+          <p:nvPr/>
+        </p:nvCxnSpPr>
+        <p:spPr>
+          <a:xfrm>
+            <a:off x="7712814" y="2746600"/>
+            <a:ext cx="699507" cy="4327"/>
+          </a:xfrm>
+          <a:prstGeom prst="straightConnector1">
+            <a:avLst/>
+          </a:prstGeom>
+          <a:ln w="12700">
+            <a:tailEnd type="triangle"/>
+          </a:ln>
+          <a:effectLst>
+            <a:glow rad="38100">
+              <a:schemeClr val="bg1"/>
+            </a:glow>
+          </a:effectLst>
+        </p:spPr>
+        <p:style>
+          <a:lnRef idx="1">
+            <a:schemeClr val="accent1"/>
+          </a:lnRef>
+          <a:fillRef idx="0">
+            <a:schemeClr val="accent1"/>
+          </a:fillRef>
+          <a:effectRef idx="0">
+            <a:schemeClr val="accent1"/>
+          </a:effectRef>
+          <a:fontRef idx="minor">
+            <a:schemeClr val="tx1"/>
+          </a:fontRef>
+        </p:style>
+      </p:cxnSp>
+      <p:cxnSp>
+        <p:nvCxnSpPr>
+          <p:cNvPr id="236" name="直線コネクタ 235">
+            <a:extLst>
+              <a:ext uri="{FF2B5EF4-FFF2-40B4-BE49-F238E27FC236}">
+                <a16:creationId xmlns:a16="http://schemas.microsoft.com/office/drawing/2014/main" id="{3FA31D38-EBD7-E0EB-C6F8-92D57187C2D8}"/>
+              </a:ext>
+            </a:extLst>
+          </p:cNvPr>
+          <p:cNvCxnSpPr>
+            <a:cxnSpLocks/>
+            <a:stCxn id="226" idx="3"/>
+            <a:endCxn id="237" idx="1"/>
+          </p:cNvCxnSpPr>
+          <p:nvPr/>
+        </p:nvCxnSpPr>
+        <p:spPr>
+          <a:xfrm>
+            <a:off x="9353293" y="2751517"/>
+            <a:ext cx="1096531" cy="2540"/>
+          </a:xfrm>
+          <a:prstGeom prst="line">
+            <a:avLst/>
+          </a:prstGeom>
+          <a:ln w="12700">
+            <a:tailEnd type="oval"/>
+          </a:ln>
+          <a:effectLst>
+            <a:glow rad="38100">
+              <a:schemeClr val="bg1"/>
+            </a:glow>
+          </a:effectLst>
+        </p:spPr>
+        <p:style>
+          <a:lnRef idx="1">
+            <a:schemeClr val="accent1"/>
+          </a:lnRef>
+          <a:fillRef idx="0">
+            <a:schemeClr val="accent1"/>
+          </a:fillRef>
+          <a:effectRef idx="0">
+            <a:schemeClr val="accent1"/>
+          </a:effectRef>
+          <a:fontRef idx="minor">
+            <a:schemeClr val="tx1"/>
+          </a:fontRef>
+        </p:style>
+      </p:cxnSp>
+      <p:pic>
+        <p:nvPicPr>
+          <p:cNvPr id="237" name="グラフィックス 236" descr="雲">
+            <a:extLst>
+              <a:ext uri="{FF2B5EF4-FFF2-40B4-BE49-F238E27FC236}">
+                <a16:creationId xmlns:a16="http://schemas.microsoft.com/office/drawing/2014/main" id="{20F6ED60-4F65-D161-B82E-DFF9C8BD124F}"/>
+              </a:ext>
+            </a:extLst>
+          </p:cNvPr>
+          <p:cNvPicPr>
+            <a:picLocks noChangeAspect="1"/>
+          </p:cNvPicPr>
+          <p:nvPr/>
+        </p:nvPicPr>
+        <p:blipFill>
+          <a:blip r:embed="rId2">
+            <a:extLst>
+              <a:ext uri="{28A0092B-C50C-407E-A947-70E740481C1C}">
+                <a14:useLocalDpi xmlns:a14="http://schemas.microsoft.com/office/drawing/2010/main" val="0"/>
+              </a:ext>
+              <a:ext uri="{96DAC541-7B7A-43D3-8B79-37D633B846F1}">
+                <asvg:svgBlip xmlns:asvg="http://schemas.microsoft.com/office/drawing/2016/SVG/main" r:embed="rId3"/>
+              </a:ext>
+            </a:extLst>
+          </a:blip>
+          <a:stretch>
+            <a:fillRect/>
+          </a:stretch>
+        </p:blipFill>
+        <p:spPr>
+          <a:xfrm>
+            <a:off x="10449824" y="2296857"/>
+            <a:ext cx="914400" cy="914400"/>
+          </a:xfrm>
+          <a:prstGeom prst="rect">
+            <a:avLst/>
+          </a:prstGeom>
+        </p:spPr>
+      </p:pic>
+      <p:sp>
+        <p:nvSpPr>
+          <p:cNvPr id="238" name="テキスト ボックス 237">
+            <a:extLst>
+              <a:ext uri="{FF2B5EF4-FFF2-40B4-BE49-F238E27FC236}">
+                <a16:creationId xmlns:a16="http://schemas.microsoft.com/office/drawing/2014/main" id="{A4B165AA-9A92-DA48-91D4-764FF3C4D425}"/>
+              </a:ext>
+            </a:extLst>
+          </p:cNvPr>
+          <p:cNvSpPr txBox="1"/>
+          <p:nvPr/>
+        </p:nvSpPr>
+        <p:spPr>
+          <a:xfrm>
+            <a:off x="10407730" y="2243550"/>
+            <a:ext cx="960519" cy="276999"/>
+          </a:xfrm>
+          <a:prstGeom prst="rect">
+            <a:avLst/>
+          </a:prstGeom>
+          <a:noFill/>
+        </p:spPr>
+        <p:txBody>
+          <a:bodyPr wrap="none" rtlCol="0">
+            <a:spAutoFit/>
+          </a:bodyPr>
+          <a:lstStyle/>
+          <a:p>
+            <a:r>
+              <a:rPr kumimoji="1" lang="ja-JP" altLang="en-US" sz="1200" dirty="0"/>
+              <a:t>インターネット</a:t>
+            </a:r>
+          </a:p>
+        </p:txBody>
+      </p:sp>
+      <p:sp>
+        <p:nvSpPr>
+          <p:cNvPr id="239" name="乗算記号 238">
+            <a:extLst>
+              <a:ext uri="{FF2B5EF4-FFF2-40B4-BE49-F238E27FC236}">
+                <a16:creationId xmlns:a16="http://schemas.microsoft.com/office/drawing/2014/main" id="{553E9F07-3ACA-CE38-46DF-1C3484F29D40}"/>
+              </a:ext>
+            </a:extLst>
+          </p:cNvPr>
+          <p:cNvSpPr/>
+          <p:nvPr/>
+        </p:nvSpPr>
+        <p:spPr>
+          <a:xfrm>
+            <a:off x="10074450" y="2532031"/>
+            <a:ext cx="461304" cy="461304"/>
+          </a:xfrm>
+          <a:prstGeom prst="mathMultiply">
+            <a:avLst>
+              <a:gd name="adj1" fmla="val 5475"/>
+            </a:avLst>
+          </a:prstGeom>
+          <a:solidFill>
+            <a:srgbClr val="FF0000"/>
+          </a:solidFill>
+          <a:ln>
+            <a:noFill/>
+          </a:ln>
+          <a:effectLst>
+            <a:glow rad="38100">
+              <a:schemeClr val="bg1"/>
+            </a:glow>
+          </a:effectLst>
+        </p:spPr>
+        <p:style>
+          <a:lnRef idx="2">
+            <a:schemeClr val="accent1">
+              <a:shade val="50000"/>
+            </a:schemeClr>
+          </a:lnRef>
+          <a:fillRef idx="1">
+            <a:schemeClr val="accent1"/>
+          </a:fillRef>
+          <a:effectRef idx="0">
+            <a:schemeClr val="accent1"/>
+          </a:effectRef>
+          <a:fontRef idx="minor">
+            <a:schemeClr val="lt1"/>
+          </a:fontRef>
+        </p:style>
+        <p:txBody>
+          <a:bodyPr rtlCol="0" anchor="ctr"/>
+          <a:lstStyle/>
+          <a:p>
+            <a:pPr algn="ctr"/>
+            <a:endParaRPr kumimoji="1" lang="ja-JP" altLang="en-US"/>
+          </a:p>
+        </p:txBody>
+      </p:sp>
+      <p:sp>
+        <p:nvSpPr>
+          <p:cNvPr id="240" name="正方形/長方形 239">
+            <a:extLst>
+              <a:ext uri="{FF2B5EF4-FFF2-40B4-BE49-F238E27FC236}">
+                <a16:creationId xmlns:a16="http://schemas.microsoft.com/office/drawing/2014/main" id="{640C2207-845E-1D77-AE45-EB4E7B6D0E3D}"/>
+              </a:ext>
+            </a:extLst>
+          </p:cNvPr>
+          <p:cNvSpPr/>
+          <p:nvPr/>
+        </p:nvSpPr>
+        <p:spPr>
+          <a:xfrm>
+            <a:off x="8412321" y="2280356"/>
+            <a:ext cx="1140985" cy="941141"/>
+          </a:xfrm>
+          <a:prstGeom prst="rect">
+            <a:avLst/>
+          </a:prstGeom>
+          <a:noFill/>
+          <a:ln>
+            <a:prstDash val="dash"/>
+          </a:ln>
+        </p:spPr>
+        <p:style>
+          <a:lnRef idx="2">
+            <a:schemeClr val="accent1">
+              <a:shade val="50000"/>
+            </a:schemeClr>
+          </a:lnRef>
+          <a:fillRef idx="1">
+            <a:schemeClr val="accent1"/>
+          </a:fillRef>
+          <a:effectRef idx="0">
+            <a:schemeClr val="accent1"/>
+          </a:effectRef>
+          <a:fontRef idx="minor">
+            <a:schemeClr val="lt1"/>
+          </a:fontRef>
+        </p:style>
+        <p:txBody>
+          <a:bodyPr rtlCol="0" anchor="ctr"/>
+          <a:lstStyle/>
+          <a:p>
+            <a:pPr algn="ctr"/>
+            <a:endParaRPr kumimoji="1" lang="ja-JP" altLang="en-US"/>
+          </a:p>
+        </p:txBody>
+      </p:sp>
+      <p:cxnSp>
+        <p:nvCxnSpPr>
+          <p:cNvPr id="241" name="直線コネクタ 240">
+            <a:extLst>
+              <a:ext uri="{FF2B5EF4-FFF2-40B4-BE49-F238E27FC236}">
+                <a16:creationId xmlns:a16="http://schemas.microsoft.com/office/drawing/2014/main" id="{00E311C9-9A91-9535-FF4F-076EA073B9D9}"/>
+              </a:ext>
+            </a:extLst>
+          </p:cNvPr>
+          <p:cNvCxnSpPr>
+            <a:cxnSpLocks/>
+            <a:stCxn id="226" idx="1"/>
+            <a:endCxn id="240" idx="1"/>
+          </p:cNvCxnSpPr>
+          <p:nvPr/>
+        </p:nvCxnSpPr>
+        <p:spPr>
+          <a:xfrm flipH="1" flipV="1">
+            <a:off x="8412321" y="2750927"/>
+            <a:ext cx="220893" cy="590"/>
+          </a:xfrm>
+          <a:prstGeom prst="line">
+            <a:avLst/>
+          </a:prstGeom>
+          <a:ln w="12700">
+            <a:tailEnd type="oval"/>
+          </a:ln>
+          <a:effectLst>
+            <a:glow rad="38100">
+              <a:schemeClr val="bg1"/>
+            </a:glow>
+          </a:effectLst>
+        </p:spPr>
+        <p:style>
+          <a:lnRef idx="1">
+            <a:schemeClr val="accent1"/>
+          </a:lnRef>
+          <a:fillRef idx="0">
+            <a:schemeClr val="accent1"/>
+          </a:fillRef>
+          <a:effectRef idx="0">
+            <a:schemeClr val="accent1"/>
+          </a:effectRef>
+          <a:fontRef idx="minor">
+            <a:schemeClr val="tx1"/>
+          </a:fontRef>
+        </p:style>
+      </p:cxnSp>
+      <p:sp>
+        <p:nvSpPr>
+          <p:cNvPr id="242" name="テキスト ボックス 241">
+            <a:extLst>
+              <a:ext uri="{FF2B5EF4-FFF2-40B4-BE49-F238E27FC236}">
+                <a16:creationId xmlns:a16="http://schemas.microsoft.com/office/drawing/2014/main" id="{F41C6C5C-04BD-6BFA-7CC1-7F7F645487C6}"/>
+              </a:ext>
+            </a:extLst>
+          </p:cNvPr>
+          <p:cNvSpPr txBox="1"/>
+          <p:nvPr/>
+        </p:nvSpPr>
+        <p:spPr>
+          <a:xfrm>
+            <a:off x="6223267" y="881060"/>
+            <a:ext cx="2526530" cy="369332"/>
+          </a:xfrm>
+          <a:prstGeom prst="rect">
+            <a:avLst/>
+          </a:prstGeom>
+          <a:noFill/>
+        </p:spPr>
+        <p:txBody>
+          <a:bodyPr wrap="square">
+            <a:spAutoFit/>
+          </a:bodyPr>
+          <a:lstStyle/>
+          <a:p>
+            <a:pPr algn="ctr"/>
+            <a:r>
+              <a:rPr lang="en-US" altLang="ja-JP" b="1" dirty="0">
+                <a:solidFill>
+                  <a:schemeClr val="accent1"/>
+                </a:solidFill>
+              </a:rPr>
+              <a:t>&lt;VNet </a:t>
+            </a:r>
+            <a:r>
+              <a:rPr lang="ja-JP" altLang="en-US" b="1" dirty="0">
+                <a:solidFill>
+                  <a:schemeClr val="accent1"/>
+                </a:solidFill>
+              </a:rPr>
+              <a:t>インジェクション</a:t>
+            </a:r>
+            <a:r>
+              <a:rPr lang="en-US" altLang="ja-JP" b="1" dirty="0">
+                <a:solidFill>
+                  <a:schemeClr val="accent1"/>
+                </a:solidFill>
+              </a:rPr>
+              <a:t>&gt;</a:t>
+            </a:r>
+            <a:endParaRPr lang="ja-JP" altLang="en-US" b="1" dirty="0">
+              <a:solidFill>
+                <a:schemeClr val="accent1"/>
+              </a:solidFill>
+            </a:endParaRPr>
+          </a:p>
+        </p:txBody>
+      </p:sp>
+      <p:sp>
+        <p:nvSpPr>
+          <p:cNvPr id="243" name="テキスト ボックス 242">
+            <a:extLst>
+              <a:ext uri="{FF2B5EF4-FFF2-40B4-BE49-F238E27FC236}">
+                <a16:creationId xmlns:a16="http://schemas.microsoft.com/office/drawing/2014/main" id="{3D2FF045-2E46-9093-B309-3E9BCC1062A6}"/>
+              </a:ext>
+            </a:extLst>
+          </p:cNvPr>
+          <p:cNvSpPr txBox="1"/>
+          <p:nvPr/>
+        </p:nvSpPr>
+        <p:spPr>
+          <a:xfrm>
+            <a:off x="6223267" y="3861192"/>
+            <a:ext cx="2833560" cy="369332"/>
+          </a:xfrm>
+          <a:prstGeom prst="rect">
+            <a:avLst/>
+          </a:prstGeom>
+          <a:noFill/>
+        </p:spPr>
+        <p:txBody>
+          <a:bodyPr wrap="square">
+            <a:spAutoFit/>
+          </a:bodyPr>
+          <a:lstStyle/>
+          <a:p>
+            <a:pPr algn="ctr"/>
+            <a:r>
+              <a:rPr lang="en-US" altLang="ja-JP" b="1" dirty="0">
+                <a:solidFill>
+                  <a:schemeClr val="accent1"/>
+                </a:solidFill>
+              </a:rPr>
+              <a:t>&lt;</a:t>
+            </a:r>
+            <a:r>
+              <a:rPr lang="ja-JP" altLang="en-US" b="1" dirty="0">
+                <a:solidFill>
+                  <a:schemeClr val="accent1"/>
+                </a:solidFill>
+              </a:rPr>
+              <a:t>プライベート エンドポイント</a:t>
+            </a:r>
+            <a:r>
+              <a:rPr lang="en-US" altLang="ja-JP" b="1" dirty="0">
+                <a:solidFill>
+                  <a:schemeClr val="accent1"/>
+                </a:solidFill>
+              </a:rPr>
+              <a:t>&gt;</a:t>
+            </a:r>
+            <a:endParaRPr lang="ja-JP" altLang="en-US" b="1" dirty="0">
+              <a:solidFill>
+                <a:schemeClr val="accent1"/>
+              </a:solidFill>
+            </a:endParaRPr>
+          </a:p>
+        </p:txBody>
+      </p:sp>
+      <p:pic>
+        <p:nvPicPr>
+          <p:cNvPr id="244" name="グラフィックス 243">
+            <a:extLst>
+              <a:ext uri="{FF2B5EF4-FFF2-40B4-BE49-F238E27FC236}">
+                <a16:creationId xmlns:a16="http://schemas.microsoft.com/office/drawing/2014/main" id="{4FF59DBF-3086-A3EC-8F42-67A2F1111D01}"/>
+              </a:ext>
+            </a:extLst>
+          </p:cNvPr>
+          <p:cNvPicPr>
+            <a:picLocks noChangeAspect="1"/>
+          </p:cNvPicPr>
+          <p:nvPr/>
+        </p:nvPicPr>
+        <p:blipFill>
+          <a:blip r:embed="rId4">
+            <a:extLst>
+              <a:ext uri="{28A0092B-C50C-407E-A947-70E740481C1C}">
+                <a14:useLocalDpi xmlns:a14="http://schemas.microsoft.com/office/drawing/2010/main" val="0"/>
+              </a:ext>
+              <a:ext uri="{96DAC541-7B7A-43D3-8B79-37D633B846F1}">
+                <asvg:svgBlip xmlns:asvg="http://schemas.microsoft.com/office/drawing/2016/SVG/main" r:embed="rId5"/>
+              </a:ext>
+            </a:extLst>
+          </a:blip>
+          <a:stretch>
+            <a:fillRect/>
+          </a:stretch>
+        </p:blipFill>
+        <p:spPr>
+          <a:xfrm>
+            <a:off x="10008532" y="5361306"/>
+            <a:ext cx="720079" cy="720079"/>
+          </a:xfrm>
+          <a:prstGeom prst="rect">
+            <a:avLst/>
+          </a:prstGeom>
+        </p:spPr>
+      </p:pic>
+      <p:sp>
+        <p:nvSpPr>
+          <p:cNvPr id="245" name="正方形/長方形 244">
+            <a:extLst>
+              <a:ext uri="{FF2B5EF4-FFF2-40B4-BE49-F238E27FC236}">
+                <a16:creationId xmlns:a16="http://schemas.microsoft.com/office/drawing/2014/main" id="{96C2421E-D505-6B4E-2B43-3280ADAAB54A}"/>
+              </a:ext>
+            </a:extLst>
+          </p:cNvPr>
+          <p:cNvSpPr/>
+          <p:nvPr/>
+        </p:nvSpPr>
+        <p:spPr>
+          <a:xfrm>
+            <a:off x="6788551" y="4880571"/>
+            <a:ext cx="1698423" cy="1377879"/>
+          </a:xfrm>
+          <a:prstGeom prst="rect">
+            <a:avLst/>
+          </a:prstGeom>
+          <a:noFill/>
+        </p:spPr>
+        <p:style>
+          <a:lnRef idx="2">
+            <a:schemeClr val="accent1">
+              <a:shade val="50000"/>
+            </a:schemeClr>
+          </a:lnRef>
+          <a:fillRef idx="1">
+            <a:schemeClr val="accent1"/>
+          </a:fillRef>
+          <a:effectRef idx="0">
+            <a:schemeClr val="accent1"/>
+          </a:effectRef>
+          <a:fontRef idx="minor">
+            <a:schemeClr val="lt1"/>
+          </a:fontRef>
+        </p:style>
+        <p:txBody>
+          <a:bodyPr rtlCol="0" anchor="ctr"/>
+          <a:lstStyle/>
+          <a:p>
+            <a:pPr algn="ctr"/>
+            <a:endParaRPr kumimoji="1" lang="ja-JP" altLang="en-US"/>
+          </a:p>
+        </p:txBody>
+      </p:sp>
+      <p:pic>
+        <p:nvPicPr>
+          <p:cNvPr id="246" name="グラフィックス 245">
+            <a:extLst>
+              <a:ext uri="{FF2B5EF4-FFF2-40B4-BE49-F238E27FC236}">
+                <a16:creationId xmlns:a16="http://schemas.microsoft.com/office/drawing/2014/main" id="{510F6EBD-925F-5D72-4D51-1C1530B760E9}"/>
+              </a:ext>
+            </a:extLst>
+          </p:cNvPr>
+          <p:cNvPicPr>
+            <a:picLocks noChangeAspect="1"/>
+          </p:cNvPicPr>
+          <p:nvPr/>
+        </p:nvPicPr>
+        <p:blipFill>
+          <a:blip r:embed="rId6">
+            <a:extLst>
+              <a:ext uri="{28A0092B-C50C-407E-A947-70E740481C1C}">
+                <a14:useLocalDpi xmlns:a14="http://schemas.microsoft.com/office/drawing/2010/main" val="0"/>
+              </a:ext>
+              <a:ext uri="{96DAC541-7B7A-43D3-8B79-37D633B846F1}">
+                <asvg:svgBlip xmlns:asvg="http://schemas.microsoft.com/office/drawing/2016/SVG/main" r:embed="rId7"/>
+              </a:ext>
+            </a:extLst>
+          </a:blip>
+          <a:stretch>
+            <a:fillRect/>
+          </a:stretch>
+        </p:blipFill>
+        <p:spPr>
+          <a:xfrm>
+            <a:off x="6777295" y="4565105"/>
+            <a:ext cx="315467" cy="315467"/>
+          </a:xfrm>
+          <a:prstGeom prst="rect">
+            <a:avLst/>
+          </a:prstGeom>
+        </p:spPr>
+      </p:pic>
+      <p:sp>
+        <p:nvSpPr>
+          <p:cNvPr id="247" name="正方形/長方形 246">
+            <a:extLst>
+              <a:ext uri="{FF2B5EF4-FFF2-40B4-BE49-F238E27FC236}">
+                <a16:creationId xmlns:a16="http://schemas.microsoft.com/office/drawing/2014/main" id="{D060253B-5C52-1A27-446D-785294F2D618}"/>
+              </a:ext>
+            </a:extLst>
+          </p:cNvPr>
+          <p:cNvSpPr/>
+          <p:nvPr/>
+        </p:nvSpPr>
+        <p:spPr>
+          <a:xfrm>
+            <a:off x="6951308" y="5250185"/>
+            <a:ext cx="1344113" cy="941141"/>
+          </a:xfrm>
+          <a:prstGeom prst="rect">
+            <a:avLst/>
+          </a:prstGeom>
+          <a:noFill/>
+          <a:ln>
+            <a:prstDash val="dash"/>
+          </a:ln>
+        </p:spPr>
+        <p:style>
+          <a:lnRef idx="2">
+            <a:schemeClr val="accent1">
+              <a:shade val="50000"/>
+            </a:schemeClr>
+          </a:lnRef>
+          <a:fillRef idx="1">
+            <a:schemeClr val="accent1"/>
+          </a:fillRef>
+          <a:effectRef idx="0">
+            <a:schemeClr val="accent1"/>
+          </a:effectRef>
+          <a:fontRef idx="minor">
+            <a:schemeClr val="lt1"/>
+          </a:fontRef>
+        </p:style>
+        <p:txBody>
+          <a:bodyPr rtlCol="0" anchor="ctr"/>
+          <a:lstStyle/>
+          <a:p>
+            <a:pPr algn="ctr"/>
+            <a:endParaRPr kumimoji="1" lang="ja-JP" altLang="en-US"/>
+          </a:p>
+        </p:txBody>
+      </p:sp>
+      <p:pic>
+        <p:nvPicPr>
+          <p:cNvPr id="248" name="グラフィックス 247">
+            <a:extLst>
+              <a:ext uri="{FF2B5EF4-FFF2-40B4-BE49-F238E27FC236}">
+                <a16:creationId xmlns:a16="http://schemas.microsoft.com/office/drawing/2014/main" id="{AFA13559-2270-C8B1-C442-DDDF689CEE4A}"/>
+              </a:ext>
+            </a:extLst>
+          </p:cNvPr>
+          <p:cNvPicPr>
+            <a:picLocks noChangeAspect="1"/>
+          </p:cNvPicPr>
+          <p:nvPr/>
+        </p:nvPicPr>
+        <p:blipFill>
+          <a:blip r:embed="rId8">
+            <a:extLst>
+              <a:ext uri="{28A0092B-C50C-407E-A947-70E740481C1C}">
+                <a14:useLocalDpi xmlns:a14="http://schemas.microsoft.com/office/drawing/2010/main" val="0"/>
+              </a:ext>
+              <a:ext uri="{96DAC541-7B7A-43D3-8B79-37D633B846F1}">
+                <asvg:svgBlip xmlns:asvg="http://schemas.microsoft.com/office/drawing/2016/SVG/main" r:embed="rId9"/>
+              </a:ext>
+            </a:extLst>
+          </a:blip>
+          <a:stretch>
+            <a:fillRect/>
+          </a:stretch>
+        </p:blipFill>
+        <p:spPr>
+          <a:xfrm>
+            <a:off x="6921697" y="4986557"/>
+            <a:ext cx="253762" cy="253762"/>
+          </a:xfrm>
+          <a:prstGeom prst="rect">
+            <a:avLst/>
+          </a:prstGeom>
+        </p:spPr>
+      </p:pic>
+      <p:pic>
+        <p:nvPicPr>
+          <p:cNvPr id="249" name="グラフィックス 248">
+            <a:extLst>
+              <a:ext uri="{FF2B5EF4-FFF2-40B4-BE49-F238E27FC236}">
+                <a16:creationId xmlns:a16="http://schemas.microsoft.com/office/drawing/2014/main" id="{509516A7-5FC3-A28E-5289-6A2C8909B0DF}"/>
+              </a:ext>
+            </a:extLst>
+          </p:cNvPr>
+          <p:cNvPicPr>
+            <a:picLocks noChangeAspect="1"/>
+          </p:cNvPicPr>
+          <p:nvPr/>
+        </p:nvPicPr>
+        <p:blipFill>
+          <a:blip r:embed="rId10">
+            <a:extLst>
+              <a:ext uri="{28A0092B-C50C-407E-A947-70E740481C1C}">
+                <a14:useLocalDpi xmlns:a14="http://schemas.microsoft.com/office/drawing/2010/main" val="0"/>
+              </a:ext>
+              <a:ext uri="{96DAC541-7B7A-43D3-8B79-37D633B846F1}">
+                <asvg:svgBlip xmlns:asvg="http://schemas.microsoft.com/office/drawing/2016/SVG/main" r:embed="rId11"/>
+              </a:ext>
+            </a:extLst>
+          </a:blip>
+          <a:stretch>
+            <a:fillRect/>
+          </a:stretch>
+        </p:blipFill>
+        <p:spPr>
+          <a:xfrm>
+            <a:off x="7043047" y="5444557"/>
+            <a:ext cx="543744" cy="543744"/>
+          </a:xfrm>
+          <a:prstGeom prst="rect">
+            <a:avLst/>
+          </a:prstGeom>
+        </p:spPr>
+      </p:pic>
+      <p:sp>
+        <p:nvSpPr>
+          <p:cNvPr id="250" name="テキスト ボックス 249">
+            <a:extLst>
+              <a:ext uri="{FF2B5EF4-FFF2-40B4-BE49-F238E27FC236}">
+                <a16:creationId xmlns:a16="http://schemas.microsoft.com/office/drawing/2014/main" id="{4F6E0B48-4045-D40E-26D8-F7B79727D35B}"/>
+              </a:ext>
+            </a:extLst>
+          </p:cNvPr>
+          <p:cNvSpPr txBox="1"/>
+          <p:nvPr/>
+        </p:nvSpPr>
+        <p:spPr>
+          <a:xfrm>
+            <a:off x="7048578" y="4556150"/>
+            <a:ext cx="1317990" cy="307777"/>
+          </a:xfrm>
+          <a:prstGeom prst="rect">
+            <a:avLst/>
+          </a:prstGeom>
+          <a:noFill/>
+        </p:spPr>
+        <p:txBody>
+          <a:bodyPr wrap="none" rtlCol="0">
+            <a:spAutoFit/>
+          </a:bodyPr>
+          <a:lstStyle/>
+          <a:p>
+            <a:r>
+              <a:rPr kumimoji="1" lang="ja-JP" altLang="en-US" sz="1400" dirty="0"/>
+              <a:t>仮想ネットワーク</a:t>
+            </a:r>
+          </a:p>
+        </p:txBody>
+      </p:sp>
+      <p:sp>
+        <p:nvSpPr>
+          <p:cNvPr id="251" name="テキスト ボックス 250">
+            <a:extLst>
+              <a:ext uri="{FF2B5EF4-FFF2-40B4-BE49-F238E27FC236}">
+                <a16:creationId xmlns:a16="http://schemas.microsoft.com/office/drawing/2014/main" id="{1E2874A9-61FE-B9A1-C57C-CF2FAA9009F4}"/>
+              </a:ext>
+            </a:extLst>
+          </p:cNvPr>
+          <p:cNvSpPr txBox="1"/>
+          <p:nvPr/>
+        </p:nvSpPr>
+        <p:spPr>
+          <a:xfrm>
+            <a:off x="7107939" y="4943949"/>
+            <a:ext cx="854721" cy="307777"/>
+          </a:xfrm>
+          <a:prstGeom prst="rect">
+            <a:avLst/>
+          </a:prstGeom>
+          <a:noFill/>
+        </p:spPr>
+        <p:txBody>
+          <a:bodyPr wrap="none" rtlCol="0">
+            <a:spAutoFit/>
+          </a:bodyPr>
+          <a:lstStyle/>
+          <a:p>
+            <a:r>
+              <a:rPr kumimoji="1" lang="ja-JP" altLang="en-US" sz="1400" dirty="0"/>
+              <a:t>サブネット</a:t>
+            </a:r>
+          </a:p>
+        </p:txBody>
+      </p:sp>
+      <p:sp>
+        <p:nvSpPr>
+          <p:cNvPr id="252" name="テキスト ボックス 251">
+            <a:extLst>
+              <a:ext uri="{FF2B5EF4-FFF2-40B4-BE49-F238E27FC236}">
+                <a16:creationId xmlns:a16="http://schemas.microsoft.com/office/drawing/2014/main" id="{4144BFDE-28FA-2FE5-C9F4-9EE9AAB549EA}"/>
+              </a:ext>
+            </a:extLst>
+          </p:cNvPr>
+          <p:cNvSpPr txBox="1"/>
+          <p:nvPr/>
+        </p:nvSpPr>
+        <p:spPr>
+          <a:xfrm>
+            <a:off x="9763682" y="5124030"/>
+            <a:ext cx="1120820" cy="307777"/>
+          </a:xfrm>
+          <a:prstGeom prst="rect">
+            <a:avLst/>
+          </a:prstGeom>
+          <a:noFill/>
+        </p:spPr>
+        <p:txBody>
+          <a:bodyPr wrap="none" rtlCol="0">
+            <a:spAutoFit/>
+          </a:bodyPr>
+          <a:lstStyle/>
+          <a:p>
+            <a:r>
+              <a:rPr kumimoji="1" lang="en-US" altLang="ja-JP" sz="1400" dirty="0"/>
+              <a:t>PaaS </a:t>
+            </a:r>
+            <a:r>
+              <a:rPr kumimoji="1" lang="ja-JP" altLang="en-US" sz="1400" dirty="0"/>
+              <a:t>リソース</a:t>
+            </a:r>
+          </a:p>
+        </p:txBody>
+      </p:sp>
+      <p:cxnSp>
+        <p:nvCxnSpPr>
+          <p:cNvPr id="253" name="直線コネクタ 252">
+            <a:extLst>
+              <a:ext uri="{FF2B5EF4-FFF2-40B4-BE49-F238E27FC236}">
+                <a16:creationId xmlns:a16="http://schemas.microsoft.com/office/drawing/2014/main" id="{2A03A74C-EFA5-EAD7-013D-656CDAB5920A}"/>
+              </a:ext>
+            </a:extLst>
+          </p:cNvPr>
+          <p:cNvCxnSpPr>
+            <a:cxnSpLocks/>
+            <a:stCxn id="244" idx="1"/>
+            <a:endCxn id="259" idx="3"/>
+          </p:cNvCxnSpPr>
+          <p:nvPr/>
+        </p:nvCxnSpPr>
+        <p:spPr>
+          <a:xfrm flipH="1" flipV="1">
+            <a:off x="8137655" y="5716507"/>
+            <a:ext cx="1870877" cy="4839"/>
+          </a:xfrm>
+          <a:prstGeom prst="line">
+            <a:avLst/>
+          </a:prstGeom>
+          <a:ln w="12700">
+            <a:tailEnd type="oval"/>
+          </a:ln>
+          <a:effectLst>
+            <a:glow rad="38100">
+              <a:schemeClr val="bg1"/>
+            </a:glow>
+          </a:effectLst>
+        </p:spPr>
+        <p:style>
+          <a:lnRef idx="1">
+            <a:schemeClr val="accent1"/>
+          </a:lnRef>
+          <a:fillRef idx="0">
+            <a:schemeClr val="accent1"/>
+          </a:fillRef>
+          <a:effectRef idx="0">
+            <a:schemeClr val="accent1"/>
+          </a:effectRef>
+          <a:fontRef idx="minor">
+            <a:schemeClr val="tx1"/>
+          </a:fontRef>
+        </p:style>
+      </p:cxnSp>
+      <p:cxnSp>
+        <p:nvCxnSpPr>
+          <p:cNvPr id="254" name="直線矢印コネクタ 253">
+            <a:extLst>
+              <a:ext uri="{FF2B5EF4-FFF2-40B4-BE49-F238E27FC236}">
+                <a16:creationId xmlns:a16="http://schemas.microsoft.com/office/drawing/2014/main" id="{2A74D6B6-8CE5-866B-5148-D018F3E125CC}"/>
+              </a:ext>
+            </a:extLst>
+          </p:cNvPr>
+          <p:cNvCxnSpPr>
+            <a:cxnSpLocks/>
+            <a:stCxn id="249" idx="3"/>
+            <a:endCxn id="259" idx="1"/>
+          </p:cNvCxnSpPr>
+          <p:nvPr/>
+        </p:nvCxnSpPr>
+        <p:spPr>
+          <a:xfrm>
+            <a:off x="7586791" y="5716429"/>
+            <a:ext cx="272555" cy="78"/>
+          </a:xfrm>
+          <a:prstGeom prst="straightConnector1">
+            <a:avLst/>
+          </a:prstGeom>
+          <a:ln w="12700">
+            <a:tailEnd type="triangle"/>
+          </a:ln>
+          <a:effectLst>
+            <a:glow rad="38100">
+              <a:schemeClr val="bg1"/>
+            </a:glow>
+          </a:effectLst>
+        </p:spPr>
+        <p:style>
+          <a:lnRef idx="1">
+            <a:schemeClr val="accent1"/>
+          </a:lnRef>
+          <a:fillRef idx="0">
+            <a:schemeClr val="accent1"/>
+          </a:fillRef>
+          <a:effectRef idx="0">
+            <a:schemeClr val="accent1"/>
+          </a:effectRef>
+          <a:fontRef idx="minor">
+            <a:schemeClr val="tx1"/>
+          </a:fontRef>
+        </p:style>
+      </p:cxnSp>
+      <p:cxnSp>
+        <p:nvCxnSpPr>
+          <p:cNvPr id="255" name="直線コネクタ 254">
+            <a:extLst>
+              <a:ext uri="{FF2B5EF4-FFF2-40B4-BE49-F238E27FC236}">
+                <a16:creationId xmlns:a16="http://schemas.microsoft.com/office/drawing/2014/main" id="{3ACDC7BE-7AC9-4072-15CA-6FEB26459308}"/>
+              </a:ext>
+            </a:extLst>
+          </p:cNvPr>
+          <p:cNvCxnSpPr>
+            <a:cxnSpLocks/>
+            <a:stCxn id="168" idx="6"/>
+          </p:cNvCxnSpPr>
+          <p:nvPr/>
+        </p:nvCxnSpPr>
+        <p:spPr>
+          <a:xfrm flipV="1">
+            <a:off x="9340199" y="4846320"/>
+            <a:ext cx="234331" cy="873241"/>
+          </a:xfrm>
+          <a:prstGeom prst="line">
+            <a:avLst/>
+          </a:prstGeom>
+          <a:ln w="12700">
+            <a:tailEnd type="oval"/>
+          </a:ln>
+          <a:effectLst>
+            <a:glow rad="38100">
+              <a:schemeClr val="bg1"/>
+            </a:glow>
+          </a:effectLst>
+        </p:spPr>
+        <p:style>
+          <a:lnRef idx="1">
+            <a:schemeClr val="accent1"/>
+          </a:lnRef>
+          <a:fillRef idx="0">
+            <a:schemeClr val="accent1"/>
+          </a:fillRef>
+          <a:effectRef idx="0">
+            <a:schemeClr val="accent1"/>
+          </a:effectRef>
+          <a:fontRef idx="minor">
+            <a:schemeClr val="tx1"/>
+          </a:fontRef>
+        </p:style>
+      </p:cxnSp>
+      <p:sp>
+        <p:nvSpPr>
+          <p:cNvPr id="257" name="テキスト ボックス 256">
+            <a:extLst>
+              <a:ext uri="{FF2B5EF4-FFF2-40B4-BE49-F238E27FC236}">
+                <a16:creationId xmlns:a16="http://schemas.microsoft.com/office/drawing/2014/main" id="{4B85223B-51E5-DE78-5F02-A51D9BAB9B3B}"/>
+              </a:ext>
+            </a:extLst>
+          </p:cNvPr>
+          <p:cNvSpPr txBox="1"/>
+          <p:nvPr/>
+        </p:nvSpPr>
+        <p:spPr>
+          <a:xfrm>
+            <a:off x="9076504" y="4122597"/>
+            <a:ext cx="960519" cy="276999"/>
+          </a:xfrm>
+          <a:prstGeom prst="rect">
+            <a:avLst/>
+          </a:prstGeom>
+          <a:noFill/>
+        </p:spPr>
+        <p:txBody>
+          <a:bodyPr wrap="none" rtlCol="0">
+            <a:spAutoFit/>
+          </a:bodyPr>
+          <a:lstStyle/>
+          <a:p>
+            <a:r>
+              <a:rPr kumimoji="1" lang="ja-JP" altLang="en-US" sz="1200" dirty="0"/>
+              <a:t>インターネット</a:t>
+            </a:r>
+          </a:p>
+        </p:txBody>
+      </p:sp>
+      <p:sp>
+        <p:nvSpPr>
+          <p:cNvPr id="258" name="乗算記号 257">
+            <a:extLst>
+              <a:ext uri="{FF2B5EF4-FFF2-40B4-BE49-F238E27FC236}">
+                <a16:creationId xmlns:a16="http://schemas.microsoft.com/office/drawing/2014/main" id="{76EB1C25-BFFC-CA65-49F5-C17AD9454509}"/>
+              </a:ext>
+            </a:extLst>
+          </p:cNvPr>
+          <p:cNvSpPr/>
+          <p:nvPr/>
+        </p:nvSpPr>
+        <p:spPr>
+          <a:xfrm>
+            <a:off x="9198864" y="5122678"/>
+            <a:ext cx="461304" cy="461304"/>
+          </a:xfrm>
+          <a:prstGeom prst="mathMultiply">
+            <a:avLst>
+              <a:gd name="adj1" fmla="val 5475"/>
+            </a:avLst>
+          </a:prstGeom>
+          <a:solidFill>
+            <a:srgbClr val="FF0000"/>
+          </a:solidFill>
+          <a:ln>
+            <a:noFill/>
+          </a:ln>
+          <a:effectLst>
+            <a:glow rad="38100">
+              <a:schemeClr val="bg1"/>
+            </a:glow>
+          </a:effectLst>
+        </p:spPr>
+        <p:style>
+          <a:lnRef idx="2">
+            <a:schemeClr val="accent1">
+              <a:shade val="50000"/>
+            </a:schemeClr>
+          </a:lnRef>
+          <a:fillRef idx="1">
+            <a:schemeClr val="accent1"/>
+          </a:fillRef>
+          <a:effectRef idx="0">
+            <a:schemeClr val="accent1"/>
+          </a:effectRef>
+          <a:fontRef idx="minor">
+            <a:schemeClr val="lt1"/>
+          </a:fontRef>
+        </p:style>
+        <p:txBody>
+          <a:bodyPr rtlCol="0" anchor="ctr"/>
+          <a:lstStyle/>
+          <a:p>
+            <a:pPr algn="ctr"/>
+            <a:endParaRPr kumimoji="1" lang="ja-JP" altLang="en-US"/>
+          </a:p>
+        </p:txBody>
+      </p:sp>
+      <p:pic>
+        <p:nvPicPr>
+          <p:cNvPr id="259" name="グラフィックス 258">
+            <a:extLst>
+              <a:ext uri="{FF2B5EF4-FFF2-40B4-BE49-F238E27FC236}">
+                <a16:creationId xmlns:a16="http://schemas.microsoft.com/office/drawing/2014/main" id="{768B85A5-6277-53DD-B4A5-935CD3EEBF7A}"/>
+              </a:ext>
+            </a:extLst>
+          </p:cNvPr>
+          <p:cNvPicPr>
+            <a:picLocks noChangeAspect="1"/>
+          </p:cNvPicPr>
+          <p:nvPr/>
+        </p:nvPicPr>
+        <p:blipFill>
+          <a:blip r:embed="rId12">
+            <a:extLst>
+              <a:ext uri="{28A0092B-C50C-407E-A947-70E740481C1C}">
+                <a14:useLocalDpi xmlns:a14="http://schemas.microsoft.com/office/drawing/2010/main" val="0"/>
+              </a:ext>
+              <a:ext uri="{96DAC541-7B7A-43D3-8B79-37D633B846F1}">
+                <asvg:svgBlip xmlns:asvg="http://schemas.microsoft.com/office/drawing/2016/SVG/main" r:embed="rId13"/>
+              </a:ext>
+            </a:extLst>
+          </a:blip>
+          <a:stretch>
+            <a:fillRect/>
+          </a:stretch>
+        </p:blipFill>
+        <p:spPr>
+          <a:xfrm>
+            <a:off x="7859346" y="5577352"/>
+            <a:ext cx="278309" cy="278309"/>
+          </a:xfrm>
+          <a:prstGeom prst="rect">
+            <a:avLst/>
+          </a:prstGeom>
+        </p:spPr>
+      </p:pic>
+      <p:sp>
+        <p:nvSpPr>
+          <p:cNvPr id="260" name="円柱 259">
+            <a:extLst>
+              <a:ext uri="{FF2B5EF4-FFF2-40B4-BE49-F238E27FC236}">
+                <a16:creationId xmlns:a16="http://schemas.microsoft.com/office/drawing/2014/main" id="{29F645A7-E95B-D0D4-4F6C-987DD2BCB5FC}"/>
+              </a:ext>
+            </a:extLst>
+          </p:cNvPr>
+          <p:cNvSpPr/>
+          <p:nvPr/>
+        </p:nvSpPr>
+        <p:spPr>
+          <a:xfrm rot="16200000">
+            <a:off x="2871043" y="5085150"/>
+            <a:ext cx="170404" cy="1249530"/>
+          </a:xfrm>
+          <a:prstGeom prst="can">
+            <a:avLst/>
+          </a:prstGeom>
+          <a:noFill/>
+        </p:spPr>
+        <p:style>
+          <a:lnRef idx="2">
+            <a:schemeClr val="accent1">
+              <a:shade val="50000"/>
+            </a:schemeClr>
+          </a:lnRef>
+          <a:fillRef idx="1">
+            <a:schemeClr val="accent1"/>
+          </a:fillRef>
+          <a:effectRef idx="0">
+            <a:schemeClr val="accent1"/>
+          </a:effectRef>
+          <a:fontRef idx="minor">
+            <a:schemeClr val="lt1"/>
+          </a:fontRef>
+        </p:style>
+        <p:txBody>
+          <a:bodyPr rtlCol="0" anchor="ctr"/>
+          <a:lstStyle/>
+          <a:p>
+            <a:pPr algn="ctr"/>
+            <a:endParaRPr kumimoji="1" lang="ja-JP" altLang="en-US"/>
+          </a:p>
+        </p:txBody>
+      </p:sp>
+      <p:pic>
+        <p:nvPicPr>
+          <p:cNvPr id="261" name="グラフィックス 260">
+            <a:extLst>
+              <a:ext uri="{FF2B5EF4-FFF2-40B4-BE49-F238E27FC236}">
+                <a16:creationId xmlns:a16="http://schemas.microsoft.com/office/drawing/2014/main" id="{5DC02137-978B-659F-CB81-F74CABDC4DB6}"/>
+              </a:ext>
+            </a:extLst>
+          </p:cNvPr>
+          <p:cNvPicPr>
+            <a:picLocks noChangeAspect="1"/>
+          </p:cNvPicPr>
+          <p:nvPr/>
+        </p:nvPicPr>
+        <p:blipFill>
+          <a:blip r:embed="rId4">
+            <a:extLst>
+              <a:ext uri="{28A0092B-C50C-407E-A947-70E740481C1C}">
+                <a14:useLocalDpi xmlns:a14="http://schemas.microsoft.com/office/drawing/2010/main" val="0"/>
+              </a:ext>
+              <a:ext uri="{96DAC541-7B7A-43D3-8B79-37D633B846F1}">
+                <asvg:svgBlip xmlns:asvg="http://schemas.microsoft.com/office/drawing/2016/SVG/main" r:embed="rId5"/>
+              </a:ext>
+            </a:extLst>
+          </a:blip>
+          <a:stretch>
+            <a:fillRect/>
+          </a:stretch>
+        </p:blipFill>
+        <p:spPr>
+          <a:xfrm>
+            <a:off x="4149930" y="5361306"/>
+            <a:ext cx="720079" cy="720079"/>
+          </a:xfrm>
+          <a:prstGeom prst="rect">
+            <a:avLst/>
+          </a:prstGeom>
+        </p:spPr>
+      </p:pic>
+      <p:sp>
+        <p:nvSpPr>
+          <p:cNvPr id="262" name="テキスト ボックス 261">
+            <a:extLst>
+              <a:ext uri="{FF2B5EF4-FFF2-40B4-BE49-F238E27FC236}">
+                <a16:creationId xmlns:a16="http://schemas.microsoft.com/office/drawing/2014/main" id="{42C4A966-94B3-94BF-FEB4-FCEE4DF50788}"/>
+              </a:ext>
+            </a:extLst>
+          </p:cNvPr>
+          <p:cNvSpPr txBox="1"/>
+          <p:nvPr/>
+        </p:nvSpPr>
+        <p:spPr>
+          <a:xfrm>
+            <a:off x="7552405" y="5848742"/>
+            <a:ext cx="785110" cy="369332"/>
+          </a:xfrm>
+          <a:prstGeom prst="rect">
+            <a:avLst/>
+          </a:prstGeom>
+          <a:noFill/>
+        </p:spPr>
+        <p:txBody>
+          <a:bodyPr wrap="square" rtlCol="0">
+            <a:spAutoFit/>
+          </a:bodyPr>
+          <a:lstStyle/>
+          <a:p>
+            <a:pPr algn="ctr"/>
+            <a:r>
+              <a:rPr kumimoji="1" lang="ja-JP" altLang="en-US" sz="900" dirty="0"/>
+              <a:t>プライベート</a:t>
+            </a:r>
+            <a:br>
+              <a:rPr kumimoji="1" lang="en-US" altLang="ja-JP" sz="900" dirty="0"/>
+            </a:br>
+            <a:r>
+              <a:rPr kumimoji="1" lang="ja-JP" altLang="en-US" sz="900" dirty="0"/>
+              <a:t>エンドポイント</a:t>
+            </a:r>
+          </a:p>
+        </p:txBody>
+      </p:sp>
+      <p:sp>
+        <p:nvSpPr>
+          <p:cNvPr id="263" name="楕円 262">
+            <a:extLst>
+              <a:ext uri="{FF2B5EF4-FFF2-40B4-BE49-F238E27FC236}">
+                <a16:creationId xmlns:a16="http://schemas.microsoft.com/office/drawing/2014/main" id="{D13B614E-2205-3698-4D9F-C16430AB7EB7}"/>
+              </a:ext>
+            </a:extLst>
+          </p:cNvPr>
+          <p:cNvSpPr/>
+          <p:nvPr/>
+        </p:nvSpPr>
+        <p:spPr>
+          <a:xfrm>
+            <a:off x="3148117" y="2672037"/>
+            <a:ext cx="138607" cy="138607"/>
+          </a:xfrm>
+          <a:prstGeom prst="ellipse">
+            <a:avLst/>
+          </a:prstGeom>
+          <a:noFill/>
+          <a:ln>
+            <a:solidFill>
+              <a:schemeClr val="accent2"/>
+            </a:solidFill>
+          </a:ln>
+        </p:spPr>
+        <p:style>
+          <a:lnRef idx="2">
+            <a:schemeClr val="accent1">
+              <a:shade val="50000"/>
+            </a:schemeClr>
+          </a:lnRef>
+          <a:fillRef idx="1">
+            <a:schemeClr val="accent1"/>
+          </a:fillRef>
+          <a:effectRef idx="0">
+            <a:schemeClr val="accent1"/>
+          </a:effectRef>
+          <a:fontRef idx="minor">
+            <a:schemeClr val="lt1"/>
+          </a:fontRef>
+        </p:style>
+        <p:txBody>
+          <a:bodyPr rtlCol="0" anchor="ctr"/>
+          <a:lstStyle/>
+          <a:p>
+            <a:pPr algn="ctr"/>
+            <a:endParaRPr kumimoji="1" lang="ja-JP" altLang="en-US"/>
+          </a:p>
+        </p:txBody>
+      </p:sp>
+      <p:sp>
+        <p:nvSpPr>
+          <p:cNvPr id="264" name="楕円 263">
+            <a:extLst>
+              <a:ext uri="{FF2B5EF4-FFF2-40B4-BE49-F238E27FC236}">
+                <a16:creationId xmlns:a16="http://schemas.microsoft.com/office/drawing/2014/main" id="{87378A4A-5E34-C02F-D3E6-356665FFF2B6}"/>
+              </a:ext>
+            </a:extLst>
+          </p:cNvPr>
+          <p:cNvSpPr/>
+          <p:nvPr/>
+        </p:nvSpPr>
+        <p:spPr>
+          <a:xfrm>
+            <a:off x="3145150" y="5645391"/>
+            <a:ext cx="138607" cy="138607"/>
+          </a:xfrm>
+          <a:prstGeom prst="ellipse">
+            <a:avLst/>
+          </a:prstGeom>
+          <a:noFill/>
+          <a:ln>
+            <a:solidFill>
+              <a:schemeClr val="accent2"/>
+            </a:solidFill>
+          </a:ln>
+        </p:spPr>
+        <p:style>
+          <a:lnRef idx="2">
+            <a:schemeClr val="accent1">
+              <a:shade val="50000"/>
+            </a:schemeClr>
+          </a:lnRef>
+          <a:fillRef idx="1">
+            <a:schemeClr val="accent1"/>
+          </a:fillRef>
+          <a:effectRef idx="0">
+            <a:schemeClr val="accent1"/>
+          </a:effectRef>
+          <a:fontRef idx="minor">
+            <a:schemeClr val="lt1"/>
+          </a:fontRef>
+        </p:style>
+        <p:txBody>
+          <a:bodyPr rtlCol="0" anchor="ctr"/>
+          <a:lstStyle/>
+          <a:p>
+            <a:pPr algn="ctr"/>
+            <a:endParaRPr kumimoji="1" lang="ja-JP" altLang="en-US"/>
+          </a:p>
+        </p:txBody>
+      </p:sp>
+      <p:sp>
+        <p:nvSpPr>
+          <p:cNvPr id="265" name="吹き出し: 四角形 264">
+            <a:extLst>
+              <a:ext uri="{FF2B5EF4-FFF2-40B4-BE49-F238E27FC236}">
+                <a16:creationId xmlns:a16="http://schemas.microsoft.com/office/drawing/2014/main" id="{FDB5DD03-8588-0AE0-6C5B-942353029936}"/>
+              </a:ext>
+            </a:extLst>
+          </p:cNvPr>
+          <p:cNvSpPr/>
+          <p:nvPr/>
+        </p:nvSpPr>
+        <p:spPr>
+          <a:xfrm>
+            <a:off x="3063431" y="3045158"/>
+            <a:ext cx="554284" cy="289421"/>
+          </a:xfrm>
+          <a:prstGeom prst="wedgeRectCallout">
+            <a:avLst>
+              <a:gd name="adj1" fmla="val -19130"/>
+              <a:gd name="adj2" fmla="val -131836"/>
+            </a:avLst>
+          </a:prstGeom>
+          <a:ln>
+            <a:noFill/>
+          </a:ln>
+        </p:spPr>
+        <p:style>
+          <a:lnRef idx="2">
+            <a:schemeClr val="accent1">
+              <a:shade val="50000"/>
+            </a:schemeClr>
+          </a:lnRef>
+          <a:fillRef idx="1">
+            <a:schemeClr val="accent1"/>
+          </a:fillRef>
+          <a:effectRef idx="0">
+            <a:schemeClr val="accent1"/>
+          </a:effectRef>
+          <a:fontRef idx="minor">
+            <a:schemeClr val="lt1"/>
+          </a:fontRef>
+        </p:style>
+        <p:txBody>
+          <a:bodyPr rtlCol="0" anchor="ctr"/>
+          <a:lstStyle/>
+          <a:p>
+            <a:pPr algn="ctr"/>
+            <a:r>
+              <a:rPr kumimoji="1" lang="ja-JP" altLang="en-US" sz="700" dirty="0"/>
+              <a:t>パブリック </a:t>
+            </a:r>
+            <a:r>
+              <a:rPr kumimoji="1" lang="en-US" altLang="ja-JP" sz="700" dirty="0"/>
+              <a:t>IP </a:t>
+            </a:r>
+            <a:r>
+              <a:rPr kumimoji="1" lang="ja-JP" altLang="en-US" sz="700" dirty="0"/>
+              <a:t>アドレス</a:t>
+            </a:r>
+          </a:p>
+        </p:txBody>
+      </p:sp>
+      <p:sp>
+        <p:nvSpPr>
+          <p:cNvPr id="266" name="吹き出し: 四角形 265">
+            <a:extLst>
+              <a:ext uri="{FF2B5EF4-FFF2-40B4-BE49-F238E27FC236}">
+                <a16:creationId xmlns:a16="http://schemas.microsoft.com/office/drawing/2014/main" id="{9DC6CEAA-0715-D98D-CEF8-32FB5229C1AD}"/>
+              </a:ext>
+            </a:extLst>
+          </p:cNvPr>
+          <p:cNvSpPr/>
+          <p:nvPr/>
+        </p:nvSpPr>
+        <p:spPr>
+          <a:xfrm>
+            <a:off x="3063431" y="6030129"/>
+            <a:ext cx="554284" cy="289421"/>
+          </a:xfrm>
+          <a:prstGeom prst="wedgeRectCallout">
+            <a:avLst>
+              <a:gd name="adj1" fmla="val -19130"/>
+              <a:gd name="adj2" fmla="val -131836"/>
+            </a:avLst>
+          </a:prstGeom>
+          <a:ln>
+            <a:noFill/>
+          </a:ln>
+        </p:spPr>
+        <p:style>
+          <a:lnRef idx="2">
+            <a:schemeClr val="accent1">
+              <a:shade val="50000"/>
+            </a:schemeClr>
+          </a:lnRef>
+          <a:fillRef idx="1">
+            <a:schemeClr val="accent1"/>
+          </a:fillRef>
+          <a:effectRef idx="0">
+            <a:schemeClr val="accent1"/>
+          </a:effectRef>
+          <a:fontRef idx="minor">
+            <a:schemeClr val="lt1"/>
+          </a:fontRef>
+        </p:style>
+        <p:txBody>
+          <a:bodyPr rtlCol="0" anchor="ctr"/>
+          <a:lstStyle/>
+          <a:p>
+            <a:pPr algn="ctr"/>
+            <a:r>
+              <a:rPr kumimoji="1" lang="ja-JP" altLang="en-US" sz="700" dirty="0"/>
+              <a:t>パブリック </a:t>
+            </a:r>
+            <a:r>
+              <a:rPr kumimoji="1" lang="en-US" altLang="ja-JP" sz="700" dirty="0"/>
+              <a:t>IP </a:t>
+            </a:r>
+            <a:r>
+              <a:rPr kumimoji="1" lang="ja-JP" altLang="en-US" sz="700" dirty="0"/>
+              <a:t>アドレス</a:t>
+            </a:r>
+          </a:p>
+        </p:txBody>
+      </p:sp>
+      <p:sp>
+        <p:nvSpPr>
+          <p:cNvPr id="267" name="吹き出し: 四角形 266">
+            <a:extLst>
+              <a:ext uri="{FF2B5EF4-FFF2-40B4-BE49-F238E27FC236}">
+                <a16:creationId xmlns:a16="http://schemas.microsoft.com/office/drawing/2014/main" id="{1379D5B7-42AE-4858-1B84-455C70E957A2}"/>
+              </a:ext>
+            </a:extLst>
+          </p:cNvPr>
+          <p:cNvSpPr/>
+          <p:nvPr/>
+        </p:nvSpPr>
+        <p:spPr>
+          <a:xfrm>
+            <a:off x="8210646" y="3025092"/>
+            <a:ext cx="593286" cy="289421"/>
+          </a:xfrm>
+          <a:prstGeom prst="wedgeRectCallout">
+            <a:avLst>
+              <a:gd name="adj1" fmla="val -19130"/>
+              <a:gd name="adj2" fmla="val -131836"/>
+            </a:avLst>
+          </a:prstGeom>
+          <a:ln>
+            <a:noFill/>
+          </a:ln>
+        </p:spPr>
+        <p:style>
+          <a:lnRef idx="2">
+            <a:schemeClr val="accent1">
+              <a:shade val="50000"/>
+            </a:schemeClr>
+          </a:lnRef>
+          <a:fillRef idx="1">
+            <a:schemeClr val="accent1"/>
+          </a:fillRef>
+          <a:effectRef idx="0">
+            <a:schemeClr val="accent1"/>
+          </a:effectRef>
+          <a:fontRef idx="minor">
+            <a:schemeClr val="lt1"/>
+          </a:fontRef>
+        </p:style>
+        <p:txBody>
+          <a:bodyPr rtlCol="0" anchor="ctr"/>
+          <a:lstStyle/>
+          <a:p>
+            <a:pPr algn="ctr"/>
+            <a:r>
+              <a:rPr kumimoji="1" lang="ja-JP" altLang="en-US" sz="700" dirty="0"/>
+              <a:t>プライベート</a:t>
+            </a:r>
+            <a:br>
+              <a:rPr kumimoji="1" lang="en-US" altLang="ja-JP" sz="700" dirty="0"/>
+            </a:br>
+            <a:r>
+              <a:rPr kumimoji="1" lang="en-US" altLang="ja-JP" sz="700" dirty="0"/>
+              <a:t>IP </a:t>
+            </a:r>
+            <a:r>
+              <a:rPr kumimoji="1" lang="ja-JP" altLang="en-US" sz="700" dirty="0"/>
+              <a:t>アドレス</a:t>
+            </a:r>
+          </a:p>
+        </p:txBody>
+      </p:sp>
+      <p:sp>
+        <p:nvSpPr>
+          <p:cNvPr id="268" name="吹き出し: 四角形 267">
+            <a:extLst>
+              <a:ext uri="{FF2B5EF4-FFF2-40B4-BE49-F238E27FC236}">
+                <a16:creationId xmlns:a16="http://schemas.microsoft.com/office/drawing/2014/main" id="{7E2E0D76-28FD-4D25-36D1-AE91C5C28146}"/>
+              </a:ext>
+            </a:extLst>
+          </p:cNvPr>
+          <p:cNvSpPr/>
+          <p:nvPr/>
+        </p:nvSpPr>
+        <p:spPr>
+          <a:xfrm>
+            <a:off x="8019664" y="5268661"/>
+            <a:ext cx="593286" cy="289421"/>
+          </a:xfrm>
+          <a:prstGeom prst="wedgeRectCallout">
+            <a:avLst>
+              <a:gd name="adj1" fmla="val -24491"/>
+              <a:gd name="adj2" fmla="val 82454"/>
+            </a:avLst>
+          </a:prstGeom>
+          <a:ln>
+            <a:noFill/>
+          </a:ln>
+        </p:spPr>
+        <p:style>
+          <a:lnRef idx="2">
+            <a:schemeClr val="accent1">
+              <a:shade val="50000"/>
+            </a:schemeClr>
+          </a:lnRef>
+          <a:fillRef idx="1">
+            <a:schemeClr val="accent1"/>
+          </a:fillRef>
+          <a:effectRef idx="0">
+            <a:schemeClr val="accent1"/>
+          </a:effectRef>
+          <a:fontRef idx="minor">
+            <a:schemeClr val="lt1"/>
+          </a:fontRef>
+        </p:style>
+        <p:txBody>
+          <a:bodyPr rtlCol="0" anchor="ctr"/>
+          <a:lstStyle/>
+          <a:p>
+            <a:pPr algn="ctr"/>
+            <a:r>
+              <a:rPr kumimoji="1" lang="ja-JP" altLang="en-US" sz="700" dirty="0"/>
+              <a:t>プライベート</a:t>
+            </a:r>
+            <a:br>
+              <a:rPr kumimoji="1" lang="en-US" altLang="ja-JP" sz="700" dirty="0"/>
+            </a:br>
+            <a:r>
+              <a:rPr kumimoji="1" lang="en-US" altLang="ja-JP" sz="700" dirty="0"/>
+              <a:t>IP </a:t>
+            </a:r>
+            <a:r>
+              <a:rPr kumimoji="1" lang="ja-JP" altLang="en-US" sz="700" dirty="0"/>
+              <a:t>アドレス</a:t>
+            </a:r>
+          </a:p>
+        </p:txBody>
+      </p:sp>
+      <p:cxnSp>
+        <p:nvCxnSpPr>
+          <p:cNvPr id="203" name="直線コネクタ 202">
+            <a:extLst>
+              <a:ext uri="{FF2B5EF4-FFF2-40B4-BE49-F238E27FC236}">
+                <a16:creationId xmlns:a16="http://schemas.microsoft.com/office/drawing/2014/main" id="{22946877-58B2-9353-9DA1-A84F6608F258}"/>
+              </a:ext>
+            </a:extLst>
+          </p:cNvPr>
+          <p:cNvCxnSpPr>
+            <a:cxnSpLocks/>
+            <a:stCxn id="194" idx="1"/>
+            <a:endCxn id="171" idx="6"/>
+          </p:cNvCxnSpPr>
+          <p:nvPr/>
+        </p:nvCxnSpPr>
+        <p:spPr>
+          <a:xfrm flipH="1">
+            <a:off x="3223737" y="2742090"/>
+            <a:ext cx="911575" cy="0"/>
+          </a:xfrm>
+          <a:prstGeom prst="line">
+            <a:avLst/>
+          </a:prstGeom>
+          <a:ln w="12700">
+            <a:tailEnd type="oval"/>
+          </a:ln>
+          <a:effectLst>
+            <a:glow rad="38100">
+              <a:schemeClr val="bg1"/>
+            </a:glow>
+          </a:effectLst>
+        </p:spPr>
+        <p:style>
+          <a:lnRef idx="1">
+            <a:schemeClr val="accent1"/>
+          </a:lnRef>
+          <a:fillRef idx="0">
+            <a:schemeClr val="accent1"/>
+          </a:fillRef>
+          <a:effectRef idx="0">
+            <a:schemeClr val="accent1"/>
+          </a:effectRef>
+          <a:fontRef idx="minor">
+            <a:schemeClr val="tx1"/>
+          </a:fontRef>
+        </p:style>
+      </p:cxnSp>
+    </p:spTree>
+    <p:extLst>
+      <p:ext uri="{BB962C8B-B14F-4D97-AF65-F5344CB8AC3E}">
+        <p14:creationId xmlns:p14="http://schemas.microsoft.com/office/powerpoint/2010/main" val="3947129529"/>
+      </p:ext>
+    </p:extLst>
+  </p:cSld>
+  <p:clrMapOvr>
+    <a:masterClrMapping/>
+  </p:clrMapOvr>
+</p:sld>
+</file>
+
 <file path=ppt/theme/theme1.xml><?xml version="1.0" encoding="utf-8"?>
 <a:theme xmlns:a="http://schemas.openxmlformats.org/drawingml/2006/main" name="Office テーマ">
   <a:themeElements>
